--- a/ppt/第八組大專簡報.pptx
+++ b/ppt/第八組大專簡報.pptx
@@ -5,18 +5,19 @@
     <p:sldMasterId id="2147483648" r:id="rId1"/>
   </p:sldMasterIdLst>
   <p:handoutMasterIdLst>
-    <p:handoutMasterId r:id="rId11"/>
+    <p:handoutMasterId r:id="rId12"/>
   </p:handoutMasterIdLst>
   <p:sldIdLst>
     <p:sldId id="257" r:id="rId2"/>
     <p:sldId id="256" r:id="rId3"/>
     <p:sldId id="258" r:id="rId4"/>
-    <p:sldId id="260" r:id="rId5"/>
-    <p:sldId id="264" r:id="rId6"/>
-    <p:sldId id="259" r:id="rId7"/>
-    <p:sldId id="263" r:id="rId8"/>
-    <p:sldId id="261" r:id="rId9"/>
-    <p:sldId id="262" r:id="rId10"/>
+    <p:sldId id="265" r:id="rId5"/>
+    <p:sldId id="260" r:id="rId6"/>
+    <p:sldId id="264" r:id="rId7"/>
+    <p:sldId id="259" r:id="rId8"/>
+    <p:sldId id="263" r:id="rId9"/>
+    <p:sldId id="261" r:id="rId10"/>
+    <p:sldId id="262" r:id="rId11"/>
   </p:sldIdLst>
   <p:sldSz cx="12192000" cy="6858000"/>
   <p:notesSz cx="6858000" cy="9144000"/>
@@ -127,6 +128,7 @@
         <p14:section name="網站介紹" id="{75533AB5-575F-4A05-9F29-679672E156B8}">
           <p14:sldIdLst>
             <p14:sldId id="258"/>
+            <p14:sldId id="265"/>
             <p14:sldId id="260"/>
             <p14:sldId id="264"/>
           </p14:sldIdLst>
@@ -148,8 +150,3239 @@
     <p:ext uri="{EFAFB233-063F-42B5-8137-9DF3F51BA10A}">
       <p15:sldGuideLst xmlns:p15="http://schemas.microsoft.com/office/powerpoint/2012/main"/>
     </p:ext>
+    <p:ext uri="{2D200454-40CA-4A62-9FC3-DE9A4176ACB9}">
+      <p15:notesGuideLst xmlns:p15="http://schemas.microsoft.com/office/powerpoint/2012/main"/>
+    </p:ext>
   </p:extLst>
 </p:presentation>
+</file>
+
+<file path=ppt/diagrams/colors1.xml><?xml version="1.0" encoding="utf-8"?>
+<dgm:colorsDef xmlns:dgm="http://schemas.openxmlformats.org/drawingml/2006/diagram" xmlns:a="http://schemas.openxmlformats.org/drawingml/2006/main" uniqueId="urn:microsoft.com/office/officeart/2005/8/colors/colorful1">
+  <dgm:title val=""/>
+  <dgm:desc val=""/>
+  <dgm:catLst>
+    <dgm:cat type="colorful" pri="10100"/>
+  </dgm:catLst>
+  <dgm:styleLbl name="node0">
+    <dgm:fillClrLst meth="repeat">
+      <a:schemeClr val="accent1"/>
+    </dgm:fillClrLst>
+    <dgm:linClrLst meth="repeat">
+      <a:schemeClr val="lt1"/>
+    </dgm:linClrLst>
+    <dgm:effectClrLst/>
+    <dgm:txLinClrLst/>
+    <dgm:txFillClrLst/>
+    <dgm:txEffectClrLst/>
+  </dgm:styleLbl>
+  <dgm:styleLbl name="node1">
+    <dgm:fillClrLst meth="repeat">
+      <a:schemeClr val="accent2"/>
+      <a:schemeClr val="accent3"/>
+      <a:schemeClr val="accent4"/>
+      <a:schemeClr val="accent5"/>
+      <a:schemeClr val="accent6"/>
+    </dgm:fillClrLst>
+    <dgm:linClrLst meth="repeat">
+      <a:schemeClr val="lt1"/>
+    </dgm:linClrLst>
+    <dgm:effectClrLst/>
+    <dgm:txLinClrLst/>
+    <dgm:txFillClrLst/>
+    <dgm:txEffectClrLst/>
+  </dgm:styleLbl>
+  <dgm:styleLbl name="alignNode1">
+    <dgm:fillClrLst meth="repeat">
+      <a:schemeClr val="accent2"/>
+      <a:schemeClr val="accent3"/>
+      <a:schemeClr val="accent4"/>
+      <a:schemeClr val="accent5"/>
+      <a:schemeClr val="accent6"/>
+    </dgm:fillClrLst>
+    <dgm:linClrLst meth="repeat">
+      <a:schemeClr val="accent2"/>
+      <a:schemeClr val="accent3"/>
+      <a:schemeClr val="accent4"/>
+      <a:schemeClr val="accent5"/>
+      <a:schemeClr val="accent6"/>
+    </dgm:linClrLst>
+    <dgm:effectClrLst/>
+    <dgm:txLinClrLst/>
+    <dgm:txFillClrLst/>
+    <dgm:txEffectClrLst/>
+  </dgm:styleLbl>
+  <dgm:styleLbl name="lnNode1">
+    <dgm:fillClrLst meth="repeat">
+      <a:schemeClr val="accent2"/>
+      <a:schemeClr val="accent3"/>
+      <a:schemeClr val="accent4"/>
+      <a:schemeClr val="accent5"/>
+      <a:schemeClr val="accent6"/>
+    </dgm:fillClrLst>
+    <dgm:linClrLst meth="repeat">
+      <a:schemeClr val="lt1"/>
+    </dgm:linClrLst>
+    <dgm:effectClrLst/>
+    <dgm:txLinClrLst/>
+    <dgm:txFillClrLst/>
+    <dgm:txEffectClrLst/>
+  </dgm:styleLbl>
+  <dgm:styleLbl name="vennNode1">
+    <dgm:fillClrLst meth="repeat">
+      <a:schemeClr val="accent2">
+        <a:alpha val="50000"/>
+      </a:schemeClr>
+      <a:schemeClr val="accent3">
+        <a:alpha val="50000"/>
+      </a:schemeClr>
+      <a:schemeClr val="accent4">
+        <a:alpha val="50000"/>
+      </a:schemeClr>
+      <a:schemeClr val="accent5">
+        <a:alpha val="50000"/>
+      </a:schemeClr>
+      <a:schemeClr val="accent6">
+        <a:alpha val="50000"/>
+      </a:schemeClr>
+    </dgm:fillClrLst>
+    <dgm:linClrLst meth="repeat">
+      <a:schemeClr val="lt1"/>
+    </dgm:linClrLst>
+    <dgm:effectClrLst/>
+    <dgm:txLinClrLst/>
+    <dgm:txFillClrLst/>
+    <dgm:txEffectClrLst/>
+  </dgm:styleLbl>
+  <dgm:styleLbl name="node2">
+    <dgm:fillClrLst>
+      <a:schemeClr val="accent2"/>
+    </dgm:fillClrLst>
+    <dgm:linClrLst meth="repeat">
+      <a:schemeClr val="lt1"/>
+    </dgm:linClrLst>
+    <dgm:effectClrLst/>
+    <dgm:txLinClrLst/>
+    <dgm:txFillClrLst/>
+    <dgm:txEffectClrLst/>
+  </dgm:styleLbl>
+  <dgm:styleLbl name="node3">
+    <dgm:fillClrLst>
+      <a:schemeClr val="accent3"/>
+    </dgm:fillClrLst>
+    <dgm:linClrLst meth="repeat">
+      <a:schemeClr val="lt1"/>
+    </dgm:linClrLst>
+    <dgm:effectClrLst/>
+    <dgm:txLinClrLst/>
+    <dgm:txFillClrLst/>
+    <dgm:txEffectClrLst/>
+  </dgm:styleLbl>
+  <dgm:styleLbl name="node4">
+    <dgm:fillClrLst>
+      <a:schemeClr val="accent4"/>
+    </dgm:fillClrLst>
+    <dgm:linClrLst meth="repeat">
+      <a:schemeClr val="lt1"/>
+    </dgm:linClrLst>
+    <dgm:effectClrLst/>
+    <dgm:txLinClrLst/>
+    <dgm:txFillClrLst/>
+    <dgm:txEffectClrLst/>
+  </dgm:styleLbl>
+  <dgm:styleLbl name="fgImgPlace1">
+    <dgm:fillClrLst meth="repeat">
+      <a:schemeClr val="accent2">
+        <a:tint val="50000"/>
+      </a:schemeClr>
+      <a:schemeClr val="accent3">
+        <a:tint val="50000"/>
+      </a:schemeClr>
+      <a:schemeClr val="accent4">
+        <a:tint val="50000"/>
+      </a:schemeClr>
+      <a:schemeClr val="accent5">
+        <a:tint val="50000"/>
+      </a:schemeClr>
+      <a:schemeClr val="accent6">
+        <a:tint val="50000"/>
+      </a:schemeClr>
+    </dgm:fillClrLst>
+    <dgm:linClrLst meth="repeat">
+      <a:schemeClr val="lt1"/>
+    </dgm:linClrLst>
+    <dgm:effectClrLst/>
+    <dgm:txLinClrLst/>
+    <dgm:txFillClrLst meth="repeat">
+      <a:schemeClr val="lt1"/>
+    </dgm:txFillClrLst>
+    <dgm:txEffectClrLst/>
+  </dgm:styleLbl>
+  <dgm:styleLbl name="alignImgPlace1">
+    <dgm:fillClrLst>
+      <a:schemeClr val="accent1">
+        <a:tint val="50000"/>
+      </a:schemeClr>
+      <a:schemeClr val="accent2">
+        <a:tint val="20000"/>
+      </a:schemeClr>
+    </dgm:fillClrLst>
+    <dgm:linClrLst meth="repeat">
+      <a:schemeClr val="lt1"/>
+    </dgm:linClrLst>
+    <dgm:effectClrLst/>
+    <dgm:txLinClrLst/>
+    <dgm:txFillClrLst meth="repeat">
+      <a:schemeClr val="lt1"/>
+    </dgm:txFillClrLst>
+    <dgm:txEffectClrLst/>
+  </dgm:styleLbl>
+  <dgm:styleLbl name="bgImgPlace1">
+    <dgm:fillClrLst>
+      <a:schemeClr val="accent1">
+        <a:tint val="50000"/>
+      </a:schemeClr>
+      <a:schemeClr val="accent2">
+        <a:tint val="20000"/>
+      </a:schemeClr>
+    </dgm:fillClrLst>
+    <dgm:linClrLst meth="repeat">
+      <a:schemeClr val="lt1"/>
+    </dgm:linClrLst>
+    <dgm:effectClrLst/>
+    <dgm:txLinClrLst/>
+    <dgm:txFillClrLst meth="repeat">
+      <a:schemeClr val="lt1"/>
+    </dgm:txFillClrLst>
+    <dgm:txEffectClrLst/>
+  </dgm:styleLbl>
+  <dgm:styleLbl name="sibTrans2D1">
+    <dgm:fillClrLst meth="repeat">
+      <a:schemeClr val="accent2"/>
+      <a:schemeClr val="accent3"/>
+      <a:schemeClr val="accent4"/>
+      <a:schemeClr val="accent5"/>
+      <a:schemeClr val="accent6"/>
+    </dgm:fillClrLst>
+    <dgm:linClrLst meth="cycle">
+      <a:schemeClr val="lt1"/>
+    </dgm:linClrLst>
+    <dgm:effectClrLst/>
+    <dgm:txLinClrLst/>
+    <dgm:txFillClrLst/>
+    <dgm:txEffectClrLst/>
+  </dgm:styleLbl>
+  <dgm:styleLbl name="fgSibTrans2D1">
+    <dgm:fillClrLst meth="repeat">
+      <a:schemeClr val="accent2"/>
+      <a:schemeClr val="accent3"/>
+      <a:schemeClr val="accent4"/>
+      <a:schemeClr val="accent5"/>
+      <a:schemeClr val="accent6"/>
+    </dgm:fillClrLst>
+    <dgm:linClrLst meth="cycle">
+      <a:schemeClr val="lt1"/>
+    </dgm:linClrLst>
+    <dgm:effectClrLst/>
+    <dgm:txLinClrLst/>
+    <dgm:txFillClrLst meth="repeat">
+      <a:schemeClr val="lt1"/>
+    </dgm:txFillClrLst>
+    <dgm:txEffectClrLst/>
+  </dgm:styleLbl>
+  <dgm:styleLbl name="bgSibTrans2D1">
+    <dgm:fillClrLst meth="repeat">
+      <a:schemeClr val="accent2"/>
+      <a:schemeClr val="accent3"/>
+      <a:schemeClr val="accent4"/>
+      <a:schemeClr val="accent5"/>
+      <a:schemeClr val="accent6"/>
+    </dgm:fillClrLst>
+    <dgm:linClrLst meth="cycle">
+      <a:schemeClr val="lt1"/>
+    </dgm:linClrLst>
+    <dgm:effectClrLst/>
+    <dgm:txLinClrLst/>
+    <dgm:txFillClrLst meth="repeat">
+      <a:schemeClr val="lt1"/>
+    </dgm:txFillClrLst>
+    <dgm:txEffectClrLst/>
+  </dgm:styleLbl>
+  <dgm:styleLbl name="sibTrans1D1">
+    <dgm:fillClrLst meth="repeat">
+      <a:schemeClr val="accent2"/>
+      <a:schemeClr val="accent3"/>
+      <a:schemeClr val="accent4"/>
+      <a:schemeClr val="accent5"/>
+      <a:schemeClr val="accent6"/>
+    </dgm:fillClrLst>
+    <dgm:linClrLst meth="repeat">
+      <a:schemeClr val="accent2"/>
+      <a:schemeClr val="accent3"/>
+      <a:schemeClr val="accent4"/>
+      <a:schemeClr val="accent5"/>
+      <a:schemeClr val="accent6"/>
+    </dgm:linClrLst>
+    <dgm:effectClrLst/>
+    <dgm:txLinClrLst/>
+    <dgm:txFillClrLst meth="repeat">
+      <a:schemeClr val="tx1"/>
+    </dgm:txFillClrLst>
+    <dgm:txEffectClrLst/>
+  </dgm:styleLbl>
+  <dgm:styleLbl name="callout">
+    <dgm:fillClrLst meth="repeat">
+      <a:schemeClr val="accent2"/>
+    </dgm:fillClrLst>
+    <dgm:linClrLst meth="repeat">
+      <a:schemeClr val="accent2">
+        <a:tint val="50000"/>
+      </a:schemeClr>
+    </dgm:linClrLst>
+    <dgm:effectClrLst/>
+    <dgm:txLinClrLst/>
+    <dgm:txFillClrLst meth="repeat">
+      <a:schemeClr val="tx1"/>
+    </dgm:txFillClrLst>
+    <dgm:txEffectClrLst/>
+  </dgm:styleLbl>
+  <dgm:styleLbl name="asst0">
+    <dgm:fillClrLst meth="repeat">
+      <a:schemeClr val="accent1"/>
+    </dgm:fillClrLst>
+    <dgm:linClrLst meth="repeat">
+      <a:schemeClr val="lt1"/>
+    </dgm:linClrLst>
+    <dgm:effectClrLst/>
+    <dgm:txLinClrLst/>
+    <dgm:txFillClrLst/>
+    <dgm:txEffectClrLst/>
+  </dgm:styleLbl>
+  <dgm:styleLbl name="asst1">
+    <dgm:fillClrLst meth="repeat">
+      <a:schemeClr val="accent2"/>
+    </dgm:fillClrLst>
+    <dgm:linClrLst meth="repeat">
+      <a:schemeClr val="lt1"/>
+    </dgm:linClrLst>
+    <dgm:effectClrLst/>
+    <dgm:txLinClrLst/>
+    <dgm:txFillClrLst/>
+    <dgm:txEffectClrLst/>
+  </dgm:styleLbl>
+  <dgm:styleLbl name="asst2">
+    <dgm:fillClrLst>
+      <a:schemeClr val="accent3"/>
+    </dgm:fillClrLst>
+    <dgm:linClrLst meth="repeat">
+      <a:schemeClr val="lt1"/>
+    </dgm:linClrLst>
+    <dgm:effectClrLst/>
+    <dgm:txLinClrLst/>
+    <dgm:txFillClrLst/>
+    <dgm:txEffectClrLst/>
+  </dgm:styleLbl>
+  <dgm:styleLbl name="asst3">
+    <dgm:fillClrLst>
+      <a:schemeClr val="accent4"/>
+    </dgm:fillClrLst>
+    <dgm:linClrLst meth="repeat">
+      <a:schemeClr val="lt1"/>
+    </dgm:linClrLst>
+    <dgm:effectClrLst/>
+    <dgm:txLinClrLst/>
+    <dgm:txFillClrLst/>
+    <dgm:txEffectClrLst/>
+  </dgm:styleLbl>
+  <dgm:styleLbl name="asst4">
+    <dgm:fillClrLst>
+      <a:schemeClr val="accent5"/>
+    </dgm:fillClrLst>
+    <dgm:linClrLst meth="repeat">
+      <a:schemeClr val="lt1"/>
+    </dgm:linClrLst>
+    <dgm:effectClrLst/>
+    <dgm:txLinClrLst/>
+    <dgm:txFillClrLst/>
+    <dgm:txEffectClrLst/>
+  </dgm:styleLbl>
+  <dgm:styleLbl name="parChTrans2D1">
+    <dgm:fillClrLst meth="repeat">
+      <a:schemeClr val="accent2"/>
+    </dgm:fillClrLst>
+    <dgm:linClrLst meth="repeat">
+      <a:schemeClr val="lt1"/>
+    </dgm:linClrLst>
+    <dgm:effectClrLst/>
+    <dgm:txLinClrLst/>
+    <dgm:txFillClrLst meth="repeat">
+      <a:schemeClr val="lt1"/>
+    </dgm:txFillClrLst>
+    <dgm:txEffectClrLst/>
+  </dgm:styleLbl>
+  <dgm:styleLbl name="parChTrans2D2">
+    <dgm:fillClrLst meth="repeat">
+      <a:schemeClr val="accent3"/>
+    </dgm:fillClrLst>
+    <dgm:linClrLst meth="repeat">
+      <a:schemeClr val="lt1"/>
+    </dgm:linClrLst>
+    <dgm:effectClrLst/>
+    <dgm:txLinClrLst/>
+    <dgm:txFillClrLst/>
+    <dgm:txEffectClrLst/>
+  </dgm:styleLbl>
+  <dgm:styleLbl name="parChTrans2D3">
+    <dgm:fillClrLst meth="repeat">
+      <a:schemeClr val="accent4"/>
+    </dgm:fillClrLst>
+    <dgm:linClrLst meth="repeat">
+      <a:schemeClr val="lt1"/>
+    </dgm:linClrLst>
+    <dgm:effectClrLst/>
+    <dgm:txLinClrLst/>
+    <dgm:txFillClrLst/>
+    <dgm:txEffectClrLst/>
+  </dgm:styleLbl>
+  <dgm:styleLbl name="parChTrans2D4">
+    <dgm:fillClrLst meth="repeat">
+      <a:schemeClr val="accent5"/>
+    </dgm:fillClrLst>
+    <dgm:linClrLst meth="repeat">
+      <a:schemeClr val="lt1"/>
+    </dgm:linClrLst>
+    <dgm:effectClrLst/>
+    <dgm:txLinClrLst/>
+    <dgm:txFillClrLst meth="repeat">
+      <a:schemeClr val="lt1"/>
+    </dgm:txFillClrLst>
+    <dgm:txEffectClrLst/>
+  </dgm:styleLbl>
+  <dgm:styleLbl name="parChTrans1D1">
+    <dgm:fillClrLst meth="repeat">
+      <a:schemeClr val="accent2"/>
+    </dgm:fillClrLst>
+    <dgm:linClrLst meth="repeat">
+      <a:schemeClr val="accent1"/>
+    </dgm:linClrLst>
+    <dgm:effectClrLst/>
+    <dgm:txLinClrLst/>
+    <dgm:txFillClrLst meth="repeat">
+      <a:schemeClr val="tx1"/>
+    </dgm:txFillClrLst>
+    <dgm:txEffectClrLst/>
+  </dgm:styleLbl>
+  <dgm:styleLbl name="parChTrans1D2">
+    <dgm:fillClrLst meth="repeat">
+      <a:schemeClr val="accent3">
+        <a:tint val="90000"/>
+      </a:schemeClr>
+    </dgm:fillClrLst>
+    <dgm:linClrLst meth="repeat">
+      <a:schemeClr val="accent2"/>
+    </dgm:linClrLst>
+    <dgm:effectClrLst/>
+    <dgm:txLinClrLst/>
+    <dgm:txFillClrLst meth="repeat">
+      <a:schemeClr val="tx1"/>
+    </dgm:txFillClrLst>
+    <dgm:txEffectClrLst/>
+  </dgm:styleLbl>
+  <dgm:styleLbl name="parChTrans1D3">
+    <dgm:fillClrLst meth="repeat">
+      <a:schemeClr val="accent4">
+        <a:tint val="70000"/>
+      </a:schemeClr>
+    </dgm:fillClrLst>
+    <dgm:linClrLst meth="repeat">
+      <a:schemeClr val="accent3"/>
+    </dgm:linClrLst>
+    <dgm:effectClrLst/>
+    <dgm:txLinClrLst/>
+    <dgm:txFillClrLst meth="repeat">
+      <a:schemeClr val="tx1"/>
+    </dgm:txFillClrLst>
+    <dgm:txEffectClrLst/>
+  </dgm:styleLbl>
+  <dgm:styleLbl name="parChTrans1D4">
+    <dgm:fillClrLst meth="repeat">
+      <a:schemeClr val="accent5">
+        <a:tint val="50000"/>
+      </a:schemeClr>
+    </dgm:fillClrLst>
+    <dgm:linClrLst meth="repeat">
+      <a:schemeClr val="accent4"/>
+    </dgm:linClrLst>
+    <dgm:effectClrLst/>
+    <dgm:txLinClrLst/>
+    <dgm:txFillClrLst meth="repeat">
+      <a:schemeClr val="tx1"/>
+    </dgm:txFillClrLst>
+    <dgm:txEffectClrLst/>
+  </dgm:styleLbl>
+  <dgm:styleLbl name="fgAcc1">
+    <dgm:fillClrLst meth="repeat">
+      <a:schemeClr val="lt1">
+        <a:alpha val="90000"/>
+      </a:schemeClr>
+    </dgm:fillClrLst>
+    <dgm:linClrLst meth="repeat">
+      <a:schemeClr val="accent2"/>
+      <a:schemeClr val="accent3"/>
+      <a:schemeClr val="accent4"/>
+      <a:schemeClr val="accent5"/>
+      <a:schemeClr val="accent6"/>
+    </dgm:linClrLst>
+    <dgm:effectClrLst/>
+    <dgm:txLinClrLst/>
+    <dgm:txFillClrLst meth="repeat">
+      <a:schemeClr val="dk1"/>
+    </dgm:txFillClrLst>
+    <dgm:txEffectClrLst/>
+  </dgm:styleLbl>
+  <dgm:styleLbl name="conFgAcc1">
+    <dgm:fillClrLst meth="repeat">
+      <a:schemeClr val="lt1">
+        <a:alpha val="90000"/>
+      </a:schemeClr>
+    </dgm:fillClrLst>
+    <dgm:linClrLst meth="repeat">
+      <a:schemeClr val="accent2"/>
+      <a:schemeClr val="accent3"/>
+      <a:schemeClr val="accent4"/>
+      <a:schemeClr val="accent5"/>
+      <a:schemeClr val="accent6"/>
+    </dgm:linClrLst>
+    <dgm:effectClrLst/>
+    <dgm:txLinClrLst/>
+    <dgm:txFillClrLst meth="repeat">
+      <a:schemeClr val="dk1"/>
+    </dgm:txFillClrLst>
+    <dgm:txEffectClrLst/>
+  </dgm:styleLbl>
+  <dgm:styleLbl name="alignAcc1">
+    <dgm:fillClrLst meth="repeat">
+      <a:schemeClr val="lt1">
+        <a:alpha val="90000"/>
+      </a:schemeClr>
+    </dgm:fillClrLst>
+    <dgm:linClrLst meth="repeat">
+      <a:schemeClr val="accent2"/>
+      <a:schemeClr val="accent3"/>
+      <a:schemeClr val="accent4"/>
+      <a:schemeClr val="accent5"/>
+      <a:schemeClr val="accent6"/>
+    </dgm:linClrLst>
+    <dgm:effectClrLst/>
+    <dgm:txLinClrLst/>
+    <dgm:txFillClrLst meth="repeat">
+      <a:schemeClr val="dk1"/>
+    </dgm:txFillClrLst>
+    <dgm:txEffectClrLst/>
+  </dgm:styleLbl>
+  <dgm:styleLbl name="trAlignAcc1">
+    <dgm:fillClrLst meth="repeat">
+      <a:schemeClr val="lt1">
+        <a:alpha val="40000"/>
+      </a:schemeClr>
+    </dgm:fillClrLst>
+    <dgm:linClrLst meth="repeat">
+      <a:schemeClr val="accent1"/>
+    </dgm:linClrLst>
+    <dgm:effectClrLst/>
+    <dgm:txLinClrLst/>
+    <dgm:txFillClrLst meth="repeat">
+      <a:schemeClr val="dk1"/>
+    </dgm:txFillClrLst>
+    <dgm:txEffectClrLst/>
+  </dgm:styleLbl>
+  <dgm:styleLbl name="bgAcc1">
+    <dgm:fillClrLst meth="repeat">
+      <a:schemeClr val="lt1">
+        <a:alpha val="90000"/>
+      </a:schemeClr>
+    </dgm:fillClrLst>
+    <dgm:linClrLst meth="repeat">
+      <a:schemeClr val="accent2"/>
+      <a:schemeClr val="accent3"/>
+      <a:schemeClr val="accent4"/>
+      <a:schemeClr val="accent5"/>
+      <a:schemeClr val="accent6"/>
+    </dgm:linClrLst>
+    <dgm:effectClrLst/>
+    <dgm:txLinClrLst/>
+    <dgm:txFillClrLst meth="repeat">
+      <a:schemeClr val="dk1"/>
+    </dgm:txFillClrLst>
+    <dgm:txEffectClrLst/>
+  </dgm:styleLbl>
+  <dgm:styleLbl name="solidFgAcc1">
+    <dgm:fillClrLst meth="repeat">
+      <a:schemeClr val="lt1"/>
+    </dgm:fillClrLst>
+    <dgm:linClrLst meth="repeat">
+      <a:schemeClr val="accent2"/>
+      <a:schemeClr val="accent3"/>
+      <a:schemeClr val="accent4"/>
+      <a:schemeClr val="accent5"/>
+      <a:schemeClr val="accent6"/>
+    </dgm:linClrLst>
+    <dgm:effectClrLst/>
+    <dgm:txLinClrLst/>
+    <dgm:txFillClrLst meth="repeat">
+      <a:schemeClr val="dk1"/>
+    </dgm:txFillClrLst>
+    <dgm:txEffectClrLst/>
+  </dgm:styleLbl>
+  <dgm:styleLbl name="solidAlignAcc1">
+    <dgm:fillClrLst meth="repeat">
+      <a:schemeClr val="lt1"/>
+    </dgm:fillClrLst>
+    <dgm:linClrLst meth="repeat">
+      <a:schemeClr val="accent2"/>
+      <a:schemeClr val="accent3"/>
+      <a:schemeClr val="accent4"/>
+      <a:schemeClr val="accent5"/>
+      <a:schemeClr val="accent6"/>
+    </dgm:linClrLst>
+    <dgm:effectClrLst/>
+    <dgm:txLinClrLst/>
+    <dgm:txFillClrLst meth="repeat">
+      <a:schemeClr val="dk1"/>
+    </dgm:txFillClrLst>
+    <dgm:txEffectClrLst/>
+  </dgm:styleLbl>
+  <dgm:styleLbl name="solidBgAcc1">
+    <dgm:fillClrLst meth="repeat">
+      <a:schemeClr val="lt1"/>
+    </dgm:fillClrLst>
+    <dgm:linClrLst meth="repeat">
+      <a:schemeClr val="accent2"/>
+      <a:schemeClr val="accent3"/>
+      <a:schemeClr val="accent4"/>
+      <a:schemeClr val="accent5"/>
+      <a:schemeClr val="accent6"/>
+    </dgm:linClrLst>
+    <dgm:effectClrLst/>
+    <dgm:txLinClrLst/>
+    <dgm:txFillClrLst meth="repeat">
+      <a:schemeClr val="dk1"/>
+    </dgm:txFillClrLst>
+    <dgm:txEffectClrLst/>
+  </dgm:styleLbl>
+  <dgm:styleLbl name="fgAccFollowNode1">
+    <dgm:fillClrLst meth="repeat">
+      <a:schemeClr val="accent2">
+        <a:tint val="40000"/>
+        <a:alpha val="90000"/>
+      </a:schemeClr>
+      <a:schemeClr val="accent3">
+        <a:tint val="40000"/>
+        <a:alpha val="90000"/>
+      </a:schemeClr>
+      <a:schemeClr val="accent4">
+        <a:tint val="40000"/>
+        <a:alpha val="90000"/>
+      </a:schemeClr>
+      <a:schemeClr val="accent5">
+        <a:tint val="40000"/>
+        <a:alpha val="90000"/>
+      </a:schemeClr>
+      <a:schemeClr val="accent6">
+        <a:tint val="40000"/>
+        <a:alpha val="90000"/>
+      </a:schemeClr>
+    </dgm:fillClrLst>
+    <dgm:linClrLst meth="repeat">
+      <a:schemeClr val="accent2">
+        <a:tint val="40000"/>
+        <a:alpha val="90000"/>
+      </a:schemeClr>
+      <a:schemeClr val="accent3">
+        <a:tint val="40000"/>
+        <a:alpha val="90000"/>
+      </a:schemeClr>
+      <a:schemeClr val="accent4">
+        <a:tint val="40000"/>
+        <a:alpha val="90000"/>
+      </a:schemeClr>
+      <a:schemeClr val="accent5">
+        <a:tint val="40000"/>
+        <a:alpha val="90000"/>
+      </a:schemeClr>
+      <a:schemeClr val="accent6">
+        <a:tint val="40000"/>
+        <a:alpha val="90000"/>
+      </a:schemeClr>
+    </dgm:linClrLst>
+    <dgm:effectClrLst/>
+    <dgm:txLinClrLst/>
+    <dgm:txFillClrLst meth="repeat">
+      <a:schemeClr val="dk1"/>
+    </dgm:txFillClrLst>
+    <dgm:txEffectClrLst/>
+  </dgm:styleLbl>
+  <dgm:styleLbl name="alignAccFollowNode1">
+    <dgm:fillClrLst meth="repeat">
+      <a:schemeClr val="accent2">
+        <a:tint val="40000"/>
+        <a:alpha val="90000"/>
+      </a:schemeClr>
+      <a:schemeClr val="accent3">
+        <a:tint val="40000"/>
+        <a:alpha val="90000"/>
+      </a:schemeClr>
+      <a:schemeClr val="accent4">
+        <a:tint val="40000"/>
+        <a:alpha val="90000"/>
+      </a:schemeClr>
+      <a:schemeClr val="accent5">
+        <a:tint val="40000"/>
+        <a:alpha val="90000"/>
+      </a:schemeClr>
+      <a:schemeClr val="accent6">
+        <a:tint val="40000"/>
+        <a:alpha val="90000"/>
+      </a:schemeClr>
+    </dgm:fillClrLst>
+    <dgm:linClrLst meth="repeat">
+      <a:schemeClr val="accent2">
+        <a:tint val="40000"/>
+        <a:alpha val="90000"/>
+      </a:schemeClr>
+      <a:schemeClr val="accent3">
+        <a:tint val="40000"/>
+        <a:alpha val="90000"/>
+      </a:schemeClr>
+      <a:schemeClr val="accent4">
+        <a:tint val="40000"/>
+        <a:alpha val="90000"/>
+      </a:schemeClr>
+      <a:schemeClr val="accent5">
+        <a:tint val="40000"/>
+        <a:alpha val="90000"/>
+      </a:schemeClr>
+      <a:schemeClr val="accent6">
+        <a:tint val="40000"/>
+        <a:alpha val="90000"/>
+      </a:schemeClr>
+    </dgm:linClrLst>
+    <dgm:effectClrLst/>
+    <dgm:txLinClrLst/>
+    <dgm:txFillClrLst meth="repeat">
+      <a:schemeClr val="dk1"/>
+    </dgm:txFillClrLst>
+    <dgm:txEffectClrLst/>
+  </dgm:styleLbl>
+  <dgm:styleLbl name="bgAccFollowNode1">
+    <dgm:fillClrLst meth="repeat">
+      <a:schemeClr val="accent2">
+        <a:tint val="40000"/>
+        <a:alpha val="90000"/>
+      </a:schemeClr>
+      <a:schemeClr val="accent3">
+        <a:tint val="40000"/>
+        <a:alpha val="90000"/>
+      </a:schemeClr>
+      <a:schemeClr val="accent4">
+        <a:tint val="40000"/>
+        <a:alpha val="90000"/>
+      </a:schemeClr>
+      <a:schemeClr val="accent5">
+        <a:tint val="40000"/>
+        <a:alpha val="90000"/>
+      </a:schemeClr>
+      <a:schemeClr val="accent6">
+        <a:tint val="40000"/>
+        <a:alpha val="90000"/>
+      </a:schemeClr>
+    </dgm:fillClrLst>
+    <dgm:linClrLst meth="repeat">
+      <a:schemeClr val="accent2">
+        <a:tint val="40000"/>
+        <a:alpha val="90000"/>
+      </a:schemeClr>
+      <a:schemeClr val="accent3">
+        <a:tint val="40000"/>
+        <a:alpha val="90000"/>
+      </a:schemeClr>
+      <a:schemeClr val="accent4">
+        <a:tint val="40000"/>
+        <a:alpha val="90000"/>
+      </a:schemeClr>
+      <a:schemeClr val="accent5">
+        <a:tint val="40000"/>
+        <a:alpha val="90000"/>
+      </a:schemeClr>
+      <a:schemeClr val="accent6">
+        <a:tint val="40000"/>
+        <a:alpha val="90000"/>
+      </a:schemeClr>
+    </dgm:linClrLst>
+    <dgm:effectClrLst/>
+    <dgm:txLinClrLst/>
+    <dgm:txFillClrLst meth="repeat">
+      <a:schemeClr val="dk1"/>
+    </dgm:txFillClrLst>
+    <dgm:txEffectClrLst/>
+  </dgm:styleLbl>
+  <dgm:styleLbl name="fgAcc0">
+    <dgm:fillClrLst meth="repeat">
+      <a:schemeClr val="lt1">
+        <a:alpha val="90000"/>
+      </a:schemeClr>
+    </dgm:fillClrLst>
+    <dgm:linClrLst>
+      <a:schemeClr val="accent1"/>
+    </dgm:linClrLst>
+    <dgm:effectClrLst/>
+    <dgm:txLinClrLst/>
+    <dgm:txFillClrLst meth="repeat">
+      <a:schemeClr val="dk1"/>
+    </dgm:txFillClrLst>
+    <dgm:txEffectClrLst/>
+  </dgm:styleLbl>
+  <dgm:styleLbl name="fgAcc2">
+    <dgm:fillClrLst meth="repeat">
+      <a:schemeClr val="lt1">
+        <a:alpha val="90000"/>
+      </a:schemeClr>
+    </dgm:fillClrLst>
+    <dgm:linClrLst>
+      <a:schemeClr val="accent2"/>
+    </dgm:linClrLst>
+    <dgm:effectClrLst/>
+    <dgm:txLinClrLst/>
+    <dgm:txFillClrLst meth="repeat">
+      <a:schemeClr val="dk1"/>
+    </dgm:txFillClrLst>
+    <dgm:txEffectClrLst/>
+  </dgm:styleLbl>
+  <dgm:styleLbl name="fgAcc3">
+    <dgm:fillClrLst meth="repeat">
+      <a:schemeClr val="lt1">
+        <a:alpha val="90000"/>
+      </a:schemeClr>
+    </dgm:fillClrLst>
+    <dgm:linClrLst>
+      <a:schemeClr val="accent3"/>
+    </dgm:linClrLst>
+    <dgm:effectClrLst/>
+    <dgm:txLinClrLst/>
+    <dgm:txFillClrLst meth="repeat">
+      <a:schemeClr val="dk1"/>
+    </dgm:txFillClrLst>
+    <dgm:txEffectClrLst/>
+  </dgm:styleLbl>
+  <dgm:styleLbl name="fgAcc4">
+    <dgm:fillClrLst meth="repeat">
+      <a:schemeClr val="lt1">
+        <a:alpha val="90000"/>
+      </a:schemeClr>
+    </dgm:fillClrLst>
+    <dgm:linClrLst>
+      <a:schemeClr val="accent4"/>
+    </dgm:linClrLst>
+    <dgm:effectClrLst/>
+    <dgm:txLinClrLst/>
+    <dgm:txFillClrLst meth="repeat">
+      <a:schemeClr val="dk1"/>
+    </dgm:txFillClrLst>
+    <dgm:txEffectClrLst/>
+  </dgm:styleLbl>
+  <dgm:styleLbl name="bgShp">
+    <dgm:fillClrLst meth="repeat">
+      <a:schemeClr val="accent2">
+        <a:tint val="40000"/>
+      </a:schemeClr>
+    </dgm:fillClrLst>
+    <dgm:linClrLst meth="repeat">
+      <a:schemeClr val="dk1"/>
+    </dgm:linClrLst>
+    <dgm:effectClrLst/>
+    <dgm:txLinClrLst/>
+    <dgm:txFillClrLst meth="repeat">
+      <a:schemeClr val="dk1"/>
+    </dgm:txFillClrLst>
+    <dgm:txEffectClrLst/>
+  </dgm:styleLbl>
+  <dgm:styleLbl name="dkBgShp">
+    <dgm:fillClrLst meth="repeat">
+      <a:schemeClr val="accent2">
+        <a:shade val="90000"/>
+      </a:schemeClr>
+    </dgm:fillClrLst>
+    <dgm:linClrLst meth="repeat">
+      <a:schemeClr val="dk1"/>
+    </dgm:linClrLst>
+    <dgm:effectClrLst/>
+    <dgm:txLinClrLst/>
+    <dgm:txFillClrLst meth="repeat">
+      <a:schemeClr val="lt1"/>
+    </dgm:txFillClrLst>
+    <dgm:txEffectClrLst/>
+  </dgm:styleLbl>
+  <dgm:styleLbl name="trBgShp">
+    <dgm:fillClrLst meth="repeat">
+      <a:schemeClr val="accent1">
+        <a:tint val="50000"/>
+        <a:alpha val="40000"/>
+      </a:schemeClr>
+    </dgm:fillClrLst>
+    <dgm:linClrLst meth="repeat">
+      <a:schemeClr val="accent2"/>
+    </dgm:linClrLst>
+    <dgm:effectClrLst/>
+    <dgm:txLinClrLst/>
+    <dgm:txFillClrLst meth="repeat">
+      <a:schemeClr val="lt1"/>
+    </dgm:txFillClrLst>
+    <dgm:txEffectClrLst/>
+  </dgm:styleLbl>
+  <dgm:styleLbl name="fgShp">
+    <dgm:fillClrLst meth="repeat">
+      <a:schemeClr val="accent2">
+        <a:tint val="40000"/>
+      </a:schemeClr>
+    </dgm:fillClrLst>
+    <dgm:linClrLst meth="repeat">
+      <a:schemeClr val="lt1"/>
+    </dgm:linClrLst>
+    <dgm:effectClrLst/>
+    <dgm:txLinClrLst/>
+    <dgm:txFillClrLst meth="repeat">
+      <a:schemeClr val="dk1"/>
+    </dgm:txFillClrLst>
+    <dgm:txEffectClrLst/>
+  </dgm:styleLbl>
+  <dgm:styleLbl name="revTx">
+    <dgm:fillClrLst meth="repeat">
+      <a:schemeClr val="lt1">
+        <a:alpha val="0"/>
+      </a:schemeClr>
+    </dgm:fillClrLst>
+    <dgm:linClrLst meth="repeat">
+      <a:schemeClr val="dk1">
+        <a:alpha val="0"/>
+      </a:schemeClr>
+    </dgm:linClrLst>
+    <dgm:effectClrLst/>
+    <dgm:txLinClrLst/>
+    <dgm:txFillClrLst meth="repeat">
+      <a:schemeClr val="tx1"/>
+    </dgm:txFillClrLst>
+    <dgm:txEffectClrLst/>
+  </dgm:styleLbl>
+</dgm:colorsDef>
+</file>
+
+<file path=ppt/diagrams/data1.xml><?xml version="1.0" encoding="utf-8"?>
+<dgm:dataModel xmlns:dgm="http://schemas.openxmlformats.org/drawingml/2006/diagram" xmlns:a="http://schemas.openxmlformats.org/drawingml/2006/main">
+  <dgm:ptLst>
+    <dgm:pt modelId="{5B5CD561-EBD8-42AA-A3DA-E71D659D471F}" type="doc">
+      <dgm:prSet loTypeId="urn:microsoft.com/office/officeart/2005/8/layout/hList7" loCatId="list" qsTypeId="urn:microsoft.com/office/officeart/2005/8/quickstyle/simple1" qsCatId="simple" csTypeId="urn:microsoft.com/office/officeart/2005/8/colors/colorful1" csCatId="colorful" phldr="1"/>
+      <dgm:spPr/>
+    </dgm:pt>
+    <dgm:pt modelId="{D6351A89-FE6F-4D0C-BEB2-5C144EF5AF2C}">
+      <dgm:prSet phldrT="[文字]" phldr="1"/>
+      <dgm:spPr/>
+      <dgm:t>
+        <a:bodyPr/>
+        <a:lstStyle/>
+        <a:p>
+          <a:endParaRPr lang="zh-TW" altLang="en-US" dirty="0"/>
+        </a:p>
+      </dgm:t>
+    </dgm:pt>
+    <dgm:pt modelId="{4D894349-4E16-4C0D-838B-9BC6531FD50D}" type="parTrans" cxnId="{7715D4DB-E293-40B6-AA3E-C16A3A3CD126}">
+      <dgm:prSet/>
+      <dgm:spPr/>
+      <dgm:t>
+        <a:bodyPr/>
+        <a:lstStyle/>
+        <a:p>
+          <a:endParaRPr lang="zh-TW" altLang="en-US"/>
+        </a:p>
+      </dgm:t>
+    </dgm:pt>
+    <dgm:pt modelId="{2B0A61C5-9E65-49E8-94E2-863049119A4A}" type="sibTrans" cxnId="{7715D4DB-E293-40B6-AA3E-C16A3A3CD126}">
+      <dgm:prSet/>
+      <dgm:spPr/>
+      <dgm:t>
+        <a:bodyPr/>
+        <a:lstStyle/>
+        <a:p>
+          <a:endParaRPr lang="zh-TW" altLang="en-US"/>
+        </a:p>
+      </dgm:t>
+    </dgm:pt>
+    <dgm:pt modelId="{ED330DCE-21C5-440F-AC6D-9B4342DCCD49}">
+      <dgm:prSet phldrT="[文字]" phldr="1"/>
+      <dgm:spPr/>
+      <dgm:t>
+        <a:bodyPr/>
+        <a:lstStyle/>
+        <a:p>
+          <a:endParaRPr lang="zh-TW" altLang="en-US" dirty="0"/>
+        </a:p>
+      </dgm:t>
+    </dgm:pt>
+    <dgm:pt modelId="{9194AA8A-FAD9-4546-A34F-ADADC3100565}" type="parTrans" cxnId="{BB6FE50D-976C-4249-90AF-00F22859454F}">
+      <dgm:prSet/>
+      <dgm:spPr/>
+      <dgm:t>
+        <a:bodyPr/>
+        <a:lstStyle/>
+        <a:p>
+          <a:endParaRPr lang="zh-TW" altLang="en-US"/>
+        </a:p>
+      </dgm:t>
+    </dgm:pt>
+    <dgm:pt modelId="{2584BAFC-6560-42D7-A70B-274B7CF613C5}" type="sibTrans" cxnId="{BB6FE50D-976C-4249-90AF-00F22859454F}">
+      <dgm:prSet/>
+      <dgm:spPr/>
+      <dgm:t>
+        <a:bodyPr/>
+        <a:lstStyle/>
+        <a:p>
+          <a:endParaRPr lang="zh-TW" altLang="en-US"/>
+        </a:p>
+      </dgm:t>
+    </dgm:pt>
+    <dgm:pt modelId="{C3C52662-1810-422C-A71B-D0B530DDA377}">
+      <dgm:prSet phldrT="[文字]"/>
+      <dgm:spPr/>
+      <dgm:t>
+        <a:bodyPr/>
+        <a:lstStyle/>
+        <a:p>
+          <a:endParaRPr lang="zh-TW" altLang="en-US" dirty="0"/>
+        </a:p>
+      </dgm:t>
+    </dgm:pt>
+    <dgm:pt modelId="{EACCDD38-6DEF-4B08-AD4A-8C7E6BFD9AD7}" type="parTrans" cxnId="{370EA1FF-1F43-4F98-B381-9BA65DCA4D9D}">
+      <dgm:prSet/>
+      <dgm:spPr/>
+      <dgm:t>
+        <a:bodyPr/>
+        <a:lstStyle/>
+        <a:p>
+          <a:endParaRPr lang="zh-TW" altLang="en-US"/>
+        </a:p>
+      </dgm:t>
+    </dgm:pt>
+    <dgm:pt modelId="{08F224EB-13AD-44E8-894F-DAD825E7CCF5}" type="sibTrans" cxnId="{370EA1FF-1F43-4F98-B381-9BA65DCA4D9D}">
+      <dgm:prSet/>
+      <dgm:spPr/>
+      <dgm:t>
+        <a:bodyPr/>
+        <a:lstStyle/>
+        <a:p>
+          <a:endParaRPr lang="zh-TW" altLang="en-US"/>
+        </a:p>
+      </dgm:t>
+    </dgm:pt>
+    <dgm:pt modelId="{FF78E407-3674-4A68-A701-8E12F558212E}">
+      <dgm:prSet phldrT="[文字]"/>
+      <dgm:spPr/>
+      <dgm:t>
+        <a:bodyPr/>
+        <a:lstStyle/>
+        <a:p>
+          <a:endParaRPr lang="zh-TW" altLang="en-US" dirty="0"/>
+        </a:p>
+      </dgm:t>
+    </dgm:pt>
+    <dgm:pt modelId="{B97B5AFB-3810-4BBF-8D23-A23EB000A851}" type="parTrans" cxnId="{9CD096E0-95D9-4D44-8C53-1CB5FEEB7E3C}">
+      <dgm:prSet/>
+      <dgm:spPr/>
+      <dgm:t>
+        <a:bodyPr/>
+        <a:lstStyle/>
+        <a:p>
+          <a:endParaRPr lang="zh-TW" altLang="en-US"/>
+        </a:p>
+      </dgm:t>
+    </dgm:pt>
+    <dgm:pt modelId="{516CD9AB-C3D5-4003-B63F-C77D81509300}" type="sibTrans" cxnId="{9CD096E0-95D9-4D44-8C53-1CB5FEEB7E3C}">
+      <dgm:prSet/>
+      <dgm:spPr/>
+      <dgm:t>
+        <a:bodyPr/>
+        <a:lstStyle/>
+        <a:p>
+          <a:endParaRPr lang="zh-TW" altLang="en-US"/>
+        </a:p>
+      </dgm:t>
+    </dgm:pt>
+    <dgm:pt modelId="{2C7CFE7B-0746-427F-9E2D-0E179C44D6B0}">
+      <dgm:prSet phldrT="[文字]"/>
+      <dgm:spPr/>
+      <dgm:t>
+        <a:bodyPr/>
+        <a:lstStyle/>
+        <a:p>
+          <a:endParaRPr lang="zh-TW" altLang="en-US" dirty="0"/>
+        </a:p>
+      </dgm:t>
+    </dgm:pt>
+    <dgm:pt modelId="{E8F8608C-85A1-403C-B084-58FEAF885F70}" type="parTrans" cxnId="{5F3D4FC6-C248-4B83-91B5-6FF80F05EF63}">
+      <dgm:prSet/>
+      <dgm:spPr/>
+      <dgm:t>
+        <a:bodyPr/>
+        <a:lstStyle/>
+        <a:p>
+          <a:endParaRPr lang="zh-TW" altLang="en-US"/>
+        </a:p>
+      </dgm:t>
+    </dgm:pt>
+    <dgm:pt modelId="{553147F6-6775-4505-86AC-743777934FD5}" type="sibTrans" cxnId="{5F3D4FC6-C248-4B83-91B5-6FF80F05EF63}">
+      <dgm:prSet/>
+      <dgm:spPr/>
+      <dgm:t>
+        <a:bodyPr/>
+        <a:lstStyle/>
+        <a:p>
+          <a:endParaRPr lang="zh-TW" altLang="en-US"/>
+        </a:p>
+      </dgm:t>
+    </dgm:pt>
+    <dgm:pt modelId="{5199F1EC-A553-45DB-BDCF-184CAB046BBD}" type="pres">
+      <dgm:prSet presAssocID="{5B5CD561-EBD8-42AA-A3DA-E71D659D471F}" presName="Name0" presStyleCnt="0">
+        <dgm:presLayoutVars>
+          <dgm:dir/>
+          <dgm:resizeHandles val="exact"/>
+        </dgm:presLayoutVars>
+      </dgm:prSet>
+      <dgm:spPr/>
+    </dgm:pt>
+    <dgm:pt modelId="{708D190E-8F4C-4DF7-BF04-6BC88A92C72E}" type="pres">
+      <dgm:prSet presAssocID="{5B5CD561-EBD8-42AA-A3DA-E71D659D471F}" presName="fgShape" presStyleLbl="fgShp" presStyleIdx="0" presStyleCnt="1" custLinFactNeighborX="65076" custLinFactNeighborY="47325"/>
+      <dgm:spPr/>
+    </dgm:pt>
+    <dgm:pt modelId="{F1F0F486-F879-49D3-9016-798355B4BF03}" type="pres">
+      <dgm:prSet presAssocID="{5B5CD561-EBD8-42AA-A3DA-E71D659D471F}" presName="linComp" presStyleCnt="0"/>
+      <dgm:spPr/>
+    </dgm:pt>
+    <dgm:pt modelId="{E99FAB09-5814-4865-8D3C-69E4098B35A5}" type="pres">
+      <dgm:prSet presAssocID="{D6351A89-FE6F-4D0C-BEB2-5C144EF5AF2C}" presName="compNode" presStyleCnt="0"/>
+      <dgm:spPr/>
+    </dgm:pt>
+    <dgm:pt modelId="{3A19185B-E419-4D20-B4AD-1ADCC75DA32E}" type="pres">
+      <dgm:prSet presAssocID="{D6351A89-FE6F-4D0C-BEB2-5C144EF5AF2C}" presName="bkgdShape" presStyleLbl="node1" presStyleIdx="0" presStyleCnt="5"/>
+      <dgm:spPr/>
+    </dgm:pt>
+    <dgm:pt modelId="{81622DBE-0B09-4343-AAA1-2C1133C6D09E}" type="pres">
+      <dgm:prSet presAssocID="{D6351A89-FE6F-4D0C-BEB2-5C144EF5AF2C}" presName="nodeTx" presStyleLbl="node1" presStyleIdx="0" presStyleCnt="5">
+        <dgm:presLayoutVars>
+          <dgm:bulletEnabled val="1"/>
+        </dgm:presLayoutVars>
+      </dgm:prSet>
+      <dgm:spPr/>
+    </dgm:pt>
+    <dgm:pt modelId="{6CF55C98-1E7E-4507-BE89-441F1B21C453}" type="pres">
+      <dgm:prSet presAssocID="{D6351A89-FE6F-4D0C-BEB2-5C144EF5AF2C}" presName="invisiNode" presStyleLbl="node1" presStyleIdx="0" presStyleCnt="5"/>
+      <dgm:spPr/>
+    </dgm:pt>
+    <dgm:pt modelId="{9E25FF3B-52C9-4398-A8FF-C16277D74076}" type="pres">
+      <dgm:prSet presAssocID="{D6351A89-FE6F-4D0C-BEB2-5C144EF5AF2C}" presName="imagNode" presStyleLbl="fgImgPlace1" presStyleIdx="0" presStyleCnt="5"/>
+      <dgm:spPr/>
+    </dgm:pt>
+    <dgm:pt modelId="{FC102B1F-FF52-4299-9213-2591FF5BE18A}" type="pres">
+      <dgm:prSet presAssocID="{2B0A61C5-9E65-49E8-94E2-863049119A4A}" presName="sibTrans" presStyleLbl="sibTrans2D1" presStyleIdx="0" presStyleCnt="0"/>
+      <dgm:spPr/>
+    </dgm:pt>
+    <dgm:pt modelId="{A7F9C0CA-0D87-4731-9497-8F2C6B5877B0}" type="pres">
+      <dgm:prSet presAssocID="{ED330DCE-21C5-440F-AC6D-9B4342DCCD49}" presName="compNode" presStyleCnt="0"/>
+      <dgm:spPr/>
+    </dgm:pt>
+    <dgm:pt modelId="{D92F5F96-5488-49EB-8B97-F76F04DA2FC6}" type="pres">
+      <dgm:prSet presAssocID="{ED330DCE-21C5-440F-AC6D-9B4342DCCD49}" presName="bkgdShape" presStyleLbl="node1" presStyleIdx="1" presStyleCnt="5"/>
+      <dgm:spPr/>
+    </dgm:pt>
+    <dgm:pt modelId="{D1DBA480-C31C-498D-B8B0-187E2C7B4DE8}" type="pres">
+      <dgm:prSet presAssocID="{ED330DCE-21C5-440F-AC6D-9B4342DCCD49}" presName="nodeTx" presStyleLbl="node1" presStyleIdx="1" presStyleCnt="5">
+        <dgm:presLayoutVars>
+          <dgm:bulletEnabled val="1"/>
+        </dgm:presLayoutVars>
+      </dgm:prSet>
+      <dgm:spPr/>
+    </dgm:pt>
+    <dgm:pt modelId="{03B1542A-2C74-4869-8C88-4FD0204513D7}" type="pres">
+      <dgm:prSet presAssocID="{ED330DCE-21C5-440F-AC6D-9B4342DCCD49}" presName="invisiNode" presStyleLbl="node1" presStyleIdx="1" presStyleCnt="5"/>
+      <dgm:spPr/>
+    </dgm:pt>
+    <dgm:pt modelId="{E7E1E700-F40B-4F19-8A05-24C66E71DD70}" type="pres">
+      <dgm:prSet presAssocID="{ED330DCE-21C5-440F-AC6D-9B4342DCCD49}" presName="imagNode" presStyleLbl="fgImgPlace1" presStyleIdx="1" presStyleCnt="5"/>
+      <dgm:spPr/>
+    </dgm:pt>
+    <dgm:pt modelId="{9840E52A-D814-4C34-9008-247133DA6CC0}" type="pres">
+      <dgm:prSet presAssocID="{2584BAFC-6560-42D7-A70B-274B7CF613C5}" presName="sibTrans" presStyleLbl="sibTrans2D1" presStyleIdx="0" presStyleCnt="0"/>
+      <dgm:spPr/>
+    </dgm:pt>
+    <dgm:pt modelId="{CBFD9AED-CF38-47CC-A95A-41EE9D401B31}" type="pres">
+      <dgm:prSet presAssocID="{FF78E407-3674-4A68-A701-8E12F558212E}" presName="compNode" presStyleCnt="0"/>
+      <dgm:spPr/>
+    </dgm:pt>
+    <dgm:pt modelId="{EBCD09BE-CCFA-4DBA-89F9-E3B5A47261E4}" type="pres">
+      <dgm:prSet presAssocID="{FF78E407-3674-4A68-A701-8E12F558212E}" presName="bkgdShape" presStyleLbl="node1" presStyleIdx="2" presStyleCnt="5"/>
+      <dgm:spPr/>
+    </dgm:pt>
+    <dgm:pt modelId="{99535BB5-DB01-403F-9C0D-8FFA319E42A1}" type="pres">
+      <dgm:prSet presAssocID="{FF78E407-3674-4A68-A701-8E12F558212E}" presName="nodeTx" presStyleLbl="node1" presStyleIdx="2" presStyleCnt="5">
+        <dgm:presLayoutVars>
+          <dgm:bulletEnabled val="1"/>
+        </dgm:presLayoutVars>
+      </dgm:prSet>
+      <dgm:spPr/>
+    </dgm:pt>
+    <dgm:pt modelId="{E1366867-6EB3-493B-9F9E-77AC612CF66F}" type="pres">
+      <dgm:prSet presAssocID="{FF78E407-3674-4A68-A701-8E12F558212E}" presName="invisiNode" presStyleLbl="node1" presStyleIdx="2" presStyleCnt="5"/>
+      <dgm:spPr/>
+    </dgm:pt>
+    <dgm:pt modelId="{B3ACD2AF-ACE6-459B-A415-168ADB2F0580}" type="pres">
+      <dgm:prSet presAssocID="{FF78E407-3674-4A68-A701-8E12F558212E}" presName="imagNode" presStyleLbl="fgImgPlace1" presStyleIdx="2" presStyleCnt="5"/>
+      <dgm:spPr/>
+    </dgm:pt>
+    <dgm:pt modelId="{617E1A56-F73F-4645-AAFA-3BE4040EEFB7}" type="pres">
+      <dgm:prSet presAssocID="{516CD9AB-C3D5-4003-B63F-C77D81509300}" presName="sibTrans" presStyleLbl="sibTrans2D1" presStyleIdx="0" presStyleCnt="0"/>
+      <dgm:spPr/>
+    </dgm:pt>
+    <dgm:pt modelId="{8D8A6450-B707-4298-9EF8-186ADA0351FD}" type="pres">
+      <dgm:prSet presAssocID="{2C7CFE7B-0746-427F-9E2D-0E179C44D6B0}" presName="compNode" presStyleCnt="0"/>
+      <dgm:spPr/>
+    </dgm:pt>
+    <dgm:pt modelId="{83A68255-4FDC-4581-B4E5-A84CD58AA1FD}" type="pres">
+      <dgm:prSet presAssocID="{2C7CFE7B-0746-427F-9E2D-0E179C44D6B0}" presName="bkgdShape" presStyleLbl="node1" presStyleIdx="3" presStyleCnt="5"/>
+      <dgm:spPr/>
+    </dgm:pt>
+    <dgm:pt modelId="{247F076D-1A4E-462D-BCEA-11698BC32716}" type="pres">
+      <dgm:prSet presAssocID="{2C7CFE7B-0746-427F-9E2D-0E179C44D6B0}" presName="nodeTx" presStyleLbl="node1" presStyleIdx="3" presStyleCnt="5">
+        <dgm:presLayoutVars>
+          <dgm:bulletEnabled val="1"/>
+        </dgm:presLayoutVars>
+      </dgm:prSet>
+      <dgm:spPr/>
+    </dgm:pt>
+    <dgm:pt modelId="{7EB703C4-9039-49EA-8237-9C4557AAE6E3}" type="pres">
+      <dgm:prSet presAssocID="{2C7CFE7B-0746-427F-9E2D-0E179C44D6B0}" presName="invisiNode" presStyleLbl="node1" presStyleIdx="3" presStyleCnt="5"/>
+      <dgm:spPr/>
+    </dgm:pt>
+    <dgm:pt modelId="{7BF3B2C7-160E-485E-936B-C042E3C5209D}" type="pres">
+      <dgm:prSet presAssocID="{2C7CFE7B-0746-427F-9E2D-0E179C44D6B0}" presName="imagNode" presStyleLbl="fgImgPlace1" presStyleIdx="3" presStyleCnt="5"/>
+      <dgm:spPr/>
+    </dgm:pt>
+    <dgm:pt modelId="{209C8051-4899-49A3-A7FC-E99371D4B715}" type="pres">
+      <dgm:prSet presAssocID="{553147F6-6775-4505-86AC-743777934FD5}" presName="sibTrans" presStyleLbl="sibTrans2D1" presStyleIdx="0" presStyleCnt="0"/>
+      <dgm:spPr/>
+    </dgm:pt>
+    <dgm:pt modelId="{53806BD6-893E-429D-A10B-559D740283FF}" type="pres">
+      <dgm:prSet presAssocID="{C3C52662-1810-422C-A71B-D0B530DDA377}" presName="compNode" presStyleCnt="0"/>
+      <dgm:spPr/>
+    </dgm:pt>
+    <dgm:pt modelId="{0FF8DCAC-3E36-42D1-B47B-7856C388CF81}" type="pres">
+      <dgm:prSet presAssocID="{C3C52662-1810-422C-A71B-D0B530DDA377}" presName="bkgdShape" presStyleLbl="node1" presStyleIdx="4" presStyleCnt="5"/>
+      <dgm:spPr/>
+    </dgm:pt>
+    <dgm:pt modelId="{20983471-745C-422B-8C43-BC1B60DFAAAC}" type="pres">
+      <dgm:prSet presAssocID="{C3C52662-1810-422C-A71B-D0B530DDA377}" presName="nodeTx" presStyleLbl="node1" presStyleIdx="4" presStyleCnt="5">
+        <dgm:presLayoutVars>
+          <dgm:bulletEnabled val="1"/>
+        </dgm:presLayoutVars>
+      </dgm:prSet>
+      <dgm:spPr/>
+    </dgm:pt>
+    <dgm:pt modelId="{B8578C8B-7307-41E5-9CFE-77552F8BD1F7}" type="pres">
+      <dgm:prSet presAssocID="{C3C52662-1810-422C-A71B-D0B530DDA377}" presName="invisiNode" presStyleLbl="node1" presStyleIdx="4" presStyleCnt="5"/>
+      <dgm:spPr/>
+    </dgm:pt>
+    <dgm:pt modelId="{31D11C09-0732-42E6-A7DC-B61E9999E4F2}" type="pres">
+      <dgm:prSet presAssocID="{C3C52662-1810-422C-A71B-D0B530DDA377}" presName="imagNode" presStyleLbl="fgImgPlace1" presStyleIdx="4" presStyleCnt="5"/>
+      <dgm:spPr/>
+    </dgm:pt>
+  </dgm:ptLst>
+  <dgm:cxnLst>
+    <dgm:cxn modelId="{487EAC06-F688-4D05-9E57-1E930C1D5ED5}" type="presOf" srcId="{553147F6-6775-4505-86AC-743777934FD5}" destId="{209C8051-4899-49A3-A7FC-E99371D4B715}" srcOrd="0" destOrd="0" presId="urn:microsoft.com/office/officeart/2005/8/layout/hList7"/>
+    <dgm:cxn modelId="{ABB5A709-8870-4A27-8019-BBEB82685284}" type="presOf" srcId="{2C7CFE7B-0746-427F-9E2D-0E179C44D6B0}" destId="{247F076D-1A4E-462D-BCEA-11698BC32716}" srcOrd="1" destOrd="0" presId="urn:microsoft.com/office/officeart/2005/8/layout/hList7"/>
+    <dgm:cxn modelId="{BB6FE50D-976C-4249-90AF-00F22859454F}" srcId="{5B5CD561-EBD8-42AA-A3DA-E71D659D471F}" destId="{ED330DCE-21C5-440F-AC6D-9B4342DCCD49}" srcOrd="1" destOrd="0" parTransId="{9194AA8A-FAD9-4546-A34F-ADADC3100565}" sibTransId="{2584BAFC-6560-42D7-A70B-274B7CF613C5}"/>
+    <dgm:cxn modelId="{6F214C0E-1F86-46F5-8A9F-91DF73D36BE6}" type="presOf" srcId="{C3C52662-1810-422C-A71B-D0B530DDA377}" destId="{0FF8DCAC-3E36-42D1-B47B-7856C388CF81}" srcOrd="0" destOrd="0" presId="urn:microsoft.com/office/officeart/2005/8/layout/hList7"/>
+    <dgm:cxn modelId="{F531D81C-A4B7-4C00-8D4A-235EF6DFD588}" type="presOf" srcId="{ED330DCE-21C5-440F-AC6D-9B4342DCCD49}" destId="{D92F5F96-5488-49EB-8B97-F76F04DA2FC6}" srcOrd="0" destOrd="0" presId="urn:microsoft.com/office/officeart/2005/8/layout/hList7"/>
+    <dgm:cxn modelId="{CBBC2420-69B4-4124-A9EE-8BB7BD6A43F2}" type="presOf" srcId="{FF78E407-3674-4A68-A701-8E12F558212E}" destId="{99535BB5-DB01-403F-9C0D-8FFA319E42A1}" srcOrd="1" destOrd="0" presId="urn:microsoft.com/office/officeart/2005/8/layout/hList7"/>
+    <dgm:cxn modelId="{40A2CE22-5B87-41BB-9A01-97676AB745F0}" type="presOf" srcId="{516CD9AB-C3D5-4003-B63F-C77D81509300}" destId="{617E1A56-F73F-4645-AAFA-3BE4040EEFB7}" srcOrd="0" destOrd="0" presId="urn:microsoft.com/office/officeart/2005/8/layout/hList7"/>
+    <dgm:cxn modelId="{4A3CC423-E8C2-45D3-9883-7DB579823484}" type="presOf" srcId="{2B0A61C5-9E65-49E8-94E2-863049119A4A}" destId="{FC102B1F-FF52-4299-9213-2591FF5BE18A}" srcOrd="0" destOrd="0" presId="urn:microsoft.com/office/officeart/2005/8/layout/hList7"/>
+    <dgm:cxn modelId="{0AE7B12F-2DB3-43BC-932C-6F672CC3F034}" type="presOf" srcId="{C3C52662-1810-422C-A71B-D0B530DDA377}" destId="{20983471-745C-422B-8C43-BC1B60DFAAAC}" srcOrd="1" destOrd="0" presId="urn:microsoft.com/office/officeart/2005/8/layout/hList7"/>
+    <dgm:cxn modelId="{AD00925E-49FC-4AA7-B1E1-7D677F15FA0D}" type="presOf" srcId="{5B5CD561-EBD8-42AA-A3DA-E71D659D471F}" destId="{5199F1EC-A553-45DB-BDCF-184CAB046BBD}" srcOrd="0" destOrd="0" presId="urn:microsoft.com/office/officeart/2005/8/layout/hList7"/>
+    <dgm:cxn modelId="{5383CD5F-6C54-4CAD-8D45-A4C4F744F59A}" type="presOf" srcId="{D6351A89-FE6F-4D0C-BEB2-5C144EF5AF2C}" destId="{3A19185B-E419-4D20-B4AD-1ADCC75DA32E}" srcOrd="0" destOrd="0" presId="urn:microsoft.com/office/officeart/2005/8/layout/hList7"/>
+    <dgm:cxn modelId="{29896265-9D69-4192-9D54-5C11E27A0766}" type="presOf" srcId="{2C7CFE7B-0746-427F-9E2D-0E179C44D6B0}" destId="{83A68255-4FDC-4581-B4E5-A84CD58AA1FD}" srcOrd="0" destOrd="0" presId="urn:microsoft.com/office/officeart/2005/8/layout/hList7"/>
+    <dgm:cxn modelId="{6C8E1346-56E2-4C25-8A05-1C8572A789E3}" type="presOf" srcId="{2584BAFC-6560-42D7-A70B-274B7CF613C5}" destId="{9840E52A-D814-4C34-9008-247133DA6CC0}" srcOrd="0" destOrd="0" presId="urn:microsoft.com/office/officeart/2005/8/layout/hList7"/>
+    <dgm:cxn modelId="{062BD1AC-D225-4AE5-82F2-3D5A2C149F5C}" type="presOf" srcId="{ED330DCE-21C5-440F-AC6D-9B4342DCCD49}" destId="{D1DBA480-C31C-498D-B8B0-187E2C7B4DE8}" srcOrd="1" destOrd="0" presId="urn:microsoft.com/office/officeart/2005/8/layout/hList7"/>
+    <dgm:cxn modelId="{5F3D4FC6-C248-4B83-91B5-6FF80F05EF63}" srcId="{5B5CD561-EBD8-42AA-A3DA-E71D659D471F}" destId="{2C7CFE7B-0746-427F-9E2D-0E179C44D6B0}" srcOrd="3" destOrd="0" parTransId="{E8F8608C-85A1-403C-B084-58FEAF885F70}" sibTransId="{553147F6-6775-4505-86AC-743777934FD5}"/>
+    <dgm:cxn modelId="{7715D4DB-E293-40B6-AA3E-C16A3A3CD126}" srcId="{5B5CD561-EBD8-42AA-A3DA-E71D659D471F}" destId="{D6351A89-FE6F-4D0C-BEB2-5C144EF5AF2C}" srcOrd="0" destOrd="0" parTransId="{4D894349-4E16-4C0D-838B-9BC6531FD50D}" sibTransId="{2B0A61C5-9E65-49E8-94E2-863049119A4A}"/>
+    <dgm:cxn modelId="{9CD096E0-95D9-4D44-8C53-1CB5FEEB7E3C}" srcId="{5B5CD561-EBD8-42AA-A3DA-E71D659D471F}" destId="{FF78E407-3674-4A68-A701-8E12F558212E}" srcOrd="2" destOrd="0" parTransId="{B97B5AFB-3810-4BBF-8D23-A23EB000A851}" sibTransId="{516CD9AB-C3D5-4003-B63F-C77D81509300}"/>
+    <dgm:cxn modelId="{CE30FFE3-D995-4257-BEA6-83CC6E2D06C7}" type="presOf" srcId="{FF78E407-3674-4A68-A701-8E12F558212E}" destId="{EBCD09BE-CCFA-4DBA-89F9-E3B5A47261E4}" srcOrd="0" destOrd="0" presId="urn:microsoft.com/office/officeart/2005/8/layout/hList7"/>
+    <dgm:cxn modelId="{5619BEF3-E2B5-4E60-9250-4328439D57E6}" type="presOf" srcId="{D6351A89-FE6F-4D0C-BEB2-5C144EF5AF2C}" destId="{81622DBE-0B09-4343-AAA1-2C1133C6D09E}" srcOrd="1" destOrd="0" presId="urn:microsoft.com/office/officeart/2005/8/layout/hList7"/>
+    <dgm:cxn modelId="{370EA1FF-1F43-4F98-B381-9BA65DCA4D9D}" srcId="{5B5CD561-EBD8-42AA-A3DA-E71D659D471F}" destId="{C3C52662-1810-422C-A71B-D0B530DDA377}" srcOrd="4" destOrd="0" parTransId="{EACCDD38-6DEF-4B08-AD4A-8C7E6BFD9AD7}" sibTransId="{08F224EB-13AD-44E8-894F-DAD825E7CCF5}"/>
+    <dgm:cxn modelId="{0B235015-2687-42DA-AD53-359B64DAA835}" type="presParOf" srcId="{5199F1EC-A553-45DB-BDCF-184CAB046BBD}" destId="{708D190E-8F4C-4DF7-BF04-6BC88A92C72E}" srcOrd="0" destOrd="0" presId="urn:microsoft.com/office/officeart/2005/8/layout/hList7"/>
+    <dgm:cxn modelId="{2D61A8B3-1F10-4B8C-AC82-77CAB80868BE}" type="presParOf" srcId="{5199F1EC-A553-45DB-BDCF-184CAB046BBD}" destId="{F1F0F486-F879-49D3-9016-798355B4BF03}" srcOrd="1" destOrd="0" presId="urn:microsoft.com/office/officeart/2005/8/layout/hList7"/>
+    <dgm:cxn modelId="{BAF16D0A-E38E-4C5B-8457-F59B14D840A4}" type="presParOf" srcId="{F1F0F486-F879-49D3-9016-798355B4BF03}" destId="{E99FAB09-5814-4865-8D3C-69E4098B35A5}" srcOrd="0" destOrd="0" presId="urn:microsoft.com/office/officeart/2005/8/layout/hList7"/>
+    <dgm:cxn modelId="{8F40A6C1-1F61-4222-BE3C-DEA628FD80DB}" type="presParOf" srcId="{E99FAB09-5814-4865-8D3C-69E4098B35A5}" destId="{3A19185B-E419-4D20-B4AD-1ADCC75DA32E}" srcOrd="0" destOrd="0" presId="urn:microsoft.com/office/officeart/2005/8/layout/hList7"/>
+    <dgm:cxn modelId="{6BD8B1C0-1070-4B32-86FD-97A3777EA47E}" type="presParOf" srcId="{E99FAB09-5814-4865-8D3C-69E4098B35A5}" destId="{81622DBE-0B09-4343-AAA1-2C1133C6D09E}" srcOrd="1" destOrd="0" presId="urn:microsoft.com/office/officeart/2005/8/layout/hList7"/>
+    <dgm:cxn modelId="{052003D8-15B3-47E0-8957-716D9E1DDAD4}" type="presParOf" srcId="{E99FAB09-5814-4865-8D3C-69E4098B35A5}" destId="{6CF55C98-1E7E-4507-BE89-441F1B21C453}" srcOrd="2" destOrd="0" presId="urn:microsoft.com/office/officeart/2005/8/layout/hList7"/>
+    <dgm:cxn modelId="{DBFFC23A-8A60-4DA1-AEF8-F31859511F7A}" type="presParOf" srcId="{E99FAB09-5814-4865-8D3C-69E4098B35A5}" destId="{9E25FF3B-52C9-4398-A8FF-C16277D74076}" srcOrd="3" destOrd="0" presId="urn:microsoft.com/office/officeart/2005/8/layout/hList7"/>
+    <dgm:cxn modelId="{A83FBC3F-4E86-44CA-A8B2-986A093A9680}" type="presParOf" srcId="{F1F0F486-F879-49D3-9016-798355B4BF03}" destId="{FC102B1F-FF52-4299-9213-2591FF5BE18A}" srcOrd="1" destOrd="0" presId="urn:microsoft.com/office/officeart/2005/8/layout/hList7"/>
+    <dgm:cxn modelId="{094E30F9-FAC0-407C-AAC8-F724FEF4A926}" type="presParOf" srcId="{F1F0F486-F879-49D3-9016-798355B4BF03}" destId="{A7F9C0CA-0D87-4731-9497-8F2C6B5877B0}" srcOrd="2" destOrd="0" presId="urn:microsoft.com/office/officeart/2005/8/layout/hList7"/>
+    <dgm:cxn modelId="{C66FD583-F23A-42D7-91F9-C7ADF010B95B}" type="presParOf" srcId="{A7F9C0CA-0D87-4731-9497-8F2C6B5877B0}" destId="{D92F5F96-5488-49EB-8B97-F76F04DA2FC6}" srcOrd="0" destOrd="0" presId="urn:microsoft.com/office/officeart/2005/8/layout/hList7"/>
+    <dgm:cxn modelId="{4A380621-B517-436E-A19A-E0EEC74BE4E4}" type="presParOf" srcId="{A7F9C0CA-0D87-4731-9497-8F2C6B5877B0}" destId="{D1DBA480-C31C-498D-B8B0-187E2C7B4DE8}" srcOrd="1" destOrd="0" presId="urn:microsoft.com/office/officeart/2005/8/layout/hList7"/>
+    <dgm:cxn modelId="{AC10572B-1B3C-4110-9A0B-5956BC0CCB3D}" type="presParOf" srcId="{A7F9C0CA-0D87-4731-9497-8F2C6B5877B0}" destId="{03B1542A-2C74-4869-8C88-4FD0204513D7}" srcOrd="2" destOrd="0" presId="urn:microsoft.com/office/officeart/2005/8/layout/hList7"/>
+    <dgm:cxn modelId="{D3E916A7-4024-44AC-A87C-684AE1646996}" type="presParOf" srcId="{A7F9C0CA-0D87-4731-9497-8F2C6B5877B0}" destId="{E7E1E700-F40B-4F19-8A05-24C66E71DD70}" srcOrd="3" destOrd="0" presId="urn:microsoft.com/office/officeart/2005/8/layout/hList7"/>
+    <dgm:cxn modelId="{3FEDE8E9-BB79-4569-BFE0-1C361C74F825}" type="presParOf" srcId="{F1F0F486-F879-49D3-9016-798355B4BF03}" destId="{9840E52A-D814-4C34-9008-247133DA6CC0}" srcOrd="3" destOrd="0" presId="urn:microsoft.com/office/officeart/2005/8/layout/hList7"/>
+    <dgm:cxn modelId="{4B78D924-D683-4C71-896B-10505E1D7F82}" type="presParOf" srcId="{F1F0F486-F879-49D3-9016-798355B4BF03}" destId="{CBFD9AED-CF38-47CC-A95A-41EE9D401B31}" srcOrd="4" destOrd="0" presId="urn:microsoft.com/office/officeart/2005/8/layout/hList7"/>
+    <dgm:cxn modelId="{F8FFC0F9-39E6-46C7-B327-B5E945BF5555}" type="presParOf" srcId="{CBFD9AED-CF38-47CC-A95A-41EE9D401B31}" destId="{EBCD09BE-CCFA-4DBA-89F9-E3B5A47261E4}" srcOrd="0" destOrd="0" presId="urn:microsoft.com/office/officeart/2005/8/layout/hList7"/>
+    <dgm:cxn modelId="{DEC0B086-CDAE-4AE9-B12D-71B329A9BE09}" type="presParOf" srcId="{CBFD9AED-CF38-47CC-A95A-41EE9D401B31}" destId="{99535BB5-DB01-403F-9C0D-8FFA319E42A1}" srcOrd="1" destOrd="0" presId="urn:microsoft.com/office/officeart/2005/8/layout/hList7"/>
+    <dgm:cxn modelId="{608E4516-4635-41D7-8C0C-FB768D383206}" type="presParOf" srcId="{CBFD9AED-CF38-47CC-A95A-41EE9D401B31}" destId="{E1366867-6EB3-493B-9F9E-77AC612CF66F}" srcOrd="2" destOrd="0" presId="urn:microsoft.com/office/officeart/2005/8/layout/hList7"/>
+    <dgm:cxn modelId="{BC2504E8-FDA8-4234-B2B2-058B97CC8046}" type="presParOf" srcId="{CBFD9AED-CF38-47CC-A95A-41EE9D401B31}" destId="{B3ACD2AF-ACE6-459B-A415-168ADB2F0580}" srcOrd="3" destOrd="0" presId="urn:microsoft.com/office/officeart/2005/8/layout/hList7"/>
+    <dgm:cxn modelId="{B11341CB-F25D-4D83-9C88-ED496D024DA1}" type="presParOf" srcId="{F1F0F486-F879-49D3-9016-798355B4BF03}" destId="{617E1A56-F73F-4645-AAFA-3BE4040EEFB7}" srcOrd="5" destOrd="0" presId="urn:microsoft.com/office/officeart/2005/8/layout/hList7"/>
+    <dgm:cxn modelId="{93C81885-FFD5-4C34-936D-81CC7216A19E}" type="presParOf" srcId="{F1F0F486-F879-49D3-9016-798355B4BF03}" destId="{8D8A6450-B707-4298-9EF8-186ADA0351FD}" srcOrd="6" destOrd="0" presId="urn:microsoft.com/office/officeart/2005/8/layout/hList7"/>
+    <dgm:cxn modelId="{9B398673-CEEA-4423-818F-B5420ED89670}" type="presParOf" srcId="{8D8A6450-B707-4298-9EF8-186ADA0351FD}" destId="{83A68255-4FDC-4581-B4E5-A84CD58AA1FD}" srcOrd="0" destOrd="0" presId="urn:microsoft.com/office/officeart/2005/8/layout/hList7"/>
+    <dgm:cxn modelId="{5629F108-775E-4F3D-9BA0-BF3280B5BCEA}" type="presParOf" srcId="{8D8A6450-B707-4298-9EF8-186ADA0351FD}" destId="{247F076D-1A4E-462D-BCEA-11698BC32716}" srcOrd="1" destOrd="0" presId="urn:microsoft.com/office/officeart/2005/8/layout/hList7"/>
+    <dgm:cxn modelId="{C0C50EFA-1396-4884-A93C-9848F8C16434}" type="presParOf" srcId="{8D8A6450-B707-4298-9EF8-186ADA0351FD}" destId="{7EB703C4-9039-49EA-8237-9C4557AAE6E3}" srcOrd="2" destOrd="0" presId="urn:microsoft.com/office/officeart/2005/8/layout/hList7"/>
+    <dgm:cxn modelId="{041B2EEA-5089-40F9-A752-0C4321B543EF}" type="presParOf" srcId="{8D8A6450-B707-4298-9EF8-186ADA0351FD}" destId="{7BF3B2C7-160E-485E-936B-C042E3C5209D}" srcOrd="3" destOrd="0" presId="urn:microsoft.com/office/officeart/2005/8/layout/hList7"/>
+    <dgm:cxn modelId="{516A9830-7430-407B-8FD1-7E9A114E8AB2}" type="presParOf" srcId="{F1F0F486-F879-49D3-9016-798355B4BF03}" destId="{209C8051-4899-49A3-A7FC-E99371D4B715}" srcOrd="7" destOrd="0" presId="urn:microsoft.com/office/officeart/2005/8/layout/hList7"/>
+    <dgm:cxn modelId="{591BA15C-7460-493E-88D3-F24D779D63BF}" type="presParOf" srcId="{F1F0F486-F879-49D3-9016-798355B4BF03}" destId="{53806BD6-893E-429D-A10B-559D740283FF}" srcOrd="8" destOrd="0" presId="urn:microsoft.com/office/officeart/2005/8/layout/hList7"/>
+    <dgm:cxn modelId="{52C784A8-6EC2-4FB6-85B4-542CB2E079A9}" type="presParOf" srcId="{53806BD6-893E-429D-A10B-559D740283FF}" destId="{0FF8DCAC-3E36-42D1-B47B-7856C388CF81}" srcOrd="0" destOrd="0" presId="urn:microsoft.com/office/officeart/2005/8/layout/hList7"/>
+    <dgm:cxn modelId="{A185F92B-EF00-4B4A-9B1C-21240C9F9576}" type="presParOf" srcId="{53806BD6-893E-429D-A10B-559D740283FF}" destId="{20983471-745C-422B-8C43-BC1B60DFAAAC}" srcOrd="1" destOrd="0" presId="urn:microsoft.com/office/officeart/2005/8/layout/hList7"/>
+    <dgm:cxn modelId="{F14AAD58-B1DE-4D44-A227-052CB6F0BD4B}" type="presParOf" srcId="{53806BD6-893E-429D-A10B-559D740283FF}" destId="{B8578C8B-7307-41E5-9CFE-77552F8BD1F7}" srcOrd="2" destOrd="0" presId="urn:microsoft.com/office/officeart/2005/8/layout/hList7"/>
+    <dgm:cxn modelId="{55D1A046-5665-4C8A-B558-A05A7DC18648}" type="presParOf" srcId="{53806BD6-893E-429D-A10B-559D740283FF}" destId="{31D11C09-0732-42E6-A7DC-B61E9999E4F2}" srcOrd="3" destOrd="0" presId="urn:microsoft.com/office/officeart/2005/8/layout/hList7"/>
+  </dgm:cxnLst>
+  <dgm:bg/>
+  <dgm:whole/>
+  <dgm:extLst>
+    <a:ext uri="http://schemas.microsoft.com/office/drawing/2008/diagram">
+      <dsp:dataModelExt xmlns:dsp="http://schemas.microsoft.com/office/drawing/2008/diagram" relId="rId6" minVer="http://schemas.openxmlformats.org/drawingml/2006/diagram"/>
+    </a:ext>
+  </dgm:extLst>
+</dgm:dataModel>
+</file>
+
+<file path=ppt/diagrams/drawing1.xml><?xml version="1.0" encoding="utf-8"?>
+<dsp:drawing xmlns:dgm="http://schemas.openxmlformats.org/drawingml/2006/diagram" xmlns:dsp="http://schemas.microsoft.com/office/drawing/2008/diagram" xmlns:a="http://schemas.openxmlformats.org/drawingml/2006/main">
+  <dsp:spTree>
+    <dsp:nvGrpSpPr>
+      <dsp:cNvPr id="0" name=""/>
+      <dsp:cNvGrpSpPr/>
+    </dsp:nvGrpSpPr>
+    <dsp:grpSpPr/>
+    <dsp:sp modelId="{3A19185B-E419-4D20-B4AD-1ADCC75DA32E}">
+      <dsp:nvSpPr>
+        <dsp:cNvPr id="0" name=""/>
+        <dsp:cNvSpPr/>
+      </dsp:nvSpPr>
+      <dsp:spPr>
+        <a:xfrm>
+          <a:off x="0" y="0"/>
+          <a:ext cx="2119401" cy="4547980"/>
+        </a:xfrm>
+        <a:prstGeom prst="roundRect">
+          <a:avLst>
+            <a:gd name="adj" fmla="val 10000"/>
+          </a:avLst>
+        </a:prstGeom>
+        <a:solidFill>
+          <a:schemeClr val="accent2">
+            <a:hueOff val="0"/>
+            <a:satOff val="0"/>
+            <a:lumOff val="0"/>
+            <a:alphaOff val="0"/>
+          </a:schemeClr>
+        </a:solidFill>
+        <a:ln w="12700" cap="flat" cmpd="sng" algn="ctr">
+          <a:solidFill>
+            <a:schemeClr val="lt1">
+              <a:hueOff val="0"/>
+              <a:satOff val="0"/>
+              <a:lumOff val="0"/>
+              <a:alphaOff val="0"/>
+            </a:schemeClr>
+          </a:solidFill>
+          <a:prstDash val="solid"/>
+          <a:miter lim="800000"/>
+        </a:ln>
+        <a:effectLst/>
+      </dsp:spPr>
+      <dsp:style>
+        <a:lnRef idx="2">
+          <a:scrgbClr r="0" g="0" b="0"/>
+        </a:lnRef>
+        <a:fillRef idx="1">
+          <a:scrgbClr r="0" g="0" b="0"/>
+        </a:fillRef>
+        <a:effectRef idx="0">
+          <a:scrgbClr r="0" g="0" b="0"/>
+        </a:effectRef>
+        <a:fontRef idx="minor">
+          <a:schemeClr val="lt1"/>
+        </a:fontRef>
+      </dsp:style>
+      <dsp:txBody>
+        <a:bodyPr spcFirstLastPara="0" vert="horz" wrap="square" lIns="341376" tIns="341376" rIns="341376" bIns="341376" numCol="1" spcCol="1270" anchor="ctr" anchorCtr="0">
+          <a:noAutofit/>
+        </a:bodyPr>
+        <a:lstStyle/>
+        <a:p>
+          <a:pPr marL="0" lvl="0" indent="0" algn="ctr" defTabSz="2133600">
+            <a:lnSpc>
+              <a:spcPct val="90000"/>
+            </a:lnSpc>
+            <a:spcBef>
+              <a:spcPct val="0"/>
+            </a:spcBef>
+            <a:spcAft>
+              <a:spcPct val="35000"/>
+            </a:spcAft>
+            <a:buNone/>
+          </a:pPr>
+          <a:endParaRPr lang="zh-TW" altLang="en-US" sz="4800" kern="1200" dirty="0"/>
+        </a:p>
+      </dsp:txBody>
+      <dsp:txXfrm>
+        <a:off x="0" y="1819192"/>
+        <a:ext cx="2119401" cy="1819192"/>
+      </dsp:txXfrm>
+    </dsp:sp>
+    <dsp:sp modelId="{9E25FF3B-52C9-4398-A8FF-C16277D74076}">
+      <dsp:nvSpPr>
+        <dsp:cNvPr id="0" name=""/>
+        <dsp:cNvSpPr/>
+      </dsp:nvSpPr>
+      <dsp:spPr>
+        <a:xfrm>
+          <a:off x="302462" y="272878"/>
+          <a:ext cx="1514477" cy="1514477"/>
+        </a:xfrm>
+        <a:prstGeom prst="ellipse">
+          <a:avLst/>
+        </a:prstGeom>
+        <a:solidFill>
+          <a:schemeClr val="accent2">
+            <a:tint val="50000"/>
+            <a:hueOff val="0"/>
+            <a:satOff val="0"/>
+            <a:lumOff val="0"/>
+            <a:alphaOff val="0"/>
+          </a:schemeClr>
+        </a:solidFill>
+        <a:ln w="12700" cap="flat" cmpd="sng" algn="ctr">
+          <a:solidFill>
+            <a:schemeClr val="lt1">
+              <a:hueOff val="0"/>
+              <a:satOff val="0"/>
+              <a:lumOff val="0"/>
+              <a:alphaOff val="0"/>
+            </a:schemeClr>
+          </a:solidFill>
+          <a:prstDash val="solid"/>
+          <a:miter lim="800000"/>
+        </a:ln>
+        <a:effectLst/>
+      </dsp:spPr>
+      <dsp:style>
+        <a:lnRef idx="2">
+          <a:scrgbClr r="0" g="0" b="0"/>
+        </a:lnRef>
+        <a:fillRef idx="1">
+          <a:scrgbClr r="0" g="0" b="0"/>
+        </a:fillRef>
+        <a:effectRef idx="0">
+          <a:scrgbClr r="0" g="0" b="0"/>
+        </a:effectRef>
+        <a:fontRef idx="minor"/>
+      </dsp:style>
+    </dsp:sp>
+    <dsp:sp modelId="{D92F5F96-5488-49EB-8B97-F76F04DA2FC6}">
+      <dsp:nvSpPr>
+        <dsp:cNvPr id="0" name=""/>
+        <dsp:cNvSpPr/>
+      </dsp:nvSpPr>
+      <dsp:spPr>
+        <a:xfrm>
+          <a:off x="2182983" y="0"/>
+          <a:ext cx="2119401" cy="4547980"/>
+        </a:xfrm>
+        <a:prstGeom prst="roundRect">
+          <a:avLst>
+            <a:gd name="adj" fmla="val 10000"/>
+          </a:avLst>
+        </a:prstGeom>
+        <a:solidFill>
+          <a:schemeClr val="accent3">
+            <a:hueOff val="0"/>
+            <a:satOff val="0"/>
+            <a:lumOff val="0"/>
+            <a:alphaOff val="0"/>
+          </a:schemeClr>
+        </a:solidFill>
+        <a:ln w="12700" cap="flat" cmpd="sng" algn="ctr">
+          <a:solidFill>
+            <a:schemeClr val="lt1">
+              <a:hueOff val="0"/>
+              <a:satOff val="0"/>
+              <a:lumOff val="0"/>
+              <a:alphaOff val="0"/>
+            </a:schemeClr>
+          </a:solidFill>
+          <a:prstDash val="solid"/>
+          <a:miter lim="800000"/>
+        </a:ln>
+        <a:effectLst/>
+      </dsp:spPr>
+      <dsp:style>
+        <a:lnRef idx="2">
+          <a:scrgbClr r="0" g="0" b="0"/>
+        </a:lnRef>
+        <a:fillRef idx="1">
+          <a:scrgbClr r="0" g="0" b="0"/>
+        </a:fillRef>
+        <a:effectRef idx="0">
+          <a:scrgbClr r="0" g="0" b="0"/>
+        </a:effectRef>
+        <a:fontRef idx="minor">
+          <a:schemeClr val="lt1"/>
+        </a:fontRef>
+      </dsp:style>
+      <dsp:txBody>
+        <a:bodyPr spcFirstLastPara="0" vert="horz" wrap="square" lIns="341376" tIns="341376" rIns="341376" bIns="341376" numCol="1" spcCol="1270" anchor="ctr" anchorCtr="0">
+          <a:noAutofit/>
+        </a:bodyPr>
+        <a:lstStyle/>
+        <a:p>
+          <a:pPr marL="0" lvl="0" indent="0" algn="ctr" defTabSz="2133600">
+            <a:lnSpc>
+              <a:spcPct val="90000"/>
+            </a:lnSpc>
+            <a:spcBef>
+              <a:spcPct val="0"/>
+            </a:spcBef>
+            <a:spcAft>
+              <a:spcPct val="35000"/>
+            </a:spcAft>
+            <a:buNone/>
+          </a:pPr>
+          <a:endParaRPr lang="zh-TW" altLang="en-US" sz="4800" kern="1200"/>
+        </a:p>
+      </dsp:txBody>
+      <dsp:txXfrm>
+        <a:off x="2182983" y="1819192"/>
+        <a:ext cx="2119401" cy="1819192"/>
+      </dsp:txXfrm>
+    </dsp:sp>
+    <dsp:sp modelId="{E7E1E700-F40B-4F19-8A05-24C66E71DD70}">
+      <dsp:nvSpPr>
+        <dsp:cNvPr id="0" name=""/>
+        <dsp:cNvSpPr/>
+      </dsp:nvSpPr>
+      <dsp:spPr>
+        <a:xfrm>
+          <a:off x="2485445" y="272878"/>
+          <a:ext cx="1514477" cy="1514477"/>
+        </a:xfrm>
+        <a:prstGeom prst="ellipse">
+          <a:avLst/>
+        </a:prstGeom>
+        <a:solidFill>
+          <a:schemeClr val="accent3">
+            <a:tint val="50000"/>
+            <a:hueOff val="0"/>
+            <a:satOff val="0"/>
+            <a:lumOff val="0"/>
+            <a:alphaOff val="0"/>
+          </a:schemeClr>
+        </a:solidFill>
+        <a:ln w="12700" cap="flat" cmpd="sng" algn="ctr">
+          <a:solidFill>
+            <a:schemeClr val="lt1">
+              <a:hueOff val="0"/>
+              <a:satOff val="0"/>
+              <a:lumOff val="0"/>
+              <a:alphaOff val="0"/>
+            </a:schemeClr>
+          </a:solidFill>
+          <a:prstDash val="solid"/>
+          <a:miter lim="800000"/>
+        </a:ln>
+        <a:effectLst/>
+      </dsp:spPr>
+      <dsp:style>
+        <a:lnRef idx="2">
+          <a:scrgbClr r="0" g="0" b="0"/>
+        </a:lnRef>
+        <a:fillRef idx="1">
+          <a:scrgbClr r="0" g="0" b="0"/>
+        </a:fillRef>
+        <a:effectRef idx="0">
+          <a:scrgbClr r="0" g="0" b="0"/>
+        </a:effectRef>
+        <a:fontRef idx="minor"/>
+      </dsp:style>
+    </dsp:sp>
+    <dsp:sp modelId="{EBCD09BE-CCFA-4DBA-89F9-E3B5A47261E4}">
+      <dsp:nvSpPr>
+        <dsp:cNvPr id="0" name=""/>
+        <dsp:cNvSpPr/>
+      </dsp:nvSpPr>
+      <dsp:spPr>
+        <a:xfrm>
+          <a:off x="4365966" y="0"/>
+          <a:ext cx="2119401" cy="4547980"/>
+        </a:xfrm>
+        <a:prstGeom prst="roundRect">
+          <a:avLst>
+            <a:gd name="adj" fmla="val 10000"/>
+          </a:avLst>
+        </a:prstGeom>
+        <a:solidFill>
+          <a:schemeClr val="accent4">
+            <a:hueOff val="0"/>
+            <a:satOff val="0"/>
+            <a:lumOff val="0"/>
+            <a:alphaOff val="0"/>
+          </a:schemeClr>
+        </a:solidFill>
+        <a:ln w="12700" cap="flat" cmpd="sng" algn="ctr">
+          <a:solidFill>
+            <a:schemeClr val="lt1">
+              <a:hueOff val="0"/>
+              <a:satOff val="0"/>
+              <a:lumOff val="0"/>
+              <a:alphaOff val="0"/>
+            </a:schemeClr>
+          </a:solidFill>
+          <a:prstDash val="solid"/>
+          <a:miter lim="800000"/>
+        </a:ln>
+        <a:effectLst/>
+      </dsp:spPr>
+      <dsp:style>
+        <a:lnRef idx="2">
+          <a:scrgbClr r="0" g="0" b="0"/>
+        </a:lnRef>
+        <a:fillRef idx="1">
+          <a:scrgbClr r="0" g="0" b="0"/>
+        </a:fillRef>
+        <a:effectRef idx="0">
+          <a:scrgbClr r="0" g="0" b="0"/>
+        </a:effectRef>
+        <a:fontRef idx="minor">
+          <a:schemeClr val="lt1"/>
+        </a:fontRef>
+      </dsp:style>
+      <dsp:txBody>
+        <a:bodyPr spcFirstLastPara="0" vert="horz" wrap="square" lIns="455168" tIns="455168" rIns="455168" bIns="455168" numCol="1" spcCol="1270" anchor="ctr" anchorCtr="0">
+          <a:noAutofit/>
+        </a:bodyPr>
+        <a:lstStyle/>
+        <a:p>
+          <a:pPr marL="0" lvl="0" indent="0" algn="ctr" defTabSz="2844800">
+            <a:lnSpc>
+              <a:spcPct val="90000"/>
+            </a:lnSpc>
+            <a:spcBef>
+              <a:spcPct val="0"/>
+            </a:spcBef>
+            <a:spcAft>
+              <a:spcPct val="35000"/>
+            </a:spcAft>
+            <a:buNone/>
+          </a:pPr>
+          <a:endParaRPr lang="zh-TW" altLang="en-US" sz="6400" kern="1200" dirty="0"/>
+        </a:p>
+      </dsp:txBody>
+      <dsp:txXfrm>
+        <a:off x="4365966" y="1819192"/>
+        <a:ext cx="2119401" cy="1819192"/>
+      </dsp:txXfrm>
+    </dsp:sp>
+    <dsp:sp modelId="{B3ACD2AF-ACE6-459B-A415-168ADB2F0580}">
+      <dsp:nvSpPr>
+        <dsp:cNvPr id="0" name=""/>
+        <dsp:cNvSpPr/>
+      </dsp:nvSpPr>
+      <dsp:spPr>
+        <a:xfrm>
+          <a:off x="4668428" y="272878"/>
+          <a:ext cx="1514477" cy="1514477"/>
+        </a:xfrm>
+        <a:prstGeom prst="ellipse">
+          <a:avLst/>
+        </a:prstGeom>
+        <a:solidFill>
+          <a:schemeClr val="accent4">
+            <a:tint val="50000"/>
+            <a:hueOff val="0"/>
+            <a:satOff val="0"/>
+            <a:lumOff val="0"/>
+            <a:alphaOff val="0"/>
+          </a:schemeClr>
+        </a:solidFill>
+        <a:ln w="12700" cap="flat" cmpd="sng" algn="ctr">
+          <a:solidFill>
+            <a:schemeClr val="lt1">
+              <a:hueOff val="0"/>
+              <a:satOff val="0"/>
+              <a:lumOff val="0"/>
+              <a:alphaOff val="0"/>
+            </a:schemeClr>
+          </a:solidFill>
+          <a:prstDash val="solid"/>
+          <a:miter lim="800000"/>
+        </a:ln>
+        <a:effectLst/>
+      </dsp:spPr>
+      <dsp:style>
+        <a:lnRef idx="2">
+          <a:scrgbClr r="0" g="0" b="0"/>
+        </a:lnRef>
+        <a:fillRef idx="1">
+          <a:scrgbClr r="0" g="0" b="0"/>
+        </a:fillRef>
+        <a:effectRef idx="0">
+          <a:scrgbClr r="0" g="0" b="0"/>
+        </a:effectRef>
+        <a:fontRef idx="minor"/>
+      </dsp:style>
+    </dsp:sp>
+    <dsp:sp modelId="{83A68255-4FDC-4581-B4E5-A84CD58AA1FD}">
+      <dsp:nvSpPr>
+        <dsp:cNvPr id="0" name=""/>
+        <dsp:cNvSpPr/>
+      </dsp:nvSpPr>
+      <dsp:spPr>
+        <a:xfrm>
+          <a:off x="6548950" y="0"/>
+          <a:ext cx="2119401" cy="4547980"/>
+        </a:xfrm>
+        <a:prstGeom prst="roundRect">
+          <a:avLst>
+            <a:gd name="adj" fmla="val 10000"/>
+          </a:avLst>
+        </a:prstGeom>
+        <a:solidFill>
+          <a:schemeClr val="accent5">
+            <a:hueOff val="0"/>
+            <a:satOff val="0"/>
+            <a:lumOff val="0"/>
+            <a:alphaOff val="0"/>
+          </a:schemeClr>
+        </a:solidFill>
+        <a:ln w="12700" cap="flat" cmpd="sng" algn="ctr">
+          <a:solidFill>
+            <a:schemeClr val="lt1">
+              <a:hueOff val="0"/>
+              <a:satOff val="0"/>
+              <a:lumOff val="0"/>
+              <a:alphaOff val="0"/>
+            </a:schemeClr>
+          </a:solidFill>
+          <a:prstDash val="solid"/>
+          <a:miter lim="800000"/>
+        </a:ln>
+        <a:effectLst/>
+      </dsp:spPr>
+      <dsp:style>
+        <a:lnRef idx="2">
+          <a:scrgbClr r="0" g="0" b="0"/>
+        </a:lnRef>
+        <a:fillRef idx="1">
+          <a:scrgbClr r="0" g="0" b="0"/>
+        </a:fillRef>
+        <a:effectRef idx="0">
+          <a:scrgbClr r="0" g="0" b="0"/>
+        </a:effectRef>
+        <a:fontRef idx="minor">
+          <a:schemeClr val="lt1"/>
+        </a:fontRef>
+      </dsp:style>
+      <dsp:txBody>
+        <a:bodyPr spcFirstLastPara="0" vert="horz" wrap="square" lIns="455168" tIns="455168" rIns="455168" bIns="455168" numCol="1" spcCol="1270" anchor="ctr" anchorCtr="0">
+          <a:noAutofit/>
+        </a:bodyPr>
+        <a:lstStyle/>
+        <a:p>
+          <a:pPr marL="0" lvl="0" indent="0" algn="ctr" defTabSz="2844800">
+            <a:lnSpc>
+              <a:spcPct val="90000"/>
+            </a:lnSpc>
+            <a:spcBef>
+              <a:spcPct val="0"/>
+            </a:spcBef>
+            <a:spcAft>
+              <a:spcPct val="35000"/>
+            </a:spcAft>
+            <a:buNone/>
+          </a:pPr>
+          <a:endParaRPr lang="zh-TW" altLang="en-US" sz="6400" kern="1200" dirty="0"/>
+        </a:p>
+      </dsp:txBody>
+      <dsp:txXfrm>
+        <a:off x="6548950" y="1819192"/>
+        <a:ext cx="2119401" cy="1819192"/>
+      </dsp:txXfrm>
+    </dsp:sp>
+    <dsp:sp modelId="{7BF3B2C7-160E-485E-936B-C042E3C5209D}">
+      <dsp:nvSpPr>
+        <dsp:cNvPr id="0" name=""/>
+        <dsp:cNvSpPr/>
+      </dsp:nvSpPr>
+      <dsp:spPr>
+        <a:xfrm>
+          <a:off x="6851412" y="272878"/>
+          <a:ext cx="1514477" cy="1514477"/>
+        </a:xfrm>
+        <a:prstGeom prst="ellipse">
+          <a:avLst/>
+        </a:prstGeom>
+        <a:solidFill>
+          <a:schemeClr val="accent5">
+            <a:tint val="50000"/>
+            <a:hueOff val="0"/>
+            <a:satOff val="0"/>
+            <a:lumOff val="0"/>
+            <a:alphaOff val="0"/>
+          </a:schemeClr>
+        </a:solidFill>
+        <a:ln w="12700" cap="flat" cmpd="sng" algn="ctr">
+          <a:solidFill>
+            <a:schemeClr val="lt1">
+              <a:hueOff val="0"/>
+              <a:satOff val="0"/>
+              <a:lumOff val="0"/>
+              <a:alphaOff val="0"/>
+            </a:schemeClr>
+          </a:solidFill>
+          <a:prstDash val="solid"/>
+          <a:miter lim="800000"/>
+        </a:ln>
+        <a:effectLst/>
+      </dsp:spPr>
+      <dsp:style>
+        <a:lnRef idx="2">
+          <a:scrgbClr r="0" g="0" b="0"/>
+        </a:lnRef>
+        <a:fillRef idx="1">
+          <a:scrgbClr r="0" g="0" b="0"/>
+        </a:fillRef>
+        <a:effectRef idx="0">
+          <a:scrgbClr r="0" g="0" b="0"/>
+        </a:effectRef>
+        <a:fontRef idx="minor"/>
+      </dsp:style>
+    </dsp:sp>
+    <dsp:sp modelId="{0FF8DCAC-3E36-42D1-B47B-7856C388CF81}">
+      <dsp:nvSpPr>
+        <dsp:cNvPr id="0" name=""/>
+        <dsp:cNvSpPr/>
+      </dsp:nvSpPr>
+      <dsp:spPr>
+        <a:xfrm>
+          <a:off x="8731933" y="0"/>
+          <a:ext cx="2119401" cy="4547980"/>
+        </a:xfrm>
+        <a:prstGeom prst="roundRect">
+          <a:avLst>
+            <a:gd name="adj" fmla="val 10000"/>
+          </a:avLst>
+        </a:prstGeom>
+        <a:solidFill>
+          <a:schemeClr val="accent6">
+            <a:hueOff val="0"/>
+            <a:satOff val="0"/>
+            <a:lumOff val="0"/>
+            <a:alphaOff val="0"/>
+          </a:schemeClr>
+        </a:solidFill>
+        <a:ln w="12700" cap="flat" cmpd="sng" algn="ctr">
+          <a:solidFill>
+            <a:schemeClr val="lt1">
+              <a:hueOff val="0"/>
+              <a:satOff val="0"/>
+              <a:lumOff val="0"/>
+              <a:alphaOff val="0"/>
+            </a:schemeClr>
+          </a:solidFill>
+          <a:prstDash val="solid"/>
+          <a:miter lim="800000"/>
+        </a:ln>
+        <a:effectLst/>
+      </dsp:spPr>
+      <dsp:style>
+        <a:lnRef idx="2">
+          <a:scrgbClr r="0" g="0" b="0"/>
+        </a:lnRef>
+        <a:fillRef idx="1">
+          <a:scrgbClr r="0" g="0" b="0"/>
+        </a:fillRef>
+        <a:effectRef idx="0">
+          <a:scrgbClr r="0" g="0" b="0"/>
+        </a:effectRef>
+        <a:fontRef idx="minor">
+          <a:schemeClr val="lt1"/>
+        </a:fontRef>
+      </dsp:style>
+      <dsp:txBody>
+        <a:bodyPr spcFirstLastPara="0" vert="horz" wrap="square" lIns="455168" tIns="455168" rIns="455168" bIns="455168" numCol="1" spcCol="1270" anchor="ctr" anchorCtr="0">
+          <a:noAutofit/>
+        </a:bodyPr>
+        <a:lstStyle/>
+        <a:p>
+          <a:pPr marL="0" lvl="0" indent="0" algn="ctr" defTabSz="2844800">
+            <a:lnSpc>
+              <a:spcPct val="90000"/>
+            </a:lnSpc>
+            <a:spcBef>
+              <a:spcPct val="0"/>
+            </a:spcBef>
+            <a:spcAft>
+              <a:spcPct val="35000"/>
+            </a:spcAft>
+            <a:buNone/>
+          </a:pPr>
+          <a:endParaRPr lang="zh-TW" altLang="en-US" sz="6400" kern="1200" dirty="0"/>
+        </a:p>
+      </dsp:txBody>
+      <dsp:txXfrm>
+        <a:off x="8731933" y="1819192"/>
+        <a:ext cx="2119401" cy="1819192"/>
+      </dsp:txXfrm>
+    </dsp:sp>
+    <dsp:sp modelId="{31D11C09-0732-42E6-A7DC-B61E9999E4F2}">
+      <dsp:nvSpPr>
+        <dsp:cNvPr id="0" name=""/>
+        <dsp:cNvSpPr/>
+      </dsp:nvSpPr>
+      <dsp:spPr>
+        <a:xfrm>
+          <a:off x="9034395" y="272878"/>
+          <a:ext cx="1514477" cy="1514477"/>
+        </a:xfrm>
+        <a:prstGeom prst="ellipse">
+          <a:avLst/>
+        </a:prstGeom>
+        <a:solidFill>
+          <a:schemeClr val="accent6">
+            <a:tint val="50000"/>
+            <a:hueOff val="0"/>
+            <a:satOff val="0"/>
+            <a:lumOff val="0"/>
+            <a:alphaOff val="0"/>
+          </a:schemeClr>
+        </a:solidFill>
+        <a:ln w="12700" cap="flat" cmpd="sng" algn="ctr">
+          <a:solidFill>
+            <a:schemeClr val="lt1">
+              <a:hueOff val="0"/>
+              <a:satOff val="0"/>
+              <a:lumOff val="0"/>
+              <a:alphaOff val="0"/>
+            </a:schemeClr>
+          </a:solidFill>
+          <a:prstDash val="solid"/>
+          <a:miter lim="800000"/>
+        </a:ln>
+        <a:effectLst/>
+      </dsp:spPr>
+      <dsp:style>
+        <a:lnRef idx="2">
+          <a:scrgbClr r="0" g="0" b="0"/>
+        </a:lnRef>
+        <a:fillRef idx="1">
+          <a:scrgbClr r="0" g="0" b="0"/>
+        </a:fillRef>
+        <a:effectRef idx="0">
+          <a:scrgbClr r="0" g="0" b="0"/>
+        </a:effectRef>
+        <a:fontRef idx="minor"/>
+      </dsp:style>
+    </dsp:sp>
+    <dsp:sp modelId="{708D190E-8F4C-4DF7-BF04-6BC88A92C72E}">
+      <dsp:nvSpPr>
+        <dsp:cNvPr id="0" name=""/>
+        <dsp:cNvSpPr/>
+      </dsp:nvSpPr>
+      <dsp:spPr>
+        <a:xfrm>
+          <a:off x="868106" y="3865783"/>
+          <a:ext cx="9983228" cy="682197"/>
+        </a:xfrm>
+        <a:prstGeom prst="leftRightArrow">
+          <a:avLst/>
+        </a:prstGeom>
+        <a:solidFill>
+          <a:schemeClr val="accent2">
+            <a:tint val="40000"/>
+            <a:hueOff val="0"/>
+            <a:satOff val="0"/>
+            <a:lumOff val="0"/>
+            <a:alphaOff val="0"/>
+          </a:schemeClr>
+        </a:solidFill>
+        <a:ln w="12700" cap="flat" cmpd="sng" algn="ctr">
+          <a:solidFill>
+            <a:schemeClr val="lt1">
+              <a:hueOff val="0"/>
+              <a:satOff val="0"/>
+              <a:lumOff val="0"/>
+              <a:alphaOff val="0"/>
+            </a:schemeClr>
+          </a:solidFill>
+          <a:prstDash val="solid"/>
+          <a:miter lim="800000"/>
+        </a:ln>
+        <a:effectLst/>
+      </dsp:spPr>
+      <dsp:style>
+        <a:lnRef idx="2">
+          <a:scrgbClr r="0" g="0" b="0"/>
+        </a:lnRef>
+        <a:fillRef idx="1">
+          <a:scrgbClr r="0" g="0" b="0"/>
+        </a:fillRef>
+        <a:effectRef idx="0">
+          <a:scrgbClr r="0" g="0" b="0"/>
+        </a:effectRef>
+        <a:fontRef idx="minor"/>
+      </dsp:style>
+    </dsp:sp>
+  </dsp:spTree>
+</dsp:drawing>
+</file>
+
+<file path=ppt/diagrams/layout1.xml><?xml version="1.0" encoding="utf-8"?>
+<dgm:layoutDef xmlns:dgm="http://schemas.openxmlformats.org/drawingml/2006/diagram" xmlns:a="http://schemas.openxmlformats.org/drawingml/2006/main" uniqueId="urn:microsoft.com/office/officeart/2005/8/layout/hList7">
+  <dgm:title val=""/>
+  <dgm:desc val=""/>
+  <dgm:catLst>
+    <dgm:cat type="list" pri="12000"/>
+    <dgm:cat type="process" pri="20000"/>
+    <dgm:cat type="relationship" pri="14000"/>
+    <dgm:cat type="convert" pri="8000"/>
+    <dgm:cat type="picture" pri="25000"/>
+    <dgm:cat type="pictureconvert" pri="25000"/>
+  </dgm:catLst>
+  <dgm:sampData useDef="1">
+    <dgm:dataModel>
+      <dgm:ptLst/>
+      <dgm:bg/>
+      <dgm:whole/>
+    </dgm:dataModel>
+  </dgm:sampData>
+  <dgm:styleData>
+    <dgm:dataModel>
+      <dgm:ptLst>
+        <dgm:pt modelId="0" type="doc"/>
+        <dgm:pt modelId="1"/>
+        <dgm:pt modelId="2"/>
+      </dgm:ptLst>
+      <dgm:cxnLst>
+        <dgm:cxn modelId="3" srcId="0" destId="1" srcOrd="0" destOrd="0"/>
+        <dgm:cxn modelId="4" srcId="0" destId="2" srcOrd="1" destOrd="0"/>
+      </dgm:cxnLst>
+      <dgm:bg/>
+      <dgm:whole/>
+    </dgm:dataModel>
+  </dgm:styleData>
+  <dgm:clrData>
+    <dgm:dataModel>
+      <dgm:ptLst>
+        <dgm:pt modelId="0" type="doc"/>
+        <dgm:pt modelId="1"/>
+        <dgm:pt modelId="2"/>
+        <dgm:pt modelId="3"/>
+        <dgm:pt modelId="4"/>
+      </dgm:ptLst>
+      <dgm:cxnLst>
+        <dgm:cxn modelId="5" srcId="0" destId="1" srcOrd="0" destOrd="0"/>
+        <dgm:cxn modelId="6" srcId="0" destId="2" srcOrd="1" destOrd="0"/>
+        <dgm:cxn modelId="7" srcId="0" destId="3" srcOrd="2" destOrd="0"/>
+        <dgm:cxn modelId="8" srcId="0" destId="4" srcOrd="3" destOrd="0"/>
+      </dgm:cxnLst>
+      <dgm:bg/>
+      <dgm:whole/>
+    </dgm:dataModel>
+  </dgm:clrData>
+  <dgm:layoutNode name="Name0">
+    <dgm:varLst>
+      <dgm:dir/>
+      <dgm:resizeHandles val="exact"/>
+    </dgm:varLst>
+    <dgm:alg type="composite"/>
+    <dgm:shape xmlns:r="http://schemas.openxmlformats.org/officeDocument/2006/relationships" r:blip="">
+      <dgm:adjLst/>
+    </dgm:shape>
+    <dgm:presOf/>
+    <dgm:constrLst>
+      <dgm:constr type="w" for="ch" forName="fgShape" refType="w" fact="0.92"/>
+      <dgm:constr type="h" for="ch" forName="fgShape" refType="h" fact="0.15"/>
+      <dgm:constr type="b" for="ch" forName="fgShape" refType="h" fact="0.95"/>
+      <dgm:constr type="ctrX" for="ch" forName="fgShape" refType="w" fact="0.5"/>
+      <dgm:constr type="w" for="ch" forName="linComp" refType="w"/>
+      <dgm:constr type="h" for="ch" forName="linComp" refType="h"/>
+      <dgm:constr type="ctrX" for="ch" forName="linComp" refType="w" fact="0.5"/>
+    </dgm:constrLst>
+    <dgm:ruleLst/>
+    <dgm:layoutNode name="fgShape" styleLbl="fgShp">
+      <dgm:alg type="sp"/>
+      <dgm:shape xmlns:r="http://schemas.openxmlformats.org/officeDocument/2006/relationships" type="leftRightArrow" r:blip="" zOrderOff="99999">
+        <dgm:adjLst/>
+      </dgm:shape>
+      <dgm:presOf/>
+      <dgm:constrLst/>
+      <dgm:ruleLst/>
+    </dgm:layoutNode>
+    <dgm:layoutNode name="linComp">
+      <dgm:choose name="Name1">
+        <dgm:if name="Name2" func="var" arg="dir" op="equ" val="norm">
+          <dgm:alg type="lin"/>
+        </dgm:if>
+        <dgm:else name="Name3">
+          <dgm:alg type="lin">
+            <dgm:param type="linDir" val="fromR"/>
+          </dgm:alg>
+        </dgm:else>
+      </dgm:choose>
+      <dgm:shape xmlns:r="http://schemas.openxmlformats.org/officeDocument/2006/relationships" r:blip="">
+        <dgm:adjLst/>
+      </dgm:shape>
+      <dgm:presOf/>
+      <dgm:constrLst>
+        <dgm:constr type="w" for="ch" forName="compNode" refType="w"/>
+        <dgm:constr type="h" for="ch" forName="compNode" refType="h"/>
+        <dgm:constr type="w" for="ch" ptType="sibTrans" refType="w" refFor="ch" refForName="compNode" fact="0.03"/>
+        <dgm:constr type="primFontSz" for="des" ptType="node" op="equ" val="65"/>
+      </dgm:constrLst>
+      <dgm:ruleLst/>
+      <dgm:forEach name="nodesForEach" axis="ch" ptType="node">
+        <dgm:layoutNode name="compNode">
+          <dgm:alg type="composite"/>
+          <dgm:shape xmlns:r="http://schemas.openxmlformats.org/officeDocument/2006/relationships" r:blip="">
+            <dgm:adjLst/>
+          </dgm:shape>
+          <dgm:presOf/>
+          <dgm:constrLst>
+            <dgm:constr type="w" for="ch" forName="bkgdShape" refType="w"/>
+            <dgm:constr type="h" for="ch" forName="bkgdShape" refType="h"/>
+            <dgm:constr type="w" for="ch" forName="nodeTx" refType="w"/>
+            <dgm:constr type="h" for="ch" forName="nodeTx" refType="h" fact="0.4"/>
+            <dgm:constr type="b" for="ch" forName="nodeTx" refType="h" fact="0.8"/>
+            <dgm:constr type="w" for="ch" forName="invisiNode" refType="w" fact="0.01"/>
+            <dgm:constr type="h" for="ch" forName="invisiNode" refType="h" fact="0.06"/>
+            <dgm:constr type="t" for="ch" forName="invisiNode"/>
+            <dgm:constr type="ctrX" for="ch" forName="invisiNode" refType="w" fact="0.5"/>
+            <dgm:constr type="h" for="ch" forName="imagNode" refType="h" fact="0.333"/>
+            <dgm:constr type="w" for="ch" forName="imagNode" refType="h" refFor="ch" refForName="imagNode"/>
+            <dgm:constr type="ctrX" for="ch" forName="imagNode" refType="w" fact="0.5"/>
+            <dgm:constr type="t" for="ch" forName="imagNode" refType="h" fact="0.06"/>
+            <dgm:constr type="w" for="ch" forName="imagNode" refType="w" op="lte" fact="0.94"/>
+          </dgm:constrLst>
+          <dgm:ruleLst/>
+          <dgm:layoutNode name="bkgdShape">
+            <dgm:alg type="sp"/>
+            <dgm:shape xmlns:r="http://schemas.openxmlformats.org/officeDocument/2006/relationships" type="roundRect" r:blip="">
+              <dgm:adjLst>
+                <dgm:adj idx="1" val="0.1"/>
+              </dgm:adjLst>
+            </dgm:shape>
+            <dgm:presOf axis="desOrSelf" ptType="node"/>
+            <dgm:constrLst/>
+            <dgm:ruleLst/>
+          </dgm:layoutNode>
+          <dgm:layoutNode name="nodeTx">
+            <dgm:varLst>
+              <dgm:bulletEnabled val="1"/>
+            </dgm:varLst>
+            <dgm:alg type="tx">
+              <dgm:param type="txAnchorVert" val="mid"/>
+              <dgm:param type="txAnchorHorzCh" val="ctr"/>
+              <dgm:param type="stBulletLvl" val="2"/>
+            </dgm:alg>
+            <dgm:shape xmlns:r="http://schemas.openxmlformats.org/officeDocument/2006/relationships" type="rect" r:blip="" hideGeom="1">
+              <dgm:adjLst/>
+            </dgm:shape>
+            <dgm:presOf axis="desOrSelf" ptType="node"/>
+            <dgm:constrLst/>
+            <dgm:ruleLst>
+              <dgm:rule type="primFontSz" val="5" fact="NaN" max="NaN"/>
+            </dgm:ruleLst>
+          </dgm:layoutNode>
+          <dgm:layoutNode name="invisiNode">
+            <dgm:alg type="sp"/>
+            <dgm:shape xmlns:r="http://schemas.openxmlformats.org/officeDocument/2006/relationships" type="roundRect" r:blip="" hideGeom="1">
+              <dgm:adjLst>
+                <dgm:adj idx="1" val="0.1"/>
+              </dgm:adjLst>
+            </dgm:shape>
+            <dgm:presOf/>
+            <dgm:constrLst/>
+            <dgm:ruleLst/>
+          </dgm:layoutNode>
+          <dgm:layoutNode name="imagNode" styleLbl="fgImgPlace1">
+            <dgm:alg type="sp"/>
+            <dgm:shape xmlns:r="http://schemas.openxmlformats.org/officeDocument/2006/relationships" type="ellipse" r:blip="" blipPhldr="1">
+              <dgm:adjLst/>
+            </dgm:shape>
+            <dgm:presOf/>
+            <dgm:constrLst/>
+            <dgm:ruleLst/>
+          </dgm:layoutNode>
+        </dgm:layoutNode>
+        <dgm:forEach name="sibTransForEach" axis="followSib" ptType="sibTrans" cnt="1">
+          <dgm:layoutNode name="sibTrans">
+            <dgm:alg type="sp"/>
+            <dgm:shape xmlns:r="http://schemas.openxmlformats.org/officeDocument/2006/relationships" type="rect" r:blip="" hideGeom="1">
+              <dgm:adjLst/>
+            </dgm:shape>
+            <dgm:presOf axis="self"/>
+            <dgm:constrLst/>
+            <dgm:ruleLst/>
+          </dgm:layoutNode>
+        </dgm:forEach>
+      </dgm:forEach>
+    </dgm:layoutNode>
+  </dgm:layoutNode>
+</dgm:layoutDef>
+</file>
+
+<file path=ppt/diagrams/quickStyle1.xml><?xml version="1.0" encoding="utf-8"?>
+<dgm:styleDef xmlns:dgm="http://schemas.openxmlformats.org/drawingml/2006/diagram" xmlns:a="http://schemas.openxmlformats.org/drawingml/2006/main" uniqueId="urn:microsoft.com/office/officeart/2005/8/quickstyle/simple1">
+  <dgm:title val=""/>
+  <dgm:desc val=""/>
+  <dgm:catLst>
+    <dgm:cat type="simple" pri="10100"/>
+  </dgm:catLst>
+  <dgm:scene3d>
+    <a:camera prst="orthographicFront"/>
+    <a:lightRig rig="threePt" dir="t"/>
+  </dgm:scene3d>
+  <dgm:styleLbl name="node0">
+    <dgm:scene3d>
+      <a:camera prst="orthographicFront"/>
+      <a:lightRig rig="threePt" dir="t"/>
+    </dgm:scene3d>
+    <dgm:sp3d/>
+    <dgm:txPr/>
+    <dgm:style>
+      <a:lnRef idx="2">
+        <a:scrgbClr r="0" g="0" b="0"/>
+      </a:lnRef>
+      <a:fillRef idx="1">
+        <a:scrgbClr r="0" g="0" b="0"/>
+      </a:fillRef>
+      <a:effectRef idx="0">
+        <a:scrgbClr r="0" g="0" b="0"/>
+      </a:effectRef>
+      <a:fontRef idx="minor">
+        <a:schemeClr val="lt1"/>
+      </a:fontRef>
+    </dgm:style>
+  </dgm:styleLbl>
+  <dgm:styleLbl name="lnNode1">
+    <dgm:scene3d>
+      <a:camera prst="orthographicFront"/>
+      <a:lightRig rig="threePt" dir="t"/>
+    </dgm:scene3d>
+    <dgm:sp3d/>
+    <dgm:txPr/>
+    <dgm:style>
+      <a:lnRef idx="2">
+        <a:scrgbClr r="0" g="0" b="0"/>
+      </a:lnRef>
+      <a:fillRef idx="1">
+        <a:scrgbClr r="0" g="0" b="0"/>
+      </a:fillRef>
+      <a:effectRef idx="0">
+        <a:scrgbClr r="0" g="0" b="0"/>
+      </a:effectRef>
+      <a:fontRef idx="minor">
+        <a:schemeClr val="lt1"/>
+      </a:fontRef>
+    </dgm:style>
+  </dgm:styleLbl>
+  <dgm:styleLbl name="vennNode1">
+    <dgm:scene3d>
+      <a:camera prst="orthographicFront"/>
+      <a:lightRig rig="threePt" dir="t"/>
+    </dgm:scene3d>
+    <dgm:sp3d/>
+    <dgm:txPr/>
+    <dgm:style>
+      <a:lnRef idx="2">
+        <a:scrgbClr r="0" g="0" b="0"/>
+      </a:lnRef>
+      <a:fillRef idx="1">
+        <a:scrgbClr r="0" g="0" b="0"/>
+      </a:fillRef>
+      <a:effectRef idx="0">
+        <a:scrgbClr r="0" g="0" b="0"/>
+      </a:effectRef>
+      <a:fontRef idx="minor">
+        <a:schemeClr val="tx1"/>
+      </a:fontRef>
+    </dgm:style>
+  </dgm:styleLbl>
+  <dgm:styleLbl name="alignNode1">
+    <dgm:scene3d>
+      <a:camera prst="orthographicFront"/>
+      <a:lightRig rig="threePt" dir="t"/>
+    </dgm:scene3d>
+    <dgm:sp3d/>
+    <dgm:txPr/>
+    <dgm:style>
+      <a:lnRef idx="2">
+        <a:scrgbClr r="0" g="0" b="0"/>
+      </a:lnRef>
+      <a:fillRef idx="1">
+        <a:scrgbClr r="0" g="0" b="0"/>
+      </a:fillRef>
+      <a:effectRef idx="0">
+        <a:scrgbClr r="0" g="0" b="0"/>
+      </a:effectRef>
+      <a:fontRef idx="minor">
+        <a:schemeClr val="lt1"/>
+      </a:fontRef>
+    </dgm:style>
+  </dgm:styleLbl>
+  <dgm:styleLbl name="node1">
+    <dgm:scene3d>
+      <a:camera prst="orthographicFront"/>
+      <a:lightRig rig="threePt" dir="t"/>
+    </dgm:scene3d>
+    <dgm:sp3d/>
+    <dgm:txPr/>
+    <dgm:style>
+      <a:lnRef idx="2">
+        <a:scrgbClr r="0" g="0" b="0"/>
+      </a:lnRef>
+      <a:fillRef idx="1">
+        <a:scrgbClr r="0" g="0" b="0"/>
+      </a:fillRef>
+      <a:effectRef idx="0">
+        <a:scrgbClr r="0" g="0" b="0"/>
+      </a:effectRef>
+      <a:fontRef idx="minor">
+        <a:schemeClr val="lt1"/>
+      </a:fontRef>
+    </dgm:style>
+  </dgm:styleLbl>
+  <dgm:styleLbl name="node2">
+    <dgm:scene3d>
+      <a:camera prst="orthographicFront"/>
+      <a:lightRig rig="threePt" dir="t"/>
+    </dgm:scene3d>
+    <dgm:sp3d/>
+    <dgm:txPr/>
+    <dgm:style>
+      <a:lnRef idx="2">
+        <a:scrgbClr r="0" g="0" b="0"/>
+      </a:lnRef>
+      <a:fillRef idx="1">
+        <a:scrgbClr r="0" g="0" b="0"/>
+      </a:fillRef>
+      <a:effectRef idx="0">
+        <a:scrgbClr r="0" g="0" b="0"/>
+      </a:effectRef>
+      <a:fontRef idx="minor">
+        <a:schemeClr val="lt1"/>
+      </a:fontRef>
+    </dgm:style>
+  </dgm:styleLbl>
+  <dgm:styleLbl name="node3">
+    <dgm:scene3d>
+      <a:camera prst="orthographicFront"/>
+      <a:lightRig rig="threePt" dir="t"/>
+    </dgm:scene3d>
+    <dgm:sp3d/>
+    <dgm:txPr/>
+    <dgm:style>
+      <a:lnRef idx="2">
+        <a:scrgbClr r="0" g="0" b="0"/>
+      </a:lnRef>
+      <a:fillRef idx="1">
+        <a:scrgbClr r="0" g="0" b="0"/>
+      </a:fillRef>
+      <a:effectRef idx="0">
+        <a:scrgbClr r="0" g="0" b="0"/>
+      </a:effectRef>
+      <a:fontRef idx="minor">
+        <a:schemeClr val="lt1"/>
+      </a:fontRef>
+    </dgm:style>
+  </dgm:styleLbl>
+  <dgm:styleLbl name="node4">
+    <dgm:scene3d>
+      <a:camera prst="orthographicFront"/>
+      <a:lightRig rig="threePt" dir="t"/>
+    </dgm:scene3d>
+    <dgm:sp3d/>
+    <dgm:txPr/>
+    <dgm:style>
+      <a:lnRef idx="2">
+        <a:scrgbClr r="0" g="0" b="0"/>
+      </a:lnRef>
+      <a:fillRef idx="1">
+        <a:scrgbClr r="0" g="0" b="0"/>
+      </a:fillRef>
+      <a:effectRef idx="0">
+        <a:scrgbClr r="0" g="0" b="0"/>
+      </a:effectRef>
+      <a:fontRef idx="minor">
+        <a:schemeClr val="lt1"/>
+      </a:fontRef>
+    </dgm:style>
+  </dgm:styleLbl>
+  <dgm:styleLbl name="fgImgPlace1">
+    <dgm:scene3d>
+      <a:camera prst="orthographicFront"/>
+      <a:lightRig rig="threePt" dir="t"/>
+    </dgm:scene3d>
+    <dgm:sp3d/>
+    <dgm:txPr/>
+    <dgm:style>
+      <a:lnRef idx="2">
+        <a:scrgbClr r="0" g="0" b="0"/>
+      </a:lnRef>
+      <a:fillRef idx="1">
+        <a:scrgbClr r="0" g="0" b="0"/>
+      </a:fillRef>
+      <a:effectRef idx="0">
+        <a:scrgbClr r="0" g="0" b="0"/>
+      </a:effectRef>
+      <a:fontRef idx="minor"/>
+    </dgm:style>
+  </dgm:styleLbl>
+  <dgm:styleLbl name="alignImgPlace1">
+    <dgm:scene3d>
+      <a:camera prst="orthographicFront"/>
+      <a:lightRig rig="threePt" dir="t"/>
+    </dgm:scene3d>
+    <dgm:sp3d/>
+    <dgm:txPr/>
+    <dgm:style>
+      <a:lnRef idx="2">
+        <a:scrgbClr r="0" g="0" b="0"/>
+      </a:lnRef>
+      <a:fillRef idx="1">
+        <a:scrgbClr r="0" g="0" b="0"/>
+      </a:fillRef>
+      <a:effectRef idx="0">
+        <a:scrgbClr r="0" g="0" b="0"/>
+      </a:effectRef>
+      <a:fontRef idx="minor"/>
+    </dgm:style>
+  </dgm:styleLbl>
+  <dgm:styleLbl name="bgImgPlace1">
+    <dgm:scene3d>
+      <a:camera prst="orthographicFront"/>
+      <a:lightRig rig="threePt" dir="t"/>
+    </dgm:scene3d>
+    <dgm:sp3d/>
+    <dgm:txPr/>
+    <dgm:style>
+      <a:lnRef idx="2">
+        <a:scrgbClr r="0" g="0" b="0"/>
+      </a:lnRef>
+      <a:fillRef idx="1">
+        <a:scrgbClr r="0" g="0" b="0"/>
+      </a:fillRef>
+      <a:effectRef idx="0">
+        <a:scrgbClr r="0" g="0" b="0"/>
+      </a:effectRef>
+      <a:fontRef idx="minor"/>
+    </dgm:style>
+  </dgm:styleLbl>
+  <dgm:styleLbl name="sibTrans2D1">
+    <dgm:scene3d>
+      <a:camera prst="orthographicFront"/>
+      <a:lightRig rig="threePt" dir="t"/>
+    </dgm:scene3d>
+    <dgm:sp3d/>
+    <dgm:txPr/>
+    <dgm:style>
+      <a:lnRef idx="0">
+        <a:scrgbClr r="0" g="0" b="0"/>
+      </a:lnRef>
+      <a:fillRef idx="1">
+        <a:scrgbClr r="0" g="0" b="0"/>
+      </a:fillRef>
+      <a:effectRef idx="0">
+        <a:scrgbClr r="0" g="0" b="0"/>
+      </a:effectRef>
+      <a:fontRef idx="minor">
+        <a:schemeClr val="lt1"/>
+      </a:fontRef>
+    </dgm:style>
+  </dgm:styleLbl>
+  <dgm:styleLbl name="fgSibTrans2D1">
+    <dgm:scene3d>
+      <a:camera prst="orthographicFront"/>
+      <a:lightRig rig="threePt" dir="t"/>
+    </dgm:scene3d>
+    <dgm:sp3d/>
+    <dgm:txPr/>
+    <dgm:style>
+      <a:lnRef idx="0">
+        <a:scrgbClr r="0" g="0" b="0"/>
+      </a:lnRef>
+      <a:fillRef idx="1">
+        <a:scrgbClr r="0" g="0" b="0"/>
+      </a:fillRef>
+      <a:effectRef idx="0">
+        <a:scrgbClr r="0" g="0" b="0"/>
+      </a:effectRef>
+      <a:fontRef idx="minor">
+        <a:schemeClr val="lt1"/>
+      </a:fontRef>
+    </dgm:style>
+  </dgm:styleLbl>
+  <dgm:styleLbl name="bgSibTrans2D1">
+    <dgm:scene3d>
+      <a:camera prst="orthographicFront"/>
+      <a:lightRig rig="threePt" dir="t"/>
+    </dgm:scene3d>
+    <dgm:sp3d/>
+    <dgm:txPr/>
+    <dgm:style>
+      <a:lnRef idx="0">
+        <a:scrgbClr r="0" g="0" b="0"/>
+      </a:lnRef>
+      <a:fillRef idx="1">
+        <a:scrgbClr r="0" g="0" b="0"/>
+      </a:fillRef>
+      <a:effectRef idx="0">
+        <a:scrgbClr r="0" g="0" b="0"/>
+      </a:effectRef>
+      <a:fontRef idx="minor">
+        <a:schemeClr val="lt1"/>
+      </a:fontRef>
+    </dgm:style>
+  </dgm:styleLbl>
+  <dgm:styleLbl name="sibTrans1D1">
+    <dgm:scene3d>
+      <a:camera prst="orthographicFront"/>
+      <a:lightRig rig="threePt" dir="t"/>
+    </dgm:scene3d>
+    <dgm:sp3d/>
+    <dgm:txPr/>
+    <dgm:style>
+      <a:lnRef idx="1">
+        <a:scrgbClr r="0" g="0" b="0"/>
+      </a:lnRef>
+      <a:fillRef idx="0">
+        <a:scrgbClr r="0" g="0" b="0"/>
+      </a:fillRef>
+      <a:effectRef idx="0">
+        <a:scrgbClr r="0" g="0" b="0"/>
+      </a:effectRef>
+      <a:fontRef idx="minor"/>
+    </dgm:style>
+  </dgm:styleLbl>
+  <dgm:styleLbl name="callout">
+    <dgm:scene3d>
+      <a:camera prst="orthographicFront"/>
+      <a:lightRig rig="threePt" dir="t"/>
+    </dgm:scene3d>
+    <dgm:sp3d/>
+    <dgm:txPr/>
+    <dgm:style>
+      <a:lnRef idx="2">
+        <a:scrgbClr r="0" g="0" b="0"/>
+      </a:lnRef>
+      <a:fillRef idx="1">
+        <a:scrgbClr r="0" g="0" b="0"/>
+      </a:fillRef>
+      <a:effectRef idx="0">
+        <a:scrgbClr r="0" g="0" b="0"/>
+      </a:effectRef>
+      <a:fontRef idx="minor"/>
+    </dgm:style>
+  </dgm:styleLbl>
+  <dgm:styleLbl name="asst0">
+    <dgm:scene3d>
+      <a:camera prst="orthographicFront"/>
+      <a:lightRig rig="threePt" dir="t"/>
+    </dgm:scene3d>
+    <dgm:sp3d/>
+    <dgm:txPr/>
+    <dgm:style>
+      <a:lnRef idx="2">
+        <a:scrgbClr r="0" g="0" b="0"/>
+      </a:lnRef>
+      <a:fillRef idx="1">
+        <a:scrgbClr r="0" g="0" b="0"/>
+      </a:fillRef>
+      <a:effectRef idx="0">
+        <a:scrgbClr r="0" g="0" b="0"/>
+      </a:effectRef>
+      <a:fontRef idx="minor">
+        <a:schemeClr val="lt1"/>
+      </a:fontRef>
+    </dgm:style>
+  </dgm:styleLbl>
+  <dgm:styleLbl name="asst1">
+    <dgm:scene3d>
+      <a:camera prst="orthographicFront"/>
+      <a:lightRig rig="threePt" dir="t"/>
+    </dgm:scene3d>
+    <dgm:sp3d/>
+    <dgm:txPr/>
+    <dgm:style>
+      <a:lnRef idx="2">
+        <a:scrgbClr r="0" g="0" b="0"/>
+      </a:lnRef>
+      <a:fillRef idx="1">
+        <a:scrgbClr r="0" g="0" b="0"/>
+      </a:fillRef>
+      <a:effectRef idx="0">
+        <a:scrgbClr r="0" g="0" b="0"/>
+      </a:effectRef>
+      <a:fontRef idx="minor">
+        <a:schemeClr val="lt1"/>
+      </a:fontRef>
+    </dgm:style>
+  </dgm:styleLbl>
+  <dgm:styleLbl name="asst2">
+    <dgm:scene3d>
+      <a:camera prst="orthographicFront"/>
+      <a:lightRig rig="threePt" dir="t"/>
+    </dgm:scene3d>
+    <dgm:sp3d/>
+    <dgm:txPr/>
+    <dgm:style>
+      <a:lnRef idx="2">
+        <a:scrgbClr r="0" g="0" b="0"/>
+      </a:lnRef>
+      <a:fillRef idx="1">
+        <a:scrgbClr r="0" g="0" b="0"/>
+      </a:fillRef>
+      <a:effectRef idx="0">
+        <a:scrgbClr r="0" g="0" b="0"/>
+      </a:effectRef>
+      <a:fontRef idx="minor">
+        <a:schemeClr val="lt1"/>
+      </a:fontRef>
+    </dgm:style>
+  </dgm:styleLbl>
+  <dgm:styleLbl name="asst3">
+    <dgm:scene3d>
+      <a:camera prst="orthographicFront"/>
+      <a:lightRig rig="threePt" dir="t"/>
+    </dgm:scene3d>
+    <dgm:sp3d/>
+    <dgm:txPr/>
+    <dgm:style>
+      <a:lnRef idx="2">
+        <a:scrgbClr r="0" g="0" b="0"/>
+      </a:lnRef>
+      <a:fillRef idx="1">
+        <a:scrgbClr r="0" g="0" b="0"/>
+      </a:fillRef>
+      <a:effectRef idx="0">
+        <a:scrgbClr r="0" g="0" b="0"/>
+      </a:effectRef>
+      <a:fontRef idx="minor">
+        <a:schemeClr val="lt1"/>
+      </a:fontRef>
+    </dgm:style>
+  </dgm:styleLbl>
+  <dgm:styleLbl name="asst4">
+    <dgm:scene3d>
+      <a:camera prst="orthographicFront"/>
+      <a:lightRig rig="threePt" dir="t"/>
+    </dgm:scene3d>
+    <dgm:sp3d/>
+    <dgm:txPr/>
+    <dgm:style>
+      <a:lnRef idx="2">
+        <a:scrgbClr r="0" g="0" b="0"/>
+      </a:lnRef>
+      <a:fillRef idx="1">
+        <a:scrgbClr r="0" g="0" b="0"/>
+      </a:fillRef>
+      <a:effectRef idx="0">
+        <a:scrgbClr r="0" g="0" b="0"/>
+      </a:effectRef>
+      <a:fontRef idx="minor">
+        <a:schemeClr val="lt1"/>
+      </a:fontRef>
+    </dgm:style>
+  </dgm:styleLbl>
+  <dgm:styleLbl name="parChTrans2D1">
+    <dgm:scene3d>
+      <a:camera prst="orthographicFront"/>
+      <a:lightRig rig="threePt" dir="t"/>
+    </dgm:scene3d>
+    <dgm:sp3d/>
+    <dgm:txPr/>
+    <dgm:style>
+      <a:lnRef idx="2">
+        <a:scrgbClr r="0" g="0" b="0"/>
+      </a:lnRef>
+      <a:fillRef idx="1">
+        <a:scrgbClr r="0" g="0" b="0"/>
+      </a:fillRef>
+      <a:effectRef idx="0">
+        <a:scrgbClr r="0" g="0" b="0"/>
+      </a:effectRef>
+      <a:fontRef idx="minor">
+        <a:schemeClr val="lt1"/>
+      </a:fontRef>
+    </dgm:style>
+  </dgm:styleLbl>
+  <dgm:styleLbl name="parChTrans2D2">
+    <dgm:scene3d>
+      <a:camera prst="orthographicFront"/>
+      <a:lightRig rig="threePt" dir="t"/>
+    </dgm:scene3d>
+    <dgm:sp3d/>
+    <dgm:txPr/>
+    <dgm:style>
+      <a:lnRef idx="2">
+        <a:scrgbClr r="0" g="0" b="0"/>
+      </a:lnRef>
+      <a:fillRef idx="1">
+        <a:scrgbClr r="0" g="0" b="0"/>
+      </a:fillRef>
+      <a:effectRef idx="0">
+        <a:scrgbClr r="0" g="0" b="0"/>
+      </a:effectRef>
+      <a:fontRef idx="minor">
+        <a:schemeClr val="lt1"/>
+      </a:fontRef>
+    </dgm:style>
+  </dgm:styleLbl>
+  <dgm:styleLbl name="parChTrans2D3">
+    <dgm:scene3d>
+      <a:camera prst="orthographicFront"/>
+      <a:lightRig rig="threePt" dir="t"/>
+    </dgm:scene3d>
+    <dgm:sp3d/>
+    <dgm:txPr/>
+    <dgm:style>
+      <a:lnRef idx="2">
+        <a:scrgbClr r="0" g="0" b="0"/>
+      </a:lnRef>
+      <a:fillRef idx="1">
+        <a:scrgbClr r="0" g="0" b="0"/>
+      </a:fillRef>
+      <a:effectRef idx="0">
+        <a:scrgbClr r="0" g="0" b="0"/>
+      </a:effectRef>
+      <a:fontRef idx="minor">
+        <a:schemeClr val="lt1"/>
+      </a:fontRef>
+    </dgm:style>
+  </dgm:styleLbl>
+  <dgm:styleLbl name="parChTrans2D4">
+    <dgm:scene3d>
+      <a:camera prst="orthographicFront"/>
+      <a:lightRig rig="threePt" dir="t"/>
+    </dgm:scene3d>
+    <dgm:sp3d/>
+    <dgm:txPr/>
+    <dgm:style>
+      <a:lnRef idx="2">
+        <a:scrgbClr r="0" g="0" b="0"/>
+      </a:lnRef>
+      <a:fillRef idx="1">
+        <a:scrgbClr r="0" g="0" b="0"/>
+      </a:fillRef>
+      <a:effectRef idx="0">
+        <a:scrgbClr r="0" g="0" b="0"/>
+      </a:effectRef>
+      <a:fontRef idx="minor">
+        <a:schemeClr val="lt1"/>
+      </a:fontRef>
+    </dgm:style>
+  </dgm:styleLbl>
+  <dgm:styleLbl name="parChTrans1D1">
+    <dgm:scene3d>
+      <a:camera prst="orthographicFront"/>
+      <a:lightRig rig="threePt" dir="t"/>
+    </dgm:scene3d>
+    <dgm:sp3d/>
+    <dgm:txPr/>
+    <dgm:style>
+      <a:lnRef idx="2">
+        <a:scrgbClr r="0" g="0" b="0"/>
+      </a:lnRef>
+      <a:fillRef idx="0">
+        <a:scrgbClr r="0" g="0" b="0"/>
+      </a:fillRef>
+      <a:effectRef idx="0">
+        <a:scrgbClr r="0" g="0" b="0"/>
+      </a:effectRef>
+      <a:fontRef idx="minor"/>
+    </dgm:style>
+  </dgm:styleLbl>
+  <dgm:styleLbl name="parChTrans1D2">
+    <dgm:scene3d>
+      <a:camera prst="orthographicFront"/>
+      <a:lightRig rig="threePt" dir="t"/>
+    </dgm:scene3d>
+    <dgm:sp3d/>
+    <dgm:txPr/>
+    <dgm:style>
+      <a:lnRef idx="2">
+        <a:scrgbClr r="0" g="0" b="0"/>
+      </a:lnRef>
+      <a:fillRef idx="0">
+        <a:scrgbClr r="0" g="0" b="0"/>
+      </a:fillRef>
+      <a:effectRef idx="0">
+        <a:scrgbClr r="0" g="0" b="0"/>
+      </a:effectRef>
+      <a:fontRef idx="minor"/>
+    </dgm:style>
+  </dgm:styleLbl>
+  <dgm:styleLbl name="parChTrans1D3">
+    <dgm:scene3d>
+      <a:camera prst="orthographicFront"/>
+      <a:lightRig rig="threePt" dir="t"/>
+    </dgm:scene3d>
+    <dgm:sp3d/>
+    <dgm:txPr/>
+    <dgm:style>
+      <a:lnRef idx="2">
+        <a:scrgbClr r="0" g="0" b="0"/>
+      </a:lnRef>
+      <a:fillRef idx="0">
+        <a:scrgbClr r="0" g="0" b="0"/>
+      </a:fillRef>
+      <a:effectRef idx="0">
+        <a:scrgbClr r="0" g="0" b="0"/>
+      </a:effectRef>
+      <a:fontRef idx="minor"/>
+    </dgm:style>
+  </dgm:styleLbl>
+  <dgm:styleLbl name="parChTrans1D4">
+    <dgm:scene3d>
+      <a:camera prst="orthographicFront"/>
+      <a:lightRig rig="threePt" dir="t"/>
+    </dgm:scene3d>
+    <dgm:sp3d/>
+    <dgm:txPr/>
+    <dgm:style>
+      <a:lnRef idx="2">
+        <a:scrgbClr r="0" g="0" b="0"/>
+      </a:lnRef>
+      <a:fillRef idx="0">
+        <a:scrgbClr r="0" g="0" b="0"/>
+      </a:fillRef>
+      <a:effectRef idx="0">
+        <a:scrgbClr r="0" g="0" b="0"/>
+      </a:effectRef>
+      <a:fontRef idx="minor"/>
+    </dgm:style>
+  </dgm:styleLbl>
+  <dgm:styleLbl name="fgAcc1">
+    <dgm:scene3d>
+      <a:camera prst="orthographicFront"/>
+      <a:lightRig rig="threePt" dir="t"/>
+    </dgm:scene3d>
+    <dgm:sp3d/>
+    <dgm:txPr/>
+    <dgm:style>
+      <a:lnRef idx="2">
+        <a:scrgbClr r="0" g="0" b="0"/>
+      </a:lnRef>
+      <a:fillRef idx="1">
+        <a:scrgbClr r="0" g="0" b="0"/>
+      </a:fillRef>
+      <a:effectRef idx="0">
+        <a:scrgbClr r="0" g="0" b="0"/>
+      </a:effectRef>
+      <a:fontRef idx="minor"/>
+    </dgm:style>
+  </dgm:styleLbl>
+  <dgm:styleLbl name="conFgAcc1">
+    <dgm:scene3d>
+      <a:camera prst="orthographicFront"/>
+      <a:lightRig rig="threePt" dir="t"/>
+    </dgm:scene3d>
+    <dgm:sp3d/>
+    <dgm:txPr/>
+    <dgm:style>
+      <a:lnRef idx="2">
+        <a:scrgbClr r="0" g="0" b="0"/>
+      </a:lnRef>
+      <a:fillRef idx="1">
+        <a:scrgbClr r="0" g="0" b="0"/>
+      </a:fillRef>
+      <a:effectRef idx="0">
+        <a:scrgbClr r="0" g="0" b="0"/>
+      </a:effectRef>
+      <a:fontRef idx="minor"/>
+    </dgm:style>
+  </dgm:styleLbl>
+  <dgm:styleLbl name="alignAcc1">
+    <dgm:scene3d>
+      <a:camera prst="orthographicFront"/>
+      <a:lightRig rig="threePt" dir="t"/>
+    </dgm:scene3d>
+    <dgm:sp3d/>
+    <dgm:txPr/>
+    <dgm:style>
+      <a:lnRef idx="2">
+        <a:scrgbClr r="0" g="0" b="0"/>
+      </a:lnRef>
+      <a:fillRef idx="1">
+        <a:scrgbClr r="0" g="0" b="0"/>
+      </a:fillRef>
+      <a:effectRef idx="0">
+        <a:scrgbClr r="0" g="0" b="0"/>
+      </a:effectRef>
+      <a:fontRef idx="minor"/>
+    </dgm:style>
+  </dgm:styleLbl>
+  <dgm:styleLbl name="trAlignAcc1">
+    <dgm:scene3d>
+      <a:camera prst="orthographicFront"/>
+      <a:lightRig rig="threePt" dir="t"/>
+    </dgm:scene3d>
+    <dgm:sp3d/>
+    <dgm:txPr/>
+    <dgm:style>
+      <a:lnRef idx="1">
+        <a:scrgbClr r="0" g="0" b="0"/>
+      </a:lnRef>
+      <a:fillRef idx="1">
+        <a:scrgbClr r="0" g="0" b="0"/>
+      </a:fillRef>
+      <a:effectRef idx="0">
+        <a:scrgbClr r="0" g="0" b="0"/>
+      </a:effectRef>
+      <a:fontRef idx="minor"/>
+    </dgm:style>
+  </dgm:styleLbl>
+  <dgm:styleLbl name="bgAcc1">
+    <dgm:scene3d>
+      <a:camera prst="orthographicFront"/>
+      <a:lightRig rig="threePt" dir="t"/>
+    </dgm:scene3d>
+    <dgm:sp3d/>
+    <dgm:txPr/>
+    <dgm:style>
+      <a:lnRef idx="2">
+        <a:scrgbClr r="0" g="0" b="0"/>
+      </a:lnRef>
+      <a:fillRef idx="1">
+        <a:scrgbClr r="0" g="0" b="0"/>
+      </a:fillRef>
+      <a:effectRef idx="0">
+        <a:scrgbClr r="0" g="0" b="0"/>
+      </a:effectRef>
+      <a:fontRef idx="minor"/>
+    </dgm:style>
+  </dgm:styleLbl>
+  <dgm:styleLbl name="solidFgAcc1">
+    <dgm:scene3d>
+      <a:camera prst="orthographicFront"/>
+      <a:lightRig rig="threePt" dir="t"/>
+    </dgm:scene3d>
+    <dgm:sp3d/>
+    <dgm:txPr/>
+    <dgm:style>
+      <a:lnRef idx="2">
+        <a:scrgbClr r="0" g="0" b="0"/>
+      </a:lnRef>
+      <a:fillRef idx="1">
+        <a:scrgbClr r="0" g="0" b="0"/>
+      </a:fillRef>
+      <a:effectRef idx="0">
+        <a:scrgbClr r="0" g="0" b="0"/>
+      </a:effectRef>
+      <a:fontRef idx="minor"/>
+    </dgm:style>
+  </dgm:styleLbl>
+  <dgm:styleLbl name="solidAlignAcc1">
+    <dgm:scene3d>
+      <a:camera prst="orthographicFront"/>
+      <a:lightRig rig="threePt" dir="t"/>
+    </dgm:scene3d>
+    <dgm:sp3d/>
+    <dgm:txPr/>
+    <dgm:style>
+      <a:lnRef idx="2">
+        <a:scrgbClr r="0" g="0" b="0"/>
+      </a:lnRef>
+      <a:fillRef idx="1">
+        <a:scrgbClr r="0" g="0" b="0"/>
+      </a:fillRef>
+      <a:effectRef idx="0">
+        <a:scrgbClr r="0" g="0" b="0"/>
+      </a:effectRef>
+      <a:fontRef idx="minor"/>
+    </dgm:style>
+  </dgm:styleLbl>
+  <dgm:styleLbl name="solidBgAcc1">
+    <dgm:scene3d>
+      <a:camera prst="orthographicFront"/>
+      <a:lightRig rig="threePt" dir="t"/>
+    </dgm:scene3d>
+    <dgm:sp3d/>
+    <dgm:txPr/>
+    <dgm:style>
+      <a:lnRef idx="2">
+        <a:scrgbClr r="0" g="0" b="0"/>
+      </a:lnRef>
+      <a:fillRef idx="1">
+        <a:scrgbClr r="0" g="0" b="0"/>
+      </a:fillRef>
+      <a:effectRef idx="0">
+        <a:scrgbClr r="0" g="0" b="0"/>
+      </a:effectRef>
+      <a:fontRef idx="minor"/>
+    </dgm:style>
+  </dgm:styleLbl>
+  <dgm:styleLbl name="fgAccFollowNode1">
+    <dgm:scene3d>
+      <a:camera prst="orthographicFront"/>
+      <a:lightRig rig="threePt" dir="t"/>
+    </dgm:scene3d>
+    <dgm:sp3d/>
+    <dgm:txPr/>
+    <dgm:style>
+      <a:lnRef idx="2">
+        <a:scrgbClr r="0" g="0" b="0"/>
+      </a:lnRef>
+      <a:fillRef idx="1">
+        <a:scrgbClr r="0" g="0" b="0"/>
+      </a:fillRef>
+      <a:effectRef idx="0">
+        <a:scrgbClr r="0" g="0" b="0"/>
+      </a:effectRef>
+      <a:fontRef idx="minor"/>
+    </dgm:style>
+  </dgm:styleLbl>
+  <dgm:styleLbl name="alignAccFollowNode1">
+    <dgm:scene3d>
+      <a:camera prst="orthographicFront"/>
+      <a:lightRig rig="threePt" dir="t"/>
+    </dgm:scene3d>
+    <dgm:sp3d/>
+    <dgm:txPr/>
+    <dgm:style>
+      <a:lnRef idx="2">
+        <a:scrgbClr r="0" g="0" b="0"/>
+      </a:lnRef>
+      <a:fillRef idx="1">
+        <a:scrgbClr r="0" g="0" b="0"/>
+      </a:fillRef>
+      <a:effectRef idx="0">
+        <a:scrgbClr r="0" g="0" b="0"/>
+      </a:effectRef>
+      <a:fontRef idx="minor"/>
+    </dgm:style>
+  </dgm:styleLbl>
+  <dgm:styleLbl name="bgAccFollowNode1">
+    <dgm:scene3d>
+      <a:camera prst="orthographicFront"/>
+      <a:lightRig rig="threePt" dir="t"/>
+    </dgm:scene3d>
+    <dgm:sp3d/>
+    <dgm:txPr/>
+    <dgm:style>
+      <a:lnRef idx="2">
+        <a:scrgbClr r="0" g="0" b="0"/>
+      </a:lnRef>
+      <a:fillRef idx="1">
+        <a:scrgbClr r="0" g="0" b="0"/>
+      </a:fillRef>
+      <a:effectRef idx="0">
+        <a:scrgbClr r="0" g="0" b="0"/>
+      </a:effectRef>
+      <a:fontRef idx="minor"/>
+    </dgm:style>
+  </dgm:styleLbl>
+  <dgm:styleLbl name="fgAcc0">
+    <dgm:scene3d>
+      <a:camera prst="orthographicFront"/>
+      <a:lightRig rig="threePt" dir="t"/>
+    </dgm:scene3d>
+    <dgm:sp3d/>
+    <dgm:txPr/>
+    <dgm:style>
+      <a:lnRef idx="2">
+        <a:scrgbClr r="0" g="0" b="0"/>
+      </a:lnRef>
+      <a:fillRef idx="1">
+        <a:scrgbClr r="0" g="0" b="0"/>
+      </a:fillRef>
+      <a:effectRef idx="0">
+        <a:scrgbClr r="0" g="0" b="0"/>
+      </a:effectRef>
+      <a:fontRef idx="minor"/>
+    </dgm:style>
+  </dgm:styleLbl>
+  <dgm:styleLbl name="fgAcc2">
+    <dgm:scene3d>
+      <a:camera prst="orthographicFront"/>
+      <a:lightRig rig="threePt" dir="t"/>
+    </dgm:scene3d>
+    <dgm:sp3d/>
+    <dgm:txPr/>
+    <dgm:style>
+      <a:lnRef idx="2">
+        <a:scrgbClr r="0" g="0" b="0"/>
+      </a:lnRef>
+      <a:fillRef idx="1">
+        <a:scrgbClr r="0" g="0" b="0"/>
+      </a:fillRef>
+      <a:effectRef idx="0">
+        <a:scrgbClr r="0" g="0" b="0"/>
+      </a:effectRef>
+      <a:fontRef idx="minor"/>
+    </dgm:style>
+  </dgm:styleLbl>
+  <dgm:styleLbl name="fgAcc3">
+    <dgm:scene3d>
+      <a:camera prst="orthographicFront"/>
+      <a:lightRig rig="threePt" dir="t"/>
+    </dgm:scene3d>
+    <dgm:sp3d/>
+    <dgm:txPr/>
+    <dgm:style>
+      <a:lnRef idx="2">
+        <a:scrgbClr r="0" g="0" b="0"/>
+      </a:lnRef>
+      <a:fillRef idx="1">
+        <a:scrgbClr r="0" g="0" b="0"/>
+      </a:fillRef>
+      <a:effectRef idx="0">
+        <a:scrgbClr r="0" g="0" b="0"/>
+      </a:effectRef>
+      <a:fontRef idx="minor"/>
+    </dgm:style>
+  </dgm:styleLbl>
+  <dgm:styleLbl name="fgAcc4">
+    <dgm:scene3d>
+      <a:camera prst="orthographicFront"/>
+      <a:lightRig rig="threePt" dir="t"/>
+    </dgm:scene3d>
+    <dgm:sp3d/>
+    <dgm:txPr/>
+    <dgm:style>
+      <a:lnRef idx="2">
+        <a:scrgbClr r="0" g="0" b="0"/>
+      </a:lnRef>
+      <a:fillRef idx="1">
+        <a:scrgbClr r="0" g="0" b="0"/>
+      </a:fillRef>
+      <a:effectRef idx="0">
+        <a:scrgbClr r="0" g="0" b="0"/>
+      </a:effectRef>
+      <a:fontRef idx="minor"/>
+    </dgm:style>
+  </dgm:styleLbl>
+  <dgm:styleLbl name="bgShp">
+    <dgm:scene3d>
+      <a:camera prst="orthographicFront"/>
+      <a:lightRig rig="threePt" dir="t"/>
+    </dgm:scene3d>
+    <dgm:sp3d/>
+    <dgm:txPr/>
+    <dgm:style>
+      <a:lnRef idx="0">
+        <a:scrgbClr r="0" g="0" b="0"/>
+      </a:lnRef>
+      <a:fillRef idx="1">
+        <a:scrgbClr r="0" g="0" b="0"/>
+      </a:fillRef>
+      <a:effectRef idx="0">
+        <a:scrgbClr r="0" g="0" b="0"/>
+      </a:effectRef>
+      <a:fontRef idx="minor"/>
+    </dgm:style>
+  </dgm:styleLbl>
+  <dgm:styleLbl name="dkBgShp">
+    <dgm:scene3d>
+      <a:camera prst="orthographicFront"/>
+      <a:lightRig rig="threePt" dir="t"/>
+    </dgm:scene3d>
+    <dgm:sp3d/>
+    <dgm:txPr/>
+    <dgm:style>
+      <a:lnRef idx="0">
+        <a:scrgbClr r="0" g="0" b="0"/>
+      </a:lnRef>
+      <a:fillRef idx="1">
+        <a:scrgbClr r="0" g="0" b="0"/>
+      </a:fillRef>
+      <a:effectRef idx="0">
+        <a:scrgbClr r="0" g="0" b="0"/>
+      </a:effectRef>
+      <a:fontRef idx="minor"/>
+    </dgm:style>
+  </dgm:styleLbl>
+  <dgm:styleLbl name="trBgShp">
+    <dgm:scene3d>
+      <a:camera prst="orthographicFront"/>
+      <a:lightRig rig="threePt" dir="t"/>
+    </dgm:scene3d>
+    <dgm:sp3d/>
+    <dgm:txPr/>
+    <dgm:style>
+      <a:lnRef idx="0">
+        <a:scrgbClr r="0" g="0" b="0"/>
+      </a:lnRef>
+      <a:fillRef idx="1">
+        <a:scrgbClr r="0" g="0" b="0"/>
+      </a:fillRef>
+      <a:effectRef idx="0">
+        <a:scrgbClr r="0" g="0" b="0"/>
+      </a:effectRef>
+      <a:fontRef idx="minor"/>
+    </dgm:style>
+  </dgm:styleLbl>
+  <dgm:styleLbl name="fgShp">
+    <dgm:scene3d>
+      <a:camera prst="orthographicFront"/>
+      <a:lightRig rig="threePt" dir="t"/>
+    </dgm:scene3d>
+    <dgm:sp3d/>
+    <dgm:txPr/>
+    <dgm:style>
+      <a:lnRef idx="2">
+        <a:scrgbClr r="0" g="0" b="0"/>
+      </a:lnRef>
+      <a:fillRef idx="1">
+        <a:scrgbClr r="0" g="0" b="0"/>
+      </a:fillRef>
+      <a:effectRef idx="0">
+        <a:scrgbClr r="0" g="0" b="0"/>
+      </a:effectRef>
+      <a:fontRef idx="minor"/>
+    </dgm:style>
+  </dgm:styleLbl>
+  <dgm:styleLbl name="revTx">
+    <dgm:scene3d>
+      <a:camera prst="orthographicFront"/>
+      <a:lightRig rig="threePt" dir="t"/>
+    </dgm:scene3d>
+    <dgm:sp3d/>
+    <dgm:txPr/>
+    <dgm:style>
+      <a:lnRef idx="0">
+        <a:scrgbClr r="0" g="0" b="0"/>
+      </a:lnRef>
+      <a:fillRef idx="0">
+        <a:scrgbClr r="0" g="0" b="0"/>
+      </a:fillRef>
+      <a:effectRef idx="0">
+        <a:scrgbClr r="0" g="0" b="0"/>
+      </a:effectRef>
+      <a:fontRef idx="minor"/>
+    </dgm:style>
+  </dgm:styleLbl>
+</dgm:styleDef>
 </file>
 
 <file path=ppt/handoutMasters/handoutMaster1.xml><?xml version="1.0" encoding="utf-8"?>
@@ -2155,6 +5388,110 @@
 </p:sld>
 </file>
 
+<file path=ppt/slides/slide10.xml><?xml version="1.0" encoding="utf-8"?>
+<p:sld xmlns:a="http://schemas.openxmlformats.org/drawingml/2006/main" xmlns:r="http://schemas.openxmlformats.org/officeDocument/2006/relationships" xmlns:p="http://schemas.openxmlformats.org/presentationml/2006/main">
+  <p:cSld>
+    <p:spTree>
+      <p:nvGrpSpPr>
+        <p:cNvPr id="1" name=""/>
+        <p:cNvGrpSpPr/>
+        <p:nvPr/>
+      </p:nvGrpSpPr>
+      <p:grpSpPr>
+        <a:xfrm>
+          <a:off x="0" y="0"/>
+          <a:ext cx="0" cy="0"/>
+          <a:chOff x="0" y="0"/>
+          <a:chExt cx="0" cy="0"/>
+        </a:xfrm>
+      </p:grpSpPr>
+      <p:sp>
+        <p:nvSpPr>
+          <p:cNvPr id="3" name="文字方塊 2">
+            <a:extLst>
+              <a:ext uri="{FF2B5EF4-FFF2-40B4-BE49-F238E27FC236}">
+                <a16:creationId xmlns:a16="http://schemas.microsoft.com/office/drawing/2014/main" id="{0D70C62B-FA3D-420A-9430-6E5D2A36C12B}"/>
+              </a:ext>
+            </a:extLst>
+          </p:cNvPr>
+          <p:cNvSpPr txBox="1"/>
+          <p:nvPr/>
+        </p:nvSpPr>
+        <p:spPr>
+          <a:xfrm>
+            <a:off x="2850321" y="2848065"/>
+            <a:ext cx="6491357" cy="923330"/>
+          </a:xfrm>
+          <a:prstGeom prst="rect">
+            <a:avLst/>
+          </a:prstGeom>
+          <a:noFill/>
+        </p:spPr>
+        <p:txBody>
+          <a:bodyPr wrap="square" rtlCol="0">
+            <a:spAutoFit/>
+          </a:bodyPr>
+          <a:lstStyle/>
+          <a:p>
+            <a:pPr algn="ctr"/>
+            <a:r>
+              <a:rPr lang="en-US" altLang="zh-TW" sz="5400" b="1" dirty="0">
+                <a:effectLst>
+                  <a:outerShdw blurRad="38100" dist="38100" dir="2700000" algn="tl">
+                    <a:srgbClr val="000000">
+                      <a:alpha val="43137"/>
+                    </a:srgbClr>
+                  </a:outerShdw>
+                </a:effectLst>
+                <a:latin typeface="微軟正黑體" panose="020B0604030504040204" pitchFamily="34" charset="-120"/>
+                <a:ea typeface="微軟正黑體" panose="020B0604030504040204" pitchFamily="34" charset="-120"/>
+              </a:rPr>
+              <a:t>THANK</a:t>
+            </a:r>
+            <a:r>
+              <a:rPr lang="zh-TW" altLang="en-US" sz="5400" b="1" dirty="0">
+                <a:effectLst>
+                  <a:outerShdw blurRad="38100" dist="38100" dir="2700000" algn="tl">
+                    <a:srgbClr val="000000">
+                      <a:alpha val="43137"/>
+                    </a:srgbClr>
+                  </a:outerShdw>
+                </a:effectLst>
+                <a:latin typeface="微軟正黑體" panose="020B0604030504040204" pitchFamily="34" charset="-120"/>
+                <a:ea typeface="微軟正黑體" panose="020B0604030504040204" pitchFamily="34" charset="-120"/>
+              </a:rPr>
+              <a:t> </a:t>
+            </a:r>
+            <a:r>
+              <a:rPr lang="en-US" altLang="zh-TW" sz="5400" b="1" dirty="0">
+                <a:effectLst>
+                  <a:outerShdw blurRad="38100" dist="38100" dir="2700000" algn="tl">
+                    <a:srgbClr val="000000">
+                      <a:alpha val="43137"/>
+                    </a:srgbClr>
+                  </a:outerShdw>
+                </a:effectLst>
+                <a:latin typeface="微軟正黑體" panose="020B0604030504040204" pitchFamily="34" charset="-120"/>
+                <a:ea typeface="微軟正黑體" panose="020B0604030504040204" pitchFamily="34" charset="-120"/>
+              </a:rPr>
+              <a:t>YOU!</a:t>
+            </a:r>
+          </a:p>
+        </p:txBody>
+      </p:sp>
+    </p:spTree>
+    <p:extLst>
+      <p:ext uri="{BB962C8B-B14F-4D97-AF65-F5344CB8AC3E}">
+        <p14:creationId xmlns:p14="http://schemas.microsoft.com/office/powerpoint/2010/main" val="2748280514"/>
+      </p:ext>
+    </p:extLst>
+  </p:cSld>
+  <p:clrMapOvr>
+    <a:masterClrMapping/>
+  </p:clrMapOvr>
+</p:sld>
+</file>
+
 <file path=ppt/slides/slide2.xml><?xml version="1.0" encoding="utf-8"?>
 <p:sld xmlns:a="http://schemas.openxmlformats.org/drawingml/2006/main" xmlns:r="http://schemas.openxmlformats.org/officeDocument/2006/relationships" xmlns:p="http://schemas.openxmlformats.org/presentationml/2006/main">
   <p:cSld>
@@ -2574,8 +5911,143 @@
         </p:blipFill>
         <p:spPr>
           <a:xfrm>
-            <a:off x="625048" y="2244585"/>
-            <a:ext cx="4752975" cy="3510252"/>
+            <a:off x="1660205" y="2251656"/>
+            <a:ext cx="4998992" cy="3691944"/>
+          </a:xfrm>
+          <a:prstGeom prst="rect">
+            <a:avLst/>
+          </a:prstGeom>
+        </p:spPr>
+      </p:pic>
+      <p:pic>
+        <p:nvPicPr>
+          <p:cNvPr id="3" name="圖片 2">
+            <a:extLst>
+              <a:ext uri="{FF2B5EF4-FFF2-40B4-BE49-F238E27FC236}">
+                <a16:creationId xmlns:a16="http://schemas.microsoft.com/office/drawing/2014/main" id="{3FB9DCC9-16A3-4BE6-B407-A9B2F85926BC}"/>
+              </a:ext>
+            </a:extLst>
+          </p:cNvPr>
+          <p:cNvPicPr>
+            <a:picLocks noChangeAspect="1"/>
+          </p:cNvPicPr>
+          <p:nvPr/>
+        </p:nvPicPr>
+        <p:blipFill>
+          <a:blip r:embed="rId3"/>
+          <a:stretch>
+            <a:fillRect/>
+          </a:stretch>
+        </p:blipFill>
+        <p:spPr>
+          <a:xfrm>
+            <a:off x="8032300" y="2251656"/>
+            <a:ext cx="1740350" cy="3766554"/>
+          </a:xfrm>
+          <a:prstGeom prst="rect">
+            <a:avLst/>
+          </a:prstGeom>
+        </p:spPr>
+      </p:pic>
+    </p:spTree>
+    <p:extLst>
+      <p:ext uri="{BB962C8B-B14F-4D97-AF65-F5344CB8AC3E}">
+        <p14:creationId xmlns:p14="http://schemas.microsoft.com/office/powerpoint/2010/main" val="2023428388"/>
+      </p:ext>
+    </p:extLst>
+  </p:cSld>
+  <p:clrMapOvr>
+    <a:masterClrMapping/>
+  </p:clrMapOvr>
+</p:sld>
+</file>
+
+<file path=ppt/slides/slide4.xml><?xml version="1.0" encoding="utf-8"?>
+<p:sld xmlns:a="http://schemas.openxmlformats.org/drawingml/2006/main" xmlns:r="http://schemas.openxmlformats.org/officeDocument/2006/relationships" xmlns:p="http://schemas.openxmlformats.org/presentationml/2006/main">
+  <p:cSld>
+    <p:spTree>
+      <p:nvGrpSpPr>
+        <p:cNvPr id="1" name=""/>
+        <p:cNvGrpSpPr/>
+        <p:nvPr/>
+      </p:nvGrpSpPr>
+      <p:grpSpPr>
+        <a:xfrm>
+          <a:off x="0" y="0"/>
+          <a:ext cx="0" cy="0"/>
+          <a:chOff x="0" y="0"/>
+          <a:chExt cx="0" cy="0"/>
+        </a:xfrm>
+      </p:grpSpPr>
+      <p:sp>
+        <p:nvSpPr>
+          <p:cNvPr id="6" name="文字方塊 5">
+            <a:extLst>
+              <a:ext uri="{FF2B5EF4-FFF2-40B4-BE49-F238E27FC236}">
+                <a16:creationId xmlns:a16="http://schemas.microsoft.com/office/drawing/2014/main" id="{6BC63622-45DA-479E-9ADB-7F386C684095}"/>
+              </a:ext>
+            </a:extLst>
+          </p:cNvPr>
+          <p:cNvSpPr txBox="1"/>
+          <p:nvPr/>
+        </p:nvSpPr>
+        <p:spPr>
+          <a:xfrm>
+            <a:off x="784074" y="252967"/>
+            <a:ext cx="11407926" cy="830997"/>
+          </a:xfrm>
+          <a:prstGeom prst="rect">
+            <a:avLst/>
+          </a:prstGeom>
+          <a:noFill/>
+        </p:spPr>
+        <p:txBody>
+          <a:bodyPr wrap="square" rtlCol="0">
+            <a:spAutoFit/>
+          </a:bodyPr>
+          <a:lstStyle/>
+          <a:p>
+            <a:r>
+              <a:rPr lang="zh-TW" altLang="en-US" sz="4800" b="1" dirty="0">
+                <a:effectLst>
+                  <a:outerShdw blurRad="38100" dist="38100" dir="2700000" algn="tl">
+                    <a:srgbClr val="000000">
+                      <a:alpha val="43137"/>
+                    </a:srgbClr>
+                  </a:outerShdw>
+                </a:effectLst>
+                <a:latin typeface="微軟正黑體" panose="020B0604030504040204" pitchFamily="34" charset="-120"/>
+                <a:ea typeface="微軟正黑體" panose="020B0604030504040204" pitchFamily="34" charset="-120"/>
+              </a:rPr>
+              <a:t>製作動機</a:t>
+            </a:r>
+          </a:p>
+        </p:txBody>
+      </p:sp>
+      <p:pic>
+        <p:nvPicPr>
+          <p:cNvPr id="7" name="圖片 6">
+            <a:extLst>
+              <a:ext uri="{FF2B5EF4-FFF2-40B4-BE49-F238E27FC236}">
+                <a16:creationId xmlns:a16="http://schemas.microsoft.com/office/drawing/2014/main" id="{CCEFBB6D-A4A4-4AA7-8FFB-6CD684857B68}"/>
+              </a:ext>
+            </a:extLst>
+          </p:cNvPr>
+          <p:cNvPicPr>
+            <a:picLocks noChangeAspect="1"/>
+          </p:cNvPicPr>
+          <p:nvPr/>
+        </p:nvPicPr>
+        <p:blipFill>
+          <a:blip r:embed="rId2"/>
+          <a:stretch>
+            <a:fillRect/>
+          </a:stretch>
+        </p:blipFill>
+        <p:spPr>
+          <a:xfrm>
+            <a:off x="6965902" y="530221"/>
+            <a:ext cx="2665903" cy="1968870"/>
           </a:xfrm>
           <a:prstGeom prst="rect">
             <a:avLst/>
@@ -2596,8 +6068,8 @@
         </p:nvSpPr>
         <p:spPr>
           <a:xfrm>
-            <a:off x="6096000" y="2244585"/>
-            <a:ext cx="5989983" cy="3847207"/>
+            <a:off x="397565" y="2921145"/>
+            <a:ext cx="5698435" cy="3416320"/>
           </a:xfrm>
           <a:prstGeom prst="rect">
             <a:avLst/>
@@ -2652,7 +6124,7 @@
                 <a:latin typeface="微軟正黑體" panose="020B0604030504040204" pitchFamily="34" charset="-120"/>
                 <a:ea typeface="微軟正黑體" panose="020B0604030504040204" pitchFamily="34" charset="-120"/>
               </a:rPr>
-              <a:t>送養後</a:t>
+              <a:t>送養後文章管理不便</a:t>
             </a:r>
             <a:endParaRPr lang="en-US" altLang="zh-TW" sz="2400" b="1" dirty="0">
               <a:latin typeface="微軟正黑體" panose="020B0604030504040204" pitchFamily="34" charset="-120"/>
@@ -2699,28 +6171,6 @@
             </a:endParaRPr>
           </a:p>
           <a:p>
-            <a:endParaRPr lang="en-US" altLang="zh-TW" sz="2800" b="1" dirty="0">
-              <a:latin typeface="微軟正黑體" panose="020B0604030504040204" pitchFamily="34" charset="-120"/>
-              <a:ea typeface="微軟正黑體" panose="020B0604030504040204" pitchFamily="34" charset="-120"/>
-            </a:endParaRPr>
-          </a:p>
-          <a:p>
-            <a:r>
-              <a:rPr lang="zh-TW" altLang="en-US" sz="2400" b="1" dirty="0">
-                <a:latin typeface="微軟正黑體" panose="020B0604030504040204" pitchFamily="34" charset="-120"/>
-                <a:ea typeface="微軟正黑體" panose="020B0604030504040204" pitchFamily="34" charset="-120"/>
-              </a:rPr>
-              <a:t>對於潛在領養者</a:t>
-            </a:r>
-            <a:r>
-              <a:rPr lang="en-US" altLang="zh-TW" sz="2400" b="1" dirty="0">
-                <a:latin typeface="微軟正黑體" panose="020B0604030504040204" pitchFamily="34" charset="-120"/>
-                <a:ea typeface="微軟正黑體" panose="020B0604030504040204" pitchFamily="34" charset="-120"/>
-              </a:rPr>
-              <a:t>…</a:t>
-            </a:r>
-          </a:p>
-          <a:p>
             <a:pPr marL="914400" lvl="1" indent="-457200">
               <a:buFont typeface="Arial" panose="020B0604020202020204" pitchFamily="34" charset="0"/>
               <a:buChar char="•"/>
@@ -2738,6 +6188,23 @@
             </a:endParaRPr>
           </a:p>
           <a:p>
+            <a:pPr marL="914400" lvl="1" indent="-457200">
+              <a:buFont typeface="Arial" panose="020B0604020202020204" pitchFamily="34" charset="0"/>
+              <a:buChar char="•"/>
+            </a:pPr>
+            <a:r>
+              <a:rPr lang="zh-TW" altLang="en-US" sz="2400" b="1" dirty="0">
+                <a:latin typeface="微軟正黑體" panose="020B0604030504040204" pitchFamily="34" charset="-120"/>
+                <a:ea typeface="微軟正黑體" panose="020B0604030504040204" pitchFamily="34" charset="-120"/>
+              </a:rPr>
+              <a:t>忘記心儀毛孩，下次就找不到</a:t>
+            </a:r>
+            <a:endParaRPr lang="en-US" altLang="zh-TW" sz="2400" b="1" dirty="0">
+              <a:latin typeface="微軟正黑體" panose="020B0604030504040204" pitchFamily="34" charset="-120"/>
+              <a:ea typeface="微軟正黑體" panose="020B0604030504040204" pitchFamily="34" charset="-120"/>
+            </a:endParaRPr>
+          </a:p>
+          <a:p>
             <a:endParaRPr lang="zh-TW" altLang="en-US" sz="2400" b="1" dirty="0">
               <a:latin typeface="微軟正黑體" panose="020B0604030504040204" pitchFamily="34" charset="-120"/>
               <a:ea typeface="微軟正黑體" panose="020B0604030504040204" pitchFamily="34" charset="-120"/>
@@ -2745,10 +6212,300 @@
           </a:p>
         </p:txBody>
       </p:sp>
+      <p:sp>
+        <p:nvSpPr>
+          <p:cNvPr id="5" name="矩形: 圓角 4">
+            <a:extLst>
+              <a:ext uri="{FF2B5EF4-FFF2-40B4-BE49-F238E27FC236}">
+                <a16:creationId xmlns:a16="http://schemas.microsoft.com/office/drawing/2014/main" id="{ACBB950B-0DC3-4FA1-B797-CCCA617E5CD0}"/>
+              </a:ext>
+            </a:extLst>
+          </p:cNvPr>
+          <p:cNvSpPr/>
+          <p:nvPr/>
+        </p:nvSpPr>
+        <p:spPr>
+          <a:xfrm>
+            <a:off x="6773110" y="3112053"/>
+            <a:ext cx="1868882" cy="406399"/>
+          </a:xfrm>
+          <a:prstGeom prst="roundRect">
+            <a:avLst>
+              <a:gd name="adj" fmla="val 50000"/>
+            </a:avLst>
+          </a:prstGeom>
+          <a:solidFill>
+            <a:srgbClr val="002060"/>
+          </a:solidFill>
+          <a:ln>
+            <a:solidFill>
+              <a:srgbClr val="002060"/>
+            </a:solidFill>
+          </a:ln>
+        </p:spPr>
+        <p:style>
+          <a:lnRef idx="2">
+            <a:schemeClr val="accent1">
+              <a:shade val="50000"/>
+            </a:schemeClr>
+          </a:lnRef>
+          <a:fillRef idx="1">
+            <a:schemeClr val="accent1"/>
+          </a:fillRef>
+          <a:effectRef idx="0">
+            <a:schemeClr val="accent1"/>
+          </a:effectRef>
+          <a:fontRef idx="minor">
+            <a:schemeClr val="lt1"/>
+          </a:fontRef>
+        </p:style>
+        <p:txBody>
+          <a:bodyPr rtlCol="0" anchor="ctr"/>
+          <a:lstStyle/>
+          <a:p>
+            <a:pPr algn="ctr"/>
+            <a:r>
+              <a:rPr lang="zh-TW" altLang="en-US" sz="2400" b="1" dirty="0">
+                <a:solidFill>
+                  <a:schemeClr val="bg1"/>
+                </a:solidFill>
+                <a:latin typeface="微軟正黑體 Light" panose="020B0304030504040204" pitchFamily="34" charset="-120"/>
+                <a:ea typeface="微軟正黑體 Light" panose="020B0304030504040204" pitchFamily="34" charset="-120"/>
+              </a:rPr>
+              <a:t>毛孩領養</a:t>
+            </a:r>
+          </a:p>
+        </p:txBody>
+      </p:sp>
+      <p:sp>
+        <p:nvSpPr>
+          <p:cNvPr id="9" name="矩形: 圓角 8">
+            <a:extLst>
+              <a:ext uri="{FF2B5EF4-FFF2-40B4-BE49-F238E27FC236}">
+                <a16:creationId xmlns:a16="http://schemas.microsoft.com/office/drawing/2014/main" id="{57E71817-A080-4601-A458-0E9916F8641E}"/>
+              </a:ext>
+            </a:extLst>
+          </p:cNvPr>
+          <p:cNvSpPr/>
+          <p:nvPr/>
+        </p:nvSpPr>
+        <p:spPr>
+          <a:xfrm>
+            <a:off x="6965902" y="3669479"/>
+            <a:ext cx="1483297" cy="406399"/>
+          </a:xfrm>
+          <a:prstGeom prst="roundRect">
+            <a:avLst>
+              <a:gd name="adj" fmla="val 50000"/>
+            </a:avLst>
+          </a:prstGeom>
+          <a:solidFill>
+            <a:srgbClr val="002060"/>
+          </a:solidFill>
+          <a:ln>
+            <a:solidFill>
+              <a:srgbClr val="002060"/>
+            </a:solidFill>
+          </a:ln>
+        </p:spPr>
+        <p:style>
+          <a:lnRef idx="2">
+            <a:schemeClr val="accent1">
+              <a:shade val="50000"/>
+            </a:schemeClr>
+          </a:lnRef>
+          <a:fillRef idx="1">
+            <a:schemeClr val="accent1"/>
+          </a:fillRef>
+          <a:effectRef idx="0">
+            <a:schemeClr val="accent1"/>
+          </a:effectRef>
+          <a:fontRef idx="minor">
+            <a:schemeClr val="lt1"/>
+          </a:fontRef>
+        </p:style>
+        <p:txBody>
+          <a:bodyPr rtlCol="0" anchor="ctr"/>
+          <a:lstStyle/>
+          <a:p>
+            <a:pPr algn="ctr"/>
+            <a:r>
+              <a:rPr lang="zh-TW" altLang="en-US" sz="1400" b="1" dirty="0">
+                <a:solidFill>
+                  <a:schemeClr val="bg1"/>
+                </a:solidFill>
+                <a:latin typeface="微軟正黑體 Light" panose="020B0304030504040204" pitchFamily="34" charset="-120"/>
+                <a:ea typeface="微軟正黑體 Light" panose="020B0304030504040204" pitchFamily="34" charset="-120"/>
+              </a:rPr>
+              <a:t>我的送養文</a:t>
+            </a:r>
+          </a:p>
+        </p:txBody>
+      </p:sp>
+      <p:sp>
+        <p:nvSpPr>
+          <p:cNvPr id="10" name="矩形: 圓角 9">
+            <a:extLst>
+              <a:ext uri="{FF2B5EF4-FFF2-40B4-BE49-F238E27FC236}">
+                <a16:creationId xmlns:a16="http://schemas.microsoft.com/office/drawing/2014/main" id="{8981B982-3264-4D36-9A1F-87635D90B147}"/>
+              </a:ext>
+            </a:extLst>
+          </p:cNvPr>
+          <p:cNvSpPr/>
+          <p:nvPr/>
+        </p:nvSpPr>
+        <p:spPr>
+          <a:xfrm>
+            <a:off x="6965902" y="4744377"/>
+            <a:ext cx="1868882" cy="406399"/>
+          </a:xfrm>
+          <a:prstGeom prst="roundRect">
+            <a:avLst>
+              <a:gd name="adj" fmla="val 50000"/>
+            </a:avLst>
+          </a:prstGeom>
+          <a:solidFill>
+            <a:srgbClr val="002060"/>
+          </a:solidFill>
+          <a:ln>
+            <a:solidFill>
+              <a:srgbClr val="002060"/>
+            </a:solidFill>
+          </a:ln>
+        </p:spPr>
+        <p:style>
+          <a:lnRef idx="2">
+            <a:schemeClr val="accent1">
+              <a:shade val="50000"/>
+            </a:schemeClr>
+          </a:lnRef>
+          <a:fillRef idx="1">
+            <a:schemeClr val="accent1"/>
+          </a:fillRef>
+          <a:effectRef idx="0">
+            <a:schemeClr val="accent1"/>
+          </a:effectRef>
+          <a:fontRef idx="minor">
+            <a:schemeClr val="lt1"/>
+          </a:fontRef>
+        </p:style>
+        <p:txBody>
+          <a:bodyPr rtlCol="0" anchor="ctr"/>
+          <a:lstStyle/>
+          <a:p>
+            <a:pPr algn="ctr"/>
+            <a:r>
+              <a:rPr lang="zh-TW" altLang="en-US" sz="2400" b="1" dirty="0">
+                <a:solidFill>
+                  <a:schemeClr val="bg1"/>
+                </a:solidFill>
+                <a:latin typeface="微軟正黑體 Light" panose="020B0304030504040204" pitchFamily="34" charset="-120"/>
+                <a:ea typeface="微軟正黑體 Light" panose="020B0304030504040204" pitchFamily="34" charset="-120"/>
+              </a:rPr>
+              <a:t>毛孩知識</a:t>
+            </a:r>
+          </a:p>
+        </p:txBody>
+      </p:sp>
+      <p:sp>
+        <p:nvSpPr>
+          <p:cNvPr id="11" name="矩形: 圓角 10">
+            <a:extLst>
+              <a:ext uri="{FF2B5EF4-FFF2-40B4-BE49-F238E27FC236}">
+                <a16:creationId xmlns:a16="http://schemas.microsoft.com/office/drawing/2014/main" id="{111248C1-1678-4D88-A862-518DFA0703C5}"/>
+              </a:ext>
+            </a:extLst>
+          </p:cNvPr>
+          <p:cNvSpPr/>
+          <p:nvPr/>
+        </p:nvSpPr>
+        <p:spPr>
+          <a:xfrm>
+            <a:off x="7158694" y="5412876"/>
+            <a:ext cx="1483297" cy="406399"/>
+          </a:xfrm>
+          <a:prstGeom prst="roundRect">
+            <a:avLst>
+              <a:gd name="adj" fmla="val 50000"/>
+            </a:avLst>
+          </a:prstGeom>
+          <a:solidFill>
+            <a:srgbClr val="002060"/>
+          </a:solidFill>
+          <a:ln>
+            <a:solidFill>
+              <a:srgbClr val="002060"/>
+            </a:solidFill>
+          </a:ln>
+        </p:spPr>
+        <p:style>
+          <a:lnRef idx="2">
+            <a:schemeClr val="accent1">
+              <a:shade val="50000"/>
+            </a:schemeClr>
+          </a:lnRef>
+          <a:fillRef idx="1">
+            <a:schemeClr val="accent1"/>
+          </a:fillRef>
+          <a:effectRef idx="0">
+            <a:schemeClr val="accent1"/>
+          </a:effectRef>
+          <a:fontRef idx="minor">
+            <a:schemeClr val="lt1"/>
+          </a:fontRef>
+        </p:style>
+        <p:txBody>
+          <a:bodyPr rtlCol="0" anchor="ctr"/>
+          <a:lstStyle/>
+          <a:p>
+            <a:pPr algn="ctr"/>
+            <a:r>
+              <a:rPr lang="zh-TW" altLang="en-US" sz="1400" b="1" dirty="0">
+                <a:solidFill>
+                  <a:schemeClr val="bg1"/>
+                </a:solidFill>
+                <a:latin typeface="微軟正黑體 Light" panose="020B0304030504040204" pitchFamily="34" charset="-120"/>
+                <a:ea typeface="微軟正黑體 Light" panose="020B0304030504040204" pitchFamily="34" charset="-120"/>
+              </a:rPr>
+              <a:t>我追蹤的毛孩</a:t>
+            </a:r>
+          </a:p>
+        </p:txBody>
+      </p:sp>
+      <p:pic>
+        <p:nvPicPr>
+          <p:cNvPr id="3" name="圖片 2">
+            <a:extLst>
+              <a:ext uri="{FF2B5EF4-FFF2-40B4-BE49-F238E27FC236}">
+                <a16:creationId xmlns:a16="http://schemas.microsoft.com/office/drawing/2014/main" id="{3FB9DCC9-16A3-4BE6-B407-A9B2F85926BC}"/>
+              </a:ext>
+            </a:extLst>
+          </p:cNvPr>
+          <p:cNvPicPr>
+            <a:picLocks noChangeAspect="1"/>
+          </p:cNvPicPr>
+          <p:nvPr/>
+        </p:nvPicPr>
+        <p:blipFill>
+          <a:blip r:embed="rId3"/>
+          <a:stretch>
+            <a:fillRect/>
+          </a:stretch>
+        </p:blipFill>
+        <p:spPr>
+          <a:xfrm>
+            <a:off x="10546900" y="1267221"/>
+            <a:ext cx="909724" cy="1968871"/>
+          </a:xfrm>
+          <a:prstGeom prst="rect">
+            <a:avLst/>
+          </a:prstGeom>
+        </p:spPr>
+      </p:pic>
     </p:spTree>
     <p:extLst>
       <p:ext uri="{BB962C8B-B14F-4D97-AF65-F5344CB8AC3E}">
-        <p14:creationId xmlns:p14="http://schemas.microsoft.com/office/powerpoint/2010/main" val="2023428388"/>
+        <p14:creationId xmlns:p14="http://schemas.microsoft.com/office/powerpoint/2010/main" val="1111371213"/>
       </p:ext>
     </p:extLst>
   </p:cSld>
@@ -2758,7 +6515,7 @@
 </p:sld>
 </file>
 
-<file path=ppt/slides/slide4.xml><?xml version="1.0" encoding="utf-8"?>
+<file path=ppt/slides/slide5.xml><?xml version="1.0" encoding="utf-8"?>
 <p:sld xmlns:a="http://schemas.openxmlformats.org/drawingml/2006/main" xmlns:r="http://schemas.openxmlformats.org/officeDocument/2006/relationships" xmlns:p="http://schemas.openxmlformats.org/presentationml/2006/main">
   <p:cSld>
     <p:spTree>
@@ -2775,50 +6532,6 @@
           <a:chExt cx="0" cy="0"/>
         </a:xfrm>
       </p:grpSpPr>
-      <p:cxnSp>
-        <p:nvCxnSpPr>
-          <p:cNvPr id="32" name="直線接點 31">
-            <a:extLst>
-              <a:ext uri="{FF2B5EF4-FFF2-40B4-BE49-F238E27FC236}">
-                <a16:creationId xmlns:a16="http://schemas.microsoft.com/office/drawing/2014/main" id="{7BF5B837-F533-4A7D-874B-8084861E44C6}"/>
-              </a:ext>
-            </a:extLst>
-          </p:cNvPr>
-          <p:cNvCxnSpPr>
-            <a:cxnSpLocks/>
-            <a:endCxn id="23" idx="0"/>
-          </p:cNvCxnSpPr>
-          <p:nvPr/>
-        </p:nvCxnSpPr>
-        <p:spPr>
-          <a:xfrm>
-            <a:off x="9081053" y="3687167"/>
-            <a:ext cx="0" cy="2445442"/>
-          </a:xfrm>
-          <a:prstGeom prst="line">
-            <a:avLst/>
-          </a:prstGeom>
-          <a:ln w="28575">
-            <a:solidFill>
-              <a:srgbClr val="002060"/>
-            </a:solidFill>
-          </a:ln>
-        </p:spPr>
-        <p:style>
-          <a:lnRef idx="1">
-            <a:schemeClr val="accent1"/>
-          </a:lnRef>
-          <a:fillRef idx="0">
-            <a:schemeClr val="accent1"/>
-          </a:fillRef>
-          <a:effectRef idx="0">
-            <a:schemeClr val="accent1"/>
-          </a:effectRef>
-          <a:fontRef idx="minor">
-            <a:schemeClr val="tx1"/>
-          </a:fontRef>
-        </p:style>
-      </p:cxnSp>
       <p:sp>
         <p:nvSpPr>
           <p:cNvPr id="6" name="文字方塊 5">
@@ -2864,6 +6577,1880 @@
           </a:p>
         </p:txBody>
       </p:sp>
+      <p:cxnSp>
+        <p:nvCxnSpPr>
+          <p:cNvPr id="35" name="直線接點 34">
+            <a:extLst>
+              <a:ext uri="{FF2B5EF4-FFF2-40B4-BE49-F238E27FC236}">
+                <a16:creationId xmlns:a16="http://schemas.microsoft.com/office/drawing/2014/main" id="{F92B8089-3D24-4B7B-BB3F-D4BDF275F8A9}"/>
+              </a:ext>
+            </a:extLst>
+          </p:cNvPr>
+          <p:cNvCxnSpPr>
+            <a:cxnSpLocks/>
+            <a:endCxn id="55" idx="0"/>
+          </p:cNvCxnSpPr>
+          <p:nvPr/>
+        </p:nvCxnSpPr>
+        <p:spPr>
+          <a:xfrm>
+            <a:off x="9081053" y="3554647"/>
+            <a:ext cx="0" cy="2445442"/>
+          </a:xfrm>
+          <a:prstGeom prst="line">
+            <a:avLst/>
+          </a:prstGeom>
+          <a:ln w="28575">
+            <a:noFill/>
+          </a:ln>
+        </p:spPr>
+        <p:style>
+          <a:lnRef idx="1">
+            <a:schemeClr val="accent1"/>
+          </a:lnRef>
+          <a:fillRef idx="0">
+            <a:schemeClr val="accent1"/>
+          </a:fillRef>
+          <a:effectRef idx="0">
+            <a:schemeClr val="accent1"/>
+          </a:effectRef>
+          <a:fontRef idx="minor">
+            <a:schemeClr val="tx1"/>
+          </a:fontRef>
+        </p:style>
+      </p:cxnSp>
+      <p:sp>
+        <p:nvSpPr>
+          <p:cNvPr id="36" name="矩形: 圓角 35">
+            <a:extLst>
+              <a:ext uri="{FF2B5EF4-FFF2-40B4-BE49-F238E27FC236}">
+                <a16:creationId xmlns:a16="http://schemas.microsoft.com/office/drawing/2014/main" id="{B6700AAD-4DAE-4628-B69F-189898B3E533}"/>
+              </a:ext>
+            </a:extLst>
+          </p:cNvPr>
+          <p:cNvSpPr/>
+          <p:nvPr/>
+        </p:nvSpPr>
+        <p:spPr>
+          <a:xfrm>
+            <a:off x="3955143" y="1870449"/>
+            <a:ext cx="4281714" cy="406399"/>
+          </a:xfrm>
+          <a:prstGeom prst="roundRect">
+            <a:avLst>
+              <a:gd name="adj" fmla="val 50000"/>
+            </a:avLst>
+          </a:prstGeom>
+          <a:solidFill>
+            <a:srgbClr val="002060"/>
+          </a:solidFill>
+          <a:ln>
+            <a:solidFill>
+              <a:srgbClr val="002060"/>
+            </a:solidFill>
+          </a:ln>
+        </p:spPr>
+        <p:style>
+          <a:lnRef idx="2">
+            <a:schemeClr val="accent1">
+              <a:shade val="50000"/>
+            </a:schemeClr>
+          </a:lnRef>
+          <a:fillRef idx="1">
+            <a:schemeClr val="accent1"/>
+          </a:fillRef>
+          <a:effectRef idx="0">
+            <a:schemeClr val="accent1"/>
+          </a:effectRef>
+          <a:fontRef idx="minor">
+            <a:schemeClr val="lt1"/>
+          </a:fontRef>
+        </p:style>
+        <p:txBody>
+          <a:bodyPr rtlCol="0" anchor="ctr"/>
+          <a:lstStyle/>
+          <a:p>
+            <a:pPr algn="ctr"/>
+            <a:r>
+              <a:rPr lang="zh-TW" altLang="en-US" sz="2400" b="1" dirty="0">
+                <a:solidFill>
+                  <a:schemeClr val="bg1"/>
+                </a:solidFill>
+                <a:latin typeface="微軟正黑體 Light" panose="020B0304030504040204" pitchFamily="34" charset="-120"/>
+                <a:ea typeface="微軟正黑體 Light" panose="020B0304030504040204" pitchFamily="34" charset="-120"/>
+              </a:rPr>
+              <a:t>浪浪有窩</a:t>
+            </a:r>
+          </a:p>
+        </p:txBody>
+      </p:sp>
+      <p:sp>
+        <p:nvSpPr>
+          <p:cNvPr id="37" name="矩形: 圓角 36">
+            <a:extLst>
+              <a:ext uri="{FF2B5EF4-FFF2-40B4-BE49-F238E27FC236}">
+                <a16:creationId xmlns:a16="http://schemas.microsoft.com/office/drawing/2014/main" id="{6917AB19-CC70-444D-8E1A-35987AC196C2}"/>
+              </a:ext>
+            </a:extLst>
+          </p:cNvPr>
+          <p:cNvSpPr/>
+          <p:nvPr/>
+        </p:nvSpPr>
+        <p:spPr>
+          <a:xfrm>
+            <a:off x="307624" y="3238420"/>
+            <a:ext cx="1868882" cy="406399"/>
+          </a:xfrm>
+          <a:prstGeom prst="roundRect">
+            <a:avLst>
+              <a:gd name="adj" fmla="val 50000"/>
+            </a:avLst>
+          </a:prstGeom>
+          <a:solidFill>
+            <a:srgbClr val="002060"/>
+          </a:solidFill>
+          <a:ln w="38100">
+            <a:noFill/>
+          </a:ln>
+        </p:spPr>
+        <p:style>
+          <a:lnRef idx="2">
+            <a:schemeClr val="accent1">
+              <a:shade val="50000"/>
+            </a:schemeClr>
+          </a:lnRef>
+          <a:fillRef idx="1">
+            <a:schemeClr val="accent1"/>
+          </a:fillRef>
+          <a:effectRef idx="0">
+            <a:schemeClr val="accent1"/>
+          </a:effectRef>
+          <a:fontRef idx="minor">
+            <a:schemeClr val="lt1"/>
+          </a:fontRef>
+        </p:style>
+        <p:txBody>
+          <a:bodyPr rtlCol="0" anchor="ctr"/>
+          <a:lstStyle/>
+          <a:p>
+            <a:pPr algn="ctr"/>
+            <a:r>
+              <a:rPr lang="zh-TW" altLang="en-US" sz="2400" b="1" dirty="0">
+                <a:solidFill>
+                  <a:schemeClr val="bg1"/>
+                </a:solidFill>
+                <a:latin typeface="微軟正黑體 Light" panose="020B0304030504040204" pitchFamily="34" charset="-120"/>
+                <a:ea typeface="微軟正黑體 Light" panose="020B0304030504040204" pitchFamily="34" charset="-120"/>
+              </a:rPr>
+              <a:t>首頁</a:t>
+            </a:r>
+          </a:p>
+        </p:txBody>
+      </p:sp>
+      <p:sp>
+        <p:nvSpPr>
+          <p:cNvPr id="38" name="矩形: 圓角 37">
+            <a:extLst>
+              <a:ext uri="{FF2B5EF4-FFF2-40B4-BE49-F238E27FC236}">
+                <a16:creationId xmlns:a16="http://schemas.microsoft.com/office/drawing/2014/main" id="{53205265-EC81-4A77-B376-CBEDDA44561C}"/>
+              </a:ext>
+            </a:extLst>
+          </p:cNvPr>
+          <p:cNvSpPr/>
+          <p:nvPr/>
+        </p:nvSpPr>
+        <p:spPr>
+          <a:xfrm>
+            <a:off x="2267371" y="3238420"/>
+            <a:ext cx="1868882" cy="406399"/>
+          </a:xfrm>
+          <a:prstGeom prst="roundRect">
+            <a:avLst>
+              <a:gd name="adj" fmla="val 50000"/>
+            </a:avLst>
+          </a:prstGeom>
+          <a:solidFill>
+            <a:srgbClr val="002060"/>
+          </a:solidFill>
+          <a:ln w="38100">
+            <a:noFill/>
+          </a:ln>
+        </p:spPr>
+        <p:style>
+          <a:lnRef idx="2">
+            <a:schemeClr val="accent1">
+              <a:shade val="50000"/>
+            </a:schemeClr>
+          </a:lnRef>
+          <a:fillRef idx="1">
+            <a:schemeClr val="accent1"/>
+          </a:fillRef>
+          <a:effectRef idx="0">
+            <a:schemeClr val="accent1"/>
+          </a:effectRef>
+          <a:fontRef idx="minor">
+            <a:schemeClr val="lt1"/>
+          </a:fontRef>
+        </p:style>
+        <p:txBody>
+          <a:bodyPr rtlCol="0" anchor="ctr"/>
+          <a:lstStyle/>
+          <a:p>
+            <a:pPr algn="ctr"/>
+            <a:r>
+              <a:rPr lang="zh-TW" altLang="en-US" sz="2400" b="1" dirty="0">
+                <a:solidFill>
+                  <a:schemeClr val="bg1"/>
+                </a:solidFill>
+                <a:latin typeface="微軟正黑體 Light" panose="020B0304030504040204" pitchFamily="34" charset="-120"/>
+                <a:ea typeface="微軟正黑體 Light" panose="020B0304030504040204" pitchFamily="34" charset="-120"/>
+              </a:rPr>
+              <a:t>毛孩領養</a:t>
+            </a:r>
+          </a:p>
+        </p:txBody>
+      </p:sp>
+      <p:sp>
+        <p:nvSpPr>
+          <p:cNvPr id="39" name="矩形: 圓角 38">
+            <a:extLst>
+              <a:ext uri="{FF2B5EF4-FFF2-40B4-BE49-F238E27FC236}">
+                <a16:creationId xmlns:a16="http://schemas.microsoft.com/office/drawing/2014/main" id="{94AC2526-F644-4310-BBC7-8620AC9A500E}"/>
+              </a:ext>
+            </a:extLst>
+          </p:cNvPr>
+          <p:cNvSpPr/>
+          <p:nvPr/>
+        </p:nvSpPr>
+        <p:spPr>
+          <a:xfrm>
+            <a:off x="4227118" y="3238420"/>
+            <a:ext cx="1868882" cy="406399"/>
+          </a:xfrm>
+          <a:prstGeom prst="roundRect">
+            <a:avLst>
+              <a:gd name="adj" fmla="val 50000"/>
+            </a:avLst>
+          </a:prstGeom>
+          <a:solidFill>
+            <a:srgbClr val="002060"/>
+          </a:solidFill>
+          <a:ln w="38100">
+            <a:noFill/>
+          </a:ln>
+        </p:spPr>
+        <p:style>
+          <a:lnRef idx="2">
+            <a:schemeClr val="accent1">
+              <a:shade val="50000"/>
+            </a:schemeClr>
+          </a:lnRef>
+          <a:fillRef idx="1">
+            <a:schemeClr val="accent1"/>
+          </a:fillRef>
+          <a:effectRef idx="0">
+            <a:schemeClr val="accent1"/>
+          </a:effectRef>
+          <a:fontRef idx="minor">
+            <a:schemeClr val="lt1"/>
+          </a:fontRef>
+        </p:style>
+        <p:txBody>
+          <a:bodyPr rtlCol="0" anchor="ctr"/>
+          <a:lstStyle/>
+          <a:p>
+            <a:pPr algn="ctr"/>
+            <a:r>
+              <a:rPr lang="zh-TW" altLang="en-US" sz="2400" b="1" dirty="0">
+                <a:solidFill>
+                  <a:schemeClr val="bg1"/>
+                </a:solidFill>
+                <a:latin typeface="微軟正黑體 Light" panose="020B0304030504040204" pitchFamily="34" charset="-120"/>
+                <a:ea typeface="微軟正黑體 Light" panose="020B0304030504040204" pitchFamily="34" charset="-120"/>
+              </a:rPr>
+              <a:t>送養刊登</a:t>
+            </a:r>
+          </a:p>
+        </p:txBody>
+      </p:sp>
+      <p:sp>
+        <p:nvSpPr>
+          <p:cNvPr id="40" name="矩形: 圓角 39">
+            <a:extLst>
+              <a:ext uri="{FF2B5EF4-FFF2-40B4-BE49-F238E27FC236}">
+                <a16:creationId xmlns:a16="http://schemas.microsoft.com/office/drawing/2014/main" id="{C57CAFE6-2B62-4EB8-B217-1F9BCB76DF04}"/>
+              </a:ext>
+            </a:extLst>
+          </p:cNvPr>
+          <p:cNvSpPr/>
+          <p:nvPr/>
+        </p:nvSpPr>
+        <p:spPr>
+          <a:xfrm>
+            <a:off x="6186865" y="3238420"/>
+            <a:ext cx="1868882" cy="406399"/>
+          </a:xfrm>
+          <a:prstGeom prst="roundRect">
+            <a:avLst>
+              <a:gd name="adj" fmla="val 50000"/>
+            </a:avLst>
+          </a:prstGeom>
+          <a:solidFill>
+            <a:srgbClr val="002060"/>
+          </a:solidFill>
+          <a:ln w="38100">
+            <a:noFill/>
+          </a:ln>
+        </p:spPr>
+        <p:style>
+          <a:lnRef idx="2">
+            <a:schemeClr val="accent1">
+              <a:shade val="50000"/>
+            </a:schemeClr>
+          </a:lnRef>
+          <a:fillRef idx="1">
+            <a:schemeClr val="accent1"/>
+          </a:fillRef>
+          <a:effectRef idx="0">
+            <a:schemeClr val="accent1"/>
+          </a:effectRef>
+          <a:fontRef idx="minor">
+            <a:schemeClr val="lt1"/>
+          </a:fontRef>
+        </p:style>
+        <p:txBody>
+          <a:bodyPr rtlCol="0" anchor="ctr"/>
+          <a:lstStyle/>
+          <a:p>
+            <a:pPr algn="ctr"/>
+            <a:r>
+              <a:rPr lang="zh-TW" altLang="en-US" sz="2400" b="1" dirty="0">
+                <a:solidFill>
+                  <a:schemeClr val="bg1"/>
+                </a:solidFill>
+                <a:latin typeface="微軟正黑體 Light" panose="020B0304030504040204" pitchFamily="34" charset="-120"/>
+                <a:ea typeface="微軟正黑體 Light" panose="020B0304030504040204" pitchFamily="34" charset="-120"/>
+              </a:rPr>
+              <a:t>毛孩知識</a:t>
+            </a:r>
+          </a:p>
+        </p:txBody>
+      </p:sp>
+      <p:sp>
+        <p:nvSpPr>
+          <p:cNvPr id="41" name="矩形: 圓角 40">
+            <a:extLst>
+              <a:ext uri="{FF2B5EF4-FFF2-40B4-BE49-F238E27FC236}">
+                <a16:creationId xmlns:a16="http://schemas.microsoft.com/office/drawing/2014/main" id="{327B1555-0C54-4EE2-9569-5ECC97B841E3}"/>
+              </a:ext>
+            </a:extLst>
+          </p:cNvPr>
+          <p:cNvSpPr/>
+          <p:nvPr/>
+        </p:nvSpPr>
+        <p:spPr>
+          <a:xfrm>
+            <a:off x="8146612" y="3238420"/>
+            <a:ext cx="1868882" cy="406399"/>
+          </a:xfrm>
+          <a:prstGeom prst="roundRect">
+            <a:avLst>
+              <a:gd name="adj" fmla="val 50000"/>
+            </a:avLst>
+          </a:prstGeom>
+          <a:solidFill>
+            <a:srgbClr val="002060"/>
+          </a:solidFill>
+          <a:ln w="38100">
+            <a:noFill/>
+          </a:ln>
+        </p:spPr>
+        <p:style>
+          <a:lnRef idx="2">
+            <a:schemeClr val="accent1">
+              <a:shade val="50000"/>
+            </a:schemeClr>
+          </a:lnRef>
+          <a:fillRef idx="1">
+            <a:schemeClr val="accent1"/>
+          </a:fillRef>
+          <a:effectRef idx="0">
+            <a:schemeClr val="accent1"/>
+          </a:effectRef>
+          <a:fontRef idx="minor">
+            <a:schemeClr val="lt1"/>
+          </a:fontRef>
+        </p:style>
+        <p:txBody>
+          <a:bodyPr rtlCol="0" anchor="ctr"/>
+          <a:lstStyle/>
+          <a:p>
+            <a:pPr algn="ctr"/>
+            <a:r>
+              <a:rPr lang="zh-TW" altLang="en-US" sz="2400" b="1" dirty="0">
+                <a:solidFill>
+                  <a:schemeClr val="bg1"/>
+                </a:solidFill>
+                <a:latin typeface="微軟正黑體 Light" panose="020B0304030504040204" pitchFamily="34" charset="-120"/>
+                <a:ea typeface="微軟正黑體 Light" panose="020B0304030504040204" pitchFamily="34" charset="-120"/>
+              </a:rPr>
+              <a:t>會員管理</a:t>
+            </a:r>
+          </a:p>
+        </p:txBody>
+      </p:sp>
+      <p:sp>
+        <p:nvSpPr>
+          <p:cNvPr id="42" name="矩形: 圓角 41">
+            <a:extLst>
+              <a:ext uri="{FF2B5EF4-FFF2-40B4-BE49-F238E27FC236}">
+                <a16:creationId xmlns:a16="http://schemas.microsoft.com/office/drawing/2014/main" id="{4A1E3D12-451A-4E7F-8FB4-28132C55191D}"/>
+              </a:ext>
+            </a:extLst>
+          </p:cNvPr>
+          <p:cNvSpPr/>
+          <p:nvPr/>
+        </p:nvSpPr>
+        <p:spPr>
+          <a:xfrm>
+            <a:off x="10106357" y="3238420"/>
+            <a:ext cx="1868882" cy="406399"/>
+          </a:xfrm>
+          <a:prstGeom prst="roundRect">
+            <a:avLst>
+              <a:gd name="adj" fmla="val 50000"/>
+            </a:avLst>
+          </a:prstGeom>
+          <a:solidFill>
+            <a:srgbClr val="002060"/>
+          </a:solidFill>
+          <a:ln w="38100">
+            <a:noFill/>
+          </a:ln>
+        </p:spPr>
+        <p:style>
+          <a:lnRef idx="2">
+            <a:schemeClr val="accent1">
+              <a:shade val="50000"/>
+            </a:schemeClr>
+          </a:lnRef>
+          <a:fillRef idx="1">
+            <a:schemeClr val="accent1"/>
+          </a:fillRef>
+          <a:effectRef idx="0">
+            <a:schemeClr val="accent1"/>
+          </a:effectRef>
+          <a:fontRef idx="minor">
+            <a:schemeClr val="lt1"/>
+          </a:fontRef>
+        </p:style>
+        <p:txBody>
+          <a:bodyPr rtlCol="0" anchor="ctr"/>
+          <a:lstStyle/>
+          <a:p>
+            <a:pPr algn="ctr"/>
+            <a:r>
+              <a:rPr lang="zh-TW" altLang="en-US" sz="2400" b="1" dirty="0">
+                <a:solidFill>
+                  <a:schemeClr val="bg1"/>
+                </a:solidFill>
+                <a:latin typeface="微軟正黑體 Light" panose="020B0304030504040204" pitchFamily="34" charset="-120"/>
+                <a:ea typeface="微軟正黑體 Light" panose="020B0304030504040204" pitchFamily="34" charset="-120"/>
+              </a:rPr>
+              <a:t>後臺管理</a:t>
+            </a:r>
+          </a:p>
+        </p:txBody>
+      </p:sp>
+      <p:cxnSp>
+        <p:nvCxnSpPr>
+          <p:cNvPr id="43" name="接點: 肘形 42">
+            <a:extLst>
+              <a:ext uri="{FF2B5EF4-FFF2-40B4-BE49-F238E27FC236}">
+                <a16:creationId xmlns:a16="http://schemas.microsoft.com/office/drawing/2014/main" id="{37E80158-2F57-428B-AF66-3D58D3A9ED3F}"/>
+              </a:ext>
+            </a:extLst>
+          </p:cNvPr>
+          <p:cNvCxnSpPr>
+            <a:cxnSpLocks/>
+            <a:stCxn id="36" idx="2"/>
+            <a:endCxn id="37" idx="0"/>
+          </p:cNvCxnSpPr>
+          <p:nvPr/>
+        </p:nvCxnSpPr>
+        <p:spPr>
+          <a:xfrm rot="5400000">
+            <a:off x="3188247" y="330667"/>
+            <a:ext cx="961572" cy="4853935"/>
+          </a:xfrm>
+          <a:prstGeom prst="bentConnector3">
+            <a:avLst/>
+          </a:prstGeom>
+          <a:ln w="28575">
+            <a:solidFill>
+              <a:srgbClr val="002060"/>
+            </a:solidFill>
+          </a:ln>
+        </p:spPr>
+        <p:style>
+          <a:lnRef idx="1">
+            <a:schemeClr val="accent1"/>
+          </a:lnRef>
+          <a:fillRef idx="0">
+            <a:schemeClr val="accent1"/>
+          </a:fillRef>
+          <a:effectRef idx="0">
+            <a:schemeClr val="accent1"/>
+          </a:effectRef>
+          <a:fontRef idx="minor">
+            <a:schemeClr val="tx1"/>
+          </a:fontRef>
+        </p:style>
+      </p:cxnSp>
+      <p:cxnSp>
+        <p:nvCxnSpPr>
+          <p:cNvPr id="44" name="接點: 肘形 43">
+            <a:extLst>
+              <a:ext uri="{FF2B5EF4-FFF2-40B4-BE49-F238E27FC236}">
+                <a16:creationId xmlns:a16="http://schemas.microsoft.com/office/drawing/2014/main" id="{80B17BBE-007B-4FF7-9134-7CB650535B69}"/>
+              </a:ext>
+            </a:extLst>
+          </p:cNvPr>
+          <p:cNvCxnSpPr>
+            <a:cxnSpLocks/>
+            <a:stCxn id="36" idx="2"/>
+            <a:endCxn id="38" idx="0"/>
+          </p:cNvCxnSpPr>
+          <p:nvPr/>
+        </p:nvCxnSpPr>
+        <p:spPr>
+          <a:xfrm rot="5400000">
+            <a:off x="4168120" y="1310540"/>
+            <a:ext cx="961572" cy="2894188"/>
+          </a:xfrm>
+          <a:prstGeom prst="bentConnector3">
+            <a:avLst>
+              <a:gd name="adj1" fmla="val 50000"/>
+            </a:avLst>
+          </a:prstGeom>
+          <a:ln w="28575">
+            <a:solidFill>
+              <a:srgbClr val="002060"/>
+            </a:solidFill>
+          </a:ln>
+        </p:spPr>
+        <p:style>
+          <a:lnRef idx="1">
+            <a:schemeClr val="accent1"/>
+          </a:lnRef>
+          <a:fillRef idx="0">
+            <a:schemeClr val="accent1"/>
+          </a:fillRef>
+          <a:effectRef idx="0">
+            <a:schemeClr val="accent1"/>
+          </a:effectRef>
+          <a:fontRef idx="minor">
+            <a:schemeClr val="tx1"/>
+          </a:fontRef>
+        </p:style>
+      </p:cxnSp>
+      <p:cxnSp>
+        <p:nvCxnSpPr>
+          <p:cNvPr id="45" name="接點: 肘形 44">
+            <a:extLst>
+              <a:ext uri="{FF2B5EF4-FFF2-40B4-BE49-F238E27FC236}">
+                <a16:creationId xmlns:a16="http://schemas.microsoft.com/office/drawing/2014/main" id="{DE3071AF-0436-432D-8DEA-F551AA77F4EF}"/>
+              </a:ext>
+            </a:extLst>
+          </p:cNvPr>
+          <p:cNvCxnSpPr>
+            <a:cxnSpLocks/>
+            <a:stCxn id="36" idx="2"/>
+            <a:endCxn id="39" idx="0"/>
+          </p:cNvCxnSpPr>
+          <p:nvPr/>
+        </p:nvCxnSpPr>
+        <p:spPr>
+          <a:xfrm rot="5400000">
+            <a:off x="5147994" y="2290414"/>
+            <a:ext cx="961572" cy="934441"/>
+          </a:xfrm>
+          <a:prstGeom prst="bentConnector3">
+            <a:avLst>
+              <a:gd name="adj1" fmla="val 50000"/>
+            </a:avLst>
+          </a:prstGeom>
+          <a:ln w="28575">
+            <a:solidFill>
+              <a:srgbClr val="002060"/>
+            </a:solidFill>
+          </a:ln>
+        </p:spPr>
+        <p:style>
+          <a:lnRef idx="1">
+            <a:schemeClr val="accent1"/>
+          </a:lnRef>
+          <a:fillRef idx="0">
+            <a:schemeClr val="accent1"/>
+          </a:fillRef>
+          <a:effectRef idx="0">
+            <a:schemeClr val="accent1"/>
+          </a:effectRef>
+          <a:fontRef idx="minor">
+            <a:schemeClr val="tx1"/>
+          </a:fontRef>
+        </p:style>
+      </p:cxnSp>
+      <p:cxnSp>
+        <p:nvCxnSpPr>
+          <p:cNvPr id="46" name="接點: 肘形 45">
+            <a:extLst>
+              <a:ext uri="{FF2B5EF4-FFF2-40B4-BE49-F238E27FC236}">
+                <a16:creationId xmlns:a16="http://schemas.microsoft.com/office/drawing/2014/main" id="{1481B920-FE53-46D1-83AB-606A1027DBEF}"/>
+              </a:ext>
+            </a:extLst>
+          </p:cNvPr>
+          <p:cNvCxnSpPr>
+            <a:cxnSpLocks/>
+            <a:stCxn id="36" idx="2"/>
+            <a:endCxn id="40" idx="0"/>
+          </p:cNvCxnSpPr>
+          <p:nvPr/>
+        </p:nvCxnSpPr>
+        <p:spPr>
+          <a:xfrm rot="16200000" flipH="1">
+            <a:off x="6127867" y="2244981"/>
+            <a:ext cx="961572" cy="1025306"/>
+          </a:xfrm>
+          <a:prstGeom prst="bentConnector3">
+            <a:avLst>
+              <a:gd name="adj1" fmla="val 50000"/>
+            </a:avLst>
+          </a:prstGeom>
+          <a:ln w="28575">
+            <a:solidFill>
+              <a:srgbClr val="002060"/>
+            </a:solidFill>
+          </a:ln>
+        </p:spPr>
+        <p:style>
+          <a:lnRef idx="1">
+            <a:schemeClr val="accent1"/>
+          </a:lnRef>
+          <a:fillRef idx="0">
+            <a:schemeClr val="accent1"/>
+          </a:fillRef>
+          <a:effectRef idx="0">
+            <a:schemeClr val="accent1"/>
+          </a:effectRef>
+          <a:fontRef idx="minor">
+            <a:schemeClr val="tx1"/>
+          </a:fontRef>
+        </p:style>
+      </p:cxnSp>
+      <p:cxnSp>
+        <p:nvCxnSpPr>
+          <p:cNvPr id="47" name="接點: 肘形 46">
+            <a:extLst>
+              <a:ext uri="{FF2B5EF4-FFF2-40B4-BE49-F238E27FC236}">
+                <a16:creationId xmlns:a16="http://schemas.microsoft.com/office/drawing/2014/main" id="{92A61FBC-6D4F-46DC-9B41-EF8BCD5AF5FA}"/>
+              </a:ext>
+            </a:extLst>
+          </p:cNvPr>
+          <p:cNvCxnSpPr>
+            <a:cxnSpLocks/>
+            <a:stCxn id="36" idx="2"/>
+            <a:endCxn id="41" idx="0"/>
+          </p:cNvCxnSpPr>
+          <p:nvPr/>
+        </p:nvCxnSpPr>
+        <p:spPr>
+          <a:xfrm rot="16200000" flipH="1">
+            <a:off x="7107740" y="1265107"/>
+            <a:ext cx="961572" cy="2985053"/>
+          </a:xfrm>
+          <a:prstGeom prst="bentConnector3">
+            <a:avLst>
+              <a:gd name="adj1" fmla="val 50000"/>
+            </a:avLst>
+          </a:prstGeom>
+          <a:ln w="28575">
+            <a:solidFill>
+              <a:srgbClr val="002060"/>
+            </a:solidFill>
+          </a:ln>
+        </p:spPr>
+        <p:style>
+          <a:lnRef idx="1">
+            <a:schemeClr val="accent1"/>
+          </a:lnRef>
+          <a:fillRef idx="0">
+            <a:schemeClr val="accent1"/>
+          </a:fillRef>
+          <a:effectRef idx="0">
+            <a:schemeClr val="accent1"/>
+          </a:effectRef>
+          <a:fontRef idx="minor">
+            <a:schemeClr val="tx1"/>
+          </a:fontRef>
+        </p:style>
+      </p:cxnSp>
+      <p:cxnSp>
+        <p:nvCxnSpPr>
+          <p:cNvPr id="48" name="接點: 肘形 47">
+            <a:extLst>
+              <a:ext uri="{FF2B5EF4-FFF2-40B4-BE49-F238E27FC236}">
+                <a16:creationId xmlns:a16="http://schemas.microsoft.com/office/drawing/2014/main" id="{93FC6132-BE26-47C4-9914-7CF18C164FF7}"/>
+              </a:ext>
+            </a:extLst>
+          </p:cNvPr>
+          <p:cNvCxnSpPr>
+            <a:cxnSpLocks/>
+            <a:stCxn id="36" idx="2"/>
+            <a:endCxn id="42" idx="0"/>
+          </p:cNvCxnSpPr>
+          <p:nvPr/>
+        </p:nvCxnSpPr>
+        <p:spPr>
+          <a:xfrm rot="16200000" flipH="1">
+            <a:off x="8087613" y="285235"/>
+            <a:ext cx="961572" cy="4944798"/>
+          </a:xfrm>
+          <a:prstGeom prst="bentConnector3">
+            <a:avLst>
+              <a:gd name="adj1" fmla="val 50000"/>
+            </a:avLst>
+          </a:prstGeom>
+          <a:ln w="28575">
+            <a:solidFill>
+              <a:srgbClr val="002060"/>
+            </a:solidFill>
+          </a:ln>
+        </p:spPr>
+        <p:style>
+          <a:lnRef idx="1">
+            <a:schemeClr val="accent1"/>
+          </a:lnRef>
+          <a:fillRef idx="0">
+            <a:schemeClr val="accent1"/>
+          </a:fillRef>
+          <a:effectRef idx="0">
+            <a:schemeClr val="accent1"/>
+          </a:effectRef>
+          <a:fontRef idx="minor">
+            <a:schemeClr val="tx1"/>
+          </a:fontRef>
+        </p:style>
+      </p:cxnSp>
+      <p:sp>
+        <p:nvSpPr>
+          <p:cNvPr id="49" name="矩形: 圓角 48">
+            <a:extLst>
+              <a:ext uri="{FF2B5EF4-FFF2-40B4-BE49-F238E27FC236}">
+                <a16:creationId xmlns:a16="http://schemas.microsoft.com/office/drawing/2014/main" id="{1EE0CAA9-E058-4F4F-B16D-1A4A4B7C1082}"/>
+              </a:ext>
+            </a:extLst>
+          </p:cNvPr>
+          <p:cNvSpPr/>
+          <p:nvPr/>
+        </p:nvSpPr>
+        <p:spPr>
+          <a:xfrm>
+            <a:off x="500416" y="3811961"/>
+            <a:ext cx="1483297" cy="406399"/>
+          </a:xfrm>
+          <a:prstGeom prst="roundRect">
+            <a:avLst>
+              <a:gd name="adj" fmla="val 50000"/>
+            </a:avLst>
+          </a:prstGeom>
+          <a:solidFill>
+            <a:srgbClr val="002060"/>
+          </a:solidFill>
+          <a:ln w="38100">
+            <a:noFill/>
+          </a:ln>
+        </p:spPr>
+        <p:style>
+          <a:lnRef idx="2">
+            <a:schemeClr val="accent1">
+              <a:shade val="50000"/>
+            </a:schemeClr>
+          </a:lnRef>
+          <a:fillRef idx="1">
+            <a:schemeClr val="accent1"/>
+          </a:fillRef>
+          <a:effectRef idx="0">
+            <a:schemeClr val="accent1"/>
+          </a:effectRef>
+          <a:fontRef idx="minor">
+            <a:schemeClr val="lt1"/>
+          </a:fontRef>
+        </p:style>
+        <p:txBody>
+          <a:bodyPr rtlCol="0" anchor="ctr"/>
+          <a:lstStyle/>
+          <a:p>
+            <a:pPr algn="ctr"/>
+            <a:r>
+              <a:rPr lang="zh-TW" altLang="en-US" sz="1400" b="1" dirty="0">
+                <a:solidFill>
+                  <a:schemeClr val="bg1"/>
+                </a:solidFill>
+                <a:latin typeface="微軟正黑體 Light" panose="020B0304030504040204" pitchFamily="34" charset="-120"/>
+                <a:ea typeface="微軟正黑體 Light" panose="020B0304030504040204" pitchFamily="34" charset="-120"/>
+              </a:rPr>
+              <a:t>最新消息</a:t>
+            </a:r>
+          </a:p>
+        </p:txBody>
+      </p:sp>
+      <p:sp>
+        <p:nvSpPr>
+          <p:cNvPr id="50" name="矩形: 圓角 49">
+            <a:extLst>
+              <a:ext uri="{FF2B5EF4-FFF2-40B4-BE49-F238E27FC236}">
+                <a16:creationId xmlns:a16="http://schemas.microsoft.com/office/drawing/2014/main" id="{0FCF5924-43BF-4940-A333-C876568C7D07}"/>
+              </a:ext>
+            </a:extLst>
+          </p:cNvPr>
+          <p:cNvSpPr/>
+          <p:nvPr/>
+        </p:nvSpPr>
+        <p:spPr>
+          <a:xfrm>
+            <a:off x="500416" y="4364768"/>
+            <a:ext cx="1483297" cy="406399"/>
+          </a:xfrm>
+          <a:prstGeom prst="roundRect">
+            <a:avLst>
+              <a:gd name="adj" fmla="val 50000"/>
+            </a:avLst>
+          </a:prstGeom>
+          <a:solidFill>
+            <a:srgbClr val="002060"/>
+          </a:solidFill>
+          <a:ln w="38100">
+            <a:noFill/>
+          </a:ln>
+        </p:spPr>
+        <p:style>
+          <a:lnRef idx="2">
+            <a:schemeClr val="accent1">
+              <a:shade val="50000"/>
+            </a:schemeClr>
+          </a:lnRef>
+          <a:fillRef idx="1">
+            <a:schemeClr val="accent1"/>
+          </a:fillRef>
+          <a:effectRef idx="0">
+            <a:schemeClr val="accent1"/>
+          </a:effectRef>
+          <a:fontRef idx="minor">
+            <a:schemeClr val="lt1"/>
+          </a:fontRef>
+        </p:style>
+        <p:txBody>
+          <a:bodyPr rtlCol="0" anchor="ctr"/>
+          <a:lstStyle/>
+          <a:p>
+            <a:pPr algn="ctr"/>
+            <a:r>
+              <a:rPr lang="zh-TW" altLang="en-US" sz="1400" b="1" dirty="0">
+                <a:solidFill>
+                  <a:schemeClr val="bg1"/>
+                </a:solidFill>
+                <a:latin typeface="微軟正黑體 Light" panose="020B0304030504040204" pitchFamily="34" charset="-120"/>
+                <a:ea typeface="微軟正黑體 Light" panose="020B0304030504040204" pitchFamily="34" charset="-120"/>
+              </a:rPr>
+              <a:t>關於我們</a:t>
+            </a:r>
+          </a:p>
+        </p:txBody>
+      </p:sp>
+      <p:sp>
+        <p:nvSpPr>
+          <p:cNvPr id="51" name="矩形: 圓角 50">
+            <a:extLst>
+              <a:ext uri="{FF2B5EF4-FFF2-40B4-BE49-F238E27FC236}">
+                <a16:creationId xmlns:a16="http://schemas.microsoft.com/office/drawing/2014/main" id="{27545EFA-2FDC-45EA-8CAA-282CEF95893D}"/>
+              </a:ext>
+            </a:extLst>
+          </p:cNvPr>
+          <p:cNvSpPr/>
+          <p:nvPr/>
+        </p:nvSpPr>
+        <p:spPr>
+          <a:xfrm>
+            <a:off x="8339404" y="3788861"/>
+            <a:ext cx="1483297" cy="406399"/>
+          </a:xfrm>
+          <a:prstGeom prst="roundRect">
+            <a:avLst>
+              <a:gd name="adj" fmla="val 50000"/>
+            </a:avLst>
+          </a:prstGeom>
+          <a:solidFill>
+            <a:srgbClr val="002060"/>
+          </a:solidFill>
+          <a:ln w="38100">
+            <a:noFill/>
+          </a:ln>
+        </p:spPr>
+        <p:style>
+          <a:lnRef idx="2">
+            <a:schemeClr val="accent1">
+              <a:shade val="50000"/>
+            </a:schemeClr>
+          </a:lnRef>
+          <a:fillRef idx="1">
+            <a:schemeClr val="accent1"/>
+          </a:fillRef>
+          <a:effectRef idx="0">
+            <a:schemeClr val="accent1"/>
+          </a:effectRef>
+          <a:fontRef idx="minor">
+            <a:schemeClr val="lt1"/>
+          </a:fontRef>
+        </p:style>
+        <p:txBody>
+          <a:bodyPr rtlCol="0" anchor="ctr"/>
+          <a:lstStyle/>
+          <a:p>
+            <a:pPr algn="ctr"/>
+            <a:r>
+              <a:rPr lang="zh-TW" altLang="en-US" sz="1400" b="1" dirty="0">
+                <a:solidFill>
+                  <a:schemeClr val="bg1"/>
+                </a:solidFill>
+                <a:latin typeface="微軟正黑體 Light" panose="020B0304030504040204" pitchFamily="34" charset="-120"/>
+                <a:ea typeface="微軟正黑體 Light" panose="020B0304030504040204" pitchFamily="34" charset="-120"/>
+              </a:rPr>
+              <a:t>我的送養文</a:t>
+            </a:r>
+          </a:p>
+        </p:txBody>
+      </p:sp>
+      <p:sp>
+        <p:nvSpPr>
+          <p:cNvPr id="52" name="矩形: 圓角 51">
+            <a:extLst>
+              <a:ext uri="{FF2B5EF4-FFF2-40B4-BE49-F238E27FC236}">
+                <a16:creationId xmlns:a16="http://schemas.microsoft.com/office/drawing/2014/main" id="{2C381C5C-D958-4544-9A4D-EF7C7F9682F7}"/>
+              </a:ext>
+            </a:extLst>
+          </p:cNvPr>
+          <p:cNvSpPr/>
+          <p:nvPr/>
+        </p:nvSpPr>
+        <p:spPr>
+          <a:xfrm>
+            <a:off x="8339404" y="4341668"/>
+            <a:ext cx="1483297" cy="406399"/>
+          </a:xfrm>
+          <a:prstGeom prst="roundRect">
+            <a:avLst>
+              <a:gd name="adj" fmla="val 50000"/>
+            </a:avLst>
+          </a:prstGeom>
+          <a:solidFill>
+            <a:srgbClr val="002060"/>
+          </a:solidFill>
+          <a:ln w="38100">
+            <a:noFill/>
+          </a:ln>
+        </p:spPr>
+        <p:style>
+          <a:lnRef idx="2">
+            <a:schemeClr val="accent1">
+              <a:shade val="50000"/>
+            </a:schemeClr>
+          </a:lnRef>
+          <a:fillRef idx="1">
+            <a:schemeClr val="accent1"/>
+          </a:fillRef>
+          <a:effectRef idx="0">
+            <a:schemeClr val="accent1"/>
+          </a:effectRef>
+          <a:fontRef idx="minor">
+            <a:schemeClr val="lt1"/>
+          </a:fontRef>
+        </p:style>
+        <p:txBody>
+          <a:bodyPr rtlCol="0" anchor="ctr"/>
+          <a:lstStyle/>
+          <a:p>
+            <a:pPr algn="ctr"/>
+            <a:r>
+              <a:rPr lang="zh-TW" altLang="en-US" sz="1400" b="1" dirty="0">
+                <a:solidFill>
+                  <a:schemeClr val="bg1"/>
+                </a:solidFill>
+                <a:latin typeface="微軟正黑體 Light" panose="020B0304030504040204" pitchFamily="34" charset="-120"/>
+                <a:ea typeface="微軟正黑體 Light" panose="020B0304030504040204" pitchFamily="34" charset="-120"/>
+              </a:rPr>
+              <a:t>我追蹤的毛孩</a:t>
+            </a:r>
+          </a:p>
+        </p:txBody>
+      </p:sp>
+      <p:sp>
+        <p:nvSpPr>
+          <p:cNvPr id="53" name="矩形: 圓角 52">
+            <a:extLst>
+              <a:ext uri="{FF2B5EF4-FFF2-40B4-BE49-F238E27FC236}">
+                <a16:creationId xmlns:a16="http://schemas.microsoft.com/office/drawing/2014/main" id="{8F1CAD5B-1D1C-4E30-AF23-22D49480A037}"/>
+              </a:ext>
+            </a:extLst>
+          </p:cNvPr>
+          <p:cNvSpPr/>
+          <p:nvPr/>
+        </p:nvSpPr>
+        <p:spPr>
+          <a:xfrm>
+            <a:off x="8339404" y="4894475"/>
+            <a:ext cx="1483297" cy="406399"/>
+          </a:xfrm>
+          <a:prstGeom prst="roundRect">
+            <a:avLst>
+              <a:gd name="adj" fmla="val 50000"/>
+            </a:avLst>
+          </a:prstGeom>
+          <a:solidFill>
+            <a:srgbClr val="002060"/>
+          </a:solidFill>
+          <a:ln w="38100">
+            <a:noFill/>
+          </a:ln>
+        </p:spPr>
+        <p:style>
+          <a:lnRef idx="2">
+            <a:schemeClr val="accent1">
+              <a:shade val="50000"/>
+            </a:schemeClr>
+          </a:lnRef>
+          <a:fillRef idx="1">
+            <a:schemeClr val="accent1"/>
+          </a:fillRef>
+          <a:effectRef idx="0">
+            <a:schemeClr val="accent1"/>
+          </a:effectRef>
+          <a:fontRef idx="minor">
+            <a:schemeClr val="lt1"/>
+          </a:fontRef>
+        </p:style>
+        <p:txBody>
+          <a:bodyPr rtlCol="0" anchor="ctr"/>
+          <a:lstStyle/>
+          <a:p>
+            <a:pPr algn="ctr"/>
+            <a:r>
+              <a:rPr lang="zh-TW" altLang="en-US" sz="1400" b="1" dirty="0">
+                <a:solidFill>
+                  <a:schemeClr val="bg1"/>
+                </a:solidFill>
+                <a:latin typeface="微軟正黑體 Light" panose="020B0304030504040204" pitchFamily="34" charset="-120"/>
+                <a:ea typeface="微軟正黑體 Light" panose="020B0304030504040204" pitchFamily="34" charset="-120"/>
+              </a:rPr>
+              <a:t>通知</a:t>
+            </a:r>
+          </a:p>
+        </p:txBody>
+      </p:sp>
+      <p:sp>
+        <p:nvSpPr>
+          <p:cNvPr id="54" name="矩形: 圓角 53">
+            <a:extLst>
+              <a:ext uri="{FF2B5EF4-FFF2-40B4-BE49-F238E27FC236}">
+                <a16:creationId xmlns:a16="http://schemas.microsoft.com/office/drawing/2014/main" id="{B9E015DF-D0A6-4455-8391-00308E7EB48A}"/>
+              </a:ext>
+            </a:extLst>
+          </p:cNvPr>
+          <p:cNvSpPr/>
+          <p:nvPr/>
+        </p:nvSpPr>
+        <p:spPr>
+          <a:xfrm>
+            <a:off x="8339404" y="5447282"/>
+            <a:ext cx="1483297" cy="406399"/>
+          </a:xfrm>
+          <a:prstGeom prst="roundRect">
+            <a:avLst>
+              <a:gd name="adj" fmla="val 50000"/>
+            </a:avLst>
+          </a:prstGeom>
+          <a:solidFill>
+            <a:srgbClr val="002060"/>
+          </a:solidFill>
+          <a:ln w="38100">
+            <a:noFill/>
+          </a:ln>
+        </p:spPr>
+        <p:style>
+          <a:lnRef idx="2">
+            <a:schemeClr val="accent1">
+              <a:shade val="50000"/>
+            </a:schemeClr>
+          </a:lnRef>
+          <a:fillRef idx="1">
+            <a:schemeClr val="accent1"/>
+          </a:fillRef>
+          <a:effectRef idx="0">
+            <a:schemeClr val="accent1"/>
+          </a:effectRef>
+          <a:fontRef idx="minor">
+            <a:schemeClr val="lt1"/>
+          </a:fontRef>
+        </p:style>
+        <p:txBody>
+          <a:bodyPr rtlCol="0" anchor="ctr"/>
+          <a:lstStyle/>
+          <a:p>
+            <a:pPr algn="ctr"/>
+            <a:r>
+              <a:rPr lang="zh-TW" altLang="en-US" sz="1400" b="1" dirty="0">
+                <a:solidFill>
+                  <a:schemeClr val="bg1"/>
+                </a:solidFill>
+                <a:latin typeface="微軟正黑體 Light" panose="020B0304030504040204" pitchFamily="34" charset="-120"/>
+                <a:ea typeface="微軟正黑體 Light" panose="020B0304030504040204" pitchFamily="34" charset="-120"/>
+              </a:rPr>
+              <a:t>聯絡我們</a:t>
+            </a:r>
+          </a:p>
+        </p:txBody>
+      </p:sp>
+      <p:sp>
+        <p:nvSpPr>
+          <p:cNvPr id="55" name="矩形: 圓角 54">
+            <a:extLst>
+              <a:ext uri="{FF2B5EF4-FFF2-40B4-BE49-F238E27FC236}">
+                <a16:creationId xmlns:a16="http://schemas.microsoft.com/office/drawing/2014/main" id="{961B2D91-7833-415A-99C8-A2EA18A45577}"/>
+              </a:ext>
+            </a:extLst>
+          </p:cNvPr>
+          <p:cNvSpPr/>
+          <p:nvPr/>
+        </p:nvSpPr>
+        <p:spPr>
+          <a:xfrm>
+            <a:off x="8339404" y="6000089"/>
+            <a:ext cx="1483297" cy="406399"/>
+          </a:xfrm>
+          <a:prstGeom prst="roundRect">
+            <a:avLst>
+              <a:gd name="adj" fmla="val 50000"/>
+            </a:avLst>
+          </a:prstGeom>
+          <a:solidFill>
+            <a:srgbClr val="002060"/>
+          </a:solidFill>
+          <a:ln w="38100">
+            <a:noFill/>
+          </a:ln>
+        </p:spPr>
+        <p:style>
+          <a:lnRef idx="2">
+            <a:schemeClr val="accent1">
+              <a:shade val="50000"/>
+            </a:schemeClr>
+          </a:lnRef>
+          <a:fillRef idx="1">
+            <a:schemeClr val="accent1"/>
+          </a:fillRef>
+          <a:effectRef idx="0">
+            <a:schemeClr val="accent1"/>
+          </a:effectRef>
+          <a:fontRef idx="minor">
+            <a:schemeClr val="lt1"/>
+          </a:fontRef>
+        </p:style>
+        <p:txBody>
+          <a:bodyPr rtlCol="0" anchor="ctr"/>
+          <a:lstStyle/>
+          <a:p>
+            <a:pPr algn="ctr"/>
+            <a:r>
+              <a:rPr lang="zh-TW" altLang="en-US" sz="1400" b="1" dirty="0">
+                <a:solidFill>
+                  <a:schemeClr val="bg1"/>
+                </a:solidFill>
+                <a:latin typeface="微軟正黑體 Light" panose="020B0304030504040204" pitchFamily="34" charset="-120"/>
+                <a:ea typeface="微軟正黑體 Light" panose="020B0304030504040204" pitchFamily="34" charset="-120"/>
+              </a:rPr>
+              <a:t>會員資料管理</a:t>
+            </a:r>
+          </a:p>
+        </p:txBody>
+      </p:sp>
+      <p:sp>
+        <p:nvSpPr>
+          <p:cNvPr id="56" name="矩形: 圓角 55">
+            <a:extLst>
+              <a:ext uri="{FF2B5EF4-FFF2-40B4-BE49-F238E27FC236}">
+                <a16:creationId xmlns:a16="http://schemas.microsoft.com/office/drawing/2014/main" id="{F7E31768-27CB-4119-8718-316703BF9F0D}"/>
+              </a:ext>
+            </a:extLst>
+          </p:cNvPr>
+          <p:cNvSpPr/>
+          <p:nvPr/>
+        </p:nvSpPr>
+        <p:spPr>
+          <a:xfrm>
+            <a:off x="10299149" y="3788861"/>
+            <a:ext cx="1483297" cy="406399"/>
+          </a:xfrm>
+          <a:prstGeom prst="roundRect">
+            <a:avLst>
+              <a:gd name="adj" fmla="val 50000"/>
+            </a:avLst>
+          </a:prstGeom>
+          <a:solidFill>
+            <a:srgbClr val="002060"/>
+          </a:solidFill>
+          <a:ln w="38100">
+            <a:noFill/>
+          </a:ln>
+        </p:spPr>
+        <p:style>
+          <a:lnRef idx="2">
+            <a:schemeClr val="accent1">
+              <a:shade val="50000"/>
+            </a:schemeClr>
+          </a:lnRef>
+          <a:fillRef idx="1">
+            <a:schemeClr val="accent1"/>
+          </a:fillRef>
+          <a:effectRef idx="0">
+            <a:schemeClr val="accent1"/>
+          </a:effectRef>
+          <a:fontRef idx="minor">
+            <a:schemeClr val="lt1"/>
+          </a:fontRef>
+        </p:style>
+        <p:txBody>
+          <a:bodyPr rtlCol="0" anchor="ctr"/>
+          <a:lstStyle/>
+          <a:p>
+            <a:pPr algn="ctr"/>
+            <a:r>
+              <a:rPr lang="zh-TW" altLang="en-US" sz="1400" b="1" dirty="0">
+                <a:solidFill>
+                  <a:schemeClr val="bg1"/>
+                </a:solidFill>
+                <a:latin typeface="微軟正黑體 Light" panose="020B0304030504040204" pitchFamily="34" charset="-120"/>
+                <a:ea typeface="微軟正黑體 Light" panose="020B0304030504040204" pitchFamily="34" charset="-120"/>
+              </a:rPr>
+              <a:t>最新消息管理</a:t>
+            </a:r>
+          </a:p>
+        </p:txBody>
+      </p:sp>
+      <p:sp>
+        <p:nvSpPr>
+          <p:cNvPr id="57" name="矩形: 圓角 56">
+            <a:extLst>
+              <a:ext uri="{FF2B5EF4-FFF2-40B4-BE49-F238E27FC236}">
+                <a16:creationId xmlns:a16="http://schemas.microsoft.com/office/drawing/2014/main" id="{FC8A6A6C-8EC6-413C-BE2B-E57EC6701712}"/>
+              </a:ext>
+            </a:extLst>
+          </p:cNvPr>
+          <p:cNvSpPr/>
+          <p:nvPr/>
+        </p:nvSpPr>
+        <p:spPr>
+          <a:xfrm>
+            <a:off x="10299149" y="4341668"/>
+            <a:ext cx="1483297" cy="406399"/>
+          </a:xfrm>
+          <a:prstGeom prst="roundRect">
+            <a:avLst>
+              <a:gd name="adj" fmla="val 50000"/>
+            </a:avLst>
+          </a:prstGeom>
+          <a:solidFill>
+            <a:srgbClr val="002060"/>
+          </a:solidFill>
+          <a:ln w="38100">
+            <a:noFill/>
+          </a:ln>
+        </p:spPr>
+        <p:style>
+          <a:lnRef idx="2">
+            <a:schemeClr val="accent1">
+              <a:shade val="50000"/>
+            </a:schemeClr>
+          </a:lnRef>
+          <a:fillRef idx="1">
+            <a:schemeClr val="accent1"/>
+          </a:fillRef>
+          <a:effectRef idx="0">
+            <a:schemeClr val="accent1"/>
+          </a:effectRef>
+          <a:fontRef idx="minor">
+            <a:schemeClr val="lt1"/>
+          </a:fontRef>
+        </p:style>
+        <p:txBody>
+          <a:bodyPr rtlCol="0" anchor="ctr"/>
+          <a:lstStyle/>
+          <a:p>
+            <a:pPr algn="ctr"/>
+            <a:r>
+              <a:rPr lang="zh-TW" altLang="en-US" sz="1400" b="1" dirty="0">
+                <a:solidFill>
+                  <a:schemeClr val="bg1"/>
+                </a:solidFill>
+                <a:latin typeface="微軟正黑體 Light" panose="020B0304030504040204" pitchFamily="34" charset="-120"/>
+                <a:ea typeface="微軟正黑體 Light" panose="020B0304030504040204" pitchFamily="34" charset="-120"/>
+              </a:rPr>
+              <a:t>會員資料管理</a:t>
+            </a:r>
+          </a:p>
+        </p:txBody>
+      </p:sp>
+      <p:sp>
+        <p:nvSpPr>
+          <p:cNvPr id="58" name="矩形: 圓角 57">
+            <a:extLst>
+              <a:ext uri="{FF2B5EF4-FFF2-40B4-BE49-F238E27FC236}">
+                <a16:creationId xmlns:a16="http://schemas.microsoft.com/office/drawing/2014/main" id="{3AC5A2A4-4226-4E07-8940-FE9475682B19}"/>
+              </a:ext>
+            </a:extLst>
+          </p:cNvPr>
+          <p:cNvSpPr/>
+          <p:nvPr/>
+        </p:nvSpPr>
+        <p:spPr>
+          <a:xfrm>
+            <a:off x="10299149" y="4894475"/>
+            <a:ext cx="1483297" cy="406399"/>
+          </a:xfrm>
+          <a:prstGeom prst="roundRect">
+            <a:avLst>
+              <a:gd name="adj" fmla="val 50000"/>
+            </a:avLst>
+          </a:prstGeom>
+          <a:solidFill>
+            <a:srgbClr val="002060"/>
+          </a:solidFill>
+          <a:ln w="38100">
+            <a:noFill/>
+          </a:ln>
+        </p:spPr>
+        <p:style>
+          <a:lnRef idx="2">
+            <a:schemeClr val="accent1">
+              <a:shade val="50000"/>
+            </a:schemeClr>
+          </a:lnRef>
+          <a:fillRef idx="1">
+            <a:schemeClr val="accent1"/>
+          </a:fillRef>
+          <a:effectRef idx="0">
+            <a:schemeClr val="accent1"/>
+          </a:effectRef>
+          <a:fontRef idx="minor">
+            <a:schemeClr val="lt1"/>
+          </a:fontRef>
+        </p:style>
+        <p:txBody>
+          <a:bodyPr rtlCol="0" anchor="ctr"/>
+          <a:lstStyle/>
+          <a:p>
+            <a:pPr algn="ctr"/>
+            <a:r>
+              <a:rPr lang="zh-TW" altLang="en-US" sz="1400" b="1" dirty="0">
+                <a:solidFill>
+                  <a:schemeClr val="bg1"/>
+                </a:solidFill>
+                <a:latin typeface="微軟正黑體 Light" panose="020B0304030504040204" pitchFamily="34" charset="-120"/>
+                <a:ea typeface="微軟正黑體 Light" panose="020B0304030504040204" pitchFamily="34" charset="-120"/>
+              </a:rPr>
+              <a:t>刊登送養審核</a:t>
+            </a:r>
+          </a:p>
+        </p:txBody>
+      </p:sp>
+      <p:sp>
+        <p:nvSpPr>
+          <p:cNvPr id="59" name="矩形: 圓角 58">
+            <a:extLst>
+              <a:ext uri="{FF2B5EF4-FFF2-40B4-BE49-F238E27FC236}">
+                <a16:creationId xmlns:a16="http://schemas.microsoft.com/office/drawing/2014/main" id="{9B7A4E51-D9A2-4A3A-82AB-B66B48CD4B7B}"/>
+              </a:ext>
+            </a:extLst>
+          </p:cNvPr>
+          <p:cNvSpPr/>
+          <p:nvPr/>
+        </p:nvSpPr>
+        <p:spPr>
+          <a:xfrm>
+            <a:off x="10299149" y="5447282"/>
+            <a:ext cx="1483297" cy="406399"/>
+          </a:xfrm>
+          <a:prstGeom prst="roundRect">
+            <a:avLst>
+              <a:gd name="adj" fmla="val 50000"/>
+            </a:avLst>
+          </a:prstGeom>
+          <a:solidFill>
+            <a:srgbClr val="002060"/>
+          </a:solidFill>
+          <a:ln w="38100">
+            <a:noFill/>
+          </a:ln>
+        </p:spPr>
+        <p:style>
+          <a:lnRef idx="2">
+            <a:schemeClr val="accent1">
+              <a:shade val="50000"/>
+            </a:schemeClr>
+          </a:lnRef>
+          <a:fillRef idx="1">
+            <a:schemeClr val="accent1"/>
+          </a:fillRef>
+          <a:effectRef idx="0">
+            <a:schemeClr val="accent1"/>
+          </a:effectRef>
+          <a:fontRef idx="minor">
+            <a:schemeClr val="lt1"/>
+          </a:fontRef>
+        </p:style>
+        <p:txBody>
+          <a:bodyPr rtlCol="0" anchor="ctr"/>
+          <a:lstStyle/>
+          <a:p>
+            <a:pPr algn="ctr"/>
+            <a:r>
+              <a:rPr lang="zh-TW" altLang="en-US" sz="1400" b="1" dirty="0">
+                <a:solidFill>
+                  <a:schemeClr val="bg1"/>
+                </a:solidFill>
+                <a:latin typeface="微軟正黑體 Light" panose="020B0304030504040204" pitchFamily="34" charset="-120"/>
+                <a:ea typeface="微軟正黑體 Light" panose="020B0304030504040204" pitchFamily="34" charset="-120"/>
+              </a:rPr>
+              <a:t>毛孩知識管理</a:t>
+            </a:r>
+          </a:p>
+        </p:txBody>
+      </p:sp>
+      <p:cxnSp>
+        <p:nvCxnSpPr>
+          <p:cNvPr id="60" name="直線接點 59">
+            <a:extLst>
+              <a:ext uri="{FF2B5EF4-FFF2-40B4-BE49-F238E27FC236}">
+                <a16:creationId xmlns:a16="http://schemas.microsoft.com/office/drawing/2014/main" id="{EC49F2ED-19BA-4291-A1E0-B8BEEE6714A1}"/>
+              </a:ext>
+            </a:extLst>
+          </p:cNvPr>
+          <p:cNvCxnSpPr>
+            <a:stCxn id="37" idx="2"/>
+            <a:endCxn id="50" idx="0"/>
+          </p:cNvCxnSpPr>
+          <p:nvPr/>
+        </p:nvCxnSpPr>
+        <p:spPr>
+          <a:xfrm>
+            <a:off x="1242065" y="3644819"/>
+            <a:ext cx="0" cy="719949"/>
+          </a:xfrm>
+          <a:prstGeom prst="line">
+            <a:avLst/>
+          </a:prstGeom>
+          <a:ln w="28575">
+            <a:noFill/>
+          </a:ln>
+        </p:spPr>
+        <p:style>
+          <a:lnRef idx="1">
+            <a:schemeClr val="accent1"/>
+          </a:lnRef>
+          <a:fillRef idx="0">
+            <a:schemeClr val="accent1"/>
+          </a:fillRef>
+          <a:effectRef idx="0">
+            <a:schemeClr val="accent1"/>
+          </a:effectRef>
+          <a:fontRef idx="minor">
+            <a:schemeClr val="tx1"/>
+          </a:fontRef>
+        </p:style>
+      </p:cxnSp>
+      <p:cxnSp>
+        <p:nvCxnSpPr>
+          <p:cNvPr id="61" name="直線接點 60">
+            <a:extLst>
+              <a:ext uri="{FF2B5EF4-FFF2-40B4-BE49-F238E27FC236}">
+                <a16:creationId xmlns:a16="http://schemas.microsoft.com/office/drawing/2014/main" id="{ECD5F895-FA8C-4C9F-906D-A2DAD1C44EE9}"/>
+              </a:ext>
+            </a:extLst>
+          </p:cNvPr>
+          <p:cNvCxnSpPr>
+            <a:cxnSpLocks/>
+            <a:endCxn id="59" idx="0"/>
+          </p:cNvCxnSpPr>
+          <p:nvPr/>
+        </p:nvCxnSpPr>
+        <p:spPr>
+          <a:xfrm>
+            <a:off x="11040798" y="3621719"/>
+            <a:ext cx="0" cy="1825563"/>
+          </a:xfrm>
+          <a:prstGeom prst="line">
+            <a:avLst/>
+          </a:prstGeom>
+          <a:ln w="28575">
+            <a:noFill/>
+          </a:ln>
+        </p:spPr>
+        <p:style>
+          <a:lnRef idx="1">
+            <a:schemeClr val="accent1"/>
+          </a:lnRef>
+          <a:fillRef idx="0">
+            <a:schemeClr val="accent1"/>
+          </a:fillRef>
+          <a:effectRef idx="0">
+            <a:schemeClr val="accent1"/>
+          </a:effectRef>
+          <a:fontRef idx="minor">
+            <a:schemeClr val="tx1"/>
+          </a:fontRef>
+        </p:style>
+      </p:cxnSp>
+    </p:spTree>
+    <p:extLst>
+      <p:ext uri="{BB962C8B-B14F-4D97-AF65-F5344CB8AC3E}">
+        <p14:creationId xmlns:p14="http://schemas.microsoft.com/office/powerpoint/2010/main" val="3552808929"/>
+      </p:ext>
+    </p:extLst>
+  </p:cSld>
+  <p:clrMapOvr>
+    <a:masterClrMapping/>
+  </p:clrMapOvr>
+</p:sld>
+</file>
+
+<file path=ppt/slides/slide6.xml><?xml version="1.0" encoding="utf-8"?>
+<p:sld xmlns:a="http://schemas.openxmlformats.org/drawingml/2006/main" xmlns:r="http://schemas.openxmlformats.org/officeDocument/2006/relationships" xmlns:p="http://schemas.openxmlformats.org/presentationml/2006/main">
+  <p:cSld>
+    <p:spTree>
+      <p:nvGrpSpPr>
+        <p:cNvPr id="1" name=""/>
+        <p:cNvGrpSpPr/>
+        <p:nvPr/>
+      </p:nvGrpSpPr>
+      <p:grpSpPr>
+        <a:xfrm>
+          <a:off x="0" y="0"/>
+          <a:ext cx="0" cy="0"/>
+          <a:chOff x="0" y="0"/>
+          <a:chExt cx="0" cy="0"/>
+        </a:xfrm>
+      </p:grpSpPr>
+      <p:sp>
+        <p:nvSpPr>
+          <p:cNvPr id="54" name="矩形: 圓角 53">
+            <a:extLst>
+              <a:ext uri="{FF2B5EF4-FFF2-40B4-BE49-F238E27FC236}">
+                <a16:creationId xmlns:a16="http://schemas.microsoft.com/office/drawing/2014/main" id="{938B8084-0C54-456B-8145-485C911526BF}"/>
+              </a:ext>
+            </a:extLst>
+          </p:cNvPr>
+          <p:cNvSpPr/>
+          <p:nvPr/>
+        </p:nvSpPr>
+        <p:spPr>
+          <a:xfrm>
+            <a:off x="106022" y="2683248"/>
+            <a:ext cx="11932002" cy="3921786"/>
+          </a:xfrm>
+          <a:prstGeom prst="roundRect">
+            <a:avLst>
+              <a:gd name="adj" fmla="val 9702"/>
+            </a:avLst>
+          </a:prstGeom>
+          <a:solidFill>
+            <a:srgbClr val="00B0F0"/>
+          </a:solidFill>
+          <a:ln>
+            <a:noFill/>
+          </a:ln>
+        </p:spPr>
+        <p:style>
+          <a:lnRef idx="2">
+            <a:schemeClr val="accent1">
+              <a:shade val="50000"/>
+            </a:schemeClr>
+          </a:lnRef>
+          <a:fillRef idx="1">
+            <a:schemeClr val="accent1"/>
+          </a:fillRef>
+          <a:effectRef idx="0">
+            <a:schemeClr val="accent1"/>
+          </a:effectRef>
+          <a:fontRef idx="minor">
+            <a:schemeClr val="lt1"/>
+          </a:fontRef>
+        </p:style>
+        <p:txBody>
+          <a:bodyPr rtlCol="0" anchor="ctr"/>
+          <a:lstStyle/>
+          <a:p>
+            <a:pPr algn="ctr"/>
+            <a:endParaRPr lang="zh-TW" altLang="en-US"/>
+          </a:p>
+        </p:txBody>
+      </p:sp>
+      <p:sp>
+        <p:nvSpPr>
+          <p:cNvPr id="52" name="矩形: 圓角 51">
+            <a:extLst>
+              <a:ext uri="{FF2B5EF4-FFF2-40B4-BE49-F238E27FC236}">
+                <a16:creationId xmlns:a16="http://schemas.microsoft.com/office/drawing/2014/main" id="{5C4299DD-9906-4698-9083-0FA183A87EDB}"/>
+              </a:ext>
+            </a:extLst>
+          </p:cNvPr>
+          <p:cNvSpPr/>
+          <p:nvPr/>
+        </p:nvSpPr>
+        <p:spPr>
+          <a:xfrm>
+            <a:off x="216762" y="2862858"/>
+            <a:ext cx="9858360" cy="3609839"/>
+          </a:xfrm>
+          <a:prstGeom prst="roundRect">
+            <a:avLst>
+              <a:gd name="adj" fmla="val 9702"/>
+            </a:avLst>
+          </a:prstGeom>
+          <a:solidFill>
+            <a:schemeClr val="accent4">
+              <a:lumMod val="60000"/>
+              <a:lumOff val="40000"/>
+            </a:schemeClr>
+          </a:solidFill>
+          <a:ln>
+            <a:noFill/>
+          </a:ln>
+        </p:spPr>
+        <p:style>
+          <a:lnRef idx="2">
+            <a:schemeClr val="accent1">
+              <a:shade val="50000"/>
+            </a:schemeClr>
+          </a:lnRef>
+          <a:fillRef idx="1">
+            <a:schemeClr val="accent1"/>
+          </a:fillRef>
+          <a:effectRef idx="0">
+            <a:schemeClr val="accent1"/>
+          </a:effectRef>
+          <a:fontRef idx="minor">
+            <a:schemeClr val="lt1"/>
+          </a:fontRef>
+        </p:style>
+        <p:txBody>
+          <a:bodyPr rtlCol="0" anchor="ctr"/>
+          <a:lstStyle/>
+          <a:p>
+            <a:pPr algn="ctr"/>
+            <a:endParaRPr lang="zh-TW" altLang="en-US"/>
+          </a:p>
+        </p:txBody>
+      </p:sp>
+      <p:sp>
+        <p:nvSpPr>
+          <p:cNvPr id="42" name="矩形: 圓角 41">
+            <a:extLst>
+              <a:ext uri="{FF2B5EF4-FFF2-40B4-BE49-F238E27FC236}">
+                <a16:creationId xmlns:a16="http://schemas.microsoft.com/office/drawing/2014/main" id="{9C1C18F9-F91C-420A-8A40-42F57D23755C}"/>
+              </a:ext>
+            </a:extLst>
+          </p:cNvPr>
+          <p:cNvSpPr/>
+          <p:nvPr/>
+        </p:nvSpPr>
+        <p:spPr>
+          <a:xfrm>
+            <a:off x="6173608" y="2990925"/>
+            <a:ext cx="1910530" cy="863601"/>
+          </a:xfrm>
+          <a:prstGeom prst="roundRect">
+            <a:avLst/>
+          </a:prstGeom>
+          <a:solidFill>
+            <a:srgbClr val="7FB75D"/>
+          </a:solidFill>
+          <a:ln>
+            <a:noFill/>
+          </a:ln>
+        </p:spPr>
+        <p:style>
+          <a:lnRef idx="2">
+            <a:schemeClr val="accent1">
+              <a:shade val="50000"/>
+            </a:schemeClr>
+          </a:lnRef>
+          <a:fillRef idx="1">
+            <a:schemeClr val="accent1"/>
+          </a:fillRef>
+          <a:effectRef idx="0">
+            <a:schemeClr val="accent1"/>
+          </a:effectRef>
+          <a:fontRef idx="minor">
+            <a:schemeClr val="lt1"/>
+          </a:fontRef>
+        </p:style>
+        <p:txBody>
+          <a:bodyPr rtlCol="0" anchor="ctr"/>
+          <a:lstStyle/>
+          <a:p>
+            <a:pPr algn="ctr"/>
+            <a:endParaRPr lang="zh-TW" altLang="en-US"/>
+          </a:p>
+        </p:txBody>
+      </p:sp>
+      <p:sp>
+        <p:nvSpPr>
+          <p:cNvPr id="2" name="矩形: 圓角 1">
+            <a:extLst>
+              <a:ext uri="{FF2B5EF4-FFF2-40B4-BE49-F238E27FC236}">
+                <a16:creationId xmlns:a16="http://schemas.microsoft.com/office/drawing/2014/main" id="{19335A27-D2C0-438A-9E38-E02E5A910C66}"/>
+              </a:ext>
+            </a:extLst>
+          </p:cNvPr>
+          <p:cNvSpPr/>
+          <p:nvPr/>
+        </p:nvSpPr>
+        <p:spPr>
+          <a:xfrm>
+            <a:off x="276388" y="2968875"/>
+            <a:ext cx="3886367" cy="2133600"/>
+          </a:xfrm>
+          <a:prstGeom prst="roundRect">
+            <a:avLst/>
+          </a:prstGeom>
+          <a:solidFill>
+            <a:srgbClr val="7FB75D"/>
+          </a:solidFill>
+          <a:ln>
+            <a:noFill/>
+          </a:ln>
+        </p:spPr>
+        <p:style>
+          <a:lnRef idx="2">
+            <a:schemeClr val="accent1">
+              <a:shade val="50000"/>
+            </a:schemeClr>
+          </a:lnRef>
+          <a:fillRef idx="1">
+            <a:schemeClr val="accent1"/>
+          </a:fillRef>
+          <a:effectRef idx="0">
+            <a:schemeClr val="accent1"/>
+          </a:effectRef>
+          <a:fontRef idx="minor">
+            <a:schemeClr val="lt1"/>
+          </a:fontRef>
+        </p:style>
+        <p:txBody>
+          <a:bodyPr rtlCol="0" anchor="ctr"/>
+          <a:lstStyle/>
+          <a:p>
+            <a:pPr algn="ctr"/>
+            <a:endParaRPr lang="zh-TW" altLang="en-US"/>
+          </a:p>
+        </p:txBody>
+      </p:sp>
+      <p:cxnSp>
+        <p:nvCxnSpPr>
+          <p:cNvPr id="32" name="直線接點 31">
+            <a:extLst>
+              <a:ext uri="{FF2B5EF4-FFF2-40B4-BE49-F238E27FC236}">
+                <a16:creationId xmlns:a16="http://schemas.microsoft.com/office/drawing/2014/main" id="{7BF5B837-F533-4A7D-874B-8084861E44C6}"/>
+              </a:ext>
+            </a:extLst>
+          </p:cNvPr>
+          <p:cNvCxnSpPr>
+            <a:cxnSpLocks/>
+            <a:endCxn id="23" idx="0"/>
+          </p:cNvCxnSpPr>
+          <p:nvPr/>
+        </p:nvCxnSpPr>
+        <p:spPr>
+          <a:xfrm>
+            <a:off x="9081053" y="3554647"/>
+            <a:ext cx="0" cy="2445442"/>
+          </a:xfrm>
+          <a:prstGeom prst="line">
+            <a:avLst/>
+          </a:prstGeom>
+          <a:ln w="28575">
+            <a:noFill/>
+          </a:ln>
+        </p:spPr>
+        <p:style>
+          <a:lnRef idx="1">
+            <a:schemeClr val="accent1"/>
+          </a:lnRef>
+          <a:fillRef idx="0">
+            <a:schemeClr val="accent1"/>
+          </a:fillRef>
+          <a:effectRef idx="0">
+            <a:schemeClr val="accent1"/>
+          </a:effectRef>
+          <a:fontRef idx="minor">
+            <a:schemeClr val="tx1"/>
+          </a:fontRef>
+        </p:style>
+      </p:cxnSp>
+      <p:sp>
+        <p:nvSpPr>
+          <p:cNvPr id="6" name="文字方塊 5">
+            <a:extLst>
+              <a:ext uri="{FF2B5EF4-FFF2-40B4-BE49-F238E27FC236}">
+                <a16:creationId xmlns:a16="http://schemas.microsoft.com/office/drawing/2014/main" id="{6BC63622-45DA-479E-9ADB-7F386C684095}"/>
+              </a:ext>
+            </a:extLst>
+          </p:cNvPr>
+          <p:cNvSpPr txBox="1"/>
+          <p:nvPr/>
+        </p:nvSpPr>
+        <p:spPr>
+          <a:xfrm>
+            <a:off x="784074" y="252967"/>
+            <a:ext cx="11407926" cy="830997"/>
+          </a:xfrm>
+          <a:prstGeom prst="rect">
+            <a:avLst/>
+          </a:prstGeom>
+          <a:noFill/>
+        </p:spPr>
+        <p:txBody>
+          <a:bodyPr wrap="square" rtlCol="0">
+            <a:spAutoFit/>
+          </a:bodyPr>
+          <a:lstStyle/>
+          <a:p>
+            <a:r>
+              <a:rPr lang="zh-TW" altLang="en-US" sz="4800" b="1" dirty="0">
+                <a:effectLst>
+                  <a:outerShdw blurRad="38100" dist="38100" dir="2700000" algn="tl">
+                    <a:srgbClr val="000000">
+                      <a:alpha val="43137"/>
+                    </a:srgbClr>
+                  </a:outerShdw>
+                </a:effectLst>
+                <a:latin typeface="微軟正黑體" panose="020B0604030504040204" pitchFamily="34" charset="-120"/>
+                <a:ea typeface="微軟正黑體" panose="020B0604030504040204" pitchFamily="34" charset="-120"/>
+              </a:rPr>
+              <a:t>網站權限設定</a:t>
+            </a:r>
+          </a:p>
+        </p:txBody>
+      </p:sp>
       <p:sp>
         <p:nvSpPr>
           <p:cNvPr id="3" name="矩形: 圓角 2">
@@ -2878,7 +8465,7 @@
         </p:nvSpPr>
         <p:spPr>
           <a:xfrm>
-            <a:off x="3955143" y="2002969"/>
+            <a:off x="3955143" y="1870449"/>
             <a:ext cx="4281714" cy="406399"/>
           </a:xfrm>
           <a:prstGeom prst="roundRect">
@@ -2943,7 +8530,7 @@
         </p:nvSpPr>
         <p:spPr>
           <a:xfrm>
-            <a:off x="307624" y="3370940"/>
+            <a:off x="307624" y="3238420"/>
             <a:ext cx="1868882" cy="406399"/>
           </a:xfrm>
           <a:prstGeom prst="roundRect">
@@ -2954,10 +8541,8 @@
           <a:solidFill>
             <a:srgbClr val="002060"/>
           </a:solidFill>
-          <a:ln>
-            <a:solidFill>
-              <a:srgbClr val="002060"/>
-            </a:solidFill>
+          <a:ln w="38100">
+            <a:noFill/>
           </a:ln>
         </p:spPr>
         <p:style>
@@ -3008,7 +8593,7 @@
         </p:nvSpPr>
         <p:spPr>
           <a:xfrm>
-            <a:off x="2267371" y="3370940"/>
+            <a:off x="2267371" y="3238420"/>
             <a:ext cx="1868882" cy="406399"/>
           </a:xfrm>
           <a:prstGeom prst="roundRect">
@@ -3019,10 +8604,8 @@
           <a:solidFill>
             <a:srgbClr val="002060"/>
           </a:solidFill>
-          <a:ln>
-            <a:solidFill>
-              <a:srgbClr val="002060"/>
-            </a:solidFill>
+          <a:ln w="38100">
+            <a:noFill/>
           </a:ln>
         </p:spPr>
         <p:style>
@@ -3073,7 +8656,7 @@
         </p:nvSpPr>
         <p:spPr>
           <a:xfrm>
-            <a:off x="4227118" y="3370940"/>
+            <a:off x="4227118" y="3238420"/>
             <a:ext cx="1868882" cy="406399"/>
           </a:xfrm>
           <a:prstGeom prst="roundRect">
@@ -3084,10 +8667,8 @@
           <a:solidFill>
             <a:srgbClr val="002060"/>
           </a:solidFill>
-          <a:ln>
-            <a:solidFill>
-              <a:srgbClr val="002060"/>
-            </a:solidFill>
+          <a:ln w="38100">
+            <a:noFill/>
           </a:ln>
         </p:spPr>
         <p:style>
@@ -3138,7 +8719,7 @@
         </p:nvSpPr>
         <p:spPr>
           <a:xfrm>
-            <a:off x="6186865" y="3370940"/>
+            <a:off x="6186865" y="3238420"/>
             <a:ext cx="1868882" cy="406399"/>
           </a:xfrm>
           <a:prstGeom prst="roundRect">
@@ -3149,10 +8730,8 @@
           <a:solidFill>
             <a:srgbClr val="002060"/>
           </a:solidFill>
-          <a:ln>
-            <a:solidFill>
-              <a:srgbClr val="002060"/>
-            </a:solidFill>
+          <a:ln w="38100">
+            <a:noFill/>
           </a:ln>
         </p:spPr>
         <p:style>
@@ -3203,7 +8782,7 @@
         </p:nvSpPr>
         <p:spPr>
           <a:xfrm>
-            <a:off x="8146612" y="3370940"/>
+            <a:off x="8146612" y="3238420"/>
             <a:ext cx="1868882" cy="406399"/>
           </a:xfrm>
           <a:prstGeom prst="roundRect">
@@ -3214,10 +8793,8 @@
           <a:solidFill>
             <a:srgbClr val="002060"/>
           </a:solidFill>
-          <a:ln>
-            <a:solidFill>
-              <a:srgbClr val="002060"/>
-            </a:solidFill>
+          <a:ln w="38100">
+            <a:noFill/>
           </a:ln>
         </p:spPr>
         <p:style>
@@ -3268,7 +8845,7 @@
         </p:nvSpPr>
         <p:spPr>
           <a:xfrm>
-            <a:off x="10106357" y="3370940"/>
+            <a:off x="10106357" y="3238420"/>
             <a:ext cx="1868882" cy="406399"/>
           </a:xfrm>
           <a:prstGeom prst="roundRect">
@@ -3279,10 +8856,8 @@
           <a:solidFill>
             <a:srgbClr val="002060"/>
           </a:solidFill>
-          <a:ln>
-            <a:solidFill>
-              <a:srgbClr val="002060"/>
-            </a:solidFill>
+          <a:ln w="38100">
+            <a:noFill/>
           </a:ln>
         </p:spPr>
         <p:style>
@@ -3337,7 +8912,7 @@
         </p:nvCxnSpPr>
         <p:spPr>
           <a:xfrm rot="5400000">
-            <a:off x="3188247" y="463187"/>
+            <a:off x="3188247" y="330667"/>
             <a:ext cx="961572" cy="4853935"/>
           </a:xfrm>
           <a:prstGeom prst="bentConnector3">
@@ -3382,7 +8957,7 @@
         </p:nvCxnSpPr>
         <p:spPr>
           <a:xfrm rot="5400000">
-            <a:off x="4168120" y="1443060"/>
+            <a:off x="4168120" y="1310540"/>
             <a:ext cx="961572" cy="2894188"/>
           </a:xfrm>
           <a:prstGeom prst="bentConnector3">
@@ -3429,7 +9004,7 @@
         </p:nvCxnSpPr>
         <p:spPr>
           <a:xfrm rot="5400000">
-            <a:off x="5147994" y="2422934"/>
+            <a:off x="5147994" y="2290414"/>
             <a:ext cx="961572" cy="934441"/>
           </a:xfrm>
           <a:prstGeom prst="bentConnector3">
@@ -3476,7 +9051,7 @@
         </p:nvCxnSpPr>
         <p:spPr>
           <a:xfrm rot="16200000" flipH="1">
-            <a:off x="6127867" y="2377501"/>
+            <a:off x="6127867" y="2244981"/>
             <a:ext cx="961572" cy="1025306"/>
           </a:xfrm>
           <a:prstGeom prst="bentConnector3">
@@ -3523,7 +9098,7 @@
         </p:nvCxnSpPr>
         <p:spPr>
           <a:xfrm rot="16200000" flipH="1">
-            <a:off x="7107740" y="1397627"/>
+            <a:off x="7107740" y="1265107"/>
             <a:ext cx="961572" cy="2985053"/>
           </a:xfrm>
           <a:prstGeom prst="bentConnector3">
@@ -3570,7 +9145,7 @@
         </p:nvCxnSpPr>
         <p:spPr>
           <a:xfrm rot="16200000" flipH="1">
-            <a:off x="8087613" y="417755"/>
+            <a:off x="8087613" y="285235"/>
             <a:ext cx="961572" cy="4944798"/>
           </a:xfrm>
           <a:prstGeom prst="bentConnector3">
@@ -3613,7 +9188,7 @@
         </p:nvSpPr>
         <p:spPr>
           <a:xfrm>
-            <a:off x="500416" y="3944481"/>
+            <a:off x="500416" y="3811961"/>
             <a:ext cx="1483297" cy="406399"/>
           </a:xfrm>
           <a:prstGeom prst="roundRect">
@@ -3624,10 +9199,8 @@
           <a:solidFill>
             <a:srgbClr val="002060"/>
           </a:solidFill>
-          <a:ln>
-            <a:solidFill>
-              <a:srgbClr val="002060"/>
-            </a:solidFill>
+          <a:ln w="38100">
+            <a:noFill/>
           </a:ln>
         </p:spPr>
         <p:style>
@@ -3678,7 +9251,7 @@
         </p:nvSpPr>
         <p:spPr>
           <a:xfrm>
-            <a:off x="500416" y="4497288"/>
+            <a:off x="500416" y="4364768"/>
             <a:ext cx="1483297" cy="406399"/>
           </a:xfrm>
           <a:prstGeom prst="roundRect">
@@ -3689,10 +9262,8 @@
           <a:solidFill>
             <a:srgbClr val="002060"/>
           </a:solidFill>
-          <a:ln>
-            <a:solidFill>
-              <a:srgbClr val="002060"/>
-            </a:solidFill>
+          <a:ln w="38100">
+            <a:noFill/>
           </a:ln>
         </p:spPr>
         <p:style>
@@ -3743,7 +9314,7 @@
         </p:nvSpPr>
         <p:spPr>
           <a:xfrm>
-            <a:off x="8339404" y="3921381"/>
+            <a:off x="8339404" y="3788861"/>
             <a:ext cx="1483297" cy="406399"/>
           </a:xfrm>
           <a:prstGeom prst="roundRect">
@@ -3754,10 +9325,8 @@
           <a:solidFill>
             <a:srgbClr val="002060"/>
           </a:solidFill>
-          <a:ln>
-            <a:solidFill>
-              <a:srgbClr val="002060"/>
-            </a:solidFill>
+          <a:ln w="38100">
+            <a:noFill/>
           </a:ln>
         </p:spPr>
         <p:style>
@@ -3808,7 +9377,7 @@
         </p:nvSpPr>
         <p:spPr>
           <a:xfrm>
-            <a:off x="8339404" y="4474188"/>
+            <a:off x="8339404" y="4341668"/>
             <a:ext cx="1483297" cy="406399"/>
           </a:xfrm>
           <a:prstGeom prst="roundRect">
@@ -3819,10 +9388,8 @@
           <a:solidFill>
             <a:srgbClr val="002060"/>
           </a:solidFill>
-          <a:ln>
-            <a:solidFill>
-              <a:srgbClr val="002060"/>
-            </a:solidFill>
+          <a:ln w="38100">
+            <a:noFill/>
           </a:ln>
         </p:spPr>
         <p:style>
@@ -3873,7 +9440,7 @@
         </p:nvSpPr>
         <p:spPr>
           <a:xfrm>
-            <a:off x="8339404" y="5026995"/>
+            <a:off x="8339404" y="4894475"/>
             <a:ext cx="1483297" cy="406399"/>
           </a:xfrm>
           <a:prstGeom prst="roundRect">
@@ -3884,10 +9451,8 @@
           <a:solidFill>
             <a:srgbClr val="002060"/>
           </a:solidFill>
-          <a:ln>
-            <a:solidFill>
-              <a:srgbClr val="002060"/>
-            </a:solidFill>
+          <a:ln w="38100">
+            <a:noFill/>
           </a:ln>
         </p:spPr>
         <p:style>
@@ -3938,7 +9503,7 @@
         </p:nvSpPr>
         <p:spPr>
           <a:xfrm>
-            <a:off x="8339404" y="5579802"/>
+            <a:off x="8339404" y="5447282"/>
             <a:ext cx="1483297" cy="406399"/>
           </a:xfrm>
           <a:prstGeom prst="roundRect">
@@ -3949,10 +9514,8 @@
           <a:solidFill>
             <a:srgbClr val="002060"/>
           </a:solidFill>
-          <a:ln>
-            <a:solidFill>
-              <a:srgbClr val="002060"/>
-            </a:solidFill>
+          <a:ln w="38100">
+            <a:noFill/>
           </a:ln>
         </p:spPr>
         <p:style>
@@ -4003,7 +9566,7 @@
         </p:nvSpPr>
         <p:spPr>
           <a:xfrm>
-            <a:off x="8339404" y="6132609"/>
+            <a:off x="8339404" y="6000089"/>
             <a:ext cx="1483297" cy="406399"/>
           </a:xfrm>
           <a:prstGeom prst="roundRect">
@@ -4014,10 +9577,8 @@
           <a:solidFill>
             <a:srgbClr val="002060"/>
           </a:solidFill>
-          <a:ln>
-            <a:solidFill>
-              <a:srgbClr val="002060"/>
-            </a:solidFill>
+          <a:ln w="38100">
+            <a:noFill/>
           </a:ln>
         </p:spPr>
         <p:style>
@@ -4068,7 +9629,7 @@
         </p:nvSpPr>
         <p:spPr>
           <a:xfrm>
-            <a:off x="10299149" y="3921381"/>
+            <a:off x="10299149" y="3788861"/>
             <a:ext cx="1483297" cy="406399"/>
           </a:xfrm>
           <a:prstGeom prst="roundRect">
@@ -4079,10 +9640,8 @@
           <a:solidFill>
             <a:srgbClr val="002060"/>
           </a:solidFill>
-          <a:ln>
-            <a:solidFill>
-              <a:srgbClr val="002060"/>
-            </a:solidFill>
+          <a:ln w="38100">
+            <a:noFill/>
           </a:ln>
         </p:spPr>
         <p:style>
@@ -4133,7 +9692,7 @@
         </p:nvSpPr>
         <p:spPr>
           <a:xfrm>
-            <a:off x="10299149" y="4474188"/>
+            <a:off x="10299149" y="4341668"/>
             <a:ext cx="1483297" cy="406399"/>
           </a:xfrm>
           <a:prstGeom prst="roundRect">
@@ -4144,10 +9703,8 @@
           <a:solidFill>
             <a:srgbClr val="002060"/>
           </a:solidFill>
-          <a:ln>
-            <a:solidFill>
-              <a:srgbClr val="002060"/>
-            </a:solidFill>
+          <a:ln w="38100">
+            <a:noFill/>
           </a:ln>
         </p:spPr>
         <p:style>
@@ -4198,7 +9755,7 @@
         </p:nvSpPr>
         <p:spPr>
           <a:xfrm>
-            <a:off x="10299149" y="5026995"/>
+            <a:off x="10299149" y="4894475"/>
             <a:ext cx="1483297" cy="406399"/>
           </a:xfrm>
           <a:prstGeom prst="roundRect">
@@ -4209,10 +9766,8 @@
           <a:solidFill>
             <a:srgbClr val="002060"/>
           </a:solidFill>
-          <a:ln>
-            <a:solidFill>
-              <a:srgbClr val="002060"/>
-            </a:solidFill>
+          <a:ln w="38100">
+            <a:noFill/>
           </a:ln>
         </p:spPr>
         <p:style>
@@ -4263,7 +9818,7 @@
         </p:nvSpPr>
         <p:spPr>
           <a:xfrm>
-            <a:off x="10299149" y="5579802"/>
+            <a:off x="10299149" y="5447282"/>
             <a:ext cx="1483297" cy="406399"/>
           </a:xfrm>
           <a:prstGeom prst="roundRect">
@@ -4274,10 +9829,8 @@
           <a:solidFill>
             <a:srgbClr val="002060"/>
           </a:solidFill>
-          <a:ln>
-            <a:solidFill>
-              <a:srgbClr val="002060"/>
-            </a:solidFill>
+          <a:ln w="38100">
+            <a:noFill/>
           </a:ln>
         </p:spPr>
         <p:style>
@@ -4331,16 +9884,14 @@
         </p:nvCxnSpPr>
         <p:spPr>
           <a:xfrm>
-            <a:off x="1242065" y="3777339"/>
+            <a:off x="1242065" y="3644819"/>
             <a:ext cx="0" cy="719949"/>
           </a:xfrm>
           <a:prstGeom prst="line">
             <a:avLst/>
           </a:prstGeom>
           <a:ln w="28575">
-            <a:solidFill>
-              <a:srgbClr val="002060"/>
-            </a:solidFill>
+            <a:noFill/>
           </a:ln>
         </p:spPr>
         <p:style>
@@ -4375,16 +9926,14 @@
         </p:nvCxnSpPr>
         <p:spPr>
           <a:xfrm>
-            <a:off x="11040798" y="3754239"/>
+            <a:off x="11040798" y="3621719"/>
             <a:ext cx="0" cy="1825563"/>
           </a:xfrm>
           <a:prstGeom prst="line">
             <a:avLst/>
           </a:prstGeom>
           <a:ln w="28575">
-            <a:solidFill>
-              <a:srgbClr val="002060"/>
-            </a:solidFill>
+            <a:noFill/>
           </a:ln>
         </p:spPr>
         <p:style>
@@ -4402,1720 +9951,6 @@
           </a:fontRef>
         </p:style>
       </p:cxnSp>
-    </p:spTree>
-    <p:extLst>
-      <p:ext uri="{BB962C8B-B14F-4D97-AF65-F5344CB8AC3E}">
-        <p14:creationId xmlns:p14="http://schemas.microsoft.com/office/powerpoint/2010/main" val="3552808929"/>
-      </p:ext>
-    </p:extLst>
-  </p:cSld>
-  <p:clrMapOvr>
-    <a:masterClrMapping/>
-  </p:clrMapOvr>
-</p:sld>
-</file>
-
-<file path=ppt/slides/slide5.xml><?xml version="1.0" encoding="utf-8"?>
-<p:sld xmlns:a="http://schemas.openxmlformats.org/drawingml/2006/main" xmlns:r="http://schemas.openxmlformats.org/officeDocument/2006/relationships" xmlns:p="http://schemas.openxmlformats.org/presentationml/2006/main">
-  <p:cSld>
-    <p:spTree>
-      <p:nvGrpSpPr>
-        <p:cNvPr id="1" name=""/>
-        <p:cNvGrpSpPr/>
-        <p:nvPr/>
-      </p:nvGrpSpPr>
-      <p:grpSpPr>
-        <a:xfrm>
-          <a:off x="0" y="0"/>
-          <a:ext cx="0" cy="0"/>
-          <a:chOff x="0" y="0"/>
-          <a:chExt cx="0" cy="0"/>
-        </a:xfrm>
-      </p:grpSpPr>
-      <p:cxnSp>
-        <p:nvCxnSpPr>
-          <p:cNvPr id="32" name="直線接點 31">
-            <a:extLst>
-              <a:ext uri="{FF2B5EF4-FFF2-40B4-BE49-F238E27FC236}">
-                <a16:creationId xmlns:a16="http://schemas.microsoft.com/office/drawing/2014/main" id="{7BF5B837-F533-4A7D-874B-8084861E44C6}"/>
-              </a:ext>
-            </a:extLst>
-          </p:cNvPr>
-          <p:cNvCxnSpPr>
-            <a:cxnSpLocks/>
-            <a:endCxn id="23" idx="0"/>
-          </p:cNvCxnSpPr>
-          <p:nvPr/>
-        </p:nvCxnSpPr>
-        <p:spPr>
-          <a:xfrm>
-            <a:off x="9081053" y="3687167"/>
-            <a:ext cx="0" cy="2445442"/>
-          </a:xfrm>
-          <a:prstGeom prst="line">
-            <a:avLst/>
-          </a:prstGeom>
-          <a:ln w="28575">
-            <a:solidFill>
-              <a:srgbClr val="002060"/>
-            </a:solidFill>
-          </a:ln>
-        </p:spPr>
-        <p:style>
-          <a:lnRef idx="1">
-            <a:schemeClr val="accent1"/>
-          </a:lnRef>
-          <a:fillRef idx="0">
-            <a:schemeClr val="accent1"/>
-          </a:fillRef>
-          <a:effectRef idx="0">
-            <a:schemeClr val="accent1"/>
-          </a:effectRef>
-          <a:fontRef idx="minor">
-            <a:schemeClr val="tx1"/>
-          </a:fontRef>
-        </p:style>
-      </p:cxnSp>
-      <p:sp>
-        <p:nvSpPr>
-          <p:cNvPr id="6" name="文字方塊 5">
-            <a:extLst>
-              <a:ext uri="{FF2B5EF4-FFF2-40B4-BE49-F238E27FC236}">
-                <a16:creationId xmlns:a16="http://schemas.microsoft.com/office/drawing/2014/main" id="{6BC63622-45DA-479E-9ADB-7F386C684095}"/>
-              </a:ext>
-            </a:extLst>
-          </p:cNvPr>
-          <p:cNvSpPr txBox="1"/>
-          <p:nvPr/>
-        </p:nvSpPr>
-        <p:spPr>
-          <a:xfrm>
-            <a:off x="784074" y="252967"/>
-            <a:ext cx="11407926" cy="830997"/>
-          </a:xfrm>
-          <a:prstGeom prst="rect">
-            <a:avLst/>
-          </a:prstGeom>
-          <a:noFill/>
-        </p:spPr>
-        <p:txBody>
-          <a:bodyPr wrap="square" rtlCol="0">
-            <a:spAutoFit/>
-          </a:bodyPr>
-          <a:lstStyle/>
-          <a:p>
-            <a:r>
-              <a:rPr lang="zh-TW" altLang="en-US" sz="4800" b="1" dirty="0">
-                <a:effectLst>
-                  <a:outerShdw blurRad="38100" dist="38100" dir="2700000" algn="tl">
-                    <a:srgbClr val="000000">
-                      <a:alpha val="43137"/>
-                    </a:srgbClr>
-                  </a:outerShdw>
-                </a:effectLst>
-                <a:latin typeface="微軟正黑體" panose="020B0604030504040204" pitchFamily="34" charset="-120"/>
-                <a:ea typeface="微軟正黑體" panose="020B0604030504040204" pitchFamily="34" charset="-120"/>
-              </a:rPr>
-              <a:t>網站權限設定</a:t>
-            </a:r>
-          </a:p>
-        </p:txBody>
-      </p:sp>
-      <p:sp>
-        <p:nvSpPr>
-          <p:cNvPr id="3" name="矩形: 圓角 2">
-            <a:extLst>
-              <a:ext uri="{FF2B5EF4-FFF2-40B4-BE49-F238E27FC236}">
-                <a16:creationId xmlns:a16="http://schemas.microsoft.com/office/drawing/2014/main" id="{3B5913AF-8648-4CE5-9050-09D835F45E10}"/>
-              </a:ext>
-            </a:extLst>
-          </p:cNvPr>
-          <p:cNvSpPr/>
-          <p:nvPr/>
-        </p:nvSpPr>
-        <p:spPr>
-          <a:xfrm>
-            <a:off x="3955143" y="2002969"/>
-            <a:ext cx="4281714" cy="406399"/>
-          </a:xfrm>
-          <a:prstGeom prst="roundRect">
-            <a:avLst>
-              <a:gd name="adj" fmla="val 50000"/>
-            </a:avLst>
-          </a:prstGeom>
-          <a:solidFill>
-            <a:srgbClr val="002060"/>
-          </a:solidFill>
-          <a:ln>
-            <a:solidFill>
-              <a:srgbClr val="002060"/>
-            </a:solidFill>
-          </a:ln>
-        </p:spPr>
-        <p:style>
-          <a:lnRef idx="2">
-            <a:schemeClr val="accent1">
-              <a:shade val="50000"/>
-            </a:schemeClr>
-          </a:lnRef>
-          <a:fillRef idx="1">
-            <a:schemeClr val="accent1"/>
-          </a:fillRef>
-          <a:effectRef idx="0">
-            <a:schemeClr val="accent1"/>
-          </a:effectRef>
-          <a:fontRef idx="minor">
-            <a:schemeClr val="lt1"/>
-          </a:fontRef>
-        </p:style>
-        <p:txBody>
-          <a:bodyPr rtlCol="0" anchor="ctr"/>
-          <a:lstStyle/>
-          <a:p>
-            <a:pPr algn="ctr"/>
-            <a:r>
-              <a:rPr lang="zh-TW" altLang="en-US" sz="2400" b="1" dirty="0">
-                <a:solidFill>
-                  <a:schemeClr val="bg1"/>
-                </a:solidFill>
-                <a:latin typeface="微軟正黑體 Light" panose="020B0304030504040204" pitchFamily="34" charset="-120"/>
-                <a:ea typeface="微軟正黑體 Light" panose="020B0304030504040204" pitchFamily="34" charset="-120"/>
-              </a:rPr>
-              <a:t>浪浪有窩</a:t>
-            </a:r>
-          </a:p>
-        </p:txBody>
-      </p:sp>
-      <p:sp>
-        <p:nvSpPr>
-          <p:cNvPr id="4" name="矩形: 圓角 3">
-            <a:extLst>
-              <a:ext uri="{FF2B5EF4-FFF2-40B4-BE49-F238E27FC236}">
-                <a16:creationId xmlns:a16="http://schemas.microsoft.com/office/drawing/2014/main" id="{E0FD0F20-D598-4552-A0C0-BE7A3ED15E5F}"/>
-              </a:ext>
-            </a:extLst>
-          </p:cNvPr>
-          <p:cNvSpPr/>
-          <p:nvPr/>
-        </p:nvSpPr>
-        <p:spPr>
-          <a:xfrm>
-            <a:off x="307624" y="3370940"/>
-            <a:ext cx="1868882" cy="406399"/>
-          </a:xfrm>
-          <a:prstGeom prst="roundRect">
-            <a:avLst>
-              <a:gd name="adj" fmla="val 50000"/>
-            </a:avLst>
-          </a:prstGeom>
-          <a:solidFill>
-            <a:srgbClr val="002060"/>
-          </a:solidFill>
-          <a:ln w="38100">
-            <a:solidFill>
-              <a:srgbClr val="92D050"/>
-            </a:solidFill>
-          </a:ln>
-        </p:spPr>
-        <p:style>
-          <a:lnRef idx="2">
-            <a:schemeClr val="accent1">
-              <a:shade val="50000"/>
-            </a:schemeClr>
-          </a:lnRef>
-          <a:fillRef idx="1">
-            <a:schemeClr val="accent1"/>
-          </a:fillRef>
-          <a:effectRef idx="0">
-            <a:schemeClr val="accent1"/>
-          </a:effectRef>
-          <a:fontRef idx="minor">
-            <a:schemeClr val="lt1"/>
-          </a:fontRef>
-        </p:style>
-        <p:txBody>
-          <a:bodyPr rtlCol="0" anchor="ctr"/>
-          <a:lstStyle/>
-          <a:p>
-            <a:pPr algn="ctr"/>
-            <a:r>
-              <a:rPr lang="zh-TW" altLang="en-US" sz="2400" b="1" dirty="0">
-                <a:solidFill>
-                  <a:schemeClr val="bg1"/>
-                </a:solidFill>
-                <a:latin typeface="微軟正黑體 Light" panose="020B0304030504040204" pitchFamily="34" charset="-120"/>
-                <a:ea typeface="微軟正黑體 Light" panose="020B0304030504040204" pitchFamily="34" charset="-120"/>
-              </a:rPr>
-              <a:t>首頁</a:t>
-            </a:r>
-          </a:p>
-        </p:txBody>
-      </p:sp>
-      <p:sp>
-        <p:nvSpPr>
-          <p:cNvPr id="5" name="矩形: 圓角 4">
-            <a:extLst>
-              <a:ext uri="{FF2B5EF4-FFF2-40B4-BE49-F238E27FC236}">
-                <a16:creationId xmlns:a16="http://schemas.microsoft.com/office/drawing/2014/main" id="{91DBC425-8E6E-4599-A8A6-549224BC4A7B}"/>
-              </a:ext>
-            </a:extLst>
-          </p:cNvPr>
-          <p:cNvSpPr/>
-          <p:nvPr/>
-        </p:nvSpPr>
-        <p:spPr>
-          <a:xfrm>
-            <a:off x="2267371" y="3370940"/>
-            <a:ext cx="1868882" cy="406399"/>
-          </a:xfrm>
-          <a:prstGeom prst="roundRect">
-            <a:avLst>
-              <a:gd name="adj" fmla="val 50000"/>
-            </a:avLst>
-          </a:prstGeom>
-          <a:solidFill>
-            <a:srgbClr val="002060"/>
-          </a:solidFill>
-          <a:ln w="38100">
-            <a:solidFill>
-              <a:srgbClr val="92D050"/>
-            </a:solidFill>
-          </a:ln>
-        </p:spPr>
-        <p:style>
-          <a:lnRef idx="2">
-            <a:schemeClr val="accent1">
-              <a:shade val="50000"/>
-            </a:schemeClr>
-          </a:lnRef>
-          <a:fillRef idx="1">
-            <a:schemeClr val="accent1"/>
-          </a:fillRef>
-          <a:effectRef idx="0">
-            <a:schemeClr val="accent1"/>
-          </a:effectRef>
-          <a:fontRef idx="minor">
-            <a:schemeClr val="lt1"/>
-          </a:fontRef>
-        </p:style>
-        <p:txBody>
-          <a:bodyPr rtlCol="0" anchor="ctr"/>
-          <a:lstStyle/>
-          <a:p>
-            <a:pPr algn="ctr"/>
-            <a:r>
-              <a:rPr lang="zh-TW" altLang="en-US" sz="2400" b="1" dirty="0">
-                <a:solidFill>
-                  <a:schemeClr val="bg1"/>
-                </a:solidFill>
-                <a:latin typeface="微軟正黑體 Light" panose="020B0304030504040204" pitchFamily="34" charset="-120"/>
-                <a:ea typeface="微軟正黑體 Light" panose="020B0304030504040204" pitchFamily="34" charset="-120"/>
-              </a:rPr>
-              <a:t>毛孩領養</a:t>
-            </a:r>
-          </a:p>
-        </p:txBody>
-      </p:sp>
-      <p:sp>
-        <p:nvSpPr>
-          <p:cNvPr id="7" name="矩形: 圓角 6">
-            <a:extLst>
-              <a:ext uri="{FF2B5EF4-FFF2-40B4-BE49-F238E27FC236}">
-                <a16:creationId xmlns:a16="http://schemas.microsoft.com/office/drawing/2014/main" id="{719C1577-B185-4C6A-BBFC-7A850E4584B1}"/>
-              </a:ext>
-            </a:extLst>
-          </p:cNvPr>
-          <p:cNvSpPr/>
-          <p:nvPr/>
-        </p:nvSpPr>
-        <p:spPr>
-          <a:xfrm>
-            <a:off x="4227118" y="3370940"/>
-            <a:ext cx="1868882" cy="406399"/>
-          </a:xfrm>
-          <a:prstGeom prst="roundRect">
-            <a:avLst>
-              <a:gd name="adj" fmla="val 50000"/>
-            </a:avLst>
-          </a:prstGeom>
-          <a:solidFill>
-            <a:srgbClr val="002060"/>
-          </a:solidFill>
-          <a:ln w="38100">
-            <a:solidFill>
-              <a:schemeClr val="accent4">
-                <a:lumMod val="60000"/>
-                <a:lumOff val="40000"/>
-              </a:schemeClr>
-            </a:solidFill>
-          </a:ln>
-        </p:spPr>
-        <p:style>
-          <a:lnRef idx="2">
-            <a:schemeClr val="accent1">
-              <a:shade val="50000"/>
-            </a:schemeClr>
-          </a:lnRef>
-          <a:fillRef idx="1">
-            <a:schemeClr val="accent1"/>
-          </a:fillRef>
-          <a:effectRef idx="0">
-            <a:schemeClr val="accent1"/>
-          </a:effectRef>
-          <a:fontRef idx="minor">
-            <a:schemeClr val="lt1"/>
-          </a:fontRef>
-        </p:style>
-        <p:txBody>
-          <a:bodyPr rtlCol="0" anchor="ctr"/>
-          <a:lstStyle/>
-          <a:p>
-            <a:pPr algn="ctr"/>
-            <a:r>
-              <a:rPr lang="zh-TW" altLang="en-US" sz="2400" b="1" dirty="0">
-                <a:solidFill>
-                  <a:schemeClr val="bg1"/>
-                </a:solidFill>
-                <a:latin typeface="微軟正黑體 Light" panose="020B0304030504040204" pitchFamily="34" charset="-120"/>
-                <a:ea typeface="微軟正黑體 Light" panose="020B0304030504040204" pitchFamily="34" charset="-120"/>
-              </a:rPr>
-              <a:t>送養刊登</a:t>
-            </a:r>
-          </a:p>
-        </p:txBody>
-      </p:sp>
-      <p:sp>
-        <p:nvSpPr>
-          <p:cNvPr id="8" name="矩形: 圓角 7">
-            <a:extLst>
-              <a:ext uri="{FF2B5EF4-FFF2-40B4-BE49-F238E27FC236}">
-                <a16:creationId xmlns:a16="http://schemas.microsoft.com/office/drawing/2014/main" id="{A965A36C-53E5-4198-9657-10B5D768B6CE}"/>
-              </a:ext>
-            </a:extLst>
-          </p:cNvPr>
-          <p:cNvSpPr/>
-          <p:nvPr/>
-        </p:nvSpPr>
-        <p:spPr>
-          <a:xfrm>
-            <a:off x="6186865" y="3370940"/>
-            <a:ext cx="1868882" cy="406399"/>
-          </a:xfrm>
-          <a:prstGeom prst="roundRect">
-            <a:avLst>
-              <a:gd name="adj" fmla="val 50000"/>
-            </a:avLst>
-          </a:prstGeom>
-          <a:solidFill>
-            <a:srgbClr val="002060"/>
-          </a:solidFill>
-          <a:ln w="38100">
-            <a:solidFill>
-              <a:srgbClr val="92D050"/>
-            </a:solidFill>
-          </a:ln>
-        </p:spPr>
-        <p:style>
-          <a:lnRef idx="2">
-            <a:schemeClr val="accent1">
-              <a:shade val="50000"/>
-            </a:schemeClr>
-          </a:lnRef>
-          <a:fillRef idx="1">
-            <a:schemeClr val="accent1"/>
-          </a:fillRef>
-          <a:effectRef idx="0">
-            <a:schemeClr val="accent1"/>
-          </a:effectRef>
-          <a:fontRef idx="minor">
-            <a:schemeClr val="lt1"/>
-          </a:fontRef>
-        </p:style>
-        <p:txBody>
-          <a:bodyPr rtlCol="0" anchor="ctr"/>
-          <a:lstStyle/>
-          <a:p>
-            <a:pPr algn="ctr"/>
-            <a:r>
-              <a:rPr lang="zh-TW" altLang="en-US" sz="2400" b="1" dirty="0">
-                <a:solidFill>
-                  <a:schemeClr val="bg1"/>
-                </a:solidFill>
-                <a:latin typeface="微軟正黑體 Light" panose="020B0304030504040204" pitchFamily="34" charset="-120"/>
-                <a:ea typeface="微軟正黑體 Light" panose="020B0304030504040204" pitchFamily="34" charset="-120"/>
-              </a:rPr>
-              <a:t>毛孩知識</a:t>
-            </a:r>
-          </a:p>
-        </p:txBody>
-      </p:sp>
-      <p:sp>
-        <p:nvSpPr>
-          <p:cNvPr id="9" name="矩形: 圓角 8">
-            <a:extLst>
-              <a:ext uri="{FF2B5EF4-FFF2-40B4-BE49-F238E27FC236}">
-                <a16:creationId xmlns:a16="http://schemas.microsoft.com/office/drawing/2014/main" id="{7F80D37A-18F2-4D61-9E52-5A7B1FE3EC71}"/>
-              </a:ext>
-            </a:extLst>
-          </p:cNvPr>
-          <p:cNvSpPr/>
-          <p:nvPr/>
-        </p:nvSpPr>
-        <p:spPr>
-          <a:xfrm>
-            <a:off x="8146612" y="3370940"/>
-            <a:ext cx="1868882" cy="406399"/>
-          </a:xfrm>
-          <a:prstGeom prst="roundRect">
-            <a:avLst>
-              <a:gd name="adj" fmla="val 50000"/>
-            </a:avLst>
-          </a:prstGeom>
-          <a:solidFill>
-            <a:srgbClr val="002060"/>
-          </a:solidFill>
-          <a:ln w="38100">
-            <a:solidFill>
-              <a:schemeClr val="accent4">
-                <a:lumMod val="60000"/>
-                <a:lumOff val="40000"/>
-              </a:schemeClr>
-            </a:solidFill>
-          </a:ln>
-        </p:spPr>
-        <p:style>
-          <a:lnRef idx="2">
-            <a:schemeClr val="accent1">
-              <a:shade val="50000"/>
-            </a:schemeClr>
-          </a:lnRef>
-          <a:fillRef idx="1">
-            <a:schemeClr val="accent1"/>
-          </a:fillRef>
-          <a:effectRef idx="0">
-            <a:schemeClr val="accent1"/>
-          </a:effectRef>
-          <a:fontRef idx="minor">
-            <a:schemeClr val="lt1"/>
-          </a:fontRef>
-        </p:style>
-        <p:txBody>
-          <a:bodyPr rtlCol="0" anchor="ctr"/>
-          <a:lstStyle/>
-          <a:p>
-            <a:pPr algn="ctr"/>
-            <a:r>
-              <a:rPr lang="zh-TW" altLang="en-US" sz="2400" b="1" dirty="0">
-                <a:solidFill>
-                  <a:schemeClr val="bg1"/>
-                </a:solidFill>
-                <a:latin typeface="微軟正黑體 Light" panose="020B0304030504040204" pitchFamily="34" charset="-120"/>
-                <a:ea typeface="微軟正黑體 Light" panose="020B0304030504040204" pitchFamily="34" charset="-120"/>
-              </a:rPr>
-              <a:t>會員管理</a:t>
-            </a:r>
-          </a:p>
-        </p:txBody>
-      </p:sp>
-      <p:sp>
-        <p:nvSpPr>
-          <p:cNvPr id="10" name="矩形: 圓角 9">
-            <a:extLst>
-              <a:ext uri="{FF2B5EF4-FFF2-40B4-BE49-F238E27FC236}">
-                <a16:creationId xmlns:a16="http://schemas.microsoft.com/office/drawing/2014/main" id="{81BD9127-0C18-456B-B974-ADE61FA622C0}"/>
-              </a:ext>
-            </a:extLst>
-          </p:cNvPr>
-          <p:cNvSpPr/>
-          <p:nvPr/>
-        </p:nvSpPr>
-        <p:spPr>
-          <a:xfrm>
-            <a:off x="10106357" y="3370940"/>
-            <a:ext cx="1868882" cy="406399"/>
-          </a:xfrm>
-          <a:prstGeom prst="roundRect">
-            <a:avLst>
-              <a:gd name="adj" fmla="val 50000"/>
-            </a:avLst>
-          </a:prstGeom>
-          <a:solidFill>
-            <a:srgbClr val="002060"/>
-          </a:solidFill>
-          <a:ln w="38100">
-            <a:solidFill>
-              <a:srgbClr val="00B0F0"/>
-            </a:solidFill>
-          </a:ln>
-        </p:spPr>
-        <p:style>
-          <a:lnRef idx="2">
-            <a:schemeClr val="accent1">
-              <a:shade val="50000"/>
-            </a:schemeClr>
-          </a:lnRef>
-          <a:fillRef idx="1">
-            <a:schemeClr val="accent1"/>
-          </a:fillRef>
-          <a:effectRef idx="0">
-            <a:schemeClr val="accent1"/>
-          </a:effectRef>
-          <a:fontRef idx="minor">
-            <a:schemeClr val="lt1"/>
-          </a:fontRef>
-        </p:style>
-        <p:txBody>
-          <a:bodyPr rtlCol="0" anchor="ctr"/>
-          <a:lstStyle/>
-          <a:p>
-            <a:pPr algn="ctr"/>
-            <a:r>
-              <a:rPr lang="zh-TW" altLang="en-US" sz="2400" b="1" dirty="0">
-                <a:solidFill>
-                  <a:schemeClr val="bg1"/>
-                </a:solidFill>
-                <a:latin typeface="微軟正黑體 Light" panose="020B0304030504040204" pitchFamily="34" charset="-120"/>
-                <a:ea typeface="微軟正黑體 Light" panose="020B0304030504040204" pitchFamily="34" charset="-120"/>
-              </a:rPr>
-              <a:t>後臺管理</a:t>
-            </a:r>
-          </a:p>
-        </p:txBody>
-      </p:sp>
-      <p:cxnSp>
-        <p:nvCxnSpPr>
-          <p:cNvPr id="11" name="接點: 肘形 10">
-            <a:extLst>
-              <a:ext uri="{FF2B5EF4-FFF2-40B4-BE49-F238E27FC236}">
-                <a16:creationId xmlns:a16="http://schemas.microsoft.com/office/drawing/2014/main" id="{480213C4-E43A-4FCF-8A2C-5F5680F3768C}"/>
-              </a:ext>
-            </a:extLst>
-          </p:cNvPr>
-          <p:cNvCxnSpPr>
-            <a:cxnSpLocks/>
-            <a:stCxn id="3" idx="2"/>
-            <a:endCxn id="4" idx="0"/>
-          </p:cNvCxnSpPr>
-          <p:nvPr/>
-        </p:nvCxnSpPr>
-        <p:spPr>
-          <a:xfrm rot="5400000">
-            <a:off x="3188247" y="463187"/>
-            <a:ext cx="961572" cy="4853935"/>
-          </a:xfrm>
-          <a:prstGeom prst="bentConnector3">
-            <a:avLst/>
-          </a:prstGeom>
-          <a:ln w="28575">
-            <a:solidFill>
-              <a:srgbClr val="002060"/>
-            </a:solidFill>
-          </a:ln>
-        </p:spPr>
-        <p:style>
-          <a:lnRef idx="1">
-            <a:schemeClr val="accent1"/>
-          </a:lnRef>
-          <a:fillRef idx="0">
-            <a:schemeClr val="accent1"/>
-          </a:fillRef>
-          <a:effectRef idx="0">
-            <a:schemeClr val="accent1"/>
-          </a:effectRef>
-          <a:fontRef idx="minor">
-            <a:schemeClr val="tx1"/>
-          </a:fontRef>
-        </p:style>
-      </p:cxnSp>
-      <p:cxnSp>
-        <p:nvCxnSpPr>
-          <p:cNvPr id="12" name="接點: 肘形 11">
-            <a:extLst>
-              <a:ext uri="{FF2B5EF4-FFF2-40B4-BE49-F238E27FC236}">
-                <a16:creationId xmlns:a16="http://schemas.microsoft.com/office/drawing/2014/main" id="{49D57753-483F-4F6B-979B-B6A45A1F9F22}"/>
-              </a:ext>
-            </a:extLst>
-          </p:cNvPr>
-          <p:cNvCxnSpPr>
-            <a:cxnSpLocks/>
-            <a:stCxn id="3" idx="2"/>
-            <a:endCxn id="5" idx="0"/>
-          </p:cNvCxnSpPr>
-          <p:nvPr/>
-        </p:nvCxnSpPr>
-        <p:spPr>
-          <a:xfrm rot="5400000">
-            <a:off x="4168120" y="1443060"/>
-            <a:ext cx="961572" cy="2894188"/>
-          </a:xfrm>
-          <a:prstGeom prst="bentConnector3">
-            <a:avLst>
-              <a:gd name="adj1" fmla="val 50000"/>
-            </a:avLst>
-          </a:prstGeom>
-          <a:ln w="28575">
-            <a:solidFill>
-              <a:srgbClr val="002060"/>
-            </a:solidFill>
-          </a:ln>
-        </p:spPr>
-        <p:style>
-          <a:lnRef idx="1">
-            <a:schemeClr val="accent1"/>
-          </a:lnRef>
-          <a:fillRef idx="0">
-            <a:schemeClr val="accent1"/>
-          </a:fillRef>
-          <a:effectRef idx="0">
-            <a:schemeClr val="accent1"/>
-          </a:effectRef>
-          <a:fontRef idx="minor">
-            <a:schemeClr val="tx1"/>
-          </a:fontRef>
-        </p:style>
-      </p:cxnSp>
-      <p:cxnSp>
-        <p:nvCxnSpPr>
-          <p:cNvPr id="13" name="接點: 肘形 12">
-            <a:extLst>
-              <a:ext uri="{FF2B5EF4-FFF2-40B4-BE49-F238E27FC236}">
-                <a16:creationId xmlns:a16="http://schemas.microsoft.com/office/drawing/2014/main" id="{5B8A49C8-F8FE-4446-AF2C-35BB1FE02C53}"/>
-              </a:ext>
-            </a:extLst>
-          </p:cNvPr>
-          <p:cNvCxnSpPr>
-            <a:cxnSpLocks/>
-            <a:stCxn id="3" idx="2"/>
-            <a:endCxn id="7" idx="0"/>
-          </p:cNvCxnSpPr>
-          <p:nvPr/>
-        </p:nvCxnSpPr>
-        <p:spPr>
-          <a:xfrm rot="5400000">
-            <a:off x="5147994" y="2422934"/>
-            <a:ext cx="961572" cy="934441"/>
-          </a:xfrm>
-          <a:prstGeom prst="bentConnector3">
-            <a:avLst>
-              <a:gd name="adj1" fmla="val 50000"/>
-            </a:avLst>
-          </a:prstGeom>
-          <a:ln w="28575">
-            <a:solidFill>
-              <a:srgbClr val="002060"/>
-            </a:solidFill>
-          </a:ln>
-        </p:spPr>
-        <p:style>
-          <a:lnRef idx="1">
-            <a:schemeClr val="accent1"/>
-          </a:lnRef>
-          <a:fillRef idx="0">
-            <a:schemeClr val="accent1"/>
-          </a:fillRef>
-          <a:effectRef idx="0">
-            <a:schemeClr val="accent1"/>
-          </a:effectRef>
-          <a:fontRef idx="minor">
-            <a:schemeClr val="tx1"/>
-          </a:fontRef>
-        </p:style>
-      </p:cxnSp>
-      <p:cxnSp>
-        <p:nvCxnSpPr>
-          <p:cNvPr id="14" name="接點: 肘形 13">
-            <a:extLst>
-              <a:ext uri="{FF2B5EF4-FFF2-40B4-BE49-F238E27FC236}">
-                <a16:creationId xmlns:a16="http://schemas.microsoft.com/office/drawing/2014/main" id="{AD890F0C-E5D1-4028-BC0A-0F7177798B57}"/>
-              </a:ext>
-            </a:extLst>
-          </p:cNvPr>
-          <p:cNvCxnSpPr>
-            <a:cxnSpLocks/>
-            <a:stCxn id="3" idx="2"/>
-            <a:endCxn id="8" idx="0"/>
-          </p:cNvCxnSpPr>
-          <p:nvPr/>
-        </p:nvCxnSpPr>
-        <p:spPr>
-          <a:xfrm rot="16200000" flipH="1">
-            <a:off x="6127867" y="2377501"/>
-            <a:ext cx="961572" cy="1025306"/>
-          </a:xfrm>
-          <a:prstGeom prst="bentConnector3">
-            <a:avLst>
-              <a:gd name="adj1" fmla="val 50000"/>
-            </a:avLst>
-          </a:prstGeom>
-          <a:ln w="28575">
-            <a:solidFill>
-              <a:srgbClr val="002060"/>
-            </a:solidFill>
-          </a:ln>
-        </p:spPr>
-        <p:style>
-          <a:lnRef idx="1">
-            <a:schemeClr val="accent1"/>
-          </a:lnRef>
-          <a:fillRef idx="0">
-            <a:schemeClr val="accent1"/>
-          </a:fillRef>
-          <a:effectRef idx="0">
-            <a:schemeClr val="accent1"/>
-          </a:effectRef>
-          <a:fontRef idx="minor">
-            <a:schemeClr val="tx1"/>
-          </a:fontRef>
-        </p:style>
-      </p:cxnSp>
-      <p:cxnSp>
-        <p:nvCxnSpPr>
-          <p:cNvPr id="15" name="接點: 肘形 14">
-            <a:extLst>
-              <a:ext uri="{FF2B5EF4-FFF2-40B4-BE49-F238E27FC236}">
-                <a16:creationId xmlns:a16="http://schemas.microsoft.com/office/drawing/2014/main" id="{3A05AD12-1B48-499D-94DD-B75605F9C9D7}"/>
-              </a:ext>
-            </a:extLst>
-          </p:cNvPr>
-          <p:cNvCxnSpPr>
-            <a:cxnSpLocks/>
-            <a:stCxn id="3" idx="2"/>
-            <a:endCxn id="9" idx="0"/>
-          </p:cNvCxnSpPr>
-          <p:nvPr/>
-        </p:nvCxnSpPr>
-        <p:spPr>
-          <a:xfrm rot="16200000" flipH="1">
-            <a:off x="7107740" y="1397627"/>
-            <a:ext cx="961572" cy="2985053"/>
-          </a:xfrm>
-          <a:prstGeom prst="bentConnector3">
-            <a:avLst>
-              <a:gd name="adj1" fmla="val 50000"/>
-            </a:avLst>
-          </a:prstGeom>
-          <a:ln w="28575">
-            <a:solidFill>
-              <a:srgbClr val="002060"/>
-            </a:solidFill>
-          </a:ln>
-        </p:spPr>
-        <p:style>
-          <a:lnRef idx="1">
-            <a:schemeClr val="accent1"/>
-          </a:lnRef>
-          <a:fillRef idx="0">
-            <a:schemeClr val="accent1"/>
-          </a:fillRef>
-          <a:effectRef idx="0">
-            <a:schemeClr val="accent1"/>
-          </a:effectRef>
-          <a:fontRef idx="minor">
-            <a:schemeClr val="tx1"/>
-          </a:fontRef>
-        </p:style>
-      </p:cxnSp>
-      <p:cxnSp>
-        <p:nvCxnSpPr>
-          <p:cNvPr id="16" name="接點: 肘形 15">
-            <a:extLst>
-              <a:ext uri="{FF2B5EF4-FFF2-40B4-BE49-F238E27FC236}">
-                <a16:creationId xmlns:a16="http://schemas.microsoft.com/office/drawing/2014/main" id="{7961ACE1-953F-4FD2-863D-55514CA37A83}"/>
-              </a:ext>
-            </a:extLst>
-          </p:cNvPr>
-          <p:cNvCxnSpPr>
-            <a:cxnSpLocks/>
-            <a:stCxn id="3" idx="2"/>
-            <a:endCxn id="10" idx="0"/>
-          </p:cNvCxnSpPr>
-          <p:nvPr/>
-        </p:nvCxnSpPr>
-        <p:spPr>
-          <a:xfrm rot="16200000" flipH="1">
-            <a:off x="8087613" y="417755"/>
-            <a:ext cx="961572" cy="4944798"/>
-          </a:xfrm>
-          <a:prstGeom prst="bentConnector3">
-            <a:avLst>
-              <a:gd name="adj1" fmla="val 50000"/>
-            </a:avLst>
-          </a:prstGeom>
-          <a:ln w="28575">
-            <a:solidFill>
-              <a:srgbClr val="002060"/>
-            </a:solidFill>
-          </a:ln>
-        </p:spPr>
-        <p:style>
-          <a:lnRef idx="1">
-            <a:schemeClr val="accent1"/>
-          </a:lnRef>
-          <a:fillRef idx="0">
-            <a:schemeClr val="accent1"/>
-          </a:fillRef>
-          <a:effectRef idx="0">
-            <a:schemeClr val="accent1"/>
-          </a:effectRef>
-          <a:fontRef idx="minor">
-            <a:schemeClr val="tx1"/>
-          </a:fontRef>
-        </p:style>
-      </p:cxnSp>
-      <p:sp>
-        <p:nvSpPr>
-          <p:cNvPr id="17" name="矩形: 圓角 16">
-            <a:extLst>
-              <a:ext uri="{FF2B5EF4-FFF2-40B4-BE49-F238E27FC236}">
-                <a16:creationId xmlns:a16="http://schemas.microsoft.com/office/drawing/2014/main" id="{3AC06AD5-E14D-445A-998F-69031093DA96}"/>
-              </a:ext>
-            </a:extLst>
-          </p:cNvPr>
-          <p:cNvSpPr/>
-          <p:nvPr/>
-        </p:nvSpPr>
-        <p:spPr>
-          <a:xfrm>
-            <a:off x="500416" y="3944481"/>
-            <a:ext cx="1483297" cy="406399"/>
-          </a:xfrm>
-          <a:prstGeom prst="roundRect">
-            <a:avLst>
-              <a:gd name="adj" fmla="val 50000"/>
-            </a:avLst>
-          </a:prstGeom>
-          <a:solidFill>
-            <a:srgbClr val="002060"/>
-          </a:solidFill>
-          <a:ln w="38100">
-            <a:solidFill>
-              <a:srgbClr val="92D050"/>
-            </a:solidFill>
-          </a:ln>
-        </p:spPr>
-        <p:style>
-          <a:lnRef idx="2">
-            <a:schemeClr val="accent1">
-              <a:shade val="50000"/>
-            </a:schemeClr>
-          </a:lnRef>
-          <a:fillRef idx="1">
-            <a:schemeClr val="accent1"/>
-          </a:fillRef>
-          <a:effectRef idx="0">
-            <a:schemeClr val="accent1"/>
-          </a:effectRef>
-          <a:fontRef idx="minor">
-            <a:schemeClr val="lt1"/>
-          </a:fontRef>
-        </p:style>
-        <p:txBody>
-          <a:bodyPr rtlCol="0" anchor="ctr"/>
-          <a:lstStyle/>
-          <a:p>
-            <a:pPr algn="ctr"/>
-            <a:r>
-              <a:rPr lang="zh-TW" altLang="en-US" sz="1400" b="1" dirty="0">
-                <a:solidFill>
-                  <a:schemeClr val="bg1"/>
-                </a:solidFill>
-                <a:latin typeface="微軟正黑體 Light" panose="020B0304030504040204" pitchFamily="34" charset="-120"/>
-                <a:ea typeface="微軟正黑體 Light" panose="020B0304030504040204" pitchFamily="34" charset="-120"/>
-              </a:rPr>
-              <a:t>最新消息</a:t>
-            </a:r>
-          </a:p>
-        </p:txBody>
-      </p:sp>
-      <p:sp>
-        <p:nvSpPr>
-          <p:cNvPr id="18" name="矩形: 圓角 17">
-            <a:extLst>
-              <a:ext uri="{FF2B5EF4-FFF2-40B4-BE49-F238E27FC236}">
-                <a16:creationId xmlns:a16="http://schemas.microsoft.com/office/drawing/2014/main" id="{7FD6E9E8-B8F3-4B1D-851B-E0E957F59A94}"/>
-              </a:ext>
-            </a:extLst>
-          </p:cNvPr>
-          <p:cNvSpPr/>
-          <p:nvPr/>
-        </p:nvSpPr>
-        <p:spPr>
-          <a:xfrm>
-            <a:off x="500416" y="4497288"/>
-            <a:ext cx="1483297" cy="406399"/>
-          </a:xfrm>
-          <a:prstGeom prst="roundRect">
-            <a:avLst>
-              <a:gd name="adj" fmla="val 50000"/>
-            </a:avLst>
-          </a:prstGeom>
-          <a:solidFill>
-            <a:srgbClr val="002060"/>
-          </a:solidFill>
-          <a:ln w="38100">
-            <a:solidFill>
-              <a:srgbClr val="92D050"/>
-            </a:solidFill>
-          </a:ln>
-        </p:spPr>
-        <p:style>
-          <a:lnRef idx="2">
-            <a:schemeClr val="accent1">
-              <a:shade val="50000"/>
-            </a:schemeClr>
-          </a:lnRef>
-          <a:fillRef idx="1">
-            <a:schemeClr val="accent1"/>
-          </a:fillRef>
-          <a:effectRef idx="0">
-            <a:schemeClr val="accent1"/>
-          </a:effectRef>
-          <a:fontRef idx="minor">
-            <a:schemeClr val="lt1"/>
-          </a:fontRef>
-        </p:style>
-        <p:txBody>
-          <a:bodyPr rtlCol="0" anchor="ctr"/>
-          <a:lstStyle/>
-          <a:p>
-            <a:pPr algn="ctr"/>
-            <a:r>
-              <a:rPr lang="zh-TW" altLang="en-US" sz="1400" b="1" dirty="0">
-                <a:solidFill>
-                  <a:schemeClr val="bg1"/>
-                </a:solidFill>
-                <a:latin typeface="微軟正黑體 Light" panose="020B0304030504040204" pitchFamily="34" charset="-120"/>
-                <a:ea typeface="微軟正黑體 Light" panose="020B0304030504040204" pitchFamily="34" charset="-120"/>
-              </a:rPr>
-              <a:t>關於我們</a:t>
-            </a:r>
-          </a:p>
-        </p:txBody>
-      </p:sp>
-      <p:sp>
-        <p:nvSpPr>
-          <p:cNvPr id="19" name="矩形: 圓角 18">
-            <a:extLst>
-              <a:ext uri="{FF2B5EF4-FFF2-40B4-BE49-F238E27FC236}">
-                <a16:creationId xmlns:a16="http://schemas.microsoft.com/office/drawing/2014/main" id="{74547212-F9B1-4F47-9990-DB2B0D9347E7}"/>
-              </a:ext>
-            </a:extLst>
-          </p:cNvPr>
-          <p:cNvSpPr/>
-          <p:nvPr/>
-        </p:nvSpPr>
-        <p:spPr>
-          <a:xfrm>
-            <a:off x="8339404" y="3921381"/>
-            <a:ext cx="1483297" cy="406399"/>
-          </a:xfrm>
-          <a:prstGeom prst="roundRect">
-            <a:avLst>
-              <a:gd name="adj" fmla="val 50000"/>
-            </a:avLst>
-          </a:prstGeom>
-          <a:solidFill>
-            <a:srgbClr val="002060"/>
-          </a:solidFill>
-          <a:ln w="38100">
-            <a:solidFill>
-              <a:schemeClr val="accent4">
-                <a:lumMod val="60000"/>
-                <a:lumOff val="40000"/>
-              </a:schemeClr>
-            </a:solidFill>
-          </a:ln>
-        </p:spPr>
-        <p:style>
-          <a:lnRef idx="2">
-            <a:schemeClr val="accent1">
-              <a:shade val="50000"/>
-            </a:schemeClr>
-          </a:lnRef>
-          <a:fillRef idx="1">
-            <a:schemeClr val="accent1"/>
-          </a:fillRef>
-          <a:effectRef idx="0">
-            <a:schemeClr val="accent1"/>
-          </a:effectRef>
-          <a:fontRef idx="minor">
-            <a:schemeClr val="lt1"/>
-          </a:fontRef>
-        </p:style>
-        <p:txBody>
-          <a:bodyPr rtlCol="0" anchor="ctr"/>
-          <a:lstStyle/>
-          <a:p>
-            <a:pPr algn="ctr"/>
-            <a:r>
-              <a:rPr lang="zh-TW" altLang="en-US" sz="1400" b="1" dirty="0">
-                <a:solidFill>
-                  <a:schemeClr val="bg1"/>
-                </a:solidFill>
-                <a:latin typeface="微軟正黑體 Light" panose="020B0304030504040204" pitchFamily="34" charset="-120"/>
-                <a:ea typeface="微軟正黑體 Light" panose="020B0304030504040204" pitchFamily="34" charset="-120"/>
-              </a:rPr>
-              <a:t>我的送養文</a:t>
-            </a:r>
-          </a:p>
-        </p:txBody>
-      </p:sp>
-      <p:sp>
-        <p:nvSpPr>
-          <p:cNvPr id="20" name="矩形: 圓角 19">
-            <a:extLst>
-              <a:ext uri="{FF2B5EF4-FFF2-40B4-BE49-F238E27FC236}">
-                <a16:creationId xmlns:a16="http://schemas.microsoft.com/office/drawing/2014/main" id="{D438050C-3069-4C82-B9EE-AADF043AAA45}"/>
-              </a:ext>
-            </a:extLst>
-          </p:cNvPr>
-          <p:cNvSpPr/>
-          <p:nvPr/>
-        </p:nvSpPr>
-        <p:spPr>
-          <a:xfrm>
-            <a:off x="8339404" y="4474188"/>
-            <a:ext cx="1483297" cy="406399"/>
-          </a:xfrm>
-          <a:prstGeom prst="roundRect">
-            <a:avLst>
-              <a:gd name="adj" fmla="val 50000"/>
-            </a:avLst>
-          </a:prstGeom>
-          <a:solidFill>
-            <a:srgbClr val="002060"/>
-          </a:solidFill>
-          <a:ln w="38100">
-            <a:solidFill>
-              <a:schemeClr val="accent4">
-                <a:lumMod val="60000"/>
-                <a:lumOff val="40000"/>
-              </a:schemeClr>
-            </a:solidFill>
-          </a:ln>
-        </p:spPr>
-        <p:style>
-          <a:lnRef idx="2">
-            <a:schemeClr val="accent1">
-              <a:shade val="50000"/>
-            </a:schemeClr>
-          </a:lnRef>
-          <a:fillRef idx="1">
-            <a:schemeClr val="accent1"/>
-          </a:fillRef>
-          <a:effectRef idx="0">
-            <a:schemeClr val="accent1"/>
-          </a:effectRef>
-          <a:fontRef idx="minor">
-            <a:schemeClr val="lt1"/>
-          </a:fontRef>
-        </p:style>
-        <p:txBody>
-          <a:bodyPr rtlCol="0" anchor="ctr"/>
-          <a:lstStyle/>
-          <a:p>
-            <a:pPr algn="ctr"/>
-            <a:r>
-              <a:rPr lang="zh-TW" altLang="en-US" sz="1400" b="1" dirty="0">
-                <a:solidFill>
-                  <a:schemeClr val="bg1"/>
-                </a:solidFill>
-                <a:latin typeface="微軟正黑體 Light" panose="020B0304030504040204" pitchFamily="34" charset="-120"/>
-                <a:ea typeface="微軟正黑體 Light" panose="020B0304030504040204" pitchFamily="34" charset="-120"/>
-              </a:rPr>
-              <a:t>我追蹤的毛孩</a:t>
-            </a:r>
-          </a:p>
-        </p:txBody>
-      </p:sp>
-      <p:sp>
-        <p:nvSpPr>
-          <p:cNvPr id="21" name="矩形: 圓角 20">
-            <a:extLst>
-              <a:ext uri="{FF2B5EF4-FFF2-40B4-BE49-F238E27FC236}">
-                <a16:creationId xmlns:a16="http://schemas.microsoft.com/office/drawing/2014/main" id="{DF45E9FC-28B0-4CA5-A62E-F229595C1BA4}"/>
-              </a:ext>
-            </a:extLst>
-          </p:cNvPr>
-          <p:cNvSpPr/>
-          <p:nvPr/>
-        </p:nvSpPr>
-        <p:spPr>
-          <a:xfrm>
-            <a:off x="8339404" y="5026995"/>
-            <a:ext cx="1483297" cy="406399"/>
-          </a:xfrm>
-          <a:prstGeom prst="roundRect">
-            <a:avLst>
-              <a:gd name="adj" fmla="val 50000"/>
-            </a:avLst>
-          </a:prstGeom>
-          <a:solidFill>
-            <a:srgbClr val="002060"/>
-          </a:solidFill>
-          <a:ln w="38100">
-            <a:solidFill>
-              <a:schemeClr val="accent4">
-                <a:lumMod val="60000"/>
-                <a:lumOff val="40000"/>
-              </a:schemeClr>
-            </a:solidFill>
-          </a:ln>
-        </p:spPr>
-        <p:style>
-          <a:lnRef idx="2">
-            <a:schemeClr val="accent1">
-              <a:shade val="50000"/>
-            </a:schemeClr>
-          </a:lnRef>
-          <a:fillRef idx="1">
-            <a:schemeClr val="accent1"/>
-          </a:fillRef>
-          <a:effectRef idx="0">
-            <a:schemeClr val="accent1"/>
-          </a:effectRef>
-          <a:fontRef idx="minor">
-            <a:schemeClr val="lt1"/>
-          </a:fontRef>
-        </p:style>
-        <p:txBody>
-          <a:bodyPr rtlCol="0" anchor="ctr"/>
-          <a:lstStyle/>
-          <a:p>
-            <a:pPr algn="ctr"/>
-            <a:r>
-              <a:rPr lang="zh-TW" altLang="en-US" sz="1400" b="1" dirty="0">
-                <a:solidFill>
-                  <a:schemeClr val="bg1"/>
-                </a:solidFill>
-                <a:latin typeface="微軟正黑體 Light" panose="020B0304030504040204" pitchFamily="34" charset="-120"/>
-                <a:ea typeface="微軟正黑體 Light" panose="020B0304030504040204" pitchFamily="34" charset="-120"/>
-              </a:rPr>
-              <a:t>通知</a:t>
-            </a:r>
-          </a:p>
-        </p:txBody>
-      </p:sp>
-      <p:sp>
-        <p:nvSpPr>
-          <p:cNvPr id="22" name="矩形: 圓角 21">
-            <a:extLst>
-              <a:ext uri="{FF2B5EF4-FFF2-40B4-BE49-F238E27FC236}">
-                <a16:creationId xmlns:a16="http://schemas.microsoft.com/office/drawing/2014/main" id="{64644E58-E0D2-4DEB-AC63-2FD4BDA78A1C}"/>
-              </a:ext>
-            </a:extLst>
-          </p:cNvPr>
-          <p:cNvSpPr/>
-          <p:nvPr/>
-        </p:nvSpPr>
-        <p:spPr>
-          <a:xfrm>
-            <a:off x="8339404" y="5579802"/>
-            <a:ext cx="1483297" cy="406399"/>
-          </a:xfrm>
-          <a:prstGeom prst="roundRect">
-            <a:avLst>
-              <a:gd name="adj" fmla="val 50000"/>
-            </a:avLst>
-          </a:prstGeom>
-          <a:solidFill>
-            <a:srgbClr val="002060"/>
-          </a:solidFill>
-          <a:ln w="38100">
-            <a:solidFill>
-              <a:schemeClr val="accent4">
-                <a:lumMod val="60000"/>
-                <a:lumOff val="40000"/>
-              </a:schemeClr>
-            </a:solidFill>
-          </a:ln>
-        </p:spPr>
-        <p:style>
-          <a:lnRef idx="2">
-            <a:schemeClr val="accent1">
-              <a:shade val="50000"/>
-            </a:schemeClr>
-          </a:lnRef>
-          <a:fillRef idx="1">
-            <a:schemeClr val="accent1"/>
-          </a:fillRef>
-          <a:effectRef idx="0">
-            <a:schemeClr val="accent1"/>
-          </a:effectRef>
-          <a:fontRef idx="minor">
-            <a:schemeClr val="lt1"/>
-          </a:fontRef>
-        </p:style>
-        <p:txBody>
-          <a:bodyPr rtlCol="0" anchor="ctr"/>
-          <a:lstStyle/>
-          <a:p>
-            <a:pPr algn="ctr"/>
-            <a:r>
-              <a:rPr lang="zh-TW" altLang="en-US" sz="1400" b="1" dirty="0">
-                <a:solidFill>
-                  <a:schemeClr val="bg1"/>
-                </a:solidFill>
-                <a:latin typeface="微軟正黑體 Light" panose="020B0304030504040204" pitchFamily="34" charset="-120"/>
-                <a:ea typeface="微軟正黑體 Light" panose="020B0304030504040204" pitchFamily="34" charset="-120"/>
-              </a:rPr>
-              <a:t>聯絡我們</a:t>
-            </a:r>
-          </a:p>
-        </p:txBody>
-      </p:sp>
-      <p:sp>
-        <p:nvSpPr>
-          <p:cNvPr id="23" name="矩形: 圓角 22">
-            <a:extLst>
-              <a:ext uri="{FF2B5EF4-FFF2-40B4-BE49-F238E27FC236}">
-                <a16:creationId xmlns:a16="http://schemas.microsoft.com/office/drawing/2014/main" id="{44C5174A-7C48-4EE5-A120-15A7B4C984AC}"/>
-              </a:ext>
-            </a:extLst>
-          </p:cNvPr>
-          <p:cNvSpPr/>
-          <p:nvPr/>
-        </p:nvSpPr>
-        <p:spPr>
-          <a:xfrm>
-            <a:off x="8339404" y="6132609"/>
-            <a:ext cx="1483297" cy="406399"/>
-          </a:xfrm>
-          <a:prstGeom prst="roundRect">
-            <a:avLst>
-              <a:gd name="adj" fmla="val 50000"/>
-            </a:avLst>
-          </a:prstGeom>
-          <a:solidFill>
-            <a:srgbClr val="002060"/>
-          </a:solidFill>
-          <a:ln w="38100">
-            <a:solidFill>
-              <a:schemeClr val="accent4">
-                <a:lumMod val="60000"/>
-                <a:lumOff val="40000"/>
-              </a:schemeClr>
-            </a:solidFill>
-          </a:ln>
-        </p:spPr>
-        <p:style>
-          <a:lnRef idx="2">
-            <a:schemeClr val="accent1">
-              <a:shade val="50000"/>
-            </a:schemeClr>
-          </a:lnRef>
-          <a:fillRef idx="1">
-            <a:schemeClr val="accent1"/>
-          </a:fillRef>
-          <a:effectRef idx="0">
-            <a:schemeClr val="accent1"/>
-          </a:effectRef>
-          <a:fontRef idx="minor">
-            <a:schemeClr val="lt1"/>
-          </a:fontRef>
-        </p:style>
-        <p:txBody>
-          <a:bodyPr rtlCol="0" anchor="ctr"/>
-          <a:lstStyle/>
-          <a:p>
-            <a:pPr algn="ctr"/>
-            <a:r>
-              <a:rPr lang="zh-TW" altLang="en-US" sz="1400" b="1" dirty="0">
-                <a:solidFill>
-                  <a:schemeClr val="bg1"/>
-                </a:solidFill>
-                <a:latin typeface="微軟正黑體 Light" panose="020B0304030504040204" pitchFamily="34" charset="-120"/>
-                <a:ea typeface="微軟正黑體 Light" panose="020B0304030504040204" pitchFamily="34" charset="-120"/>
-              </a:rPr>
-              <a:t>會員資料管理</a:t>
-            </a:r>
-          </a:p>
-        </p:txBody>
-      </p:sp>
-      <p:sp>
-        <p:nvSpPr>
-          <p:cNvPr id="24" name="矩形: 圓角 23">
-            <a:extLst>
-              <a:ext uri="{FF2B5EF4-FFF2-40B4-BE49-F238E27FC236}">
-                <a16:creationId xmlns:a16="http://schemas.microsoft.com/office/drawing/2014/main" id="{6E7DE4DF-F4C1-4954-A5BD-F4690ED43B6A}"/>
-              </a:ext>
-            </a:extLst>
-          </p:cNvPr>
-          <p:cNvSpPr/>
-          <p:nvPr/>
-        </p:nvSpPr>
-        <p:spPr>
-          <a:xfrm>
-            <a:off x="10299149" y="3921381"/>
-            <a:ext cx="1483297" cy="406399"/>
-          </a:xfrm>
-          <a:prstGeom prst="roundRect">
-            <a:avLst>
-              <a:gd name="adj" fmla="val 50000"/>
-            </a:avLst>
-          </a:prstGeom>
-          <a:solidFill>
-            <a:srgbClr val="002060"/>
-          </a:solidFill>
-          <a:ln w="38100">
-            <a:solidFill>
-              <a:srgbClr val="00B0F0"/>
-            </a:solidFill>
-          </a:ln>
-        </p:spPr>
-        <p:style>
-          <a:lnRef idx="2">
-            <a:schemeClr val="accent1">
-              <a:shade val="50000"/>
-            </a:schemeClr>
-          </a:lnRef>
-          <a:fillRef idx="1">
-            <a:schemeClr val="accent1"/>
-          </a:fillRef>
-          <a:effectRef idx="0">
-            <a:schemeClr val="accent1"/>
-          </a:effectRef>
-          <a:fontRef idx="minor">
-            <a:schemeClr val="lt1"/>
-          </a:fontRef>
-        </p:style>
-        <p:txBody>
-          <a:bodyPr rtlCol="0" anchor="ctr"/>
-          <a:lstStyle/>
-          <a:p>
-            <a:pPr algn="ctr"/>
-            <a:r>
-              <a:rPr lang="zh-TW" altLang="en-US" sz="1400" b="1" dirty="0">
-                <a:solidFill>
-                  <a:schemeClr val="bg1"/>
-                </a:solidFill>
-                <a:latin typeface="微軟正黑體 Light" panose="020B0304030504040204" pitchFamily="34" charset="-120"/>
-                <a:ea typeface="微軟正黑體 Light" panose="020B0304030504040204" pitchFamily="34" charset="-120"/>
-              </a:rPr>
-              <a:t>最新消息管理</a:t>
-            </a:r>
-          </a:p>
-        </p:txBody>
-      </p:sp>
-      <p:sp>
-        <p:nvSpPr>
-          <p:cNvPr id="25" name="矩形: 圓角 24">
-            <a:extLst>
-              <a:ext uri="{FF2B5EF4-FFF2-40B4-BE49-F238E27FC236}">
-                <a16:creationId xmlns:a16="http://schemas.microsoft.com/office/drawing/2014/main" id="{E7DEDD1D-452D-490E-BB09-B8A2515C9D2F}"/>
-              </a:ext>
-            </a:extLst>
-          </p:cNvPr>
-          <p:cNvSpPr/>
-          <p:nvPr/>
-        </p:nvSpPr>
-        <p:spPr>
-          <a:xfrm>
-            <a:off x="10299149" y="4474188"/>
-            <a:ext cx="1483297" cy="406399"/>
-          </a:xfrm>
-          <a:prstGeom prst="roundRect">
-            <a:avLst>
-              <a:gd name="adj" fmla="val 50000"/>
-            </a:avLst>
-          </a:prstGeom>
-          <a:solidFill>
-            <a:srgbClr val="002060"/>
-          </a:solidFill>
-          <a:ln w="38100">
-            <a:solidFill>
-              <a:srgbClr val="00B0F0"/>
-            </a:solidFill>
-          </a:ln>
-        </p:spPr>
-        <p:style>
-          <a:lnRef idx="2">
-            <a:schemeClr val="accent1">
-              <a:shade val="50000"/>
-            </a:schemeClr>
-          </a:lnRef>
-          <a:fillRef idx="1">
-            <a:schemeClr val="accent1"/>
-          </a:fillRef>
-          <a:effectRef idx="0">
-            <a:schemeClr val="accent1"/>
-          </a:effectRef>
-          <a:fontRef idx="minor">
-            <a:schemeClr val="lt1"/>
-          </a:fontRef>
-        </p:style>
-        <p:txBody>
-          <a:bodyPr rtlCol="0" anchor="ctr"/>
-          <a:lstStyle/>
-          <a:p>
-            <a:pPr algn="ctr"/>
-            <a:r>
-              <a:rPr lang="zh-TW" altLang="en-US" sz="1400" b="1" dirty="0">
-                <a:solidFill>
-                  <a:schemeClr val="bg1"/>
-                </a:solidFill>
-                <a:latin typeface="微軟正黑體 Light" panose="020B0304030504040204" pitchFamily="34" charset="-120"/>
-                <a:ea typeface="微軟正黑體 Light" panose="020B0304030504040204" pitchFamily="34" charset="-120"/>
-              </a:rPr>
-              <a:t>會員資料管理</a:t>
-            </a:r>
-          </a:p>
-        </p:txBody>
-      </p:sp>
-      <p:sp>
-        <p:nvSpPr>
-          <p:cNvPr id="26" name="矩形: 圓角 25">
-            <a:extLst>
-              <a:ext uri="{FF2B5EF4-FFF2-40B4-BE49-F238E27FC236}">
-                <a16:creationId xmlns:a16="http://schemas.microsoft.com/office/drawing/2014/main" id="{928A6999-7CFD-4617-8CFE-557F7C235FFA}"/>
-              </a:ext>
-            </a:extLst>
-          </p:cNvPr>
-          <p:cNvSpPr/>
-          <p:nvPr/>
-        </p:nvSpPr>
-        <p:spPr>
-          <a:xfrm>
-            <a:off x="10299149" y="5026995"/>
-            <a:ext cx="1483297" cy="406399"/>
-          </a:xfrm>
-          <a:prstGeom prst="roundRect">
-            <a:avLst>
-              <a:gd name="adj" fmla="val 50000"/>
-            </a:avLst>
-          </a:prstGeom>
-          <a:solidFill>
-            <a:srgbClr val="002060"/>
-          </a:solidFill>
-          <a:ln w="38100">
-            <a:solidFill>
-              <a:srgbClr val="00B0F0"/>
-            </a:solidFill>
-          </a:ln>
-        </p:spPr>
-        <p:style>
-          <a:lnRef idx="2">
-            <a:schemeClr val="accent1">
-              <a:shade val="50000"/>
-            </a:schemeClr>
-          </a:lnRef>
-          <a:fillRef idx="1">
-            <a:schemeClr val="accent1"/>
-          </a:fillRef>
-          <a:effectRef idx="0">
-            <a:schemeClr val="accent1"/>
-          </a:effectRef>
-          <a:fontRef idx="minor">
-            <a:schemeClr val="lt1"/>
-          </a:fontRef>
-        </p:style>
-        <p:txBody>
-          <a:bodyPr rtlCol="0" anchor="ctr"/>
-          <a:lstStyle/>
-          <a:p>
-            <a:pPr algn="ctr"/>
-            <a:r>
-              <a:rPr lang="zh-TW" altLang="en-US" sz="1400" b="1" dirty="0">
-                <a:solidFill>
-                  <a:schemeClr val="bg1"/>
-                </a:solidFill>
-                <a:latin typeface="微軟正黑體 Light" panose="020B0304030504040204" pitchFamily="34" charset="-120"/>
-                <a:ea typeface="微軟正黑體 Light" panose="020B0304030504040204" pitchFamily="34" charset="-120"/>
-              </a:rPr>
-              <a:t>刊登送養審核</a:t>
-            </a:r>
-          </a:p>
-        </p:txBody>
-      </p:sp>
-      <p:sp>
-        <p:nvSpPr>
-          <p:cNvPr id="27" name="矩形: 圓角 26">
-            <a:extLst>
-              <a:ext uri="{FF2B5EF4-FFF2-40B4-BE49-F238E27FC236}">
-                <a16:creationId xmlns:a16="http://schemas.microsoft.com/office/drawing/2014/main" id="{68DE88D7-30BA-4FF2-ADF3-73F5B235F241}"/>
-              </a:ext>
-            </a:extLst>
-          </p:cNvPr>
-          <p:cNvSpPr/>
-          <p:nvPr/>
-        </p:nvSpPr>
-        <p:spPr>
-          <a:xfrm>
-            <a:off x="10299149" y="5579802"/>
-            <a:ext cx="1483297" cy="406399"/>
-          </a:xfrm>
-          <a:prstGeom prst="roundRect">
-            <a:avLst>
-              <a:gd name="adj" fmla="val 50000"/>
-            </a:avLst>
-          </a:prstGeom>
-          <a:solidFill>
-            <a:srgbClr val="002060"/>
-          </a:solidFill>
-          <a:ln w="38100">
-            <a:solidFill>
-              <a:srgbClr val="00B0F0"/>
-            </a:solidFill>
-          </a:ln>
-        </p:spPr>
-        <p:style>
-          <a:lnRef idx="2">
-            <a:schemeClr val="accent1">
-              <a:shade val="50000"/>
-            </a:schemeClr>
-          </a:lnRef>
-          <a:fillRef idx="1">
-            <a:schemeClr val="accent1"/>
-          </a:fillRef>
-          <a:effectRef idx="0">
-            <a:schemeClr val="accent1"/>
-          </a:effectRef>
-          <a:fontRef idx="minor">
-            <a:schemeClr val="lt1"/>
-          </a:fontRef>
-        </p:style>
-        <p:txBody>
-          <a:bodyPr rtlCol="0" anchor="ctr"/>
-          <a:lstStyle/>
-          <a:p>
-            <a:pPr algn="ctr"/>
-            <a:r>
-              <a:rPr lang="zh-TW" altLang="en-US" sz="1400" b="1" dirty="0">
-                <a:solidFill>
-                  <a:schemeClr val="bg1"/>
-                </a:solidFill>
-                <a:latin typeface="微軟正黑體 Light" panose="020B0304030504040204" pitchFamily="34" charset="-120"/>
-                <a:ea typeface="微軟正黑體 Light" panose="020B0304030504040204" pitchFamily="34" charset="-120"/>
-              </a:rPr>
-              <a:t>毛孩知識管理</a:t>
-            </a:r>
-          </a:p>
-        </p:txBody>
-      </p:sp>
-      <p:cxnSp>
-        <p:nvCxnSpPr>
-          <p:cNvPr id="31" name="直線接點 30">
-            <a:extLst>
-              <a:ext uri="{FF2B5EF4-FFF2-40B4-BE49-F238E27FC236}">
-                <a16:creationId xmlns:a16="http://schemas.microsoft.com/office/drawing/2014/main" id="{C9096E87-1D10-4C71-9B0B-DDC6885593B4}"/>
-              </a:ext>
-            </a:extLst>
-          </p:cNvPr>
-          <p:cNvCxnSpPr>
-            <a:stCxn id="4" idx="2"/>
-            <a:endCxn id="18" idx="0"/>
-          </p:cNvCxnSpPr>
-          <p:nvPr/>
-        </p:nvCxnSpPr>
-        <p:spPr>
-          <a:xfrm>
-            <a:off x="1242065" y="3777339"/>
-            <a:ext cx="0" cy="719949"/>
-          </a:xfrm>
-          <a:prstGeom prst="line">
-            <a:avLst/>
-          </a:prstGeom>
-          <a:ln w="28575">
-            <a:solidFill>
-              <a:srgbClr val="002060"/>
-            </a:solidFill>
-          </a:ln>
-        </p:spPr>
-        <p:style>
-          <a:lnRef idx="1">
-            <a:schemeClr val="accent1"/>
-          </a:lnRef>
-          <a:fillRef idx="0">
-            <a:schemeClr val="accent1"/>
-          </a:fillRef>
-          <a:effectRef idx="0">
-            <a:schemeClr val="accent1"/>
-          </a:effectRef>
-          <a:fontRef idx="minor">
-            <a:schemeClr val="tx1"/>
-          </a:fontRef>
-        </p:style>
-      </p:cxnSp>
-      <p:cxnSp>
-        <p:nvCxnSpPr>
-          <p:cNvPr id="34" name="直線接點 33">
-            <a:extLst>
-              <a:ext uri="{FF2B5EF4-FFF2-40B4-BE49-F238E27FC236}">
-                <a16:creationId xmlns:a16="http://schemas.microsoft.com/office/drawing/2014/main" id="{FBEF93E4-8899-446E-827B-DB0A5DDE4381}"/>
-              </a:ext>
-            </a:extLst>
-          </p:cNvPr>
-          <p:cNvCxnSpPr>
-            <a:cxnSpLocks/>
-            <a:endCxn id="27" idx="0"/>
-          </p:cNvCxnSpPr>
-          <p:nvPr/>
-        </p:nvCxnSpPr>
-        <p:spPr>
-          <a:xfrm>
-            <a:off x="11040798" y="3754239"/>
-            <a:ext cx="0" cy="1825563"/>
-          </a:xfrm>
-          <a:prstGeom prst="line">
-            <a:avLst/>
-          </a:prstGeom>
-          <a:ln w="28575">
-            <a:solidFill>
-              <a:srgbClr val="002060"/>
-            </a:solidFill>
-          </a:ln>
-        </p:spPr>
-        <p:style>
-          <a:lnRef idx="1">
-            <a:schemeClr val="accent1"/>
-          </a:lnRef>
-          <a:fillRef idx="0">
-            <a:schemeClr val="accent1"/>
-          </a:fillRef>
-          <a:effectRef idx="0">
-            <a:schemeClr val="accent1"/>
-          </a:effectRef>
-          <a:fontRef idx="minor">
-            <a:schemeClr val="tx1"/>
-          </a:fontRef>
-        </p:style>
-      </p:cxnSp>
-      <p:pic>
-        <p:nvPicPr>
-          <p:cNvPr id="43" name="圖片 42">
-            <a:extLst>
-              <a:ext uri="{FF2B5EF4-FFF2-40B4-BE49-F238E27FC236}">
-                <a16:creationId xmlns:a16="http://schemas.microsoft.com/office/drawing/2014/main" id="{98CE3112-6C02-4023-8845-639DCA91EF64}"/>
-              </a:ext>
-            </a:extLst>
-          </p:cNvPr>
-          <p:cNvPicPr>
-            <a:picLocks noChangeAspect="1"/>
-          </p:cNvPicPr>
-          <p:nvPr/>
-        </p:nvPicPr>
-        <p:blipFill>
-          <a:blip r:embed="rId2">
-            <a:extLst>
-              <a:ext uri="{28A0092B-C50C-407E-A947-70E740481C1C}">
-                <a14:useLocalDpi xmlns:a14="http://schemas.microsoft.com/office/drawing/2010/main" val="0"/>
-              </a:ext>
-            </a:extLst>
-          </a:blip>
-          <a:stretch>
-            <a:fillRect/>
-          </a:stretch>
-        </p:blipFill>
-        <p:spPr>
-          <a:xfrm>
-            <a:off x="12620022" y="1623964"/>
-            <a:ext cx="1080000" cy="1080000"/>
-          </a:xfrm>
-          <a:prstGeom prst="rect">
-            <a:avLst/>
-          </a:prstGeom>
-        </p:spPr>
-      </p:pic>
       <p:sp>
         <p:nvSpPr>
           <p:cNvPr id="46" name="橢圓 45">
@@ -6175,7 +10010,7 @@
           <p:nvPr/>
         </p:nvPicPr>
         <p:blipFill>
-          <a:blip r:embed="rId3">
+          <a:blip r:embed="rId2">
             <a:extLst>
               <a:ext uri="{28A0092B-C50C-407E-A947-70E740481C1C}">
                 <a14:useLocalDpi xmlns:a14="http://schemas.microsoft.com/office/drawing/2010/main" val="0"/>
@@ -6299,7 +10134,7 @@
           <p:nvPr/>
         </p:nvPicPr>
         <p:blipFill>
-          <a:blip r:embed="rId4">
+          <a:blip r:embed="rId3">
             <a:extLst>
               <a:ext uri="{28A0092B-C50C-407E-A947-70E740481C1C}">
                 <a14:useLocalDpi xmlns:a14="http://schemas.microsoft.com/office/drawing/2010/main" val="0"/>
@@ -6335,7 +10170,7 @@
           <p:nvPr/>
         </p:nvPicPr>
         <p:blipFill>
-          <a:blip r:embed="rId5">
+          <a:blip r:embed="rId4">
             <a:extLst>
               <a:ext uri="{28A0092B-C50C-407E-A947-70E740481C1C}">
                 <a14:useLocalDpi xmlns:a14="http://schemas.microsoft.com/office/drawing/2010/main" val="0"/>
@@ -6485,7 +10320,7 @@
 </p:sld>
 </file>
 
-<file path=ppt/slides/slide6.xml><?xml version="1.0" encoding="utf-8"?>
+<file path=ppt/slides/slide7.xml><?xml version="1.0" encoding="utf-8"?>
 <p:sld xmlns:a="http://schemas.openxmlformats.org/drawingml/2006/main" xmlns:r="http://schemas.openxmlformats.org/officeDocument/2006/relationships" xmlns:p="http://schemas.openxmlformats.org/presentationml/2006/main">
   <p:cSld>
     <p:spTree>
@@ -7897,7 +11732,7 @@
 </p:sld>
 </file>
 
-<file path=ppt/slides/slide7.xml><?xml version="1.0" encoding="utf-8"?>
+<file path=ppt/slides/slide8.xml><?xml version="1.0" encoding="utf-8"?>
 <p:sld xmlns:a="http://schemas.openxmlformats.org/drawingml/2006/main" xmlns:r="http://schemas.openxmlformats.org/officeDocument/2006/relationships" xmlns:p="http://schemas.openxmlformats.org/presentationml/2006/main">
   <p:cSld>
     <p:spTree>
@@ -7959,6 +11794,34 @@
           </a:p>
         </p:txBody>
       </p:sp>
+      <p:graphicFrame>
+        <p:nvGraphicFramePr>
+          <p:cNvPr id="2" name="資料庫圖表 1">
+            <a:extLst>
+              <a:ext uri="{FF2B5EF4-FFF2-40B4-BE49-F238E27FC236}">
+                <a16:creationId xmlns:a16="http://schemas.microsoft.com/office/drawing/2014/main" id="{44BE88C6-42B0-4046-905F-25DC0B6EF3B9}"/>
+              </a:ext>
+            </a:extLst>
+          </p:cNvPr>
+          <p:cNvGraphicFramePr/>
+          <p:nvPr>
+            <p:extLst>
+              <p:ext uri="{D42A27DB-BD31-4B8C-83A1-F6EECF244321}">
+                <p14:modId xmlns:p14="http://schemas.microsoft.com/office/powerpoint/2010/main" val="1397435637"/>
+              </p:ext>
+            </p:extLst>
+          </p:nvPr>
+        </p:nvGraphicFramePr>
+        <p:xfrm>
+          <a:off x="670332" y="1814721"/>
+          <a:ext cx="10851335" cy="4547980"/>
+        </p:xfrm>
+        <a:graphic>
+          <a:graphicData uri="http://schemas.openxmlformats.org/drawingml/2006/diagram">
+            <dgm:relIds xmlns:dgm="http://schemas.openxmlformats.org/drawingml/2006/diagram" xmlns:r="http://schemas.openxmlformats.org/officeDocument/2006/relationships" r:dm="rId2" r:lo="rId3" r:qs="rId4" r:cs="rId5"/>
+          </a:graphicData>
+        </a:graphic>
+      </p:graphicFrame>
     </p:spTree>
     <p:extLst>
       <p:ext uri="{BB962C8B-B14F-4D97-AF65-F5344CB8AC3E}">
@@ -7972,7 +11835,7 @@
 </p:sld>
 </file>
 
-<file path=ppt/slides/slide8.xml><?xml version="1.0" encoding="utf-8"?>
+<file path=ppt/slides/slide9.xml><?xml version="1.0" encoding="utf-8"?>
 <p:sld xmlns:a="http://schemas.openxmlformats.org/drawingml/2006/main" xmlns:r="http://schemas.openxmlformats.org/officeDocument/2006/relationships" xmlns:p="http://schemas.openxmlformats.org/presentationml/2006/main">
   <p:cSld>
     <p:spTree>
@@ -8281,110 +12144,6 @@
     <p:extLst>
       <p:ext uri="{BB962C8B-B14F-4D97-AF65-F5344CB8AC3E}">
         <p14:creationId xmlns:p14="http://schemas.microsoft.com/office/powerpoint/2010/main" val="3851435508"/>
-      </p:ext>
-    </p:extLst>
-  </p:cSld>
-  <p:clrMapOvr>
-    <a:masterClrMapping/>
-  </p:clrMapOvr>
-</p:sld>
-</file>
-
-<file path=ppt/slides/slide9.xml><?xml version="1.0" encoding="utf-8"?>
-<p:sld xmlns:a="http://schemas.openxmlformats.org/drawingml/2006/main" xmlns:r="http://schemas.openxmlformats.org/officeDocument/2006/relationships" xmlns:p="http://schemas.openxmlformats.org/presentationml/2006/main">
-  <p:cSld>
-    <p:spTree>
-      <p:nvGrpSpPr>
-        <p:cNvPr id="1" name=""/>
-        <p:cNvGrpSpPr/>
-        <p:nvPr/>
-      </p:nvGrpSpPr>
-      <p:grpSpPr>
-        <a:xfrm>
-          <a:off x="0" y="0"/>
-          <a:ext cx="0" cy="0"/>
-          <a:chOff x="0" y="0"/>
-          <a:chExt cx="0" cy="0"/>
-        </a:xfrm>
-      </p:grpSpPr>
-      <p:sp>
-        <p:nvSpPr>
-          <p:cNvPr id="3" name="文字方塊 2">
-            <a:extLst>
-              <a:ext uri="{FF2B5EF4-FFF2-40B4-BE49-F238E27FC236}">
-                <a16:creationId xmlns:a16="http://schemas.microsoft.com/office/drawing/2014/main" id="{0D70C62B-FA3D-420A-9430-6E5D2A36C12B}"/>
-              </a:ext>
-            </a:extLst>
-          </p:cNvPr>
-          <p:cNvSpPr txBox="1"/>
-          <p:nvPr/>
-        </p:nvSpPr>
-        <p:spPr>
-          <a:xfrm>
-            <a:off x="2850321" y="2848065"/>
-            <a:ext cx="6491357" cy="923330"/>
-          </a:xfrm>
-          <a:prstGeom prst="rect">
-            <a:avLst/>
-          </a:prstGeom>
-          <a:noFill/>
-        </p:spPr>
-        <p:txBody>
-          <a:bodyPr wrap="square" rtlCol="0">
-            <a:spAutoFit/>
-          </a:bodyPr>
-          <a:lstStyle/>
-          <a:p>
-            <a:pPr algn="ctr"/>
-            <a:r>
-              <a:rPr lang="en-US" altLang="zh-TW" sz="5400" b="1" dirty="0">
-                <a:effectLst>
-                  <a:outerShdw blurRad="38100" dist="38100" dir="2700000" algn="tl">
-                    <a:srgbClr val="000000">
-                      <a:alpha val="43137"/>
-                    </a:srgbClr>
-                  </a:outerShdw>
-                </a:effectLst>
-                <a:latin typeface="微軟正黑體" panose="020B0604030504040204" pitchFamily="34" charset="-120"/>
-                <a:ea typeface="微軟正黑體" panose="020B0604030504040204" pitchFamily="34" charset="-120"/>
-              </a:rPr>
-              <a:t>THANK</a:t>
-            </a:r>
-            <a:r>
-              <a:rPr lang="zh-TW" altLang="en-US" sz="5400" b="1" dirty="0">
-                <a:effectLst>
-                  <a:outerShdw blurRad="38100" dist="38100" dir="2700000" algn="tl">
-                    <a:srgbClr val="000000">
-                      <a:alpha val="43137"/>
-                    </a:srgbClr>
-                  </a:outerShdw>
-                </a:effectLst>
-                <a:latin typeface="微軟正黑體" panose="020B0604030504040204" pitchFamily="34" charset="-120"/>
-                <a:ea typeface="微軟正黑體" panose="020B0604030504040204" pitchFamily="34" charset="-120"/>
-              </a:rPr>
-              <a:t> </a:t>
-            </a:r>
-            <a:r>
-              <a:rPr lang="en-US" altLang="zh-TW" sz="5400" b="1" dirty="0">
-                <a:effectLst>
-                  <a:outerShdw blurRad="38100" dist="38100" dir="2700000" algn="tl">
-                    <a:srgbClr val="000000">
-                      <a:alpha val="43137"/>
-                    </a:srgbClr>
-                  </a:outerShdw>
-                </a:effectLst>
-                <a:latin typeface="微軟正黑體" panose="020B0604030504040204" pitchFamily="34" charset="-120"/>
-                <a:ea typeface="微軟正黑體" panose="020B0604030504040204" pitchFamily="34" charset="-120"/>
-              </a:rPr>
-              <a:t>YOU!</a:t>
-            </a:r>
-          </a:p>
-        </p:txBody>
-      </p:sp>
-    </p:spTree>
-    <p:extLst>
-      <p:ext uri="{BB962C8B-B14F-4D97-AF65-F5344CB8AC3E}">
-        <p14:creationId xmlns:p14="http://schemas.microsoft.com/office/powerpoint/2010/main" val="2748280514"/>
       </p:ext>
     </p:extLst>
   </p:cSld>

--- a/ppt/第八組大專簡報.pptx
+++ b/ppt/第八組大專簡報.pptx
@@ -1084,12 +1084,66 @@
       <dgm:spPr/>
     </dgm:pt>
     <dgm:pt modelId="{D6351A89-FE6F-4D0C-BEB2-5C144EF5AF2C}">
-      <dgm:prSet phldrT="[文字]" phldr="1"/>
+      <dgm:prSet phldrT="[文字]"/>
       <dgm:spPr/>
       <dgm:t>
         <a:bodyPr/>
         <a:lstStyle/>
         <a:p>
+          <a:pPr algn="l"/>
+          <a:r>
+            <a:rPr lang="zh-TW" altLang="en-US" dirty="0" smtClean="0"/>
+            <a:t>俊諭</a:t>
+          </a:r>
+          <a:r>
+            <a:rPr lang="en-US" altLang="zh-TW" dirty="0" smtClean="0"/>
+            <a:t/>
+          </a:r>
+          <a:br>
+            <a:rPr lang="en-US" altLang="zh-TW" dirty="0" smtClean="0"/>
+          </a:br>
+          <a:r>
+            <a:rPr lang="zh-TW" altLang="en-US" b="0" i="0" dirty="0" smtClean="0"/>
+            <a:t>●</a:t>
+          </a:r>
+          <a:r>
+            <a:rPr lang="zh-TW" altLang="en-US" b="0" i="0" dirty="0" smtClean="0"/>
+            <a:t>前台毛孩知識視覺設計</a:t>
+          </a:r>
+          <a:r>
+            <a:rPr lang="en-US" altLang="zh-TW" b="0" i="0" dirty="0" smtClean="0"/>
+            <a:t/>
+          </a:r>
+          <a:br>
+            <a:rPr lang="en-US" altLang="zh-TW" b="0" i="0" dirty="0" smtClean="0"/>
+          </a:br>
+          <a:r>
+            <a:rPr lang="zh-TW" altLang="en-US" b="0" i="0" dirty="0" smtClean="0"/>
+            <a:t>●</a:t>
+          </a:r>
+          <a:r>
+            <a:rPr lang="zh-TW" altLang="en-US" b="0" i="0" dirty="0" smtClean="0"/>
+            <a:t>後台會員管理功能開發</a:t>
+          </a:r>
+          <a:r>
+            <a:rPr lang="en-US" altLang="zh-TW" b="0" i="0" dirty="0" smtClean="0"/>
+            <a:t/>
+          </a:r>
+          <a:br>
+            <a:rPr lang="en-US" altLang="zh-TW" b="0" i="0" dirty="0" smtClean="0"/>
+          </a:br>
+          <a:r>
+            <a:rPr lang="zh-TW" altLang="en-US" b="0" i="0" dirty="0" smtClean="0"/>
+            <a:t>●</a:t>
+          </a:r>
+          <a:r>
+            <a:rPr lang="en-US" altLang="zh-TW" b="0" i="0" dirty="0" err="1" smtClean="0"/>
+            <a:t>Git</a:t>
+          </a:r>
+          <a:r>
+            <a:rPr lang="zh-TW" altLang="en-US" b="0" i="0" dirty="0" smtClean="0"/>
+            <a:t>版本控制</a:t>
+          </a:r>
           <a:endParaRPr lang="zh-TW" altLang="en-US" dirty="0"/>
         </a:p>
       </dgm:t>
@@ -1117,12 +1171,17 @@
       </dgm:t>
     </dgm:pt>
     <dgm:pt modelId="{ED330DCE-21C5-440F-AC6D-9B4342DCCD49}">
-      <dgm:prSet phldrT="[文字]" phldr="1"/>
+      <dgm:prSet phldrT="[文字]"/>
       <dgm:spPr/>
       <dgm:t>
         <a:bodyPr/>
         <a:lstStyle/>
         <a:p>
+          <a:pPr algn="l"/>
+          <a:r>
+            <a:rPr lang="zh-TW" altLang="en-US" dirty="0" smtClean="0"/>
+            <a:t>洋藤</a:t>
+          </a:r>
           <a:endParaRPr lang="zh-TW" altLang="en-US" dirty="0"/>
         </a:p>
       </dgm:t>
@@ -1149,39 +1208,6 @@
         </a:p>
       </dgm:t>
     </dgm:pt>
-    <dgm:pt modelId="{C3C52662-1810-422C-A71B-D0B530DDA377}">
-      <dgm:prSet phldrT="[文字]"/>
-      <dgm:spPr/>
-      <dgm:t>
-        <a:bodyPr/>
-        <a:lstStyle/>
-        <a:p>
-          <a:endParaRPr lang="zh-TW" altLang="en-US" dirty="0"/>
-        </a:p>
-      </dgm:t>
-    </dgm:pt>
-    <dgm:pt modelId="{EACCDD38-6DEF-4B08-AD4A-8C7E6BFD9AD7}" type="parTrans" cxnId="{370EA1FF-1F43-4F98-B381-9BA65DCA4D9D}">
-      <dgm:prSet/>
-      <dgm:spPr/>
-      <dgm:t>
-        <a:bodyPr/>
-        <a:lstStyle/>
-        <a:p>
-          <a:endParaRPr lang="zh-TW" altLang="en-US"/>
-        </a:p>
-      </dgm:t>
-    </dgm:pt>
-    <dgm:pt modelId="{08F224EB-13AD-44E8-894F-DAD825E7CCF5}" type="sibTrans" cxnId="{370EA1FF-1F43-4F98-B381-9BA65DCA4D9D}">
-      <dgm:prSet/>
-      <dgm:spPr/>
-      <dgm:t>
-        <a:bodyPr/>
-        <a:lstStyle/>
-        <a:p>
-          <a:endParaRPr lang="zh-TW" altLang="en-US"/>
-        </a:p>
-      </dgm:t>
-    </dgm:pt>
     <dgm:pt modelId="{FF78E407-3674-4A68-A701-8E12F558212E}">
       <dgm:prSet phldrT="[文字]"/>
       <dgm:spPr/>
@@ -1189,6 +1215,63 @@
         <a:bodyPr/>
         <a:lstStyle/>
         <a:p>
+          <a:pPr algn="l"/>
+          <a:r>
+            <a:rPr lang="zh-TW" altLang="en-US" b="0" i="0" dirty="0" smtClean="0"/>
+            <a:t>純安</a:t>
+          </a:r>
+          <a:r>
+            <a:rPr lang="en-US" altLang="zh-TW" b="0" i="0" dirty="0" smtClean="0"/>
+            <a:t/>
+          </a:r>
+          <a:br>
+            <a:rPr lang="en-US" altLang="zh-TW" b="0" i="0" dirty="0" smtClean="0"/>
+          </a:br>
+          <a:r>
+            <a:rPr lang="zh-TW" altLang="en-US" b="0" i="0" dirty="0" smtClean="0"/>
+            <a:t>●後台視覺設計 </a:t>
+          </a:r>
+          <a:r>
+            <a:rPr lang="en-US" altLang="zh-TW" b="0" i="0" dirty="0" smtClean="0"/>
+            <a:t/>
+          </a:r>
+          <a:br>
+            <a:rPr lang="en-US" altLang="zh-TW" b="0" i="0" dirty="0" smtClean="0"/>
+          </a:br>
+          <a:r>
+            <a:rPr lang="zh-TW" altLang="en-US" b="0" i="0" dirty="0" smtClean="0"/>
+            <a:t>●網頁套版 </a:t>
+          </a:r>
+          <a:r>
+            <a:rPr lang="en-US" altLang="zh-TW" b="0" i="0" dirty="0" smtClean="0"/>
+            <a:t/>
+          </a:r>
+          <a:br>
+            <a:rPr lang="en-US" altLang="zh-TW" b="0" i="0" dirty="0" smtClean="0"/>
+          </a:br>
+          <a:r>
+            <a:rPr lang="zh-TW" altLang="en-US" b="0" i="0" dirty="0" smtClean="0"/>
+            <a:t>●最新消息前、後台開發 </a:t>
+          </a:r>
+          <a:r>
+            <a:rPr lang="en-US" altLang="zh-TW" b="0" i="0" dirty="0" smtClean="0"/>
+            <a:t/>
+          </a:r>
+          <a:br>
+            <a:rPr lang="en-US" altLang="zh-TW" b="0" i="0" dirty="0" smtClean="0"/>
+          </a:br>
+          <a:r>
+            <a:rPr lang="zh-TW" altLang="en-US" b="0" i="0" dirty="0" smtClean="0"/>
+            <a:t>●</a:t>
+          </a:r>
+          <a:r>
+            <a:rPr lang="en-US" altLang="zh-TW" b="0" i="0" dirty="0" smtClean="0"/>
+            <a:t>PPT</a:t>
+          </a:r>
+          <a:r>
+            <a:rPr lang="zh-TW" altLang="en-US" b="0" i="0" dirty="0" smtClean="0"/>
+            <a:t>製作</a:t>
+          </a:r>
           <a:endParaRPr lang="zh-TW" altLang="en-US" dirty="0"/>
         </a:p>
       </dgm:t>
@@ -1222,6 +1305,33 @@
         <a:bodyPr/>
         <a:lstStyle/>
         <a:p>
+          <a:pPr algn="l"/>
+          <a:r>
+            <a:rPr lang="zh-TW" altLang="en-US" b="0" i="0" dirty="0" smtClean="0"/>
+            <a:t>玫均 </a:t>
+          </a:r>
+          <a:r>
+            <a:rPr lang="en-US" altLang="zh-TW" b="0" i="0" dirty="0" smtClean="0"/>
+            <a:t/>
+          </a:r>
+          <a:br>
+            <a:rPr lang="en-US" altLang="zh-TW" b="0" i="0" dirty="0" smtClean="0"/>
+          </a:br>
+          <a:r>
+            <a:rPr lang="zh-TW" altLang="en-US" b="0" i="0" dirty="0" smtClean="0"/>
+            <a:t>●前台會員登入註冊、毛孩知識功能開發 </a:t>
+          </a:r>
+          <a:r>
+            <a:rPr lang="en-US" altLang="zh-TW" b="0" i="0" dirty="0" smtClean="0"/>
+            <a:t/>
+          </a:r>
+          <a:br>
+            <a:rPr lang="en-US" altLang="zh-TW" b="0" i="0" dirty="0" smtClean="0"/>
+          </a:br>
+          <a:r>
+            <a:rPr lang="zh-TW" altLang="en-US" b="0" i="0" dirty="0" smtClean="0"/>
+            <a:t>●後台毛孩知識管理功能開發 </a:t>
+          </a:r>
           <a:endParaRPr lang="zh-TW" altLang="en-US" dirty="0"/>
         </a:p>
       </dgm:t>
@@ -1238,6 +1348,74 @@
       </dgm:t>
     </dgm:pt>
     <dgm:pt modelId="{553147F6-6775-4505-86AC-743777934FD5}" type="sibTrans" cxnId="{5F3D4FC6-C248-4B83-91B5-6FF80F05EF63}">
+      <dgm:prSet/>
+      <dgm:spPr/>
+      <dgm:t>
+        <a:bodyPr/>
+        <a:lstStyle/>
+        <a:p>
+          <a:endParaRPr lang="zh-TW" altLang="en-US"/>
+        </a:p>
+      </dgm:t>
+    </dgm:pt>
+    <dgm:pt modelId="{C3C52662-1810-422C-A71B-D0B530DDA377}">
+      <dgm:prSet phldrT="[文字]" custT="1"/>
+      <dgm:spPr/>
+      <dgm:t>
+        <a:bodyPr/>
+        <a:lstStyle/>
+        <a:p>
+          <a:pPr algn="l"/>
+          <a:r>
+            <a:rPr lang="zh-TW" altLang="en-US" sz="1600" dirty="0" smtClean="0"/>
+            <a:t>旻育</a:t>
+          </a:r>
+          <a:r>
+            <a:rPr lang="en-US" altLang="zh-TW" sz="1600" dirty="0" smtClean="0"/>
+            <a:t/>
+          </a:r>
+          <a:br>
+            <a:rPr lang="en-US" altLang="zh-TW" sz="1600" dirty="0" smtClean="0"/>
+          </a:br>
+          <a:r>
+            <a:rPr lang="zh-TW" altLang="en-US" sz="1600" b="0" i="0" dirty="0" smtClean="0"/>
+            <a:t>●</a:t>
+          </a:r>
+          <a:r>
+            <a:rPr lang="zh-TW" altLang="en-US" sz="1600" dirty="0" smtClean="0"/>
+            <a:t>前台領養、刊登功能開發</a:t>
+          </a:r>
+          <a:r>
+            <a:rPr lang="en-US" altLang="zh-TW" sz="1600" dirty="0" smtClean="0"/>
+            <a:t/>
+          </a:r>
+          <a:br>
+            <a:rPr lang="en-US" altLang="zh-TW" sz="1600" dirty="0" smtClean="0"/>
+          </a:br>
+          <a:r>
+            <a:rPr lang="zh-TW" altLang="en-US" sz="1600" b="0" i="0" dirty="0" smtClean="0"/>
+            <a:t>●</a:t>
+          </a:r>
+          <a:r>
+            <a:rPr lang="zh-TW" altLang="en-US" sz="1600" dirty="0" smtClean="0"/>
+            <a:t>後台刊登功能開發</a:t>
+          </a:r>
+          <a:endParaRPr lang="zh-TW" altLang="en-US" sz="1600" dirty="0"/>
+        </a:p>
+      </dgm:t>
+    </dgm:pt>
+    <dgm:pt modelId="{08F224EB-13AD-44E8-894F-DAD825E7CCF5}" type="sibTrans" cxnId="{370EA1FF-1F43-4F98-B381-9BA65DCA4D9D}">
+      <dgm:prSet/>
+      <dgm:spPr/>
+      <dgm:t>
+        <a:bodyPr/>
+        <a:lstStyle/>
+        <a:p>
+          <a:endParaRPr lang="zh-TW" altLang="en-US"/>
+        </a:p>
+      </dgm:t>
+    </dgm:pt>
+    <dgm:pt modelId="{EACCDD38-6DEF-4B08-AD4A-8C7E6BFD9AD7}" type="parTrans" cxnId="{370EA1FF-1F43-4F98-B381-9BA65DCA4D9D}">
       <dgm:prSet/>
       <dgm:spPr/>
       <dgm:t>
@@ -1272,6 +1450,13 @@
     <dgm:pt modelId="{3A19185B-E419-4D20-B4AD-1ADCC75DA32E}" type="pres">
       <dgm:prSet presAssocID="{D6351A89-FE6F-4D0C-BEB2-5C144EF5AF2C}" presName="bkgdShape" presStyleLbl="node1" presStyleIdx="0" presStyleCnt="5"/>
       <dgm:spPr/>
+      <dgm:t>
+        <a:bodyPr/>
+        <a:lstStyle/>
+        <a:p>
+          <a:endParaRPr lang="zh-TW" altLang="en-US"/>
+        </a:p>
+      </dgm:t>
     </dgm:pt>
     <dgm:pt modelId="{81622DBE-0B09-4343-AAA1-2C1133C6D09E}" type="pres">
       <dgm:prSet presAssocID="{D6351A89-FE6F-4D0C-BEB2-5C144EF5AF2C}" presName="nodeTx" presStyleLbl="node1" presStyleIdx="0" presStyleCnt="5">
@@ -1280,6 +1465,13 @@
         </dgm:presLayoutVars>
       </dgm:prSet>
       <dgm:spPr/>
+      <dgm:t>
+        <a:bodyPr/>
+        <a:lstStyle/>
+        <a:p>
+          <a:endParaRPr lang="zh-TW" altLang="en-US"/>
+        </a:p>
+      </dgm:t>
     </dgm:pt>
     <dgm:pt modelId="{6CF55C98-1E7E-4507-BE89-441F1B21C453}" type="pres">
       <dgm:prSet presAssocID="{D6351A89-FE6F-4D0C-BEB2-5C144EF5AF2C}" presName="invisiNode" presStyleLbl="node1" presStyleIdx="0" presStyleCnt="5"/>
@@ -1292,6 +1484,13 @@
     <dgm:pt modelId="{FC102B1F-FF52-4299-9213-2591FF5BE18A}" type="pres">
       <dgm:prSet presAssocID="{2B0A61C5-9E65-49E8-94E2-863049119A4A}" presName="sibTrans" presStyleLbl="sibTrans2D1" presStyleIdx="0" presStyleCnt="0"/>
       <dgm:spPr/>
+      <dgm:t>
+        <a:bodyPr/>
+        <a:lstStyle/>
+        <a:p>
+          <a:endParaRPr lang="zh-TW" altLang="en-US"/>
+        </a:p>
+      </dgm:t>
     </dgm:pt>
     <dgm:pt modelId="{A7F9C0CA-0D87-4731-9497-8F2C6B5877B0}" type="pres">
       <dgm:prSet presAssocID="{ED330DCE-21C5-440F-AC6D-9B4342DCCD49}" presName="compNode" presStyleCnt="0"/>
@@ -1300,6 +1499,13 @@
     <dgm:pt modelId="{D92F5F96-5488-49EB-8B97-F76F04DA2FC6}" type="pres">
       <dgm:prSet presAssocID="{ED330DCE-21C5-440F-AC6D-9B4342DCCD49}" presName="bkgdShape" presStyleLbl="node1" presStyleIdx="1" presStyleCnt="5"/>
       <dgm:spPr/>
+      <dgm:t>
+        <a:bodyPr/>
+        <a:lstStyle/>
+        <a:p>
+          <a:endParaRPr lang="zh-TW" altLang="en-US"/>
+        </a:p>
+      </dgm:t>
     </dgm:pt>
     <dgm:pt modelId="{D1DBA480-C31C-498D-B8B0-187E2C7B4DE8}" type="pres">
       <dgm:prSet presAssocID="{ED330DCE-21C5-440F-AC6D-9B4342DCCD49}" presName="nodeTx" presStyleLbl="node1" presStyleIdx="1" presStyleCnt="5">
@@ -1308,6 +1514,13 @@
         </dgm:presLayoutVars>
       </dgm:prSet>
       <dgm:spPr/>
+      <dgm:t>
+        <a:bodyPr/>
+        <a:lstStyle/>
+        <a:p>
+          <a:endParaRPr lang="zh-TW" altLang="en-US"/>
+        </a:p>
+      </dgm:t>
     </dgm:pt>
     <dgm:pt modelId="{03B1542A-2C74-4869-8C88-4FD0204513D7}" type="pres">
       <dgm:prSet presAssocID="{ED330DCE-21C5-440F-AC6D-9B4342DCCD49}" presName="invisiNode" presStyleLbl="node1" presStyleIdx="1" presStyleCnt="5"/>
@@ -1320,6 +1533,13 @@
     <dgm:pt modelId="{9840E52A-D814-4C34-9008-247133DA6CC0}" type="pres">
       <dgm:prSet presAssocID="{2584BAFC-6560-42D7-A70B-274B7CF613C5}" presName="sibTrans" presStyleLbl="sibTrans2D1" presStyleIdx="0" presStyleCnt="0"/>
       <dgm:spPr/>
+      <dgm:t>
+        <a:bodyPr/>
+        <a:lstStyle/>
+        <a:p>
+          <a:endParaRPr lang="zh-TW" altLang="en-US"/>
+        </a:p>
+      </dgm:t>
     </dgm:pt>
     <dgm:pt modelId="{CBFD9AED-CF38-47CC-A95A-41EE9D401B31}" type="pres">
       <dgm:prSet presAssocID="{FF78E407-3674-4A68-A701-8E12F558212E}" presName="compNode" presStyleCnt="0"/>
@@ -1328,6 +1548,13 @@
     <dgm:pt modelId="{EBCD09BE-CCFA-4DBA-89F9-E3B5A47261E4}" type="pres">
       <dgm:prSet presAssocID="{FF78E407-3674-4A68-A701-8E12F558212E}" presName="bkgdShape" presStyleLbl="node1" presStyleIdx="2" presStyleCnt="5"/>
       <dgm:spPr/>
+      <dgm:t>
+        <a:bodyPr/>
+        <a:lstStyle/>
+        <a:p>
+          <a:endParaRPr lang="zh-TW" altLang="en-US"/>
+        </a:p>
+      </dgm:t>
     </dgm:pt>
     <dgm:pt modelId="{99535BB5-DB01-403F-9C0D-8FFA319E42A1}" type="pres">
       <dgm:prSet presAssocID="{FF78E407-3674-4A68-A701-8E12F558212E}" presName="nodeTx" presStyleLbl="node1" presStyleIdx="2" presStyleCnt="5">
@@ -1336,6 +1563,13 @@
         </dgm:presLayoutVars>
       </dgm:prSet>
       <dgm:spPr/>
+      <dgm:t>
+        <a:bodyPr/>
+        <a:lstStyle/>
+        <a:p>
+          <a:endParaRPr lang="zh-TW" altLang="en-US"/>
+        </a:p>
+      </dgm:t>
     </dgm:pt>
     <dgm:pt modelId="{E1366867-6EB3-493B-9F9E-77AC612CF66F}" type="pres">
       <dgm:prSet presAssocID="{FF78E407-3674-4A68-A701-8E12F558212E}" presName="invisiNode" presStyleLbl="node1" presStyleIdx="2" presStyleCnt="5"/>
@@ -1348,6 +1582,13 @@
     <dgm:pt modelId="{617E1A56-F73F-4645-AAFA-3BE4040EEFB7}" type="pres">
       <dgm:prSet presAssocID="{516CD9AB-C3D5-4003-B63F-C77D81509300}" presName="sibTrans" presStyleLbl="sibTrans2D1" presStyleIdx="0" presStyleCnt="0"/>
       <dgm:spPr/>
+      <dgm:t>
+        <a:bodyPr/>
+        <a:lstStyle/>
+        <a:p>
+          <a:endParaRPr lang="zh-TW" altLang="en-US"/>
+        </a:p>
+      </dgm:t>
     </dgm:pt>
     <dgm:pt modelId="{8D8A6450-B707-4298-9EF8-186ADA0351FD}" type="pres">
       <dgm:prSet presAssocID="{2C7CFE7B-0746-427F-9E2D-0E179C44D6B0}" presName="compNode" presStyleCnt="0"/>
@@ -1356,6 +1597,13 @@
     <dgm:pt modelId="{83A68255-4FDC-4581-B4E5-A84CD58AA1FD}" type="pres">
       <dgm:prSet presAssocID="{2C7CFE7B-0746-427F-9E2D-0E179C44D6B0}" presName="bkgdShape" presStyleLbl="node1" presStyleIdx="3" presStyleCnt="5"/>
       <dgm:spPr/>
+      <dgm:t>
+        <a:bodyPr/>
+        <a:lstStyle/>
+        <a:p>
+          <a:endParaRPr lang="zh-TW" altLang="en-US"/>
+        </a:p>
+      </dgm:t>
     </dgm:pt>
     <dgm:pt modelId="{247F076D-1A4E-462D-BCEA-11698BC32716}" type="pres">
       <dgm:prSet presAssocID="{2C7CFE7B-0746-427F-9E2D-0E179C44D6B0}" presName="nodeTx" presStyleLbl="node1" presStyleIdx="3" presStyleCnt="5">
@@ -1364,6 +1612,13 @@
         </dgm:presLayoutVars>
       </dgm:prSet>
       <dgm:spPr/>
+      <dgm:t>
+        <a:bodyPr/>
+        <a:lstStyle/>
+        <a:p>
+          <a:endParaRPr lang="zh-TW" altLang="en-US"/>
+        </a:p>
+      </dgm:t>
     </dgm:pt>
     <dgm:pt modelId="{7EB703C4-9039-49EA-8237-9C4557AAE6E3}" type="pres">
       <dgm:prSet presAssocID="{2C7CFE7B-0746-427F-9E2D-0E179C44D6B0}" presName="invisiNode" presStyleLbl="node1" presStyleIdx="3" presStyleCnt="5"/>
@@ -1376,6 +1631,13 @@
     <dgm:pt modelId="{209C8051-4899-49A3-A7FC-E99371D4B715}" type="pres">
       <dgm:prSet presAssocID="{553147F6-6775-4505-86AC-743777934FD5}" presName="sibTrans" presStyleLbl="sibTrans2D1" presStyleIdx="0" presStyleCnt="0"/>
       <dgm:spPr/>
+      <dgm:t>
+        <a:bodyPr/>
+        <a:lstStyle/>
+        <a:p>
+          <a:endParaRPr lang="zh-TW" altLang="en-US"/>
+        </a:p>
+      </dgm:t>
     </dgm:pt>
     <dgm:pt modelId="{53806BD6-893E-429D-A10B-559D740283FF}" type="pres">
       <dgm:prSet presAssocID="{C3C52662-1810-422C-A71B-D0B530DDA377}" presName="compNode" presStyleCnt="0"/>
@@ -1384,6 +1646,13 @@
     <dgm:pt modelId="{0FF8DCAC-3E36-42D1-B47B-7856C388CF81}" type="pres">
       <dgm:prSet presAssocID="{C3C52662-1810-422C-A71B-D0B530DDA377}" presName="bkgdShape" presStyleLbl="node1" presStyleIdx="4" presStyleCnt="5"/>
       <dgm:spPr/>
+      <dgm:t>
+        <a:bodyPr/>
+        <a:lstStyle/>
+        <a:p>
+          <a:endParaRPr lang="zh-TW" altLang="en-US"/>
+        </a:p>
+      </dgm:t>
     </dgm:pt>
     <dgm:pt modelId="{20983471-745C-422B-8C43-BC1B60DFAAAC}" type="pres">
       <dgm:prSet presAssocID="{C3C52662-1810-422C-A71B-D0B530DDA377}" presName="nodeTx" presStyleLbl="node1" presStyleIdx="4" presStyleCnt="5">
@@ -1392,6 +1661,13 @@
         </dgm:presLayoutVars>
       </dgm:prSet>
       <dgm:spPr/>
+      <dgm:t>
+        <a:bodyPr/>
+        <a:lstStyle/>
+        <a:p>
+          <a:endParaRPr lang="zh-TW" altLang="en-US"/>
+        </a:p>
+      </dgm:t>
     </dgm:pt>
     <dgm:pt modelId="{B8578C8B-7307-41E5-9CFE-77552F8BD1F7}" type="pres">
       <dgm:prSet presAssocID="{C3C52662-1810-422C-A71B-D0B530DDA377}" presName="invisiNode" presStyleLbl="node1" presStyleIdx="4" presStyleCnt="5"/>
@@ -1399,30 +1675,44 @@
     </dgm:pt>
     <dgm:pt modelId="{31D11C09-0732-42E6-A7DC-B61E9999E4F2}" type="pres">
       <dgm:prSet presAssocID="{C3C52662-1810-422C-A71B-D0B530DDA377}" presName="imagNode" presStyleLbl="fgImgPlace1" presStyleIdx="4" presStyleCnt="5"/>
-      <dgm:spPr/>
+      <dgm:spPr>
+        <a:blipFill>
+          <a:blip xmlns:r="http://schemas.openxmlformats.org/officeDocument/2006/relationships" r:embed="rId1" cstate="hqprint">
+            <a:extLst>
+              <a:ext uri="{28A0092B-C50C-407E-A947-70E740481C1C}">
+                <a14:useLocalDpi xmlns:a14="http://schemas.microsoft.com/office/drawing/2010/main" val="0"/>
+              </a:ext>
+            </a:extLst>
+          </a:blip>
+          <a:srcRect/>
+          <a:stretch>
+            <a:fillRect t="-39000" b="-39000"/>
+          </a:stretch>
+        </a:blipFill>
+      </dgm:spPr>
     </dgm:pt>
   </dgm:ptLst>
   <dgm:cxnLst>
+    <dgm:cxn modelId="{CBBC2420-69B4-4124-A9EE-8BB7BD6A43F2}" type="presOf" srcId="{FF78E407-3674-4A68-A701-8E12F558212E}" destId="{99535BB5-DB01-403F-9C0D-8FFA319E42A1}" srcOrd="1" destOrd="0" presId="urn:microsoft.com/office/officeart/2005/8/layout/hList7"/>
+    <dgm:cxn modelId="{29896265-9D69-4192-9D54-5C11E27A0766}" type="presOf" srcId="{2C7CFE7B-0746-427F-9E2D-0E179C44D6B0}" destId="{83A68255-4FDC-4581-B4E5-A84CD58AA1FD}" srcOrd="0" destOrd="0" presId="urn:microsoft.com/office/officeart/2005/8/layout/hList7"/>
+    <dgm:cxn modelId="{AD00925E-49FC-4AA7-B1E1-7D677F15FA0D}" type="presOf" srcId="{5B5CD561-EBD8-42AA-A3DA-E71D659D471F}" destId="{5199F1EC-A553-45DB-BDCF-184CAB046BBD}" srcOrd="0" destOrd="0" presId="urn:microsoft.com/office/officeart/2005/8/layout/hList7"/>
+    <dgm:cxn modelId="{4A3CC423-E8C2-45D3-9883-7DB579823484}" type="presOf" srcId="{2B0A61C5-9E65-49E8-94E2-863049119A4A}" destId="{FC102B1F-FF52-4299-9213-2591FF5BE18A}" srcOrd="0" destOrd="0" presId="urn:microsoft.com/office/officeart/2005/8/layout/hList7"/>
+    <dgm:cxn modelId="{9CD096E0-95D9-4D44-8C53-1CB5FEEB7E3C}" srcId="{5B5CD561-EBD8-42AA-A3DA-E71D659D471F}" destId="{FF78E407-3674-4A68-A701-8E12F558212E}" srcOrd="2" destOrd="0" parTransId="{B97B5AFB-3810-4BBF-8D23-A23EB000A851}" sibTransId="{516CD9AB-C3D5-4003-B63F-C77D81509300}"/>
+    <dgm:cxn modelId="{6F214C0E-1F86-46F5-8A9F-91DF73D36BE6}" type="presOf" srcId="{C3C52662-1810-422C-A71B-D0B530DDA377}" destId="{0FF8DCAC-3E36-42D1-B47B-7856C388CF81}" srcOrd="0" destOrd="0" presId="urn:microsoft.com/office/officeart/2005/8/layout/hList7"/>
+    <dgm:cxn modelId="{BB6FE50D-976C-4249-90AF-00F22859454F}" srcId="{5B5CD561-EBD8-42AA-A3DA-E71D659D471F}" destId="{ED330DCE-21C5-440F-AC6D-9B4342DCCD49}" srcOrd="1" destOrd="0" parTransId="{9194AA8A-FAD9-4546-A34F-ADADC3100565}" sibTransId="{2584BAFC-6560-42D7-A70B-274B7CF613C5}"/>
+    <dgm:cxn modelId="{40A2CE22-5B87-41BB-9A01-97676AB745F0}" type="presOf" srcId="{516CD9AB-C3D5-4003-B63F-C77D81509300}" destId="{617E1A56-F73F-4645-AAFA-3BE4040EEFB7}" srcOrd="0" destOrd="0" presId="urn:microsoft.com/office/officeart/2005/8/layout/hList7"/>
     <dgm:cxn modelId="{487EAC06-F688-4D05-9E57-1E930C1D5ED5}" type="presOf" srcId="{553147F6-6775-4505-86AC-743777934FD5}" destId="{209C8051-4899-49A3-A7FC-E99371D4B715}" srcOrd="0" destOrd="0" presId="urn:microsoft.com/office/officeart/2005/8/layout/hList7"/>
+    <dgm:cxn modelId="{F531D81C-A4B7-4C00-8D4A-235EF6DFD588}" type="presOf" srcId="{ED330DCE-21C5-440F-AC6D-9B4342DCCD49}" destId="{D92F5F96-5488-49EB-8B97-F76F04DA2FC6}" srcOrd="0" destOrd="0" presId="urn:microsoft.com/office/officeart/2005/8/layout/hList7"/>
+    <dgm:cxn modelId="{7715D4DB-E293-40B6-AA3E-C16A3A3CD126}" srcId="{5B5CD561-EBD8-42AA-A3DA-E71D659D471F}" destId="{D6351A89-FE6F-4D0C-BEB2-5C144EF5AF2C}" srcOrd="0" destOrd="0" parTransId="{4D894349-4E16-4C0D-838B-9BC6531FD50D}" sibTransId="{2B0A61C5-9E65-49E8-94E2-863049119A4A}"/>
     <dgm:cxn modelId="{ABB5A709-8870-4A27-8019-BBEB82685284}" type="presOf" srcId="{2C7CFE7B-0746-427F-9E2D-0E179C44D6B0}" destId="{247F076D-1A4E-462D-BCEA-11698BC32716}" srcOrd="1" destOrd="0" presId="urn:microsoft.com/office/officeart/2005/8/layout/hList7"/>
-    <dgm:cxn modelId="{BB6FE50D-976C-4249-90AF-00F22859454F}" srcId="{5B5CD561-EBD8-42AA-A3DA-E71D659D471F}" destId="{ED330DCE-21C5-440F-AC6D-9B4342DCCD49}" srcOrd="1" destOrd="0" parTransId="{9194AA8A-FAD9-4546-A34F-ADADC3100565}" sibTransId="{2584BAFC-6560-42D7-A70B-274B7CF613C5}"/>
-    <dgm:cxn modelId="{6F214C0E-1F86-46F5-8A9F-91DF73D36BE6}" type="presOf" srcId="{C3C52662-1810-422C-A71B-D0B530DDA377}" destId="{0FF8DCAC-3E36-42D1-B47B-7856C388CF81}" srcOrd="0" destOrd="0" presId="urn:microsoft.com/office/officeart/2005/8/layout/hList7"/>
-    <dgm:cxn modelId="{F531D81C-A4B7-4C00-8D4A-235EF6DFD588}" type="presOf" srcId="{ED330DCE-21C5-440F-AC6D-9B4342DCCD49}" destId="{D92F5F96-5488-49EB-8B97-F76F04DA2FC6}" srcOrd="0" destOrd="0" presId="urn:microsoft.com/office/officeart/2005/8/layout/hList7"/>
-    <dgm:cxn modelId="{CBBC2420-69B4-4124-A9EE-8BB7BD6A43F2}" type="presOf" srcId="{FF78E407-3674-4A68-A701-8E12F558212E}" destId="{99535BB5-DB01-403F-9C0D-8FFA319E42A1}" srcOrd="1" destOrd="0" presId="urn:microsoft.com/office/officeart/2005/8/layout/hList7"/>
-    <dgm:cxn modelId="{40A2CE22-5B87-41BB-9A01-97676AB745F0}" type="presOf" srcId="{516CD9AB-C3D5-4003-B63F-C77D81509300}" destId="{617E1A56-F73F-4645-AAFA-3BE4040EEFB7}" srcOrd="0" destOrd="0" presId="urn:microsoft.com/office/officeart/2005/8/layout/hList7"/>
-    <dgm:cxn modelId="{4A3CC423-E8C2-45D3-9883-7DB579823484}" type="presOf" srcId="{2B0A61C5-9E65-49E8-94E2-863049119A4A}" destId="{FC102B1F-FF52-4299-9213-2591FF5BE18A}" srcOrd="0" destOrd="0" presId="urn:microsoft.com/office/officeart/2005/8/layout/hList7"/>
+    <dgm:cxn modelId="{370EA1FF-1F43-4F98-B381-9BA65DCA4D9D}" srcId="{5B5CD561-EBD8-42AA-A3DA-E71D659D471F}" destId="{C3C52662-1810-422C-A71B-D0B530DDA377}" srcOrd="4" destOrd="0" parTransId="{EACCDD38-6DEF-4B08-AD4A-8C7E6BFD9AD7}" sibTransId="{08F224EB-13AD-44E8-894F-DAD825E7CCF5}"/>
+    <dgm:cxn modelId="{062BD1AC-D225-4AE5-82F2-3D5A2C149F5C}" type="presOf" srcId="{ED330DCE-21C5-440F-AC6D-9B4342DCCD49}" destId="{D1DBA480-C31C-498D-B8B0-187E2C7B4DE8}" srcOrd="1" destOrd="0" presId="urn:microsoft.com/office/officeart/2005/8/layout/hList7"/>
+    <dgm:cxn modelId="{6C8E1346-56E2-4C25-8A05-1C8572A789E3}" type="presOf" srcId="{2584BAFC-6560-42D7-A70B-274B7CF613C5}" destId="{9840E52A-D814-4C34-9008-247133DA6CC0}" srcOrd="0" destOrd="0" presId="urn:microsoft.com/office/officeart/2005/8/layout/hList7"/>
     <dgm:cxn modelId="{0AE7B12F-2DB3-43BC-932C-6F672CC3F034}" type="presOf" srcId="{C3C52662-1810-422C-A71B-D0B530DDA377}" destId="{20983471-745C-422B-8C43-BC1B60DFAAAC}" srcOrd="1" destOrd="0" presId="urn:microsoft.com/office/officeart/2005/8/layout/hList7"/>
-    <dgm:cxn modelId="{AD00925E-49FC-4AA7-B1E1-7D677F15FA0D}" type="presOf" srcId="{5B5CD561-EBD8-42AA-A3DA-E71D659D471F}" destId="{5199F1EC-A553-45DB-BDCF-184CAB046BBD}" srcOrd="0" destOrd="0" presId="urn:microsoft.com/office/officeart/2005/8/layout/hList7"/>
+    <dgm:cxn modelId="{5619BEF3-E2B5-4E60-9250-4328439D57E6}" type="presOf" srcId="{D6351A89-FE6F-4D0C-BEB2-5C144EF5AF2C}" destId="{81622DBE-0B09-4343-AAA1-2C1133C6D09E}" srcOrd="1" destOrd="0" presId="urn:microsoft.com/office/officeart/2005/8/layout/hList7"/>
+    <dgm:cxn modelId="{5F3D4FC6-C248-4B83-91B5-6FF80F05EF63}" srcId="{5B5CD561-EBD8-42AA-A3DA-E71D659D471F}" destId="{2C7CFE7B-0746-427F-9E2D-0E179C44D6B0}" srcOrd="3" destOrd="0" parTransId="{E8F8608C-85A1-403C-B084-58FEAF885F70}" sibTransId="{553147F6-6775-4505-86AC-743777934FD5}"/>
     <dgm:cxn modelId="{5383CD5F-6C54-4CAD-8D45-A4C4F744F59A}" type="presOf" srcId="{D6351A89-FE6F-4D0C-BEB2-5C144EF5AF2C}" destId="{3A19185B-E419-4D20-B4AD-1ADCC75DA32E}" srcOrd="0" destOrd="0" presId="urn:microsoft.com/office/officeart/2005/8/layout/hList7"/>
-    <dgm:cxn modelId="{29896265-9D69-4192-9D54-5C11E27A0766}" type="presOf" srcId="{2C7CFE7B-0746-427F-9E2D-0E179C44D6B0}" destId="{83A68255-4FDC-4581-B4E5-A84CD58AA1FD}" srcOrd="0" destOrd="0" presId="urn:microsoft.com/office/officeart/2005/8/layout/hList7"/>
-    <dgm:cxn modelId="{6C8E1346-56E2-4C25-8A05-1C8572A789E3}" type="presOf" srcId="{2584BAFC-6560-42D7-A70B-274B7CF613C5}" destId="{9840E52A-D814-4C34-9008-247133DA6CC0}" srcOrd="0" destOrd="0" presId="urn:microsoft.com/office/officeart/2005/8/layout/hList7"/>
-    <dgm:cxn modelId="{062BD1AC-D225-4AE5-82F2-3D5A2C149F5C}" type="presOf" srcId="{ED330DCE-21C5-440F-AC6D-9B4342DCCD49}" destId="{D1DBA480-C31C-498D-B8B0-187E2C7B4DE8}" srcOrd="1" destOrd="0" presId="urn:microsoft.com/office/officeart/2005/8/layout/hList7"/>
-    <dgm:cxn modelId="{5F3D4FC6-C248-4B83-91B5-6FF80F05EF63}" srcId="{5B5CD561-EBD8-42AA-A3DA-E71D659D471F}" destId="{2C7CFE7B-0746-427F-9E2D-0E179C44D6B0}" srcOrd="3" destOrd="0" parTransId="{E8F8608C-85A1-403C-B084-58FEAF885F70}" sibTransId="{553147F6-6775-4505-86AC-743777934FD5}"/>
-    <dgm:cxn modelId="{7715D4DB-E293-40B6-AA3E-C16A3A3CD126}" srcId="{5B5CD561-EBD8-42AA-A3DA-E71D659D471F}" destId="{D6351A89-FE6F-4D0C-BEB2-5C144EF5AF2C}" srcOrd="0" destOrd="0" parTransId="{4D894349-4E16-4C0D-838B-9BC6531FD50D}" sibTransId="{2B0A61C5-9E65-49E8-94E2-863049119A4A}"/>
-    <dgm:cxn modelId="{9CD096E0-95D9-4D44-8C53-1CB5FEEB7E3C}" srcId="{5B5CD561-EBD8-42AA-A3DA-E71D659D471F}" destId="{FF78E407-3674-4A68-A701-8E12F558212E}" srcOrd="2" destOrd="0" parTransId="{B97B5AFB-3810-4BBF-8D23-A23EB000A851}" sibTransId="{516CD9AB-C3D5-4003-B63F-C77D81509300}"/>
     <dgm:cxn modelId="{CE30FFE3-D995-4257-BEA6-83CC6E2D06C7}" type="presOf" srcId="{FF78E407-3674-4A68-A701-8E12F558212E}" destId="{EBCD09BE-CCFA-4DBA-89F9-E3B5A47261E4}" srcOrd="0" destOrd="0" presId="urn:microsoft.com/office/officeart/2005/8/layout/hList7"/>
-    <dgm:cxn modelId="{5619BEF3-E2B5-4E60-9250-4328439D57E6}" type="presOf" srcId="{D6351A89-FE6F-4D0C-BEB2-5C144EF5AF2C}" destId="{81622DBE-0B09-4343-AAA1-2C1133C6D09E}" srcOrd="1" destOrd="0" presId="urn:microsoft.com/office/officeart/2005/8/layout/hList7"/>
-    <dgm:cxn modelId="{370EA1FF-1F43-4F98-B381-9BA65DCA4D9D}" srcId="{5B5CD561-EBD8-42AA-A3DA-E71D659D471F}" destId="{C3C52662-1810-422C-A71B-D0B530DDA377}" srcOrd="4" destOrd="0" parTransId="{EACCDD38-6DEF-4B08-AD4A-8C7E6BFD9AD7}" sibTransId="{08F224EB-13AD-44E8-894F-DAD825E7CCF5}"/>
     <dgm:cxn modelId="{0B235015-2687-42DA-AD53-359B64DAA835}" type="presParOf" srcId="{5199F1EC-A553-45DB-BDCF-184CAB046BBD}" destId="{708D190E-8F4C-4DF7-BF04-6BC88A92C72E}" srcOrd="0" destOrd="0" presId="urn:microsoft.com/office/officeart/2005/8/layout/hList7"/>
     <dgm:cxn modelId="{2D61A8B3-1F10-4B8C-AC82-77CAB80868BE}" type="presParOf" srcId="{5199F1EC-A553-45DB-BDCF-184CAB046BBD}" destId="{F1F0F486-F879-49D3-9016-798355B4BF03}" srcOrd="1" destOrd="0" presId="urn:microsoft.com/office/officeart/2005/8/layout/hList7"/>
     <dgm:cxn modelId="{BAF16D0A-E38E-4C5B-8457-F59B14D840A4}" type="presParOf" srcId="{F1F0F486-F879-49D3-9016-798355B4BF03}" destId="{E99FAB09-5814-4865-8D3C-69E4098B35A5}" srcOrd="0" destOrd="0" presId="urn:microsoft.com/office/officeart/2005/8/layout/hList7"/>
@@ -1525,12 +1815,12 @@
         </a:fontRef>
       </dsp:style>
       <dsp:txBody>
-        <a:bodyPr spcFirstLastPara="0" vert="horz" wrap="square" lIns="341376" tIns="341376" rIns="341376" bIns="341376" numCol="1" spcCol="1270" anchor="ctr" anchorCtr="0">
+        <a:bodyPr spcFirstLastPara="0" vert="horz" wrap="square" lIns="120904" tIns="120904" rIns="120904" bIns="120904" numCol="1" spcCol="1270" anchor="ctr" anchorCtr="0">
           <a:noAutofit/>
         </a:bodyPr>
         <a:lstStyle/>
         <a:p>
-          <a:pPr marL="0" lvl="0" indent="0" algn="ctr" defTabSz="2133600">
+          <a:pPr lvl="0" algn="l" defTabSz="755650">
             <a:lnSpc>
               <a:spcPct val="90000"/>
             </a:lnSpc>
@@ -1540,9 +1830,61 @@
             <a:spcAft>
               <a:spcPct val="35000"/>
             </a:spcAft>
-            <a:buNone/>
           </a:pPr>
-          <a:endParaRPr lang="zh-TW" altLang="en-US" sz="4800" kern="1200" dirty="0"/>
+          <a:r>
+            <a:rPr lang="zh-TW" altLang="en-US" sz="1700" kern="1200" dirty="0" smtClean="0"/>
+            <a:t>俊諭</a:t>
+          </a:r>
+          <a:r>
+            <a:rPr lang="en-US" altLang="zh-TW" sz="1700" kern="1200" dirty="0" smtClean="0"/>
+            <a:t/>
+          </a:r>
+          <a:br>
+            <a:rPr lang="en-US" altLang="zh-TW" sz="1700" kern="1200" dirty="0" smtClean="0"/>
+          </a:br>
+          <a:r>
+            <a:rPr lang="zh-TW" altLang="en-US" sz="1700" b="0" i="0" kern="1200" dirty="0" smtClean="0"/>
+            <a:t>●</a:t>
+          </a:r>
+          <a:r>
+            <a:rPr lang="zh-TW" altLang="en-US" sz="1700" b="0" i="0" kern="1200" dirty="0" smtClean="0"/>
+            <a:t>前台毛孩知識視覺設計</a:t>
+          </a:r>
+          <a:r>
+            <a:rPr lang="en-US" altLang="zh-TW" sz="1700" b="0" i="0" kern="1200" dirty="0" smtClean="0"/>
+            <a:t/>
+          </a:r>
+          <a:br>
+            <a:rPr lang="en-US" altLang="zh-TW" sz="1700" b="0" i="0" kern="1200" dirty="0" smtClean="0"/>
+          </a:br>
+          <a:r>
+            <a:rPr lang="zh-TW" altLang="en-US" sz="1700" b="0" i="0" kern="1200" dirty="0" smtClean="0"/>
+            <a:t>●</a:t>
+          </a:r>
+          <a:r>
+            <a:rPr lang="zh-TW" altLang="en-US" sz="1700" b="0" i="0" kern="1200" dirty="0" smtClean="0"/>
+            <a:t>後台會員管理功能開發</a:t>
+          </a:r>
+          <a:r>
+            <a:rPr lang="en-US" altLang="zh-TW" sz="1700" b="0" i="0" kern="1200" dirty="0" smtClean="0"/>
+            <a:t/>
+          </a:r>
+          <a:br>
+            <a:rPr lang="en-US" altLang="zh-TW" sz="1700" b="0" i="0" kern="1200" dirty="0" smtClean="0"/>
+          </a:br>
+          <a:r>
+            <a:rPr lang="zh-TW" altLang="en-US" sz="1700" b="0" i="0" kern="1200" dirty="0" smtClean="0"/>
+            <a:t>●</a:t>
+          </a:r>
+          <a:r>
+            <a:rPr lang="en-US" altLang="zh-TW" sz="1700" b="0" i="0" kern="1200" dirty="0" err="1" smtClean="0"/>
+            <a:t>Git</a:t>
+          </a:r>
+          <a:r>
+            <a:rPr lang="zh-TW" altLang="en-US" sz="1700" b="0" i="0" kern="1200" dirty="0" smtClean="0"/>
+            <a:t>版本控制</a:t>
+          </a:r>
+          <a:endParaRPr lang="zh-TW" altLang="en-US" sz="1700" kern="1200" dirty="0"/>
         </a:p>
       </dsp:txBody>
       <dsp:txXfrm>
@@ -1651,12 +1993,12 @@
         </a:fontRef>
       </dsp:style>
       <dsp:txBody>
-        <a:bodyPr spcFirstLastPara="0" vert="horz" wrap="square" lIns="341376" tIns="341376" rIns="341376" bIns="341376" numCol="1" spcCol="1270" anchor="ctr" anchorCtr="0">
+        <a:bodyPr spcFirstLastPara="0" vert="horz" wrap="square" lIns="120904" tIns="120904" rIns="120904" bIns="120904" numCol="1" spcCol="1270" anchor="ctr" anchorCtr="0">
           <a:noAutofit/>
         </a:bodyPr>
         <a:lstStyle/>
         <a:p>
-          <a:pPr marL="0" lvl="0" indent="0" algn="ctr" defTabSz="2133600">
+          <a:pPr lvl="0" algn="l" defTabSz="755650">
             <a:lnSpc>
               <a:spcPct val="90000"/>
             </a:lnSpc>
@@ -1666,9 +2008,12 @@
             <a:spcAft>
               <a:spcPct val="35000"/>
             </a:spcAft>
-            <a:buNone/>
           </a:pPr>
-          <a:endParaRPr lang="zh-TW" altLang="en-US" sz="4800" kern="1200"/>
+          <a:r>
+            <a:rPr lang="zh-TW" altLang="en-US" sz="1700" kern="1200" dirty="0" smtClean="0"/>
+            <a:t>洋藤</a:t>
+          </a:r>
+          <a:endParaRPr lang="zh-TW" altLang="en-US" sz="1700" kern="1200" dirty="0"/>
         </a:p>
       </dsp:txBody>
       <dsp:txXfrm>
@@ -1777,12 +2122,12 @@
         </a:fontRef>
       </dsp:style>
       <dsp:txBody>
-        <a:bodyPr spcFirstLastPara="0" vert="horz" wrap="square" lIns="455168" tIns="455168" rIns="455168" bIns="455168" numCol="1" spcCol="1270" anchor="ctr" anchorCtr="0">
+        <a:bodyPr spcFirstLastPara="0" vert="horz" wrap="square" lIns="120904" tIns="120904" rIns="120904" bIns="120904" numCol="1" spcCol="1270" anchor="ctr" anchorCtr="0">
           <a:noAutofit/>
         </a:bodyPr>
         <a:lstStyle/>
         <a:p>
-          <a:pPr marL="0" lvl="0" indent="0" algn="ctr" defTabSz="2844800">
+          <a:pPr lvl="0" algn="l" defTabSz="755650">
             <a:lnSpc>
               <a:spcPct val="90000"/>
             </a:lnSpc>
@@ -1792,9 +2137,64 @@
             <a:spcAft>
               <a:spcPct val="35000"/>
             </a:spcAft>
-            <a:buNone/>
           </a:pPr>
-          <a:endParaRPr lang="zh-TW" altLang="en-US" sz="6400" kern="1200" dirty="0"/>
+          <a:r>
+            <a:rPr lang="zh-TW" altLang="en-US" sz="1700" b="0" i="0" kern="1200" dirty="0" smtClean="0"/>
+            <a:t>純安</a:t>
+          </a:r>
+          <a:r>
+            <a:rPr lang="en-US" altLang="zh-TW" sz="1700" b="0" i="0" kern="1200" dirty="0" smtClean="0"/>
+            <a:t/>
+          </a:r>
+          <a:br>
+            <a:rPr lang="en-US" altLang="zh-TW" sz="1700" b="0" i="0" kern="1200" dirty="0" smtClean="0"/>
+          </a:br>
+          <a:r>
+            <a:rPr lang="zh-TW" altLang="en-US" sz="1700" b="0" i="0" kern="1200" dirty="0" smtClean="0"/>
+            <a:t>●後台視覺設計 </a:t>
+          </a:r>
+          <a:r>
+            <a:rPr lang="en-US" altLang="zh-TW" sz="1700" b="0" i="0" kern="1200" dirty="0" smtClean="0"/>
+            <a:t/>
+          </a:r>
+          <a:br>
+            <a:rPr lang="en-US" altLang="zh-TW" sz="1700" b="0" i="0" kern="1200" dirty="0" smtClean="0"/>
+          </a:br>
+          <a:r>
+            <a:rPr lang="zh-TW" altLang="en-US" sz="1700" b="0" i="0" kern="1200" dirty="0" smtClean="0"/>
+            <a:t>●網頁套版 </a:t>
+          </a:r>
+          <a:r>
+            <a:rPr lang="en-US" altLang="zh-TW" sz="1700" b="0" i="0" kern="1200" dirty="0" smtClean="0"/>
+            <a:t/>
+          </a:r>
+          <a:br>
+            <a:rPr lang="en-US" altLang="zh-TW" sz="1700" b="0" i="0" kern="1200" dirty="0" smtClean="0"/>
+          </a:br>
+          <a:r>
+            <a:rPr lang="zh-TW" altLang="en-US" sz="1700" b="0" i="0" kern="1200" dirty="0" smtClean="0"/>
+            <a:t>●最新消息前、後台開發 </a:t>
+          </a:r>
+          <a:r>
+            <a:rPr lang="en-US" altLang="zh-TW" sz="1700" b="0" i="0" kern="1200" dirty="0" smtClean="0"/>
+            <a:t/>
+          </a:r>
+          <a:br>
+            <a:rPr lang="en-US" altLang="zh-TW" sz="1700" b="0" i="0" kern="1200" dirty="0" smtClean="0"/>
+          </a:br>
+          <a:r>
+            <a:rPr lang="zh-TW" altLang="en-US" sz="1700" b="0" i="0" kern="1200" dirty="0" smtClean="0"/>
+            <a:t>●</a:t>
+          </a:r>
+          <a:r>
+            <a:rPr lang="en-US" altLang="zh-TW" sz="1700" b="0" i="0" kern="1200" dirty="0" smtClean="0"/>
+            <a:t>PPT</a:t>
+          </a:r>
+          <a:r>
+            <a:rPr lang="zh-TW" altLang="en-US" sz="1700" b="0" i="0" kern="1200" dirty="0" smtClean="0"/>
+            <a:t>製作</a:t>
+          </a:r>
+          <a:endParaRPr lang="zh-TW" altLang="en-US" sz="1700" kern="1200" dirty="0"/>
         </a:p>
       </dsp:txBody>
       <dsp:txXfrm>
@@ -1903,12 +2303,12 @@
         </a:fontRef>
       </dsp:style>
       <dsp:txBody>
-        <a:bodyPr spcFirstLastPara="0" vert="horz" wrap="square" lIns="455168" tIns="455168" rIns="455168" bIns="455168" numCol="1" spcCol="1270" anchor="ctr" anchorCtr="0">
+        <a:bodyPr spcFirstLastPara="0" vert="horz" wrap="square" lIns="120904" tIns="120904" rIns="120904" bIns="120904" numCol="1" spcCol="1270" anchor="ctr" anchorCtr="0">
           <a:noAutofit/>
         </a:bodyPr>
         <a:lstStyle/>
         <a:p>
-          <a:pPr marL="0" lvl="0" indent="0" algn="ctr" defTabSz="2844800">
+          <a:pPr lvl="0" algn="l" defTabSz="755650">
             <a:lnSpc>
               <a:spcPct val="90000"/>
             </a:lnSpc>
@@ -1918,9 +2318,34 @@
             <a:spcAft>
               <a:spcPct val="35000"/>
             </a:spcAft>
-            <a:buNone/>
           </a:pPr>
-          <a:endParaRPr lang="zh-TW" altLang="en-US" sz="6400" kern="1200" dirty="0"/>
+          <a:r>
+            <a:rPr lang="zh-TW" altLang="en-US" sz="1700" b="0" i="0" kern="1200" dirty="0" smtClean="0"/>
+            <a:t>玫均 </a:t>
+          </a:r>
+          <a:r>
+            <a:rPr lang="en-US" altLang="zh-TW" sz="1700" b="0" i="0" kern="1200" dirty="0" smtClean="0"/>
+            <a:t/>
+          </a:r>
+          <a:br>
+            <a:rPr lang="en-US" altLang="zh-TW" sz="1700" b="0" i="0" kern="1200" dirty="0" smtClean="0"/>
+          </a:br>
+          <a:r>
+            <a:rPr lang="zh-TW" altLang="en-US" sz="1700" b="0" i="0" kern="1200" dirty="0" smtClean="0"/>
+            <a:t>●前台會員登入註冊、毛孩知識功能開發 </a:t>
+          </a:r>
+          <a:r>
+            <a:rPr lang="en-US" altLang="zh-TW" sz="1700" b="0" i="0" kern="1200" dirty="0" smtClean="0"/>
+            <a:t/>
+          </a:r>
+          <a:br>
+            <a:rPr lang="en-US" altLang="zh-TW" sz="1700" b="0" i="0" kern="1200" dirty="0" smtClean="0"/>
+          </a:br>
+          <a:r>
+            <a:rPr lang="zh-TW" altLang="en-US" sz="1700" b="0" i="0" kern="1200" dirty="0" smtClean="0"/>
+            <a:t>●後台毛孩知識管理功能開發 </a:t>
+          </a:r>
+          <a:endParaRPr lang="zh-TW" altLang="en-US" sz="1700" kern="1200" dirty="0"/>
         </a:p>
       </dsp:txBody>
       <dsp:txXfrm>
@@ -2029,12 +2454,12 @@
         </a:fontRef>
       </dsp:style>
       <dsp:txBody>
-        <a:bodyPr spcFirstLastPara="0" vert="horz" wrap="square" lIns="455168" tIns="455168" rIns="455168" bIns="455168" numCol="1" spcCol="1270" anchor="ctr" anchorCtr="0">
+        <a:bodyPr spcFirstLastPara="0" vert="horz" wrap="square" lIns="113792" tIns="113792" rIns="113792" bIns="113792" numCol="1" spcCol="1270" anchor="ctr" anchorCtr="0">
           <a:noAutofit/>
         </a:bodyPr>
         <a:lstStyle/>
         <a:p>
-          <a:pPr marL="0" lvl="0" indent="0" algn="ctr" defTabSz="2844800">
+          <a:pPr lvl="0" algn="l" defTabSz="711200">
             <a:lnSpc>
               <a:spcPct val="90000"/>
             </a:lnSpc>
@@ -2044,9 +2469,42 @@
             <a:spcAft>
               <a:spcPct val="35000"/>
             </a:spcAft>
-            <a:buNone/>
           </a:pPr>
-          <a:endParaRPr lang="zh-TW" altLang="en-US" sz="6400" kern="1200" dirty="0"/>
+          <a:r>
+            <a:rPr lang="zh-TW" altLang="en-US" sz="1600" kern="1200" dirty="0" smtClean="0"/>
+            <a:t>旻育</a:t>
+          </a:r>
+          <a:r>
+            <a:rPr lang="en-US" altLang="zh-TW" sz="1600" kern="1200" dirty="0" smtClean="0"/>
+            <a:t/>
+          </a:r>
+          <a:br>
+            <a:rPr lang="en-US" altLang="zh-TW" sz="1600" kern="1200" dirty="0" smtClean="0"/>
+          </a:br>
+          <a:r>
+            <a:rPr lang="zh-TW" altLang="en-US" sz="1600" b="0" i="0" kern="1200" dirty="0" smtClean="0"/>
+            <a:t>●</a:t>
+          </a:r>
+          <a:r>
+            <a:rPr lang="zh-TW" altLang="en-US" sz="1600" kern="1200" dirty="0" smtClean="0"/>
+            <a:t>前台領養、刊登功能開發</a:t>
+          </a:r>
+          <a:r>
+            <a:rPr lang="en-US" altLang="zh-TW" sz="1600" kern="1200" dirty="0" smtClean="0"/>
+            <a:t/>
+          </a:r>
+          <a:br>
+            <a:rPr lang="en-US" altLang="zh-TW" sz="1600" kern="1200" dirty="0" smtClean="0"/>
+          </a:br>
+          <a:r>
+            <a:rPr lang="zh-TW" altLang="en-US" sz="1600" b="0" i="0" kern="1200" dirty="0" smtClean="0"/>
+            <a:t>●</a:t>
+          </a:r>
+          <a:r>
+            <a:rPr lang="zh-TW" altLang="en-US" sz="1600" kern="1200" dirty="0" smtClean="0"/>
+            <a:t>後台刊登功能開發</a:t>
+          </a:r>
+          <a:endParaRPr lang="zh-TW" altLang="en-US" sz="1600" kern="1200" dirty="0"/>
         </a:p>
       </dsp:txBody>
       <dsp:txXfrm>
@@ -2067,15 +2525,19 @@
         <a:prstGeom prst="ellipse">
           <a:avLst/>
         </a:prstGeom>
-        <a:solidFill>
-          <a:schemeClr val="accent6">
-            <a:tint val="50000"/>
-            <a:hueOff val="0"/>
-            <a:satOff val="0"/>
-            <a:lumOff val="0"/>
-            <a:alphaOff val="0"/>
-          </a:schemeClr>
-        </a:solidFill>
+        <a:blipFill>
+          <a:blip xmlns:r="http://schemas.openxmlformats.org/officeDocument/2006/relationships" r:embed="rId1" cstate="hqprint">
+            <a:extLst>
+              <a:ext uri="{28A0092B-C50C-407E-A947-70E740481C1C}">
+                <a14:useLocalDpi xmlns:a14="http://schemas.microsoft.com/office/drawing/2010/main" val="0"/>
+              </a:ext>
+            </a:extLst>
+          </a:blip>
+          <a:srcRect/>
+          <a:stretch>
+            <a:fillRect t="-39000" b="-39000"/>
+          </a:stretch>
+        </a:blipFill>
         <a:ln w="12700" cap="flat" cmpd="sng" algn="ctr">
           <a:solidFill>
             <a:schemeClr val="lt1">
@@ -3479,7 +3941,7 @@
           <a:p>
             <a:fld id="{706FF21D-4771-4543-AFBC-2EF58E611031}" type="datetimeFigureOut">
               <a:rPr lang="zh-TW" altLang="en-US" smtClean="0"/>
-              <a:t>2021/9/29</a:t>
+              <a:t>2021/9/30</a:t>
             </a:fld>
             <a:endParaRPr lang="zh-TW" altLang="en-US"/>
           </a:p>
@@ -3645,7 +4107,7 @@
           <p:nvPr userDrawn="1"/>
         </p:nvPicPr>
         <p:blipFill>
-          <a:blip r:embed="rId2">
+          <a:blip r:embed="rId2" cstate="hqprint">
             <a:extLst>
               <a:ext uri="{28A0092B-C50C-407E-A947-70E740481C1C}">
                 <a14:useLocalDpi xmlns:a14="http://schemas.microsoft.com/office/drawing/2010/main" val="0"/>
@@ -3688,7 +4150,7 @@
           <p:nvPr userDrawn="1"/>
         </p:nvPicPr>
         <p:blipFill>
-          <a:blip r:embed="rId2">
+          <a:blip r:embed="rId3" cstate="hqprint">
             <a:extLst>
               <a:ext uri="{28A0092B-C50C-407E-A947-70E740481C1C}">
                 <a14:useLocalDpi xmlns:a14="http://schemas.microsoft.com/office/drawing/2010/main" val="0"/>
@@ -3731,7 +4193,7 @@
           <p:nvPr userDrawn="1"/>
         </p:nvPicPr>
         <p:blipFill>
-          <a:blip r:embed="rId2">
+          <a:blip r:embed="rId4" cstate="hqprint">
             <a:extLst>
               <a:ext uri="{28A0092B-C50C-407E-A947-70E740481C1C}">
                 <a14:useLocalDpi xmlns:a14="http://schemas.microsoft.com/office/drawing/2010/main" val="0"/>
@@ -3774,7 +4236,7 @@
           <p:nvPr userDrawn="1"/>
         </p:nvPicPr>
         <p:blipFill>
-          <a:blip r:embed="rId3">
+          <a:blip r:embed="rId5" cstate="hqprint">
             <a:extLst>
               <a:ext uri="{28A0092B-C50C-407E-A947-70E740481C1C}">
                 <a14:useLocalDpi xmlns:a14="http://schemas.microsoft.com/office/drawing/2010/main" val="0"/>
@@ -3810,7 +4272,7 @@
           <p:nvPr userDrawn="1"/>
         </p:nvPicPr>
         <p:blipFill>
-          <a:blip r:embed="rId4">
+          <a:blip r:embed="rId6" cstate="hqprint">
             <a:extLst>
               <a:ext uri="{28A0092B-C50C-407E-A947-70E740481C1C}">
                 <a14:useLocalDpi xmlns:a14="http://schemas.microsoft.com/office/drawing/2010/main" val="0"/>
@@ -3846,7 +4308,7 @@
           <p:nvPr userDrawn="1"/>
         </p:nvPicPr>
         <p:blipFill>
-          <a:blip r:embed="rId5">
+          <a:blip r:embed="rId7" cstate="hqprint">
             <a:extLst>
               <a:ext uri="{28A0092B-C50C-407E-A947-70E740481C1C}">
                 <a14:useLocalDpi xmlns:a14="http://schemas.microsoft.com/office/drawing/2010/main" val="0"/>
@@ -3882,7 +4344,7 @@
           <p:nvPr userDrawn="1"/>
         </p:nvPicPr>
         <p:blipFill>
-          <a:blip r:embed="rId5">
+          <a:blip r:embed="rId7" cstate="hqprint">
             <a:extLst>
               <a:ext uri="{28A0092B-C50C-407E-A947-70E740481C1C}">
                 <a14:useLocalDpi xmlns:a14="http://schemas.microsoft.com/office/drawing/2010/main" val="0"/>
@@ -3918,7 +4380,7 @@
           <p:nvPr userDrawn="1"/>
         </p:nvPicPr>
         <p:blipFill>
-          <a:blip r:embed="rId6">
+          <a:blip r:embed="rId8" cstate="hqprint">
             <a:extLst>
               <a:ext uri="{28A0092B-C50C-407E-A947-70E740481C1C}">
                 <a14:useLocalDpi xmlns:a14="http://schemas.microsoft.com/office/drawing/2010/main" val="0"/>
@@ -3954,7 +4416,7 @@
           <p:nvPr userDrawn="1"/>
         </p:nvPicPr>
         <p:blipFill>
-          <a:blip r:embed="rId5">
+          <a:blip r:embed="rId7" cstate="hqprint">
             <a:extLst>
               <a:ext uri="{28A0092B-C50C-407E-A947-70E740481C1C}">
                 <a14:useLocalDpi xmlns:a14="http://schemas.microsoft.com/office/drawing/2010/main" val="0"/>
@@ -3990,7 +4452,7 @@
           <p:nvPr userDrawn="1"/>
         </p:nvPicPr>
         <p:blipFill>
-          <a:blip r:embed="rId7">
+          <a:blip r:embed="rId9" cstate="hqprint">
             <a:extLst>
               <a:ext uri="{28A0092B-C50C-407E-A947-70E740481C1C}">
                 <a14:useLocalDpi xmlns:a14="http://schemas.microsoft.com/office/drawing/2010/main" val="0"/>
@@ -4026,7 +4488,7 @@
           <p:nvPr userDrawn="1"/>
         </p:nvPicPr>
         <p:blipFill>
-          <a:blip r:embed="rId7">
+          <a:blip r:embed="rId9" cstate="hqprint">
             <a:extLst>
               <a:ext uri="{28A0092B-C50C-407E-A947-70E740481C1C}">
                 <a14:useLocalDpi xmlns:a14="http://schemas.microsoft.com/office/drawing/2010/main" val="0"/>
@@ -4062,7 +4524,7 @@
           <p:nvPr userDrawn="1"/>
         </p:nvPicPr>
         <p:blipFill>
-          <a:blip r:embed="rId7">
+          <a:blip r:embed="rId9" cstate="hqprint">
             <a:extLst>
               <a:ext uri="{28A0092B-C50C-407E-A947-70E740481C1C}">
                 <a14:useLocalDpi xmlns:a14="http://schemas.microsoft.com/office/drawing/2010/main" val="0"/>
@@ -4157,7 +4619,7 @@
           <p:nvPr userDrawn="1"/>
         </p:nvPicPr>
         <p:blipFill>
-          <a:blip r:embed="rId2">
+          <a:blip r:embed="rId2" cstate="hqprint">
             <a:extLst>
               <a:ext uri="{28A0092B-C50C-407E-A947-70E740481C1C}">
                 <a14:useLocalDpi xmlns:a14="http://schemas.microsoft.com/office/drawing/2010/main" val="0"/>
@@ -4200,7 +4662,7 @@
           <p:nvPr userDrawn="1"/>
         </p:nvPicPr>
         <p:blipFill>
-          <a:blip r:embed="rId2">
+          <a:blip r:embed="rId3" cstate="hqprint">
             <a:extLst>
               <a:ext uri="{28A0092B-C50C-407E-A947-70E740481C1C}">
                 <a14:useLocalDpi xmlns:a14="http://schemas.microsoft.com/office/drawing/2010/main" val="0"/>
@@ -4243,7 +4705,7 @@
           <p:nvPr userDrawn="1"/>
         </p:nvPicPr>
         <p:blipFill>
-          <a:blip r:embed="rId2">
+          <a:blip r:embed="rId4" cstate="hqprint">
             <a:extLst>
               <a:ext uri="{28A0092B-C50C-407E-A947-70E740481C1C}">
                 <a14:useLocalDpi xmlns:a14="http://schemas.microsoft.com/office/drawing/2010/main" val="0"/>
@@ -4324,7 +4786,7 @@
           <a:p>
             <a:fld id="{4A13BF6C-7F03-451E-B544-550EF5B39A1D}" type="datetimeFigureOut">
               <a:rPr lang="zh-TW" altLang="en-US" smtClean="0"/>
-              <a:t>2021/9/29</a:t>
+              <a:t>2021/9/30</a:t>
             </a:fld>
             <a:endParaRPr lang="zh-TW" altLang="en-US"/>
           </a:p>
@@ -4565,7 +5027,7 @@
           <a:p>
             <a:fld id="{4A13BF6C-7F03-451E-B544-550EF5B39A1D}" type="datetimeFigureOut">
               <a:rPr lang="zh-TW" altLang="en-US" smtClean="0"/>
-              <a:t>2021/9/29</a:t>
+              <a:t>2021/9/30</a:t>
             </a:fld>
             <a:endParaRPr lang="zh-TW" altLang="en-US"/>
           </a:p>
@@ -5061,7 +5523,7 @@
           <p:nvPr/>
         </p:nvPicPr>
         <p:blipFill>
-          <a:blip r:embed="rId3">
+          <a:blip r:embed="rId3" cstate="hqprint">
             <a:extLst>
               <a:ext uri="{28A0092B-C50C-407E-A947-70E740481C1C}">
                 <a14:useLocalDpi xmlns:a14="http://schemas.microsoft.com/office/drawing/2010/main" val="0"/>
@@ -5137,7 +5599,7 @@
           <p:nvPr/>
         </p:nvPicPr>
         <p:blipFill>
-          <a:blip r:embed="rId4">
+          <a:blip r:embed="rId5" cstate="hqprint">
             <a:extLst>
               <a:ext uri="{28A0092B-C50C-407E-A947-70E740481C1C}">
                 <a14:useLocalDpi xmlns:a14="http://schemas.microsoft.com/office/drawing/2010/main" val="0"/>
@@ -11507,7 +11969,7 @@
             <p:nvPr/>
           </p:nvPicPr>
           <p:blipFill rotWithShape="1">
-            <a:blip r:embed="rId9">
+            <a:blip r:embed="rId9" cstate="hqprint">
               <a:extLst>
                 <a:ext uri="{28A0092B-C50C-407E-A947-70E740481C1C}">
                   <a14:useLocalDpi xmlns:a14="http://schemas.microsoft.com/office/drawing/2010/main" val="0"/>
@@ -11807,7 +12269,7 @@
           <p:nvPr>
             <p:extLst>
               <p:ext uri="{D42A27DB-BD31-4B8C-83A1-F6EECF244321}">
-                <p14:modId xmlns:p14="http://schemas.microsoft.com/office/powerpoint/2010/main" val="1397435637"/>
+                <p14:modId xmlns:p14="http://schemas.microsoft.com/office/powerpoint/2010/main" val="2469518309"/>
               </p:ext>
             </p:extLst>
           </p:nvPr>
@@ -11903,7 +12365,7 @@
           <p:nvPr/>
         </p:nvPicPr>
         <p:blipFill>
-          <a:blip r:embed="rId3">
+          <a:blip r:embed="rId3" cstate="hqprint">
             <a:extLst>
               <a:ext uri="{28A0092B-C50C-407E-A947-70E740481C1C}">
                 <a14:useLocalDpi xmlns:a14="http://schemas.microsoft.com/office/drawing/2010/main" val="0"/>
@@ -11939,7 +12401,7 @@
           <p:nvPr/>
         </p:nvPicPr>
         <p:blipFill>
-          <a:blip r:embed="rId4">
+          <a:blip r:embed="rId4" cstate="hqprint">
             <a:extLst>
               <a:ext uri="{28A0092B-C50C-407E-A947-70E740481C1C}">
                 <a14:useLocalDpi xmlns:a14="http://schemas.microsoft.com/office/drawing/2010/main" val="0"/>
@@ -11979,7 +12441,7 @@
           <p:nvPr/>
         </p:nvPicPr>
         <p:blipFill>
-          <a:blip r:embed="rId4">
+          <a:blip r:embed="rId5">
             <a:extLst>
               <a:ext uri="{28A0092B-C50C-407E-A947-70E740481C1C}">
                 <a14:useLocalDpi xmlns:a14="http://schemas.microsoft.com/office/drawing/2010/main" val="0"/>
@@ -12075,7 +12537,7 @@
           <p:nvPr/>
         </p:nvPicPr>
         <p:blipFill>
-          <a:blip r:embed="rId4">
+          <a:blip r:embed="rId6" cstate="hqprint">
             <a:extLst>
               <a:ext uri="{28A0092B-C50C-407E-A947-70E740481C1C}">
                 <a14:useLocalDpi xmlns:a14="http://schemas.microsoft.com/office/drawing/2010/main" val="0"/>
@@ -12115,7 +12577,7 @@
           <p:nvPr/>
         </p:nvPicPr>
         <p:blipFill>
-          <a:blip r:embed="rId4">
+          <a:blip r:embed="rId7" cstate="hqprint">
             <a:extLst>
               <a:ext uri="{28A0092B-C50C-407E-A947-70E740481C1C}">
                 <a14:useLocalDpi xmlns:a14="http://schemas.microsoft.com/office/drawing/2010/main" val="0"/>

--- a/ppt/第八組大專簡報.pptx
+++ b/ppt/第八組大專簡報.pptx
@@ -1092,56 +1092,36 @@
         <a:p>
           <a:pPr algn="l"/>
           <a:r>
-            <a:rPr lang="zh-TW" altLang="en-US" dirty="0" smtClean="0"/>
+            <a:rPr lang="zh-TW" altLang="en-US" dirty="0"/>
             <a:t>俊諭</a:t>
           </a:r>
+          <a:br>
+            <a:rPr lang="en-US" altLang="zh-TW" dirty="0"/>
+          </a:br>
           <a:r>
-            <a:rPr lang="en-US" altLang="zh-TW" dirty="0" smtClean="0"/>
-            <a:t/>
+            <a:rPr lang="zh-TW" altLang="en-US" b="0" i="0" dirty="0"/>
+            <a:t>●前台毛孩知識視覺設計</a:t>
           </a:r>
           <a:br>
-            <a:rPr lang="en-US" altLang="zh-TW" dirty="0" smtClean="0"/>
+            <a:rPr lang="en-US" altLang="zh-TW" b="0" i="0" dirty="0"/>
           </a:br>
           <a:r>
-            <a:rPr lang="zh-TW" altLang="en-US" b="0" i="0" dirty="0" smtClean="0"/>
+            <a:rPr lang="zh-TW" altLang="en-US" b="0" i="0" dirty="0"/>
+            <a:t>●後台會員管理功能開發</a:t>
+          </a:r>
+          <a:br>
+            <a:rPr lang="en-US" altLang="zh-TW" b="0" i="0" dirty="0"/>
+          </a:br>
+          <a:r>
+            <a:rPr lang="zh-TW" altLang="en-US" b="0" i="0" dirty="0"/>
             <a:t>●</a:t>
           </a:r>
           <a:r>
-            <a:rPr lang="zh-TW" altLang="en-US" b="0" i="0" dirty="0" smtClean="0"/>
-            <a:t>前台毛孩知識視覺設計</a:t>
-          </a:r>
-          <a:r>
-            <a:rPr lang="en-US" altLang="zh-TW" b="0" i="0" dirty="0" smtClean="0"/>
-            <a:t/>
-          </a:r>
-          <a:br>
-            <a:rPr lang="en-US" altLang="zh-TW" b="0" i="0" dirty="0" smtClean="0"/>
-          </a:br>
-          <a:r>
-            <a:rPr lang="zh-TW" altLang="en-US" b="0" i="0" dirty="0" smtClean="0"/>
-            <a:t>●</a:t>
-          </a:r>
-          <a:r>
-            <a:rPr lang="zh-TW" altLang="en-US" b="0" i="0" dirty="0" smtClean="0"/>
-            <a:t>後台會員管理功能開發</a:t>
-          </a:r>
-          <a:r>
-            <a:rPr lang="en-US" altLang="zh-TW" b="0" i="0" dirty="0" smtClean="0"/>
-            <a:t/>
-          </a:r>
-          <a:br>
-            <a:rPr lang="en-US" altLang="zh-TW" b="0" i="0" dirty="0" smtClean="0"/>
-          </a:br>
-          <a:r>
-            <a:rPr lang="zh-TW" altLang="en-US" b="0" i="0" dirty="0" smtClean="0"/>
-            <a:t>●</a:t>
-          </a:r>
-          <a:r>
-            <a:rPr lang="en-US" altLang="zh-TW" b="0" i="0" dirty="0" err="1" smtClean="0"/>
+            <a:rPr lang="en-US" altLang="zh-TW" b="0" i="0" dirty="0" err="1"/>
             <a:t>Git</a:t>
           </a:r>
           <a:r>
-            <a:rPr lang="zh-TW" altLang="en-US" b="0" i="0" dirty="0" smtClean="0"/>
+            <a:rPr lang="zh-TW" altLang="en-US" b="0" i="0" dirty="0"/>
             <a:t>版本控制</a:t>
           </a:r>
           <a:endParaRPr lang="zh-TW" altLang="en-US" dirty="0"/>
@@ -1179,10 +1159,9 @@
         <a:p>
           <a:pPr algn="l"/>
           <a:r>
-            <a:rPr lang="zh-TW" altLang="en-US" dirty="0" smtClean="0"/>
+            <a:rPr lang="zh-TW" altLang="en-US" dirty="0"/>
             <a:t>洋藤</a:t>
           </a:r>
-          <a:endParaRPr lang="zh-TW" altLang="en-US" dirty="0"/>
         </a:p>
       </dgm:t>
     </dgm:pt>
@@ -1217,59 +1196,43 @@
         <a:p>
           <a:pPr algn="l"/>
           <a:r>
-            <a:rPr lang="zh-TW" altLang="en-US" b="0" i="0" dirty="0" smtClean="0"/>
+            <a:rPr lang="zh-TW" altLang="en-US" b="0" i="0" dirty="0"/>
             <a:t>純安</a:t>
           </a:r>
+          <a:br>
+            <a:rPr lang="en-US" altLang="zh-TW" b="0" i="0" dirty="0"/>
+          </a:br>
           <a:r>
-            <a:rPr lang="en-US" altLang="zh-TW" b="0" i="0" dirty="0" smtClean="0"/>
-            <a:t/>
+            <a:rPr lang="zh-TW" altLang="en-US" b="0" i="0" dirty="0"/>
+            <a:t>●後台視覺設計 </a:t>
           </a:r>
           <a:br>
-            <a:rPr lang="en-US" altLang="zh-TW" b="0" i="0" dirty="0" smtClean="0"/>
+            <a:rPr lang="en-US" altLang="zh-TW" b="0" i="0" dirty="0"/>
           </a:br>
           <a:r>
-            <a:rPr lang="zh-TW" altLang="en-US" b="0" i="0" dirty="0" smtClean="0"/>
-            <a:t>●後台視覺設計 </a:t>
-          </a:r>
-          <a:r>
-            <a:rPr lang="en-US" altLang="zh-TW" b="0" i="0" dirty="0" smtClean="0"/>
-            <a:t/>
+            <a:rPr lang="zh-TW" altLang="en-US" b="0" i="0" dirty="0"/>
+            <a:t>●網頁套版 </a:t>
           </a:r>
           <a:br>
-            <a:rPr lang="en-US" altLang="zh-TW" b="0" i="0" dirty="0" smtClean="0"/>
+            <a:rPr lang="en-US" altLang="zh-TW" b="0" i="0" dirty="0"/>
           </a:br>
           <a:r>
-            <a:rPr lang="zh-TW" altLang="en-US" b="0" i="0" dirty="0" smtClean="0"/>
-            <a:t>●網頁套版 </a:t>
-          </a:r>
-          <a:r>
-            <a:rPr lang="en-US" altLang="zh-TW" b="0" i="0" dirty="0" smtClean="0"/>
-            <a:t/>
+            <a:rPr lang="zh-TW" altLang="en-US" b="0" i="0" dirty="0"/>
+            <a:t>●最新消息前、後台開發 </a:t>
           </a:r>
           <a:br>
-            <a:rPr lang="en-US" altLang="zh-TW" b="0" i="0" dirty="0" smtClean="0"/>
+            <a:rPr lang="en-US" altLang="zh-TW" b="0" i="0" dirty="0"/>
           </a:br>
           <a:r>
-            <a:rPr lang="zh-TW" altLang="en-US" b="0" i="0" dirty="0" smtClean="0"/>
-            <a:t>●最新消息前、後台開發 </a:t>
-          </a:r>
-          <a:r>
-            <a:rPr lang="en-US" altLang="zh-TW" b="0" i="0" dirty="0" smtClean="0"/>
-            <a:t/>
-          </a:r>
-          <a:br>
-            <a:rPr lang="en-US" altLang="zh-TW" b="0" i="0" dirty="0" smtClean="0"/>
-          </a:br>
-          <a:r>
-            <a:rPr lang="zh-TW" altLang="en-US" b="0" i="0" dirty="0" smtClean="0"/>
+            <a:rPr lang="zh-TW" altLang="en-US" b="0" i="0" dirty="0"/>
             <a:t>●</a:t>
           </a:r>
           <a:r>
-            <a:rPr lang="en-US" altLang="zh-TW" b="0" i="0" dirty="0" smtClean="0"/>
+            <a:rPr lang="en-US" altLang="zh-TW" b="0" i="0" dirty="0"/>
             <a:t>PPT</a:t>
           </a:r>
           <a:r>
-            <a:rPr lang="zh-TW" altLang="en-US" b="0" i="0" dirty="0" smtClean="0"/>
+            <a:rPr lang="zh-TW" altLang="en-US" b="0" i="0" dirty="0"/>
             <a:t>製作</a:t>
           </a:r>
           <a:endParaRPr lang="zh-TW" altLang="en-US" dirty="0"/>
@@ -1307,29 +1270,21 @@
         <a:p>
           <a:pPr algn="l"/>
           <a:r>
-            <a:rPr lang="zh-TW" altLang="en-US" b="0" i="0" dirty="0" smtClean="0"/>
+            <a:rPr lang="zh-TW" altLang="en-US" b="0" i="0" dirty="0"/>
             <a:t>玫均 </a:t>
           </a:r>
+          <a:br>
+            <a:rPr lang="en-US" altLang="zh-TW" b="0" i="0" dirty="0"/>
+          </a:br>
           <a:r>
-            <a:rPr lang="en-US" altLang="zh-TW" b="0" i="0" dirty="0" smtClean="0"/>
-            <a:t/>
+            <a:rPr lang="zh-TW" altLang="en-US" b="0" i="0" dirty="0"/>
+            <a:t>●前台會員登入註冊、毛孩知識功能開發 </a:t>
           </a:r>
           <a:br>
-            <a:rPr lang="en-US" altLang="zh-TW" b="0" i="0" dirty="0" smtClean="0"/>
+            <a:rPr lang="en-US" altLang="zh-TW" b="0" i="0" dirty="0"/>
           </a:br>
           <a:r>
-            <a:rPr lang="zh-TW" altLang="en-US" b="0" i="0" dirty="0" smtClean="0"/>
-            <a:t>●前台會員登入註冊、毛孩知識功能開發 </a:t>
-          </a:r>
-          <a:r>
-            <a:rPr lang="en-US" altLang="zh-TW" b="0" i="0" dirty="0" smtClean="0"/>
-            <a:t/>
-          </a:r>
-          <a:br>
-            <a:rPr lang="en-US" altLang="zh-TW" b="0" i="0" dirty="0" smtClean="0"/>
-          </a:br>
-          <a:r>
-            <a:rPr lang="zh-TW" altLang="en-US" b="0" i="0" dirty="0" smtClean="0"/>
+            <a:rPr lang="zh-TW" altLang="en-US" b="0" i="0" dirty="0"/>
             <a:t>●後台毛孩知識管理功能開發 </a:t>
           </a:r>
           <a:endParaRPr lang="zh-TW" altLang="en-US" dirty="0"/>
@@ -1367,40 +1322,31 @@
         <a:p>
           <a:pPr algn="l"/>
           <a:r>
-            <a:rPr lang="zh-TW" altLang="en-US" sz="1600" dirty="0" smtClean="0"/>
+            <a:rPr lang="zh-TW" altLang="en-US" sz="1600" dirty="0"/>
             <a:t>旻育</a:t>
           </a:r>
-          <a:r>
-            <a:rPr lang="en-US" altLang="zh-TW" sz="1600" dirty="0" smtClean="0"/>
-            <a:t/>
-          </a:r>
           <a:br>
-            <a:rPr lang="en-US" altLang="zh-TW" sz="1600" dirty="0" smtClean="0"/>
+            <a:rPr lang="en-US" altLang="zh-TW" sz="1600" dirty="0"/>
           </a:br>
           <a:r>
-            <a:rPr lang="zh-TW" altLang="en-US" sz="1600" b="0" i="0" dirty="0" smtClean="0"/>
+            <a:rPr lang="zh-TW" altLang="en-US" sz="1600" b="0" i="0" dirty="0"/>
             <a:t>●</a:t>
           </a:r>
           <a:r>
-            <a:rPr lang="zh-TW" altLang="en-US" sz="1600" dirty="0" smtClean="0"/>
+            <a:rPr lang="zh-TW" altLang="en-US" sz="1600" dirty="0"/>
             <a:t>前台領養、刊登功能開發</a:t>
           </a:r>
-          <a:r>
-            <a:rPr lang="en-US" altLang="zh-TW" sz="1600" dirty="0" smtClean="0"/>
-            <a:t/>
-          </a:r>
           <a:br>
-            <a:rPr lang="en-US" altLang="zh-TW" sz="1600" dirty="0" smtClean="0"/>
+            <a:rPr lang="en-US" altLang="zh-TW" sz="1600" dirty="0"/>
           </a:br>
           <a:r>
-            <a:rPr lang="zh-TW" altLang="en-US" sz="1600" b="0" i="0" dirty="0" smtClean="0"/>
+            <a:rPr lang="zh-TW" altLang="en-US" sz="1600" b="0" i="0" dirty="0"/>
             <a:t>●</a:t>
           </a:r>
           <a:r>
-            <a:rPr lang="zh-TW" altLang="en-US" sz="1600" dirty="0" smtClean="0"/>
+            <a:rPr lang="zh-TW" altLang="en-US" sz="1600" dirty="0"/>
             <a:t>後台刊登功能開發</a:t>
           </a:r>
-          <a:endParaRPr lang="zh-TW" altLang="en-US" sz="1600" dirty="0"/>
         </a:p>
       </dgm:t>
     </dgm:pt>
@@ -1450,13 +1396,6 @@
     <dgm:pt modelId="{3A19185B-E419-4D20-B4AD-1ADCC75DA32E}" type="pres">
       <dgm:prSet presAssocID="{D6351A89-FE6F-4D0C-BEB2-5C144EF5AF2C}" presName="bkgdShape" presStyleLbl="node1" presStyleIdx="0" presStyleCnt="5"/>
       <dgm:spPr/>
-      <dgm:t>
-        <a:bodyPr/>
-        <a:lstStyle/>
-        <a:p>
-          <a:endParaRPr lang="zh-TW" altLang="en-US"/>
-        </a:p>
-      </dgm:t>
     </dgm:pt>
     <dgm:pt modelId="{81622DBE-0B09-4343-AAA1-2C1133C6D09E}" type="pres">
       <dgm:prSet presAssocID="{D6351A89-FE6F-4D0C-BEB2-5C144EF5AF2C}" presName="nodeTx" presStyleLbl="node1" presStyleIdx="0" presStyleCnt="5">
@@ -1465,13 +1404,6 @@
         </dgm:presLayoutVars>
       </dgm:prSet>
       <dgm:spPr/>
-      <dgm:t>
-        <a:bodyPr/>
-        <a:lstStyle/>
-        <a:p>
-          <a:endParaRPr lang="zh-TW" altLang="en-US"/>
-        </a:p>
-      </dgm:t>
     </dgm:pt>
     <dgm:pt modelId="{6CF55C98-1E7E-4507-BE89-441F1B21C453}" type="pres">
       <dgm:prSet presAssocID="{D6351A89-FE6F-4D0C-BEB2-5C144EF5AF2C}" presName="invisiNode" presStyleLbl="node1" presStyleIdx="0" presStyleCnt="5"/>
@@ -1479,18 +1411,19 @@
     </dgm:pt>
     <dgm:pt modelId="{9E25FF3B-52C9-4398-A8FF-C16277D74076}" type="pres">
       <dgm:prSet presAssocID="{D6351A89-FE6F-4D0C-BEB2-5C144EF5AF2C}" presName="imagNode" presStyleLbl="fgImgPlace1" presStyleIdx="0" presStyleCnt="5"/>
-      <dgm:spPr/>
+      <dgm:spPr>
+        <a:blipFill>
+          <a:blip xmlns:r="http://schemas.openxmlformats.org/officeDocument/2006/relationships" r:embed="rId1"/>
+          <a:srcRect/>
+          <a:stretch>
+            <a:fillRect t="-17000" b="-17000"/>
+          </a:stretch>
+        </a:blipFill>
+      </dgm:spPr>
     </dgm:pt>
     <dgm:pt modelId="{FC102B1F-FF52-4299-9213-2591FF5BE18A}" type="pres">
       <dgm:prSet presAssocID="{2B0A61C5-9E65-49E8-94E2-863049119A4A}" presName="sibTrans" presStyleLbl="sibTrans2D1" presStyleIdx="0" presStyleCnt="0"/>
       <dgm:spPr/>
-      <dgm:t>
-        <a:bodyPr/>
-        <a:lstStyle/>
-        <a:p>
-          <a:endParaRPr lang="zh-TW" altLang="en-US"/>
-        </a:p>
-      </dgm:t>
     </dgm:pt>
     <dgm:pt modelId="{A7F9C0CA-0D87-4731-9497-8F2C6B5877B0}" type="pres">
       <dgm:prSet presAssocID="{ED330DCE-21C5-440F-AC6D-9B4342DCCD49}" presName="compNode" presStyleCnt="0"/>
@@ -1499,13 +1432,6 @@
     <dgm:pt modelId="{D92F5F96-5488-49EB-8B97-F76F04DA2FC6}" type="pres">
       <dgm:prSet presAssocID="{ED330DCE-21C5-440F-AC6D-9B4342DCCD49}" presName="bkgdShape" presStyleLbl="node1" presStyleIdx="1" presStyleCnt="5"/>
       <dgm:spPr/>
-      <dgm:t>
-        <a:bodyPr/>
-        <a:lstStyle/>
-        <a:p>
-          <a:endParaRPr lang="zh-TW" altLang="en-US"/>
-        </a:p>
-      </dgm:t>
     </dgm:pt>
     <dgm:pt modelId="{D1DBA480-C31C-498D-B8B0-187E2C7B4DE8}" type="pres">
       <dgm:prSet presAssocID="{ED330DCE-21C5-440F-AC6D-9B4342DCCD49}" presName="nodeTx" presStyleLbl="node1" presStyleIdx="1" presStyleCnt="5">
@@ -1514,13 +1440,6 @@
         </dgm:presLayoutVars>
       </dgm:prSet>
       <dgm:spPr/>
-      <dgm:t>
-        <a:bodyPr/>
-        <a:lstStyle/>
-        <a:p>
-          <a:endParaRPr lang="zh-TW" altLang="en-US"/>
-        </a:p>
-      </dgm:t>
     </dgm:pt>
     <dgm:pt modelId="{03B1542A-2C74-4869-8C88-4FD0204513D7}" type="pres">
       <dgm:prSet presAssocID="{ED330DCE-21C5-440F-AC6D-9B4342DCCD49}" presName="invisiNode" presStyleLbl="node1" presStyleIdx="1" presStyleCnt="5"/>
@@ -1533,13 +1452,6 @@
     <dgm:pt modelId="{9840E52A-D814-4C34-9008-247133DA6CC0}" type="pres">
       <dgm:prSet presAssocID="{2584BAFC-6560-42D7-A70B-274B7CF613C5}" presName="sibTrans" presStyleLbl="sibTrans2D1" presStyleIdx="0" presStyleCnt="0"/>
       <dgm:spPr/>
-      <dgm:t>
-        <a:bodyPr/>
-        <a:lstStyle/>
-        <a:p>
-          <a:endParaRPr lang="zh-TW" altLang="en-US"/>
-        </a:p>
-      </dgm:t>
     </dgm:pt>
     <dgm:pt modelId="{CBFD9AED-CF38-47CC-A95A-41EE9D401B31}" type="pres">
       <dgm:prSet presAssocID="{FF78E407-3674-4A68-A701-8E12F558212E}" presName="compNode" presStyleCnt="0"/>
@@ -1548,13 +1460,6 @@
     <dgm:pt modelId="{EBCD09BE-CCFA-4DBA-89F9-E3B5A47261E4}" type="pres">
       <dgm:prSet presAssocID="{FF78E407-3674-4A68-A701-8E12F558212E}" presName="bkgdShape" presStyleLbl="node1" presStyleIdx="2" presStyleCnt="5"/>
       <dgm:spPr/>
-      <dgm:t>
-        <a:bodyPr/>
-        <a:lstStyle/>
-        <a:p>
-          <a:endParaRPr lang="zh-TW" altLang="en-US"/>
-        </a:p>
-      </dgm:t>
     </dgm:pt>
     <dgm:pt modelId="{99535BB5-DB01-403F-9C0D-8FFA319E42A1}" type="pres">
       <dgm:prSet presAssocID="{FF78E407-3674-4A68-A701-8E12F558212E}" presName="nodeTx" presStyleLbl="node1" presStyleIdx="2" presStyleCnt="5">
@@ -1563,13 +1468,6 @@
         </dgm:presLayoutVars>
       </dgm:prSet>
       <dgm:spPr/>
-      <dgm:t>
-        <a:bodyPr/>
-        <a:lstStyle/>
-        <a:p>
-          <a:endParaRPr lang="zh-TW" altLang="en-US"/>
-        </a:p>
-      </dgm:t>
     </dgm:pt>
     <dgm:pt modelId="{E1366867-6EB3-493B-9F9E-77AC612CF66F}" type="pres">
       <dgm:prSet presAssocID="{FF78E407-3674-4A68-A701-8E12F558212E}" presName="invisiNode" presStyleLbl="node1" presStyleIdx="2" presStyleCnt="5"/>
@@ -1582,13 +1480,6 @@
     <dgm:pt modelId="{617E1A56-F73F-4645-AAFA-3BE4040EEFB7}" type="pres">
       <dgm:prSet presAssocID="{516CD9AB-C3D5-4003-B63F-C77D81509300}" presName="sibTrans" presStyleLbl="sibTrans2D1" presStyleIdx="0" presStyleCnt="0"/>
       <dgm:spPr/>
-      <dgm:t>
-        <a:bodyPr/>
-        <a:lstStyle/>
-        <a:p>
-          <a:endParaRPr lang="zh-TW" altLang="en-US"/>
-        </a:p>
-      </dgm:t>
     </dgm:pt>
     <dgm:pt modelId="{8D8A6450-B707-4298-9EF8-186ADA0351FD}" type="pres">
       <dgm:prSet presAssocID="{2C7CFE7B-0746-427F-9E2D-0E179C44D6B0}" presName="compNode" presStyleCnt="0"/>
@@ -1597,13 +1488,6 @@
     <dgm:pt modelId="{83A68255-4FDC-4581-B4E5-A84CD58AA1FD}" type="pres">
       <dgm:prSet presAssocID="{2C7CFE7B-0746-427F-9E2D-0E179C44D6B0}" presName="bkgdShape" presStyleLbl="node1" presStyleIdx="3" presStyleCnt="5"/>
       <dgm:spPr/>
-      <dgm:t>
-        <a:bodyPr/>
-        <a:lstStyle/>
-        <a:p>
-          <a:endParaRPr lang="zh-TW" altLang="en-US"/>
-        </a:p>
-      </dgm:t>
     </dgm:pt>
     <dgm:pt modelId="{247F076D-1A4E-462D-BCEA-11698BC32716}" type="pres">
       <dgm:prSet presAssocID="{2C7CFE7B-0746-427F-9E2D-0E179C44D6B0}" presName="nodeTx" presStyleLbl="node1" presStyleIdx="3" presStyleCnt="5">
@@ -1612,13 +1496,6 @@
         </dgm:presLayoutVars>
       </dgm:prSet>
       <dgm:spPr/>
-      <dgm:t>
-        <a:bodyPr/>
-        <a:lstStyle/>
-        <a:p>
-          <a:endParaRPr lang="zh-TW" altLang="en-US"/>
-        </a:p>
-      </dgm:t>
     </dgm:pt>
     <dgm:pt modelId="{7EB703C4-9039-49EA-8237-9C4557AAE6E3}" type="pres">
       <dgm:prSet presAssocID="{2C7CFE7B-0746-427F-9E2D-0E179C44D6B0}" presName="invisiNode" presStyleLbl="node1" presStyleIdx="3" presStyleCnt="5"/>
@@ -1631,13 +1508,6 @@
     <dgm:pt modelId="{209C8051-4899-49A3-A7FC-E99371D4B715}" type="pres">
       <dgm:prSet presAssocID="{553147F6-6775-4505-86AC-743777934FD5}" presName="sibTrans" presStyleLbl="sibTrans2D1" presStyleIdx="0" presStyleCnt="0"/>
       <dgm:spPr/>
-      <dgm:t>
-        <a:bodyPr/>
-        <a:lstStyle/>
-        <a:p>
-          <a:endParaRPr lang="zh-TW" altLang="en-US"/>
-        </a:p>
-      </dgm:t>
     </dgm:pt>
     <dgm:pt modelId="{53806BD6-893E-429D-A10B-559D740283FF}" type="pres">
       <dgm:prSet presAssocID="{C3C52662-1810-422C-A71B-D0B530DDA377}" presName="compNode" presStyleCnt="0"/>
@@ -1646,13 +1516,6 @@
     <dgm:pt modelId="{0FF8DCAC-3E36-42D1-B47B-7856C388CF81}" type="pres">
       <dgm:prSet presAssocID="{C3C52662-1810-422C-A71B-D0B530DDA377}" presName="bkgdShape" presStyleLbl="node1" presStyleIdx="4" presStyleCnt="5"/>
       <dgm:spPr/>
-      <dgm:t>
-        <a:bodyPr/>
-        <a:lstStyle/>
-        <a:p>
-          <a:endParaRPr lang="zh-TW" altLang="en-US"/>
-        </a:p>
-      </dgm:t>
     </dgm:pt>
     <dgm:pt modelId="{20983471-745C-422B-8C43-BC1B60DFAAAC}" type="pres">
       <dgm:prSet presAssocID="{C3C52662-1810-422C-A71B-D0B530DDA377}" presName="nodeTx" presStyleLbl="node1" presStyleIdx="4" presStyleCnt="5">
@@ -1661,13 +1524,6 @@
         </dgm:presLayoutVars>
       </dgm:prSet>
       <dgm:spPr/>
-      <dgm:t>
-        <a:bodyPr/>
-        <a:lstStyle/>
-        <a:p>
-          <a:endParaRPr lang="zh-TW" altLang="en-US"/>
-        </a:p>
-      </dgm:t>
     </dgm:pt>
     <dgm:pt modelId="{B8578C8B-7307-41E5-9CFE-77552F8BD1F7}" type="pres">
       <dgm:prSet presAssocID="{C3C52662-1810-422C-A71B-D0B530DDA377}" presName="invisiNode" presStyleLbl="node1" presStyleIdx="4" presStyleCnt="5"/>
@@ -1677,7 +1533,7 @@
       <dgm:prSet presAssocID="{C3C52662-1810-422C-A71B-D0B530DDA377}" presName="imagNode" presStyleLbl="fgImgPlace1" presStyleIdx="4" presStyleCnt="5"/>
       <dgm:spPr>
         <a:blipFill>
-          <a:blip xmlns:r="http://schemas.openxmlformats.org/officeDocument/2006/relationships" r:embed="rId1" cstate="hqprint">
+          <a:blip xmlns:r="http://schemas.openxmlformats.org/officeDocument/2006/relationships" r:embed="rId2" cstate="hqprint">
             <a:extLst>
               <a:ext uri="{28A0092B-C50C-407E-A947-70E740481C1C}">
                 <a14:useLocalDpi xmlns:a14="http://schemas.microsoft.com/office/drawing/2010/main" val="0"/>
@@ -1693,26 +1549,26 @@
     </dgm:pt>
   </dgm:ptLst>
   <dgm:cxnLst>
+    <dgm:cxn modelId="{487EAC06-F688-4D05-9E57-1E930C1D5ED5}" type="presOf" srcId="{553147F6-6775-4505-86AC-743777934FD5}" destId="{209C8051-4899-49A3-A7FC-E99371D4B715}" srcOrd="0" destOrd="0" presId="urn:microsoft.com/office/officeart/2005/8/layout/hList7"/>
+    <dgm:cxn modelId="{ABB5A709-8870-4A27-8019-BBEB82685284}" type="presOf" srcId="{2C7CFE7B-0746-427F-9E2D-0E179C44D6B0}" destId="{247F076D-1A4E-462D-BCEA-11698BC32716}" srcOrd="1" destOrd="0" presId="urn:microsoft.com/office/officeart/2005/8/layout/hList7"/>
+    <dgm:cxn modelId="{BB6FE50D-976C-4249-90AF-00F22859454F}" srcId="{5B5CD561-EBD8-42AA-A3DA-E71D659D471F}" destId="{ED330DCE-21C5-440F-AC6D-9B4342DCCD49}" srcOrd="1" destOrd="0" parTransId="{9194AA8A-FAD9-4546-A34F-ADADC3100565}" sibTransId="{2584BAFC-6560-42D7-A70B-274B7CF613C5}"/>
+    <dgm:cxn modelId="{6F214C0E-1F86-46F5-8A9F-91DF73D36BE6}" type="presOf" srcId="{C3C52662-1810-422C-A71B-D0B530DDA377}" destId="{0FF8DCAC-3E36-42D1-B47B-7856C388CF81}" srcOrd="0" destOrd="0" presId="urn:microsoft.com/office/officeart/2005/8/layout/hList7"/>
+    <dgm:cxn modelId="{F531D81C-A4B7-4C00-8D4A-235EF6DFD588}" type="presOf" srcId="{ED330DCE-21C5-440F-AC6D-9B4342DCCD49}" destId="{D92F5F96-5488-49EB-8B97-F76F04DA2FC6}" srcOrd="0" destOrd="0" presId="urn:microsoft.com/office/officeart/2005/8/layout/hList7"/>
     <dgm:cxn modelId="{CBBC2420-69B4-4124-A9EE-8BB7BD6A43F2}" type="presOf" srcId="{FF78E407-3674-4A68-A701-8E12F558212E}" destId="{99535BB5-DB01-403F-9C0D-8FFA319E42A1}" srcOrd="1" destOrd="0" presId="urn:microsoft.com/office/officeart/2005/8/layout/hList7"/>
+    <dgm:cxn modelId="{40A2CE22-5B87-41BB-9A01-97676AB745F0}" type="presOf" srcId="{516CD9AB-C3D5-4003-B63F-C77D81509300}" destId="{617E1A56-F73F-4645-AAFA-3BE4040EEFB7}" srcOrd="0" destOrd="0" presId="urn:microsoft.com/office/officeart/2005/8/layout/hList7"/>
+    <dgm:cxn modelId="{4A3CC423-E8C2-45D3-9883-7DB579823484}" type="presOf" srcId="{2B0A61C5-9E65-49E8-94E2-863049119A4A}" destId="{FC102B1F-FF52-4299-9213-2591FF5BE18A}" srcOrd="0" destOrd="0" presId="urn:microsoft.com/office/officeart/2005/8/layout/hList7"/>
+    <dgm:cxn modelId="{0AE7B12F-2DB3-43BC-932C-6F672CC3F034}" type="presOf" srcId="{C3C52662-1810-422C-A71B-D0B530DDA377}" destId="{20983471-745C-422B-8C43-BC1B60DFAAAC}" srcOrd="1" destOrd="0" presId="urn:microsoft.com/office/officeart/2005/8/layout/hList7"/>
+    <dgm:cxn modelId="{AD00925E-49FC-4AA7-B1E1-7D677F15FA0D}" type="presOf" srcId="{5B5CD561-EBD8-42AA-A3DA-E71D659D471F}" destId="{5199F1EC-A553-45DB-BDCF-184CAB046BBD}" srcOrd="0" destOrd="0" presId="urn:microsoft.com/office/officeart/2005/8/layout/hList7"/>
+    <dgm:cxn modelId="{5383CD5F-6C54-4CAD-8D45-A4C4F744F59A}" type="presOf" srcId="{D6351A89-FE6F-4D0C-BEB2-5C144EF5AF2C}" destId="{3A19185B-E419-4D20-B4AD-1ADCC75DA32E}" srcOrd="0" destOrd="0" presId="urn:microsoft.com/office/officeart/2005/8/layout/hList7"/>
     <dgm:cxn modelId="{29896265-9D69-4192-9D54-5C11E27A0766}" type="presOf" srcId="{2C7CFE7B-0746-427F-9E2D-0E179C44D6B0}" destId="{83A68255-4FDC-4581-B4E5-A84CD58AA1FD}" srcOrd="0" destOrd="0" presId="urn:microsoft.com/office/officeart/2005/8/layout/hList7"/>
-    <dgm:cxn modelId="{AD00925E-49FC-4AA7-B1E1-7D677F15FA0D}" type="presOf" srcId="{5B5CD561-EBD8-42AA-A3DA-E71D659D471F}" destId="{5199F1EC-A553-45DB-BDCF-184CAB046BBD}" srcOrd="0" destOrd="0" presId="urn:microsoft.com/office/officeart/2005/8/layout/hList7"/>
-    <dgm:cxn modelId="{4A3CC423-E8C2-45D3-9883-7DB579823484}" type="presOf" srcId="{2B0A61C5-9E65-49E8-94E2-863049119A4A}" destId="{FC102B1F-FF52-4299-9213-2591FF5BE18A}" srcOrd="0" destOrd="0" presId="urn:microsoft.com/office/officeart/2005/8/layout/hList7"/>
+    <dgm:cxn modelId="{6C8E1346-56E2-4C25-8A05-1C8572A789E3}" type="presOf" srcId="{2584BAFC-6560-42D7-A70B-274B7CF613C5}" destId="{9840E52A-D814-4C34-9008-247133DA6CC0}" srcOrd="0" destOrd="0" presId="urn:microsoft.com/office/officeart/2005/8/layout/hList7"/>
+    <dgm:cxn modelId="{062BD1AC-D225-4AE5-82F2-3D5A2C149F5C}" type="presOf" srcId="{ED330DCE-21C5-440F-AC6D-9B4342DCCD49}" destId="{D1DBA480-C31C-498D-B8B0-187E2C7B4DE8}" srcOrd="1" destOrd="0" presId="urn:microsoft.com/office/officeart/2005/8/layout/hList7"/>
+    <dgm:cxn modelId="{5F3D4FC6-C248-4B83-91B5-6FF80F05EF63}" srcId="{5B5CD561-EBD8-42AA-A3DA-E71D659D471F}" destId="{2C7CFE7B-0746-427F-9E2D-0E179C44D6B0}" srcOrd="3" destOrd="0" parTransId="{E8F8608C-85A1-403C-B084-58FEAF885F70}" sibTransId="{553147F6-6775-4505-86AC-743777934FD5}"/>
+    <dgm:cxn modelId="{7715D4DB-E293-40B6-AA3E-C16A3A3CD126}" srcId="{5B5CD561-EBD8-42AA-A3DA-E71D659D471F}" destId="{D6351A89-FE6F-4D0C-BEB2-5C144EF5AF2C}" srcOrd="0" destOrd="0" parTransId="{4D894349-4E16-4C0D-838B-9BC6531FD50D}" sibTransId="{2B0A61C5-9E65-49E8-94E2-863049119A4A}"/>
     <dgm:cxn modelId="{9CD096E0-95D9-4D44-8C53-1CB5FEEB7E3C}" srcId="{5B5CD561-EBD8-42AA-A3DA-E71D659D471F}" destId="{FF78E407-3674-4A68-A701-8E12F558212E}" srcOrd="2" destOrd="0" parTransId="{B97B5AFB-3810-4BBF-8D23-A23EB000A851}" sibTransId="{516CD9AB-C3D5-4003-B63F-C77D81509300}"/>
-    <dgm:cxn modelId="{6F214C0E-1F86-46F5-8A9F-91DF73D36BE6}" type="presOf" srcId="{C3C52662-1810-422C-A71B-D0B530DDA377}" destId="{0FF8DCAC-3E36-42D1-B47B-7856C388CF81}" srcOrd="0" destOrd="0" presId="urn:microsoft.com/office/officeart/2005/8/layout/hList7"/>
-    <dgm:cxn modelId="{BB6FE50D-976C-4249-90AF-00F22859454F}" srcId="{5B5CD561-EBD8-42AA-A3DA-E71D659D471F}" destId="{ED330DCE-21C5-440F-AC6D-9B4342DCCD49}" srcOrd="1" destOrd="0" parTransId="{9194AA8A-FAD9-4546-A34F-ADADC3100565}" sibTransId="{2584BAFC-6560-42D7-A70B-274B7CF613C5}"/>
-    <dgm:cxn modelId="{40A2CE22-5B87-41BB-9A01-97676AB745F0}" type="presOf" srcId="{516CD9AB-C3D5-4003-B63F-C77D81509300}" destId="{617E1A56-F73F-4645-AAFA-3BE4040EEFB7}" srcOrd="0" destOrd="0" presId="urn:microsoft.com/office/officeart/2005/8/layout/hList7"/>
-    <dgm:cxn modelId="{487EAC06-F688-4D05-9E57-1E930C1D5ED5}" type="presOf" srcId="{553147F6-6775-4505-86AC-743777934FD5}" destId="{209C8051-4899-49A3-A7FC-E99371D4B715}" srcOrd="0" destOrd="0" presId="urn:microsoft.com/office/officeart/2005/8/layout/hList7"/>
-    <dgm:cxn modelId="{F531D81C-A4B7-4C00-8D4A-235EF6DFD588}" type="presOf" srcId="{ED330DCE-21C5-440F-AC6D-9B4342DCCD49}" destId="{D92F5F96-5488-49EB-8B97-F76F04DA2FC6}" srcOrd="0" destOrd="0" presId="urn:microsoft.com/office/officeart/2005/8/layout/hList7"/>
-    <dgm:cxn modelId="{7715D4DB-E293-40B6-AA3E-C16A3A3CD126}" srcId="{5B5CD561-EBD8-42AA-A3DA-E71D659D471F}" destId="{D6351A89-FE6F-4D0C-BEB2-5C144EF5AF2C}" srcOrd="0" destOrd="0" parTransId="{4D894349-4E16-4C0D-838B-9BC6531FD50D}" sibTransId="{2B0A61C5-9E65-49E8-94E2-863049119A4A}"/>
-    <dgm:cxn modelId="{ABB5A709-8870-4A27-8019-BBEB82685284}" type="presOf" srcId="{2C7CFE7B-0746-427F-9E2D-0E179C44D6B0}" destId="{247F076D-1A4E-462D-BCEA-11698BC32716}" srcOrd="1" destOrd="0" presId="urn:microsoft.com/office/officeart/2005/8/layout/hList7"/>
+    <dgm:cxn modelId="{CE30FFE3-D995-4257-BEA6-83CC6E2D06C7}" type="presOf" srcId="{FF78E407-3674-4A68-A701-8E12F558212E}" destId="{EBCD09BE-CCFA-4DBA-89F9-E3B5A47261E4}" srcOrd="0" destOrd="0" presId="urn:microsoft.com/office/officeart/2005/8/layout/hList7"/>
+    <dgm:cxn modelId="{5619BEF3-E2B5-4E60-9250-4328439D57E6}" type="presOf" srcId="{D6351A89-FE6F-4D0C-BEB2-5C144EF5AF2C}" destId="{81622DBE-0B09-4343-AAA1-2C1133C6D09E}" srcOrd="1" destOrd="0" presId="urn:microsoft.com/office/officeart/2005/8/layout/hList7"/>
     <dgm:cxn modelId="{370EA1FF-1F43-4F98-B381-9BA65DCA4D9D}" srcId="{5B5CD561-EBD8-42AA-A3DA-E71D659D471F}" destId="{C3C52662-1810-422C-A71B-D0B530DDA377}" srcOrd="4" destOrd="0" parTransId="{EACCDD38-6DEF-4B08-AD4A-8C7E6BFD9AD7}" sibTransId="{08F224EB-13AD-44E8-894F-DAD825E7CCF5}"/>
-    <dgm:cxn modelId="{062BD1AC-D225-4AE5-82F2-3D5A2C149F5C}" type="presOf" srcId="{ED330DCE-21C5-440F-AC6D-9B4342DCCD49}" destId="{D1DBA480-C31C-498D-B8B0-187E2C7B4DE8}" srcOrd="1" destOrd="0" presId="urn:microsoft.com/office/officeart/2005/8/layout/hList7"/>
-    <dgm:cxn modelId="{6C8E1346-56E2-4C25-8A05-1C8572A789E3}" type="presOf" srcId="{2584BAFC-6560-42D7-A70B-274B7CF613C5}" destId="{9840E52A-D814-4C34-9008-247133DA6CC0}" srcOrd="0" destOrd="0" presId="urn:microsoft.com/office/officeart/2005/8/layout/hList7"/>
-    <dgm:cxn modelId="{0AE7B12F-2DB3-43BC-932C-6F672CC3F034}" type="presOf" srcId="{C3C52662-1810-422C-A71B-D0B530DDA377}" destId="{20983471-745C-422B-8C43-BC1B60DFAAAC}" srcOrd="1" destOrd="0" presId="urn:microsoft.com/office/officeart/2005/8/layout/hList7"/>
-    <dgm:cxn modelId="{5619BEF3-E2B5-4E60-9250-4328439D57E6}" type="presOf" srcId="{D6351A89-FE6F-4D0C-BEB2-5C144EF5AF2C}" destId="{81622DBE-0B09-4343-AAA1-2C1133C6D09E}" srcOrd="1" destOrd="0" presId="urn:microsoft.com/office/officeart/2005/8/layout/hList7"/>
-    <dgm:cxn modelId="{5F3D4FC6-C248-4B83-91B5-6FF80F05EF63}" srcId="{5B5CD561-EBD8-42AA-A3DA-E71D659D471F}" destId="{2C7CFE7B-0746-427F-9E2D-0E179C44D6B0}" srcOrd="3" destOrd="0" parTransId="{E8F8608C-85A1-403C-B084-58FEAF885F70}" sibTransId="{553147F6-6775-4505-86AC-743777934FD5}"/>
-    <dgm:cxn modelId="{5383CD5F-6C54-4CAD-8D45-A4C4F744F59A}" type="presOf" srcId="{D6351A89-FE6F-4D0C-BEB2-5C144EF5AF2C}" destId="{3A19185B-E419-4D20-B4AD-1ADCC75DA32E}" srcOrd="0" destOrd="0" presId="urn:microsoft.com/office/officeart/2005/8/layout/hList7"/>
-    <dgm:cxn modelId="{CE30FFE3-D995-4257-BEA6-83CC6E2D06C7}" type="presOf" srcId="{FF78E407-3674-4A68-A701-8E12F558212E}" destId="{EBCD09BE-CCFA-4DBA-89F9-E3B5A47261E4}" srcOrd="0" destOrd="0" presId="urn:microsoft.com/office/officeart/2005/8/layout/hList7"/>
     <dgm:cxn modelId="{0B235015-2687-42DA-AD53-359B64DAA835}" type="presParOf" srcId="{5199F1EC-A553-45DB-BDCF-184CAB046BBD}" destId="{708D190E-8F4C-4DF7-BF04-6BC88A92C72E}" srcOrd="0" destOrd="0" presId="urn:microsoft.com/office/officeart/2005/8/layout/hList7"/>
     <dgm:cxn modelId="{2D61A8B3-1F10-4B8C-AC82-77CAB80868BE}" type="presParOf" srcId="{5199F1EC-A553-45DB-BDCF-184CAB046BBD}" destId="{F1F0F486-F879-49D3-9016-798355B4BF03}" srcOrd="1" destOrd="0" presId="urn:microsoft.com/office/officeart/2005/8/layout/hList7"/>
     <dgm:cxn modelId="{BAF16D0A-E38E-4C5B-8457-F59B14D840A4}" type="presParOf" srcId="{F1F0F486-F879-49D3-9016-798355B4BF03}" destId="{E99FAB09-5814-4865-8D3C-69E4098B35A5}" srcOrd="0" destOrd="0" presId="urn:microsoft.com/office/officeart/2005/8/layout/hList7"/>
@@ -1820,7 +1676,7 @@
         </a:bodyPr>
         <a:lstStyle/>
         <a:p>
-          <a:pPr lvl="0" algn="l" defTabSz="755650">
+          <a:pPr marL="0" lvl="0" indent="0" algn="l" defTabSz="755650">
             <a:lnSpc>
               <a:spcPct val="90000"/>
             </a:lnSpc>
@@ -1830,58 +1686,39 @@
             <a:spcAft>
               <a:spcPct val="35000"/>
             </a:spcAft>
+            <a:buNone/>
           </a:pPr>
           <a:r>
-            <a:rPr lang="zh-TW" altLang="en-US" sz="1700" kern="1200" dirty="0" smtClean="0"/>
+            <a:rPr lang="zh-TW" altLang="en-US" sz="1700" kern="1200" dirty="0"/>
             <a:t>俊諭</a:t>
           </a:r>
+          <a:br>
+            <a:rPr lang="en-US" altLang="zh-TW" sz="1700" kern="1200" dirty="0"/>
+          </a:br>
           <a:r>
-            <a:rPr lang="en-US" altLang="zh-TW" sz="1700" kern="1200" dirty="0" smtClean="0"/>
-            <a:t/>
+            <a:rPr lang="zh-TW" altLang="en-US" sz="1700" b="0" i="0" kern="1200" dirty="0"/>
+            <a:t>●前台毛孩知識視覺設計</a:t>
           </a:r>
           <a:br>
-            <a:rPr lang="en-US" altLang="zh-TW" sz="1700" kern="1200" dirty="0" smtClean="0"/>
+            <a:rPr lang="en-US" altLang="zh-TW" sz="1700" b="0" i="0" kern="1200" dirty="0"/>
           </a:br>
           <a:r>
-            <a:rPr lang="zh-TW" altLang="en-US" sz="1700" b="0" i="0" kern="1200" dirty="0" smtClean="0"/>
+            <a:rPr lang="zh-TW" altLang="en-US" sz="1700" b="0" i="0" kern="1200" dirty="0"/>
+            <a:t>●後台會員管理功能開發</a:t>
+          </a:r>
+          <a:br>
+            <a:rPr lang="en-US" altLang="zh-TW" sz="1700" b="0" i="0" kern="1200" dirty="0"/>
+          </a:br>
+          <a:r>
+            <a:rPr lang="zh-TW" altLang="en-US" sz="1700" b="0" i="0" kern="1200" dirty="0"/>
             <a:t>●</a:t>
           </a:r>
           <a:r>
-            <a:rPr lang="zh-TW" altLang="en-US" sz="1700" b="0" i="0" kern="1200" dirty="0" smtClean="0"/>
-            <a:t>前台毛孩知識視覺設計</a:t>
-          </a:r>
-          <a:r>
-            <a:rPr lang="en-US" altLang="zh-TW" sz="1700" b="0" i="0" kern="1200" dirty="0" smtClean="0"/>
-            <a:t/>
-          </a:r>
-          <a:br>
-            <a:rPr lang="en-US" altLang="zh-TW" sz="1700" b="0" i="0" kern="1200" dirty="0" smtClean="0"/>
-          </a:br>
-          <a:r>
-            <a:rPr lang="zh-TW" altLang="en-US" sz="1700" b="0" i="0" kern="1200" dirty="0" smtClean="0"/>
-            <a:t>●</a:t>
-          </a:r>
-          <a:r>
-            <a:rPr lang="zh-TW" altLang="en-US" sz="1700" b="0" i="0" kern="1200" dirty="0" smtClean="0"/>
-            <a:t>後台會員管理功能開發</a:t>
-          </a:r>
-          <a:r>
-            <a:rPr lang="en-US" altLang="zh-TW" sz="1700" b="0" i="0" kern="1200" dirty="0" smtClean="0"/>
-            <a:t/>
-          </a:r>
-          <a:br>
-            <a:rPr lang="en-US" altLang="zh-TW" sz="1700" b="0" i="0" kern="1200" dirty="0" smtClean="0"/>
-          </a:br>
-          <a:r>
-            <a:rPr lang="zh-TW" altLang="en-US" sz="1700" b="0" i="0" kern="1200" dirty="0" smtClean="0"/>
-            <a:t>●</a:t>
-          </a:r>
-          <a:r>
-            <a:rPr lang="en-US" altLang="zh-TW" sz="1700" b="0" i="0" kern="1200" dirty="0" err="1" smtClean="0"/>
+            <a:rPr lang="en-US" altLang="zh-TW" sz="1700" b="0" i="0" kern="1200" dirty="0" err="1"/>
             <a:t>Git</a:t>
           </a:r>
           <a:r>
-            <a:rPr lang="zh-TW" altLang="en-US" sz="1700" b="0" i="0" kern="1200" dirty="0" smtClean="0"/>
+            <a:rPr lang="zh-TW" altLang="en-US" sz="1700" b="0" i="0" kern="1200" dirty="0"/>
             <a:t>版本控制</a:t>
           </a:r>
           <a:endParaRPr lang="zh-TW" altLang="en-US" sz="1700" kern="1200" dirty="0"/>
@@ -1905,15 +1742,13 @@
         <a:prstGeom prst="ellipse">
           <a:avLst/>
         </a:prstGeom>
-        <a:solidFill>
-          <a:schemeClr val="accent2">
-            <a:tint val="50000"/>
-            <a:hueOff val="0"/>
-            <a:satOff val="0"/>
-            <a:lumOff val="0"/>
-            <a:alphaOff val="0"/>
-          </a:schemeClr>
-        </a:solidFill>
+        <a:blipFill>
+          <a:blip xmlns:r="http://schemas.openxmlformats.org/officeDocument/2006/relationships" r:embed="rId1"/>
+          <a:srcRect/>
+          <a:stretch>
+            <a:fillRect t="-17000" b="-17000"/>
+          </a:stretch>
+        </a:blipFill>
         <a:ln w="12700" cap="flat" cmpd="sng" algn="ctr">
           <a:solidFill>
             <a:schemeClr val="lt1">
@@ -1998,7 +1833,7 @@
         </a:bodyPr>
         <a:lstStyle/>
         <a:p>
-          <a:pPr lvl="0" algn="l" defTabSz="755650">
+          <a:pPr marL="0" lvl="0" indent="0" algn="l" defTabSz="755650">
             <a:lnSpc>
               <a:spcPct val="90000"/>
             </a:lnSpc>
@@ -2008,12 +1843,12 @@
             <a:spcAft>
               <a:spcPct val="35000"/>
             </a:spcAft>
+            <a:buNone/>
           </a:pPr>
           <a:r>
-            <a:rPr lang="zh-TW" altLang="en-US" sz="1700" kern="1200" dirty="0" smtClean="0"/>
+            <a:rPr lang="zh-TW" altLang="en-US" sz="1700" kern="1200" dirty="0"/>
             <a:t>洋藤</a:t>
           </a:r>
-          <a:endParaRPr lang="zh-TW" altLang="en-US" sz="1700" kern="1200" dirty="0"/>
         </a:p>
       </dsp:txBody>
       <dsp:txXfrm>
@@ -2127,7 +1962,7 @@
         </a:bodyPr>
         <a:lstStyle/>
         <a:p>
-          <a:pPr lvl="0" algn="l" defTabSz="755650">
+          <a:pPr marL="0" lvl="0" indent="0" algn="l" defTabSz="755650">
             <a:lnSpc>
               <a:spcPct val="90000"/>
             </a:lnSpc>
@@ -2137,61 +1972,46 @@
             <a:spcAft>
               <a:spcPct val="35000"/>
             </a:spcAft>
+            <a:buNone/>
           </a:pPr>
           <a:r>
-            <a:rPr lang="zh-TW" altLang="en-US" sz="1700" b="0" i="0" kern="1200" dirty="0" smtClean="0"/>
+            <a:rPr lang="zh-TW" altLang="en-US" sz="1700" b="0" i="0" kern="1200" dirty="0"/>
             <a:t>純安</a:t>
           </a:r>
+          <a:br>
+            <a:rPr lang="en-US" altLang="zh-TW" sz="1700" b="0" i="0" kern="1200" dirty="0"/>
+          </a:br>
           <a:r>
-            <a:rPr lang="en-US" altLang="zh-TW" sz="1700" b="0" i="0" kern="1200" dirty="0" smtClean="0"/>
-            <a:t/>
+            <a:rPr lang="zh-TW" altLang="en-US" sz="1700" b="0" i="0" kern="1200" dirty="0"/>
+            <a:t>●後台視覺設計 </a:t>
           </a:r>
           <a:br>
-            <a:rPr lang="en-US" altLang="zh-TW" sz="1700" b="0" i="0" kern="1200" dirty="0" smtClean="0"/>
+            <a:rPr lang="en-US" altLang="zh-TW" sz="1700" b="0" i="0" kern="1200" dirty="0"/>
           </a:br>
           <a:r>
-            <a:rPr lang="zh-TW" altLang="en-US" sz="1700" b="0" i="0" kern="1200" dirty="0" smtClean="0"/>
-            <a:t>●後台視覺設計 </a:t>
-          </a:r>
-          <a:r>
-            <a:rPr lang="en-US" altLang="zh-TW" sz="1700" b="0" i="0" kern="1200" dirty="0" smtClean="0"/>
-            <a:t/>
+            <a:rPr lang="zh-TW" altLang="en-US" sz="1700" b="0" i="0" kern="1200" dirty="0"/>
+            <a:t>●網頁套版 </a:t>
           </a:r>
           <a:br>
-            <a:rPr lang="en-US" altLang="zh-TW" sz="1700" b="0" i="0" kern="1200" dirty="0" smtClean="0"/>
+            <a:rPr lang="en-US" altLang="zh-TW" sz="1700" b="0" i="0" kern="1200" dirty="0"/>
           </a:br>
           <a:r>
-            <a:rPr lang="zh-TW" altLang="en-US" sz="1700" b="0" i="0" kern="1200" dirty="0" smtClean="0"/>
-            <a:t>●網頁套版 </a:t>
-          </a:r>
-          <a:r>
-            <a:rPr lang="en-US" altLang="zh-TW" sz="1700" b="0" i="0" kern="1200" dirty="0" smtClean="0"/>
-            <a:t/>
+            <a:rPr lang="zh-TW" altLang="en-US" sz="1700" b="0" i="0" kern="1200" dirty="0"/>
+            <a:t>●最新消息前、後台開發 </a:t>
           </a:r>
           <a:br>
-            <a:rPr lang="en-US" altLang="zh-TW" sz="1700" b="0" i="0" kern="1200" dirty="0" smtClean="0"/>
+            <a:rPr lang="en-US" altLang="zh-TW" sz="1700" b="0" i="0" kern="1200" dirty="0"/>
           </a:br>
           <a:r>
-            <a:rPr lang="zh-TW" altLang="en-US" sz="1700" b="0" i="0" kern="1200" dirty="0" smtClean="0"/>
-            <a:t>●最新消息前、後台開發 </a:t>
-          </a:r>
-          <a:r>
-            <a:rPr lang="en-US" altLang="zh-TW" sz="1700" b="0" i="0" kern="1200" dirty="0" smtClean="0"/>
-            <a:t/>
-          </a:r>
-          <a:br>
-            <a:rPr lang="en-US" altLang="zh-TW" sz="1700" b="0" i="0" kern="1200" dirty="0" smtClean="0"/>
-          </a:br>
-          <a:r>
-            <a:rPr lang="zh-TW" altLang="en-US" sz="1700" b="0" i="0" kern="1200" dirty="0" smtClean="0"/>
+            <a:rPr lang="zh-TW" altLang="en-US" sz="1700" b="0" i="0" kern="1200" dirty="0"/>
             <a:t>●</a:t>
           </a:r>
           <a:r>
-            <a:rPr lang="en-US" altLang="zh-TW" sz="1700" b="0" i="0" kern="1200" dirty="0" smtClean="0"/>
+            <a:rPr lang="en-US" altLang="zh-TW" sz="1700" b="0" i="0" kern="1200" dirty="0"/>
             <a:t>PPT</a:t>
           </a:r>
           <a:r>
-            <a:rPr lang="zh-TW" altLang="en-US" sz="1700" b="0" i="0" kern="1200" dirty="0" smtClean="0"/>
+            <a:rPr lang="zh-TW" altLang="en-US" sz="1700" b="0" i="0" kern="1200" dirty="0"/>
             <a:t>製作</a:t>
           </a:r>
           <a:endParaRPr lang="zh-TW" altLang="en-US" sz="1700" kern="1200" dirty="0"/>
@@ -2308,7 +2128,7 @@
         </a:bodyPr>
         <a:lstStyle/>
         <a:p>
-          <a:pPr lvl="0" algn="l" defTabSz="755650">
+          <a:pPr marL="0" lvl="0" indent="0" algn="l" defTabSz="755650">
             <a:lnSpc>
               <a:spcPct val="90000"/>
             </a:lnSpc>
@@ -2318,31 +2138,24 @@
             <a:spcAft>
               <a:spcPct val="35000"/>
             </a:spcAft>
+            <a:buNone/>
           </a:pPr>
           <a:r>
-            <a:rPr lang="zh-TW" altLang="en-US" sz="1700" b="0" i="0" kern="1200" dirty="0" smtClean="0"/>
+            <a:rPr lang="zh-TW" altLang="en-US" sz="1700" b="0" i="0" kern="1200" dirty="0"/>
             <a:t>玫均 </a:t>
           </a:r>
+          <a:br>
+            <a:rPr lang="en-US" altLang="zh-TW" sz="1700" b="0" i="0" kern="1200" dirty="0"/>
+          </a:br>
           <a:r>
-            <a:rPr lang="en-US" altLang="zh-TW" sz="1700" b="0" i="0" kern="1200" dirty="0" smtClean="0"/>
-            <a:t/>
+            <a:rPr lang="zh-TW" altLang="en-US" sz="1700" b="0" i="0" kern="1200" dirty="0"/>
+            <a:t>●前台會員登入註冊、毛孩知識功能開發 </a:t>
           </a:r>
           <a:br>
-            <a:rPr lang="en-US" altLang="zh-TW" sz="1700" b="0" i="0" kern="1200" dirty="0" smtClean="0"/>
+            <a:rPr lang="en-US" altLang="zh-TW" sz="1700" b="0" i="0" kern="1200" dirty="0"/>
           </a:br>
           <a:r>
-            <a:rPr lang="zh-TW" altLang="en-US" sz="1700" b="0" i="0" kern="1200" dirty="0" smtClean="0"/>
-            <a:t>●前台會員登入註冊、毛孩知識功能開發 </a:t>
-          </a:r>
-          <a:r>
-            <a:rPr lang="en-US" altLang="zh-TW" sz="1700" b="0" i="0" kern="1200" dirty="0" smtClean="0"/>
-            <a:t/>
-          </a:r>
-          <a:br>
-            <a:rPr lang="en-US" altLang="zh-TW" sz="1700" b="0" i="0" kern="1200" dirty="0" smtClean="0"/>
-          </a:br>
-          <a:r>
-            <a:rPr lang="zh-TW" altLang="en-US" sz="1700" b="0" i="0" kern="1200" dirty="0" smtClean="0"/>
+            <a:rPr lang="zh-TW" altLang="en-US" sz="1700" b="0" i="0" kern="1200" dirty="0"/>
             <a:t>●後台毛孩知識管理功能開發 </a:t>
           </a:r>
           <a:endParaRPr lang="zh-TW" altLang="en-US" sz="1700" kern="1200" dirty="0"/>
@@ -2459,7 +2272,7 @@
         </a:bodyPr>
         <a:lstStyle/>
         <a:p>
-          <a:pPr lvl="0" algn="l" defTabSz="711200">
+          <a:pPr marL="0" lvl="0" indent="0" algn="l" defTabSz="711200">
             <a:lnSpc>
               <a:spcPct val="90000"/>
             </a:lnSpc>
@@ -2469,42 +2282,34 @@
             <a:spcAft>
               <a:spcPct val="35000"/>
             </a:spcAft>
+            <a:buNone/>
           </a:pPr>
           <a:r>
-            <a:rPr lang="zh-TW" altLang="en-US" sz="1600" kern="1200" dirty="0" smtClean="0"/>
+            <a:rPr lang="zh-TW" altLang="en-US" sz="1600" kern="1200" dirty="0"/>
             <a:t>旻育</a:t>
           </a:r>
-          <a:r>
-            <a:rPr lang="en-US" altLang="zh-TW" sz="1600" kern="1200" dirty="0" smtClean="0"/>
-            <a:t/>
-          </a:r>
           <a:br>
-            <a:rPr lang="en-US" altLang="zh-TW" sz="1600" kern="1200" dirty="0" smtClean="0"/>
+            <a:rPr lang="en-US" altLang="zh-TW" sz="1600" kern="1200" dirty="0"/>
           </a:br>
           <a:r>
-            <a:rPr lang="zh-TW" altLang="en-US" sz="1600" b="0" i="0" kern="1200" dirty="0" smtClean="0"/>
+            <a:rPr lang="zh-TW" altLang="en-US" sz="1600" b="0" i="0" kern="1200" dirty="0"/>
             <a:t>●</a:t>
           </a:r>
           <a:r>
-            <a:rPr lang="zh-TW" altLang="en-US" sz="1600" kern="1200" dirty="0" smtClean="0"/>
+            <a:rPr lang="zh-TW" altLang="en-US" sz="1600" kern="1200" dirty="0"/>
             <a:t>前台領養、刊登功能開發</a:t>
           </a:r>
-          <a:r>
-            <a:rPr lang="en-US" altLang="zh-TW" sz="1600" kern="1200" dirty="0" smtClean="0"/>
-            <a:t/>
-          </a:r>
           <a:br>
-            <a:rPr lang="en-US" altLang="zh-TW" sz="1600" kern="1200" dirty="0" smtClean="0"/>
+            <a:rPr lang="en-US" altLang="zh-TW" sz="1600" kern="1200" dirty="0"/>
           </a:br>
           <a:r>
-            <a:rPr lang="zh-TW" altLang="en-US" sz="1600" b="0" i="0" kern="1200" dirty="0" smtClean="0"/>
+            <a:rPr lang="zh-TW" altLang="en-US" sz="1600" b="0" i="0" kern="1200" dirty="0"/>
             <a:t>●</a:t>
           </a:r>
           <a:r>
-            <a:rPr lang="zh-TW" altLang="en-US" sz="1600" kern="1200" dirty="0" smtClean="0"/>
+            <a:rPr lang="zh-TW" altLang="en-US" sz="1600" kern="1200" dirty="0"/>
             <a:t>後台刊登功能開發</a:t>
           </a:r>
-          <a:endParaRPr lang="zh-TW" altLang="en-US" sz="1600" kern="1200" dirty="0"/>
         </a:p>
       </dsp:txBody>
       <dsp:txXfrm>
@@ -2526,7 +2331,7 @@
           <a:avLst/>
         </a:prstGeom>
         <a:blipFill>
-          <a:blip xmlns:r="http://schemas.openxmlformats.org/officeDocument/2006/relationships" r:embed="rId1" cstate="hqprint">
+          <a:blip xmlns:r="http://schemas.openxmlformats.org/officeDocument/2006/relationships" r:embed="rId2" cstate="hqprint">
             <a:extLst>
               <a:ext uri="{28A0092B-C50C-407E-A947-70E740481C1C}">
                 <a14:useLocalDpi xmlns:a14="http://schemas.microsoft.com/office/drawing/2010/main" val="0"/>
@@ -3941,7 +3746,7 @@
           <a:p>
             <a:fld id="{706FF21D-4771-4543-AFBC-2EF58E611031}" type="datetimeFigureOut">
               <a:rPr lang="zh-TW" altLang="en-US" smtClean="0"/>
-              <a:t>2021/9/30</a:t>
+              <a:t>2021/9/30 Thu</a:t>
             </a:fld>
             <a:endParaRPr lang="zh-TW" altLang="en-US"/>
           </a:p>
@@ -4786,7 +4591,7 @@
           <a:p>
             <a:fld id="{4A13BF6C-7F03-451E-B544-550EF5B39A1D}" type="datetimeFigureOut">
               <a:rPr lang="zh-TW" altLang="en-US" smtClean="0"/>
-              <a:t>2021/9/30</a:t>
+              <a:t>2021/9/30 Thu</a:t>
             </a:fld>
             <a:endParaRPr lang="zh-TW" altLang="en-US"/>
           </a:p>
@@ -5027,7 +4832,7 @@
           <a:p>
             <a:fld id="{4A13BF6C-7F03-451E-B544-550EF5B39A1D}" type="datetimeFigureOut">
               <a:rPr lang="zh-TW" altLang="en-US" smtClean="0"/>
-              <a:t>2021/9/30</a:t>
+              <a:t>2021/9/30 Thu</a:t>
             </a:fld>
             <a:endParaRPr lang="zh-TW" altLang="en-US"/>
           </a:p>
@@ -12269,7 +12074,7 @@
           <p:nvPr>
             <p:extLst>
               <p:ext uri="{D42A27DB-BD31-4B8C-83A1-F6EECF244321}">
-                <p14:modId xmlns:p14="http://schemas.microsoft.com/office/powerpoint/2010/main" val="2469518309"/>
+                <p14:modId xmlns:p14="http://schemas.microsoft.com/office/powerpoint/2010/main" val="2822550570"/>
               </p:ext>
             </p:extLst>
           </p:nvPr>
